--- a/2016/C语言/课件/第9章  结构体与共用体.pptx
+++ b/2016/C语言/课件/第9章  结构体与共用体.pptx
@@ -1163,7 +1163,7 @@
         </p:nvSpPr>
         <p:spPr>
           <a:xfrm>
-            <a:off x="1026544175" y="-2147483648"/>
+            <a:off x="2147483647" y="-2147483648"/>
             <a:ext cx="0" cy="2147483647"/>
           </a:xfrm>
           <a:ln/>
@@ -3186,7 +3186,7 @@
 </file>
 
 <file path=ppt/slideLayouts/slideLayout1.xml><?xml version="1.0" encoding="utf-8"?>
-<p:sldLayout xmlns:a="http://schemas.openxmlformats.org/drawingml/2006/main" xmlns:r="http://schemas.openxmlformats.org/officeDocument/2006/relationships" xmlns:p="http://schemas.openxmlformats.org/presentationml/2006/main" type="title" preserve="1">
+<p:sldLayout xmlns:a="http://schemas.openxmlformats.org/drawingml/2006/main" xmlns:r="http://schemas.openxmlformats.org/officeDocument/2006/relationships" xmlns:p="http://schemas.openxmlformats.org/presentationml/2006/main" showMasterSp="0" type="title" preserve="1">
   <p:cSld name="标题幻灯片">
     <p:spTree>
       <p:nvGrpSpPr>
@@ -3383,7 +3383,7 @@
 </file>
 
 <file path=ppt/slideLayouts/slideLayout10.xml><?xml version="1.0" encoding="utf-8"?>
-<p:sldLayout xmlns:a="http://schemas.openxmlformats.org/drawingml/2006/main" xmlns:r="http://schemas.openxmlformats.org/officeDocument/2006/relationships" xmlns:p="http://schemas.openxmlformats.org/presentationml/2006/main" type="vertTx" preserve="1">
+<p:sldLayout xmlns:a="http://schemas.openxmlformats.org/drawingml/2006/main" xmlns:r="http://schemas.openxmlformats.org/officeDocument/2006/relationships" xmlns:p="http://schemas.openxmlformats.org/presentationml/2006/main" showMasterSp="0" type="vertTx" preserve="1">
   <p:cSld name="标题和竖排文字">
     <p:spTree>
       <p:nvGrpSpPr>
@@ -3562,7 +3562,7 @@
 </file>
 
 <file path=ppt/slideLayouts/slideLayout11.xml><?xml version="1.0" encoding="utf-8"?>
-<p:sldLayout xmlns:a="http://schemas.openxmlformats.org/drawingml/2006/main" xmlns:r="http://schemas.openxmlformats.org/officeDocument/2006/relationships" xmlns:p="http://schemas.openxmlformats.org/presentationml/2006/main" type="vertTitleAndTx" preserve="1">
+<p:sldLayout xmlns:a="http://schemas.openxmlformats.org/drawingml/2006/main" xmlns:r="http://schemas.openxmlformats.org/officeDocument/2006/relationships" xmlns:p="http://schemas.openxmlformats.org/presentationml/2006/main" showMasterSp="0" type="vertTitleAndTx" preserve="1">
   <p:cSld name="垂直排列标题与文本">
     <p:spTree>
       <p:nvGrpSpPr>
@@ -3751,7 +3751,7 @@
 </file>
 
 <file path=ppt/slideLayouts/slideLayout2.xml><?xml version="1.0" encoding="utf-8"?>
-<p:sldLayout xmlns:a="http://schemas.openxmlformats.org/drawingml/2006/main" xmlns:r="http://schemas.openxmlformats.org/officeDocument/2006/relationships" xmlns:p="http://schemas.openxmlformats.org/presentationml/2006/main" type="obj" preserve="1">
+<p:sldLayout xmlns:a="http://schemas.openxmlformats.org/drawingml/2006/main" xmlns:r="http://schemas.openxmlformats.org/officeDocument/2006/relationships" xmlns:p="http://schemas.openxmlformats.org/presentationml/2006/main" showMasterSp="0" type="obj" preserve="1">
   <p:cSld name="标题和内容">
     <p:spTree>
       <p:nvGrpSpPr>
@@ -3930,7 +3930,7 @@
 </file>
 
 <file path=ppt/slideLayouts/slideLayout3.xml><?xml version="1.0" encoding="utf-8"?>
-<p:sldLayout xmlns:a="http://schemas.openxmlformats.org/drawingml/2006/main" xmlns:r="http://schemas.openxmlformats.org/officeDocument/2006/relationships" xmlns:p="http://schemas.openxmlformats.org/presentationml/2006/main" type="secHead" preserve="1">
+<p:sldLayout xmlns:a="http://schemas.openxmlformats.org/drawingml/2006/main" xmlns:r="http://schemas.openxmlformats.org/officeDocument/2006/relationships" xmlns:p="http://schemas.openxmlformats.org/presentationml/2006/main" showMasterSp="0" type="secHead" preserve="1">
   <p:cSld name="节标题">
     <p:spTree>
       <p:nvGrpSpPr>
@@ -4131,7 +4131,7 @@
 </file>
 
 <file path=ppt/slideLayouts/slideLayout4.xml><?xml version="1.0" encoding="utf-8"?>
-<p:sldLayout xmlns:a="http://schemas.openxmlformats.org/drawingml/2006/main" xmlns:r="http://schemas.openxmlformats.org/officeDocument/2006/relationships" xmlns:p="http://schemas.openxmlformats.org/presentationml/2006/main" type="twoObj" preserve="1">
+<p:sldLayout xmlns:a="http://schemas.openxmlformats.org/drawingml/2006/main" xmlns:r="http://schemas.openxmlformats.org/officeDocument/2006/relationships" xmlns:p="http://schemas.openxmlformats.org/presentationml/2006/main" showMasterSp="0" type="twoObj" preserve="1">
   <p:cSld name="两栏内容">
     <p:spTree>
       <p:nvGrpSpPr>
@@ -4428,7 +4428,7 @@
 </file>
 
 <file path=ppt/slideLayouts/slideLayout5.xml><?xml version="1.0" encoding="utf-8"?>
-<p:sldLayout xmlns:a="http://schemas.openxmlformats.org/drawingml/2006/main" xmlns:r="http://schemas.openxmlformats.org/officeDocument/2006/relationships" xmlns:p="http://schemas.openxmlformats.org/presentationml/2006/main" type="twoTxTwoObj" preserve="1">
+<p:sldLayout xmlns:a="http://schemas.openxmlformats.org/drawingml/2006/main" xmlns:r="http://schemas.openxmlformats.org/officeDocument/2006/relationships" xmlns:p="http://schemas.openxmlformats.org/presentationml/2006/main" showMasterSp="0" type="twoTxTwoObj" preserve="1">
   <p:cSld name="比较">
     <p:spTree>
       <p:nvGrpSpPr>
@@ -4864,7 +4864,7 @@
 </file>
 
 <file path=ppt/slideLayouts/slideLayout6.xml><?xml version="1.0" encoding="utf-8"?>
-<p:sldLayout xmlns:a="http://schemas.openxmlformats.org/drawingml/2006/main" xmlns:r="http://schemas.openxmlformats.org/officeDocument/2006/relationships" xmlns:p="http://schemas.openxmlformats.org/presentationml/2006/main" type="titleOnly" preserve="1">
+<p:sldLayout xmlns:a="http://schemas.openxmlformats.org/drawingml/2006/main" xmlns:r="http://schemas.openxmlformats.org/officeDocument/2006/relationships" xmlns:p="http://schemas.openxmlformats.org/presentationml/2006/main" showMasterSp="0" type="titleOnly" preserve="1">
   <p:cSld name="仅标题">
     <p:spTree>
       <p:nvGrpSpPr>
@@ -4991,7 +4991,7 @@
 </file>
 
 <file path=ppt/slideLayouts/slideLayout7.xml><?xml version="1.0" encoding="utf-8"?>
-<p:sldLayout xmlns:a="http://schemas.openxmlformats.org/drawingml/2006/main" xmlns:r="http://schemas.openxmlformats.org/officeDocument/2006/relationships" xmlns:p="http://schemas.openxmlformats.org/presentationml/2006/main" type="blank" preserve="1">
+<p:sldLayout xmlns:a="http://schemas.openxmlformats.org/drawingml/2006/main" xmlns:r="http://schemas.openxmlformats.org/officeDocument/2006/relationships" xmlns:p="http://schemas.openxmlformats.org/presentationml/2006/main" showMasterSp="0" type="blank" preserve="1">
   <p:cSld name="空白">
     <p:spTree>
       <p:nvGrpSpPr>
@@ -5091,11 +5091,18 @@
   <p:clrMapOvr>
     <a:masterClrMapping/>
   </p:clrMapOvr>
+  <p:timing>
+    <p:tnLst>
+      <p:par>
+        <p:cTn id="1" dur="indefinite" restart="never" nodeType="tmRoot"/>
+      </p:par>
+    </p:tnLst>
+  </p:timing>
 </p:sldLayout>
 </file>
 
 <file path=ppt/slideLayouts/slideLayout8.xml><?xml version="1.0" encoding="utf-8"?>
-<p:sldLayout xmlns:a="http://schemas.openxmlformats.org/drawingml/2006/main" xmlns:r="http://schemas.openxmlformats.org/officeDocument/2006/relationships" xmlns:p="http://schemas.openxmlformats.org/presentationml/2006/main" type="objTx" preserve="1">
+<p:sldLayout xmlns:a="http://schemas.openxmlformats.org/drawingml/2006/main" xmlns:r="http://schemas.openxmlformats.org/officeDocument/2006/relationships" xmlns:p="http://schemas.openxmlformats.org/presentationml/2006/main" showMasterSp="0" type="objTx" preserve="1">
   <p:cSld name="内容与标题">
     <p:spTree>
       <p:nvGrpSpPr>
@@ -5381,7 +5388,7 @@
 </file>
 
 <file path=ppt/slideLayouts/slideLayout9.xml><?xml version="1.0" encoding="utf-8"?>
-<p:sldLayout xmlns:a="http://schemas.openxmlformats.org/drawingml/2006/main" xmlns:r="http://schemas.openxmlformats.org/officeDocument/2006/relationships" xmlns:p="http://schemas.openxmlformats.org/presentationml/2006/main" type="picTx" preserve="1">
+<p:sldLayout xmlns:a="http://schemas.openxmlformats.org/drawingml/2006/main" xmlns:r="http://schemas.openxmlformats.org/officeDocument/2006/relationships" xmlns:p="http://schemas.openxmlformats.org/presentationml/2006/main" showMasterSp="0" type="picTx" preserve="1">
   <p:cSld name="图片与标题">
     <p:spTree>
       <p:nvGrpSpPr>
@@ -5647,11 +5654,9 @@
   <p:cSld>
     <p:bg bwMode="auto">
       <p:bgPr>
-        <a:blipFill dpi="0" rotWithShape="0">
-          <a:blip r:embed="rId13"/>
-          <a:srcRect/>
-          <a:tile tx="0" ty="0" sx="100000" sy="100000" flip="none" algn="tl"/>
-        </a:blipFill>
+        <a:solidFill>
+          <a:schemeClr val="bg1"/>
+        </a:solidFill>
         <a:effectLst/>
       </p:bgPr>
     </p:bg>
@@ -5669,4348 +5674,6 @@
           <a:chExt cx="0" cy="0"/>
         </a:xfrm>
       </p:grpSpPr>
-      <p:grpSp>
-        <p:nvGrpSpPr>
-          <p:cNvPr id="1026" name="Group 2"/>
-          <p:cNvGrpSpPr>
-            <a:grpSpLocks/>
-          </p:cNvGrpSpPr>
-          <p:nvPr/>
-        </p:nvGrpSpPr>
-        <p:grpSpPr bwMode="auto">
-          <a:xfrm>
-            <a:off x="0" y="0"/>
-            <a:ext cx="9156700" cy="757238"/>
-            <a:chOff x="0" y="0"/>
-            <a:chExt cx="5768" cy="477"/>
-          </a:xfrm>
-        </p:grpSpPr>
-        <p:sp>
-          <p:nvSpPr>
-            <p:cNvPr id="1027" name="Freeform 3"/>
-            <p:cNvSpPr>
-              <a:spLocks noChangeArrowheads="1"/>
-            </p:cNvSpPr>
-            <p:nvPr/>
-          </p:nvSpPr>
-          <p:spPr bwMode="auto">
-            <a:xfrm>
-              <a:off x="5" y="0"/>
-              <a:ext cx="5763" cy="477"/>
-            </a:xfrm>
-            <a:custGeom>
-              <a:avLst/>
-              <a:gdLst>
-                <a:gd name="T0" fmla="*/ 0 w 5763"/>
-                <a:gd name="T1" fmla="*/ 450 h 477"/>
-                <a:gd name="T2" fmla="*/ 3 w 5763"/>
-                <a:gd name="T3" fmla="*/ 0 h 477"/>
-                <a:gd name="T4" fmla="*/ 5763 w 5763"/>
-                <a:gd name="T5" fmla="*/ 0 h 477"/>
-                <a:gd name="T6" fmla="*/ 5763 w 5763"/>
-                <a:gd name="T7" fmla="*/ 465 h 477"/>
-                <a:gd name="T8" fmla="*/ 4821 w 5763"/>
-                <a:gd name="T9" fmla="*/ 477 h 477"/>
-                <a:gd name="T10" fmla="*/ 4326 w 5763"/>
-                <a:gd name="T11" fmla="*/ 447 h 477"/>
-                <a:gd name="T12" fmla="*/ 3783 w 5763"/>
-                <a:gd name="T13" fmla="*/ 465 h 477"/>
-                <a:gd name="T14" fmla="*/ 3417 w 5763"/>
-                <a:gd name="T15" fmla="*/ 456 h 477"/>
-                <a:gd name="T16" fmla="*/ 2973 w 5763"/>
-                <a:gd name="T17" fmla="*/ 459 h 477"/>
-                <a:gd name="T18" fmla="*/ 2451 w 5763"/>
-                <a:gd name="T19" fmla="*/ 453 h 477"/>
-                <a:gd name="T20" fmla="*/ 2289 w 5763"/>
-                <a:gd name="T21" fmla="*/ 441 h 477"/>
-                <a:gd name="T22" fmla="*/ 2010 w 5763"/>
-                <a:gd name="T23" fmla="*/ 453 h 477"/>
-                <a:gd name="T24" fmla="*/ 1827 w 5763"/>
-                <a:gd name="T25" fmla="*/ 450 h 477"/>
-                <a:gd name="T26" fmla="*/ 1215 w 5763"/>
-                <a:gd name="T27" fmla="*/ 465 h 477"/>
-                <a:gd name="T28" fmla="*/ 660 w 5763"/>
-                <a:gd name="T29" fmla="*/ 456 h 477"/>
-                <a:gd name="T30" fmla="*/ 0 w 5763"/>
-                <a:gd name="T31" fmla="*/ 450 h 477"/>
-                <a:gd name="T32" fmla="*/ 0 60000 65536"/>
-                <a:gd name="T33" fmla="*/ 0 60000 65536"/>
-                <a:gd name="T34" fmla="*/ 0 60000 65536"/>
-                <a:gd name="T35" fmla="*/ 0 60000 65536"/>
-                <a:gd name="T36" fmla="*/ 0 60000 65536"/>
-                <a:gd name="T37" fmla="*/ 0 60000 65536"/>
-                <a:gd name="T38" fmla="*/ 0 60000 65536"/>
-                <a:gd name="T39" fmla="*/ 0 60000 65536"/>
-                <a:gd name="T40" fmla="*/ 0 60000 65536"/>
-                <a:gd name="T41" fmla="*/ 0 60000 65536"/>
-                <a:gd name="T42" fmla="*/ 0 60000 65536"/>
-                <a:gd name="T43" fmla="*/ 0 60000 65536"/>
-                <a:gd name="T44" fmla="*/ 0 60000 65536"/>
-                <a:gd name="T45" fmla="*/ 0 60000 65536"/>
-                <a:gd name="T46" fmla="*/ 0 60000 65536"/>
-                <a:gd name="T47" fmla="*/ 0 60000 65536"/>
-                <a:gd name="T48" fmla="*/ 0 w 5763"/>
-                <a:gd name="T49" fmla="*/ 0 h 477"/>
-                <a:gd name="T50" fmla="*/ 5763 w 5763"/>
-                <a:gd name="T51" fmla="*/ 477 h 477"/>
-              </a:gdLst>
-              <a:ahLst/>
-              <a:cxnLst>
-                <a:cxn ang="T32">
-                  <a:pos x="T0" y="T1"/>
-                </a:cxn>
-                <a:cxn ang="T33">
-                  <a:pos x="T2" y="T3"/>
-                </a:cxn>
-                <a:cxn ang="T34">
-                  <a:pos x="T4" y="T5"/>
-                </a:cxn>
-                <a:cxn ang="T35">
-                  <a:pos x="T6" y="T7"/>
-                </a:cxn>
-                <a:cxn ang="T36">
-                  <a:pos x="T8" y="T9"/>
-                </a:cxn>
-                <a:cxn ang="T37">
-                  <a:pos x="T10" y="T11"/>
-                </a:cxn>
-                <a:cxn ang="T38">
-                  <a:pos x="T12" y="T13"/>
-                </a:cxn>
-                <a:cxn ang="T39">
-                  <a:pos x="T14" y="T15"/>
-                </a:cxn>
-                <a:cxn ang="T40">
-                  <a:pos x="T16" y="T17"/>
-                </a:cxn>
-                <a:cxn ang="T41">
-                  <a:pos x="T18" y="T19"/>
-                </a:cxn>
-                <a:cxn ang="T42">
-                  <a:pos x="T20" y="T21"/>
-                </a:cxn>
-                <a:cxn ang="T43">
-                  <a:pos x="T22" y="T23"/>
-                </a:cxn>
-                <a:cxn ang="T44">
-                  <a:pos x="T24" y="T25"/>
-                </a:cxn>
-                <a:cxn ang="T45">
-                  <a:pos x="T26" y="T27"/>
-                </a:cxn>
-                <a:cxn ang="T46">
-                  <a:pos x="T28" y="T29"/>
-                </a:cxn>
-                <a:cxn ang="T47">
-                  <a:pos x="T30" y="T31"/>
-                </a:cxn>
-              </a:cxnLst>
-              <a:rect l="T48" t="T49" r="T50" b="T51"/>
-              <a:pathLst>
-                <a:path w="5763" h="477">
-                  <a:moveTo>
-                    <a:pt x="0" y="450"/>
-                  </a:moveTo>
-                  <a:lnTo>
-                    <a:pt x="3" y="0"/>
-                  </a:lnTo>
-                  <a:lnTo>
-                    <a:pt x="5763" y="0"/>
-                  </a:lnTo>
-                  <a:lnTo>
-                    <a:pt x="5763" y="465"/>
-                  </a:lnTo>
-                  <a:lnTo>
-                    <a:pt x="4821" y="477"/>
-                  </a:lnTo>
-                  <a:lnTo>
-                    <a:pt x="4326" y="447"/>
-                  </a:lnTo>
-                  <a:lnTo>
-                    <a:pt x="3783" y="465"/>
-                  </a:lnTo>
-                  <a:lnTo>
-                    <a:pt x="3417" y="456"/>
-                  </a:lnTo>
-                  <a:lnTo>
-                    <a:pt x="2973" y="459"/>
-                  </a:lnTo>
-                  <a:lnTo>
-                    <a:pt x="2451" y="453"/>
-                  </a:lnTo>
-                  <a:lnTo>
-                    <a:pt x="2289" y="441"/>
-                  </a:lnTo>
-                  <a:lnTo>
-                    <a:pt x="2010" y="453"/>
-                  </a:lnTo>
-                  <a:lnTo>
-                    <a:pt x="1827" y="450"/>
-                  </a:lnTo>
-                  <a:lnTo>
-                    <a:pt x="1215" y="465"/>
-                  </a:lnTo>
-                  <a:lnTo>
-                    <a:pt x="660" y="456"/>
-                  </a:lnTo>
-                  <a:lnTo>
-                    <a:pt x="0" y="450"/>
-                  </a:lnTo>
-                  <a:close/>
-                </a:path>
-              </a:pathLst>
-            </a:custGeom>
-            <a:solidFill>
-              <a:srgbClr val="C7C7DF">
-                <a:alpha val="50000"/>
-              </a:srgbClr>
-            </a:solidFill>
-            <a:ln>
-              <a:noFill/>
-            </a:ln>
-            <a:extLst>
-              <a:ext uri="{91240B29-F687-4F45-9708-019B960494DF}">
-                <a14:hiddenLine xmlns:a14="http://schemas.microsoft.com/office/drawing/2010/main" w="9525">
-                  <a:solidFill>
-                    <a:srgbClr val="000000"/>
-                  </a:solidFill>
-                  <a:miter lim="800000"/>
-                  <a:headEnd/>
-                  <a:tailEnd/>
-                </a14:hiddenLine>
-              </a:ext>
-            </a:extLst>
-          </p:spPr>
-          <p:txBody>
-            <a:bodyPr wrap="none" anchor="ctr"/>
-            <a:lstStyle/>
-            <a:p>
-              <a:endParaRPr lang="zh-CN" altLang="zh-CN" sz="1800">
-                <a:solidFill>
-                  <a:srgbClr val="545472"/>
-                </a:solidFill>
-                <a:sym typeface="Tahoma" pitchFamily="34" charset="0"/>
-              </a:endParaRPr>
-            </a:p>
-          </p:txBody>
-        </p:sp>
-        <p:sp>
-          <p:nvSpPr>
-            <p:cNvPr id="1028" name="Freeform 4"/>
-            <p:cNvSpPr>
-              <a:spLocks noChangeArrowheads="1"/>
-            </p:cNvSpPr>
-            <p:nvPr/>
-          </p:nvSpPr>
-          <p:spPr bwMode="auto">
-            <a:xfrm>
-              <a:off x="0" y="98"/>
-              <a:ext cx="256" cy="253"/>
-            </a:xfrm>
-            <a:custGeom>
-              <a:avLst/>
-              <a:gdLst>
-                <a:gd name="T0" fmla="*/ 8 w 256"/>
-                <a:gd name="T1" fmla="*/ 190 h 253"/>
-                <a:gd name="T2" fmla="*/ 71 w 256"/>
-                <a:gd name="T3" fmla="*/ 115 h 253"/>
-                <a:gd name="T4" fmla="*/ 203 w 256"/>
-                <a:gd name="T5" fmla="*/ 16 h 253"/>
-                <a:gd name="T6" fmla="*/ 251 w 256"/>
-                <a:gd name="T7" fmla="*/ 19 h 253"/>
-                <a:gd name="T8" fmla="*/ 236 w 256"/>
-                <a:gd name="T9" fmla="*/ 46 h 253"/>
-                <a:gd name="T10" fmla="*/ 176 w 256"/>
-                <a:gd name="T11" fmla="*/ 82 h 253"/>
-                <a:gd name="T12" fmla="*/ 92 w 256"/>
-                <a:gd name="T13" fmla="*/ 154 h 253"/>
-                <a:gd name="T14" fmla="*/ 23 w 256"/>
-                <a:gd name="T15" fmla="*/ 247 h 253"/>
-                <a:gd name="T16" fmla="*/ 8 w 256"/>
-                <a:gd name="T17" fmla="*/ 190 h 253"/>
-                <a:gd name="T18" fmla="*/ 0 60000 65536"/>
-                <a:gd name="T19" fmla="*/ 0 60000 65536"/>
-                <a:gd name="T20" fmla="*/ 0 60000 65536"/>
-                <a:gd name="T21" fmla="*/ 0 60000 65536"/>
-                <a:gd name="T22" fmla="*/ 0 60000 65536"/>
-                <a:gd name="T23" fmla="*/ 0 60000 65536"/>
-                <a:gd name="T24" fmla="*/ 0 60000 65536"/>
-                <a:gd name="T25" fmla="*/ 0 60000 65536"/>
-                <a:gd name="T26" fmla="*/ 0 60000 65536"/>
-                <a:gd name="T27" fmla="*/ 0 w 256"/>
-                <a:gd name="T28" fmla="*/ 0 h 253"/>
-                <a:gd name="T29" fmla="*/ 256 w 256"/>
-                <a:gd name="T30" fmla="*/ 253 h 253"/>
-              </a:gdLst>
-              <a:ahLst/>
-              <a:cxnLst>
-                <a:cxn ang="T18">
-                  <a:pos x="T0" y="T1"/>
-                </a:cxn>
-                <a:cxn ang="T19">
-                  <a:pos x="T2" y="T3"/>
-                </a:cxn>
-                <a:cxn ang="T20">
-                  <a:pos x="T4" y="T5"/>
-                </a:cxn>
-                <a:cxn ang="T21">
-                  <a:pos x="T6" y="T7"/>
-                </a:cxn>
-                <a:cxn ang="T22">
-                  <a:pos x="T8" y="T9"/>
-                </a:cxn>
-                <a:cxn ang="T23">
-                  <a:pos x="T10" y="T11"/>
-                </a:cxn>
-                <a:cxn ang="T24">
-                  <a:pos x="T12" y="T13"/>
-                </a:cxn>
-                <a:cxn ang="T25">
-                  <a:pos x="T14" y="T15"/>
-                </a:cxn>
-                <a:cxn ang="T26">
-                  <a:pos x="T16" y="T17"/>
-                </a:cxn>
-              </a:cxnLst>
-              <a:rect l="T27" t="T28" r="T29" b="T30"/>
-              <a:pathLst>
-                <a:path w="256" h="253">
-                  <a:moveTo>
-                    <a:pt x="8" y="190"/>
-                  </a:moveTo>
-                  <a:cubicBezTo>
-                    <a:pt x="16" y="168"/>
-                    <a:pt x="38" y="144"/>
-                    <a:pt x="71" y="115"/>
-                  </a:cubicBezTo>
-                  <a:cubicBezTo>
-                    <a:pt x="104" y="86"/>
-                    <a:pt x="173" y="32"/>
-                    <a:pt x="203" y="16"/>
-                  </a:cubicBezTo>
-                  <a:cubicBezTo>
-                    <a:pt x="233" y="0"/>
-                    <a:pt x="246" y="14"/>
-                    <a:pt x="251" y="19"/>
-                  </a:cubicBezTo>
-                  <a:cubicBezTo>
-                    <a:pt x="256" y="24"/>
-                    <a:pt x="249" y="35"/>
-                    <a:pt x="236" y="46"/>
-                  </a:cubicBezTo>
-                  <a:cubicBezTo>
-                    <a:pt x="223" y="57"/>
-                    <a:pt x="200" y="64"/>
-                    <a:pt x="176" y="82"/>
-                  </a:cubicBezTo>
-                  <a:cubicBezTo>
-                    <a:pt x="152" y="100"/>
-                    <a:pt x="118" y="126"/>
-                    <a:pt x="92" y="154"/>
-                  </a:cubicBezTo>
-                  <a:cubicBezTo>
-                    <a:pt x="66" y="182"/>
-                    <a:pt x="36" y="241"/>
-                    <a:pt x="23" y="247"/>
-                  </a:cubicBezTo>
-                  <a:cubicBezTo>
-                    <a:pt x="10" y="253"/>
-                    <a:pt x="0" y="212"/>
-                    <a:pt x="8" y="190"/>
-                  </a:cubicBezTo>
-                  <a:close/>
-                </a:path>
-              </a:pathLst>
-            </a:custGeom>
-            <a:gradFill rotWithShape="0">
-              <a:gsLst>
-                <a:gs pos="0">
-                  <a:srgbClr val="C7C7DF"/>
-                </a:gs>
-                <a:gs pos="100000">
-                  <a:srgbClr val="9797B7"/>
-                </a:gs>
-              </a:gsLst>
-              <a:lin ang="2700000" scaled="1"/>
-            </a:gradFill>
-            <a:ln>
-              <a:noFill/>
-            </a:ln>
-            <a:extLst>
-              <a:ext uri="{91240B29-F687-4F45-9708-019B960494DF}">
-                <a14:hiddenLine xmlns:a14="http://schemas.microsoft.com/office/drawing/2010/main" w="9525">
-                  <a:solidFill>
-                    <a:srgbClr val="000000"/>
-                  </a:solidFill>
-                  <a:miter lim="800000"/>
-                  <a:headEnd/>
-                  <a:tailEnd/>
-                </a14:hiddenLine>
-              </a:ext>
-            </a:extLst>
-          </p:spPr>
-          <p:txBody>
-            <a:bodyPr wrap="none" anchor="ctr"/>
-            <a:lstStyle/>
-            <a:p>
-              <a:endParaRPr lang="zh-CN" altLang="zh-CN" sz="1800">
-                <a:solidFill>
-                  <a:srgbClr val="545472"/>
-                </a:solidFill>
-                <a:sym typeface="Tahoma" pitchFamily="34" charset="0"/>
-              </a:endParaRPr>
-            </a:p>
-          </p:txBody>
-        </p:sp>
-        <p:sp>
-          <p:nvSpPr>
-            <p:cNvPr id="1029" name="Freeform 5"/>
-            <p:cNvSpPr>
-              <a:spLocks noChangeArrowheads="1"/>
-            </p:cNvSpPr>
-            <p:nvPr/>
-          </p:nvSpPr>
-          <p:spPr bwMode="auto">
-            <a:xfrm>
-              <a:off x="56" y="0"/>
-              <a:ext cx="708" cy="459"/>
-            </a:xfrm>
-            <a:custGeom>
-              <a:avLst/>
-              <a:gdLst>
-                <a:gd name="T0" fmla="*/ 0 w 708"/>
-                <a:gd name="T1" fmla="*/ 432 h 459"/>
-                <a:gd name="T2" fmla="*/ 0 w 708"/>
-                <a:gd name="T3" fmla="*/ 453 h 459"/>
-                <a:gd name="T4" fmla="*/ 72 w 708"/>
-                <a:gd name="T5" fmla="*/ 324 h 459"/>
-                <a:gd name="T6" fmla="*/ 198 w 708"/>
-                <a:gd name="T7" fmla="*/ 201 h 459"/>
-                <a:gd name="T8" fmla="*/ 366 w 708"/>
-                <a:gd name="T9" fmla="*/ 102 h 459"/>
-                <a:gd name="T10" fmla="*/ 531 w 708"/>
-                <a:gd name="T11" fmla="*/ 36 h 459"/>
-                <a:gd name="T12" fmla="*/ 609 w 708"/>
-                <a:gd name="T13" fmla="*/ 0 h 459"/>
-                <a:gd name="T14" fmla="*/ 708 w 708"/>
-                <a:gd name="T15" fmla="*/ 3 h 459"/>
-                <a:gd name="T16" fmla="*/ 591 w 708"/>
-                <a:gd name="T17" fmla="*/ 66 h 459"/>
-                <a:gd name="T18" fmla="*/ 417 w 708"/>
-                <a:gd name="T19" fmla="*/ 126 h 459"/>
-                <a:gd name="T20" fmla="*/ 237 w 708"/>
-                <a:gd name="T21" fmla="*/ 231 h 459"/>
-                <a:gd name="T22" fmla="*/ 117 w 708"/>
-                <a:gd name="T23" fmla="*/ 345 h 459"/>
-                <a:gd name="T24" fmla="*/ 51 w 708"/>
-                <a:gd name="T25" fmla="*/ 459 h 459"/>
-                <a:gd name="T26" fmla="*/ 0 w 708"/>
-                <a:gd name="T27" fmla="*/ 453 h 459"/>
-                <a:gd name="T28" fmla="*/ 0 60000 65536"/>
-                <a:gd name="T29" fmla="*/ 0 60000 65536"/>
-                <a:gd name="T30" fmla="*/ 0 60000 65536"/>
-                <a:gd name="T31" fmla="*/ 0 60000 65536"/>
-                <a:gd name="T32" fmla="*/ 0 60000 65536"/>
-                <a:gd name="T33" fmla="*/ 0 60000 65536"/>
-                <a:gd name="T34" fmla="*/ 0 60000 65536"/>
-                <a:gd name="T35" fmla="*/ 0 60000 65536"/>
-                <a:gd name="T36" fmla="*/ 0 60000 65536"/>
-                <a:gd name="T37" fmla="*/ 0 60000 65536"/>
-                <a:gd name="T38" fmla="*/ 0 60000 65536"/>
-                <a:gd name="T39" fmla="*/ 0 60000 65536"/>
-                <a:gd name="T40" fmla="*/ 0 60000 65536"/>
-                <a:gd name="T41" fmla="*/ 0 60000 65536"/>
-                <a:gd name="T42" fmla="*/ 0 w 708"/>
-                <a:gd name="T43" fmla="*/ 0 h 459"/>
-                <a:gd name="T44" fmla="*/ 708 w 708"/>
-                <a:gd name="T45" fmla="*/ 459 h 459"/>
-              </a:gdLst>
-              <a:ahLst/>
-              <a:cxnLst>
-                <a:cxn ang="T28">
-                  <a:pos x="T0" y="T1"/>
-                </a:cxn>
-                <a:cxn ang="T29">
-                  <a:pos x="T2" y="T3"/>
-                </a:cxn>
-                <a:cxn ang="T30">
-                  <a:pos x="T4" y="T5"/>
-                </a:cxn>
-                <a:cxn ang="T31">
-                  <a:pos x="T6" y="T7"/>
-                </a:cxn>
-                <a:cxn ang="T32">
-                  <a:pos x="T8" y="T9"/>
-                </a:cxn>
-                <a:cxn ang="T33">
-                  <a:pos x="T10" y="T11"/>
-                </a:cxn>
-                <a:cxn ang="T34">
-                  <a:pos x="T12" y="T13"/>
-                </a:cxn>
-                <a:cxn ang="T35">
-                  <a:pos x="T14" y="T15"/>
-                </a:cxn>
-                <a:cxn ang="T36">
-                  <a:pos x="T16" y="T17"/>
-                </a:cxn>
-                <a:cxn ang="T37">
-                  <a:pos x="T18" y="T19"/>
-                </a:cxn>
-                <a:cxn ang="T38">
-                  <a:pos x="T20" y="T21"/>
-                </a:cxn>
-                <a:cxn ang="T39">
-                  <a:pos x="T22" y="T23"/>
-                </a:cxn>
-                <a:cxn ang="T40">
-                  <a:pos x="T24" y="T25"/>
-                </a:cxn>
-                <a:cxn ang="T41">
-                  <a:pos x="T26" y="T27"/>
-                </a:cxn>
-              </a:cxnLst>
-              <a:rect l="T42" t="T43" r="T44" b="T45"/>
-              <a:pathLst>
-                <a:path w="708" h="459">
-                  <a:moveTo>
-                    <a:pt x="0" y="432"/>
-                  </a:moveTo>
-                  <a:lnTo>
-                    <a:pt x="0" y="453"/>
-                  </a:lnTo>
-                  <a:cubicBezTo>
-                    <a:pt x="12" y="435"/>
-                    <a:pt x="39" y="366"/>
-                    <a:pt x="72" y="324"/>
-                  </a:cubicBezTo>
-                  <a:cubicBezTo>
-                    <a:pt x="105" y="282"/>
-                    <a:pt x="149" y="238"/>
-                    <a:pt x="198" y="201"/>
-                  </a:cubicBezTo>
-                  <a:cubicBezTo>
-                    <a:pt x="247" y="164"/>
-                    <a:pt x="311" y="129"/>
-                    <a:pt x="366" y="102"/>
-                  </a:cubicBezTo>
-                  <a:cubicBezTo>
-                    <a:pt x="421" y="75"/>
-                    <a:pt x="490" y="53"/>
-                    <a:pt x="531" y="36"/>
-                  </a:cubicBezTo>
-                  <a:cubicBezTo>
-                    <a:pt x="572" y="19"/>
-                    <a:pt x="580" y="5"/>
-                    <a:pt x="609" y="0"/>
-                  </a:cubicBezTo>
-                  <a:lnTo>
-                    <a:pt x="708" y="3"/>
-                  </a:lnTo>
-                  <a:cubicBezTo>
-                    <a:pt x="705" y="14"/>
-                    <a:pt x="640" y="45"/>
-                    <a:pt x="591" y="66"/>
-                  </a:cubicBezTo>
-                  <a:cubicBezTo>
-                    <a:pt x="542" y="87"/>
-                    <a:pt x="476" y="98"/>
-                    <a:pt x="417" y="126"/>
-                  </a:cubicBezTo>
-                  <a:cubicBezTo>
-                    <a:pt x="358" y="154"/>
-                    <a:pt x="287" y="195"/>
-                    <a:pt x="237" y="231"/>
-                  </a:cubicBezTo>
-                  <a:cubicBezTo>
-                    <a:pt x="187" y="267"/>
-                    <a:pt x="148" y="307"/>
-                    <a:pt x="117" y="345"/>
-                  </a:cubicBezTo>
-                  <a:cubicBezTo>
-                    <a:pt x="86" y="383"/>
-                    <a:pt x="70" y="441"/>
-                    <a:pt x="51" y="459"/>
-                  </a:cubicBezTo>
-                  <a:lnTo>
-                    <a:pt x="0" y="453"/>
-                  </a:lnTo>
-                </a:path>
-              </a:pathLst>
-            </a:custGeom>
-            <a:gradFill rotWithShape="0">
-              <a:gsLst>
-                <a:gs pos="0">
-                  <a:srgbClr val="9797B7"/>
-                </a:gs>
-                <a:gs pos="50000">
-                  <a:srgbClr val="C7C7DF"/>
-                </a:gs>
-                <a:gs pos="100000">
-                  <a:srgbClr val="9797B7"/>
-                </a:gs>
-              </a:gsLst>
-              <a:lin ang="5400000" scaled="1"/>
-            </a:gradFill>
-            <a:ln>
-              <a:noFill/>
-            </a:ln>
-            <a:extLst>
-              <a:ext uri="{91240B29-F687-4F45-9708-019B960494DF}">
-                <a14:hiddenLine xmlns:a14="http://schemas.microsoft.com/office/drawing/2010/main" w="9525">
-                  <a:solidFill>
-                    <a:srgbClr val="000000"/>
-                  </a:solidFill>
-                  <a:miter lim="800000"/>
-                  <a:headEnd/>
-                  <a:tailEnd/>
-                </a14:hiddenLine>
-              </a:ext>
-            </a:extLst>
-          </p:spPr>
-          <p:txBody>
-            <a:bodyPr wrap="none" anchor="ctr"/>
-            <a:lstStyle/>
-            <a:p>
-              <a:endParaRPr lang="zh-CN" altLang="zh-CN" sz="1800">
-                <a:solidFill>
-                  <a:srgbClr val="545472"/>
-                </a:solidFill>
-                <a:sym typeface="Tahoma" pitchFamily="34" charset="0"/>
-              </a:endParaRPr>
-            </a:p>
-          </p:txBody>
-        </p:sp>
-        <p:sp>
-          <p:nvSpPr>
-            <p:cNvPr id="1030" name="Freeform 6"/>
-            <p:cNvSpPr>
-              <a:spLocks noChangeArrowheads="1"/>
-            </p:cNvSpPr>
-            <p:nvPr/>
-          </p:nvSpPr>
-          <p:spPr bwMode="auto">
-            <a:xfrm>
-              <a:off x="131" y="269"/>
-              <a:ext cx="251" cy="194"/>
-            </a:xfrm>
-            <a:custGeom>
-              <a:avLst/>
-              <a:gdLst>
-                <a:gd name="T0" fmla="*/ 21 w 251"/>
-                <a:gd name="T1" fmla="*/ 163 h 194"/>
-                <a:gd name="T2" fmla="*/ 9 w 251"/>
-                <a:gd name="T3" fmla="*/ 184 h 194"/>
-                <a:gd name="T4" fmla="*/ 75 w 251"/>
-                <a:gd name="T5" fmla="*/ 103 h 194"/>
-                <a:gd name="T6" fmla="*/ 165 w 251"/>
-                <a:gd name="T7" fmla="*/ 28 h 194"/>
-                <a:gd name="T8" fmla="*/ 207 w 251"/>
-                <a:gd name="T9" fmla="*/ 7 h 194"/>
-                <a:gd name="T10" fmla="*/ 246 w 251"/>
-                <a:gd name="T11" fmla="*/ 4 h 194"/>
-                <a:gd name="T12" fmla="*/ 237 w 251"/>
-                <a:gd name="T13" fmla="*/ 34 h 194"/>
-                <a:gd name="T14" fmla="*/ 183 w 251"/>
-                <a:gd name="T15" fmla="*/ 61 h 194"/>
-                <a:gd name="T16" fmla="*/ 108 w 251"/>
-                <a:gd name="T17" fmla="*/ 124 h 194"/>
-                <a:gd name="T18" fmla="*/ 54 w 251"/>
-                <a:gd name="T19" fmla="*/ 190 h 194"/>
-                <a:gd name="T20" fmla="*/ 6 w 251"/>
-                <a:gd name="T21" fmla="*/ 184 h 194"/>
-                <a:gd name="T22" fmla="*/ 0 60000 65536"/>
-                <a:gd name="T23" fmla="*/ 0 60000 65536"/>
-                <a:gd name="T24" fmla="*/ 0 60000 65536"/>
-                <a:gd name="T25" fmla="*/ 0 60000 65536"/>
-                <a:gd name="T26" fmla="*/ 0 60000 65536"/>
-                <a:gd name="T27" fmla="*/ 0 60000 65536"/>
-                <a:gd name="T28" fmla="*/ 0 60000 65536"/>
-                <a:gd name="T29" fmla="*/ 0 60000 65536"/>
-                <a:gd name="T30" fmla="*/ 0 60000 65536"/>
-                <a:gd name="T31" fmla="*/ 0 60000 65536"/>
-                <a:gd name="T32" fmla="*/ 0 60000 65536"/>
-                <a:gd name="T33" fmla="*/ 0 w 251"/>
-                <a:gd name="T34" fmla="*/ 0 h 194"/>
-                <a:gd name="T35" fmla="*/ 251 w 251"/>
-                <a:gd name="T36" fmla="*/ 194 h 194"/>
-              </a:gdLst>
-              <a:ahLst/>
-              <a:cxnLst>
-                <a:cxn ang="T22">
-                  <a:pos x="T0" y="T1"/>
-                </a:cxn>
-                <a:cxn ang="T23">
-                  <a:pos x="T2" y="T3"/>
-                </a:cxn>
-                <a:cxn ang="T24">
-                  <a:pos x="T4" y="T5"/>
-                </a:cxn>
-                <a:cxn ang="T25">
-                  <a:pos x="T6" y="T7"/>
-                </a:cxn>
-                <a:cxn ang="T26">
-                  <a:pos x="T8" y="T9"/>
-                </a:cxn>
-                <a:cxn ang="T27">
-                  <a:pos x="T10" y="T11"/>
-                </a:cxn>
-                <a:cxn ang="T28">
-                  <a:pos x="T12" y="T13"/>
-                </a:cxn>
-                <a:cxn ang="T29">
-                  <a:pos x="T14" y="T15"/>
-                </a:cxn>
-                <a:cxn ang="T30">
-                  <a:pos x="T16" y="T17"/>
-                </a:cxn>
-                <a:cxn ang="T31">
-                  <a:pos x="T18" y="T19"/>
-                </a:cxn>
-                <a:cxn ang="T32">
-                  <a:pos x="T20" y="T21"/>
-                </a:cxn>
-              </a:cxnLst>
-              <a:rect l="T33" t="T34" r="T35" b="T36"/>
-              <a:pathLst>
-                <a:path w="251" h="194">
-                  <a:moveTo>
-                    <a:pt x="21" y="163"/>
-                  </a:moveTo>
-                  <a:cubicBezTo>
-                    <a:pt x="10" y="178"/>
-                    <a:pt x="0" y="194"/>
-                    <a:pt x="9" y="184"/>
-                  </a:cubicBezTo>
-                  <a:cubicBezTo>
-                    <a:pt x="18" y="174"/>
-                    <a:pt x="49" y="129"/>
-                    <a:pt x="75" y="103"/>
-                  </a:cubicBezTo>
-                  <a:cubicBezTo>
-                    <a:pt x="101" y="77"/>
-                    <a:pt x="143" y="44"/>
-                    <a:pt x="165" y="28"/>
-                  </a:cubicBezTo>
-                  <a:cubicBezTo>
-                    <a:pt x="187" y="12"/>
-                    <a:pt x="194" y="11"/>
-                    <a:pt x="207" y="7"/>
-                  </a:cubicBezTo>
-                  <a:cubicBezTo>
-                    <a:pt x="220" y="3"/>
-                    <a:pt x="241" y="0"/>
-                    <a:pt x="246" y="4"/>
-                  </a:cubicBezTo>
-                  <a:cubicBezTo>
-                    <a:pt x="251" y="8"/>
-                    <a:pt x="247" y="25"/>
-                    <a:pt x="237" y="34"/>
-                  </a:cubicBezTo>
-                  <a:cubicBezTo>
-                    <a:pt x="227" y="43"/>
-                    <a:pt x="204" y="46"/>
-                    <a:pt x="183" y="61"/>
-                  </a:cubicBezTo>
-                  <a:cubicBezTo>
-                    <a:pt x="162" y="76"/>
-                    <a:pt x="129" y="103"/>
-                    <a:pt x="108" y="124"/>
-                  </a:cubicBezTo>
-                  <a:cubicBezTo>
-                    <a:pt x="87" y="145"/>
-                    <a:pt x="71" y="180"/>
-                    <a:pt x="54" y="190"/>
-                  </a:cubicBezTo>
-                  <a:lnTo>
-                    <a:pt x="6" y="184"/>
-                  </a:lnTo>
-                </a:path>
-              </a:pathLst>
-            </a:custGeom>
-            <a:gradFill rotWithShape="0">
-              <a:gsLst>
-                <a:gs pos="0">
-                  <a:srgbClr val="C7C7DF"/>
-                </a:gs>
-                <a:gs pos="100000">
-                  <a:srgbClr val="9797B7"/>
-                </a:gs>
-              </a:gsLst>
-              <a:lin ang="2700000" scaled="1"/>
-            </a:gradFill>
-            <a:ln>
-              <a:noFill/>
-            </a:ln>
-            <a:extLst>
-              <a:ext uri="{91240B29-F687-4F45-9708-019B960494DF}">
-                <a14:hiddenLine xmlns:a14="http://schemas.microsoft.com/office/drawing/2010/main" w="9525">
-                  <a:solidFill>
-                    <a:srgbClr val="000000"/>
-                  </a:solidFill>
-                  <a:miter lim="800000"/>
-                  <a:headEnd/>
-                  <a:tailEnd/>
-                </a14:hiddenLine>
-              </a:ext>
-            </a:extLst>
-          </p:spPr>
-          <p:txBody>
-            <a:bodyPr wrap="none" anchor="ctr"/>
-            <a:lstStyle/>
-            <a:p>
-              <a:endParaRPr lang="zh-CN" altLang="zh-CN" sz="1800">
-                <a:solidFill>
-                  <a:srgbClr val="545472"/>
-                </a:solidFill>
-                <a:sym typeface="Tahoma" pitchFamily="34" charset="0"/>
-              </a:endParaRPr>
-            </a:p>
-          </p:txBody>
-        </p:sp>
-        <p:sp>
-          <p:nvSpPr>
-            <p:cNvPr id="1031" name="Freeform 7"/>
-            <p:cNvSpPr>
-              <a:spLocks noChangeArrowheads="1"/>
-            </p:cNvSpPr>
-            <p:nvPr/>
-          </p:nvSpPr>
-          <p:spPr bwMode="auto">
-            <a:xfrm>
-              <a:off x="341" y="0"/>
-              <a:ext cx="159" cy="72"/>
-            </a:xfrm>
-            <a:custGeom>
-              <a:avLst/>
-              <a:gdLst>
-                <a:gd name="T0" fmla="*/ 99 w 159"/>
-                <a:gd name="T1" fmla="*/ 0 h 72"/>
-                <a:gd name="T2" fmla="*/ 15 w 159"/>
-                <a:gd name="T3" fmla="*/ 36 h 72"/>
-                <a:gd name="T4" fmla="*/ 6 w 159"/>
-                <a:gd name="T5" fmla="*/ 60 h 72"/>
-                <a:gd name="T6" fmla="*/ 36 w 159"/>
-                <a:gd name="T7" fmla="*/ 69 h 72"/>
-                <a:gd name="T8" fmla="*/ 87 w 159"/>
-                <a:gd name="T9" fmla="*/ 42 h 72"/>
-                <a:gd name="T10" fmla="*/ 159 w 159"/>
-                <a:gd name="T11" fmla="*/ 0 h 72"/>
-                <a:gd name="T12" fmla="*/ 99 w 159"/>
-                <a:gd name="T13" fmla="*/ 0 h 72"/>
-                <a:gd name="T14" fmla="*/ 0 60000 65536"/>
-                <a:gd name="T15" fmla="*/ 0 60000 65536"/>
-                <a:gd name="T16" fmla="*/ 0 60000 65536"/>
-                <a:gd name="T17" fmla="*/ 0 60000 65536"/>
-                <a:gd name="T18" fmla="*/ 0 60000 65536"/>
-                <a:gd name="T19" fmla="*/ 0 60000 65536"/>
-                <a:gd name="T20" fmla="*/ 0 60000 65536"/>
-                <a:gd name="T21" fmla="*/ 0 w 159"/>
-                <a:gd name="T22" fmla="*/ 0 h 72"/>
-                <a:gd name="T23" fmla="*/ 159 w 159"/>
-                <a:gd name="T24" fmla="*/ 72 h 72"/>
-              </a:gdLst>
-              <a:ahLst/>
-              <a:cxnLst>
-                <a:cxn ang="T14">
-                  <a:pos x="T0" y="T1"/>
-                </a:cxn>
-                <a:cxn ang="T15">
-                  <a:pos x="T2" y="T3"/>
-                </a:cxn>
-                <a:cxn ang="T16">
-                  <a:pos x="T4" y="T5"/>
-                </a:cxn>
-                <a:cxn ang="T17">
-                  <a:pos x="T6" y="T7"/>
-                </a:cxn>
-                <a:cxn ang="T18">
-                  <a:pos x="T8" y="T9"/>
-                </a:cxn>
-                <a:cxn ang="T19">
-                  <a:pos x="T10" y="T11"/>
-                </a:cxn>
-                <a:cxn ang="T20">
-                  <a:pos x="T12" y="T13"/>
-                </a:cxn>
-              </a:cxnLst>
-              <a:rect l="T21" t="T22" r="T23" b="T24"/>
-              <a:pathLst>
-                <a:path w="159" h="72">
-                  <a:moveTo>
-                    <a:pt x="99" y="0"/>
-                  </a:moveTo>
-                  <a:cubicBezTo>
-                    <a:pt x="75" y="6"/>
-                    <a:pt x="30" y="26"/>
-                    <a:pt x="15" y="36"/>
-                  </a:cubicBezTo>
-                  <a:cubicBezTo>
-                    <a:pt x="0" y="46"/>
-                    <a:pt x="3" y="55"/>
-                    <a:pt x="6" y="60"/>
-                  </a:cubicBezTo>
-                  <a:cubicBezTo>
-                    <a:pt x="9" y="65"/>
-                    <a:pt x="23" y="72"/>
-                    <a:pt x="36" y="69"/>
-                  </a:cubicBezTo>
-                  <a:cubicBezTo>
-                    <a:pt x="49" y="66"/>
-                    <a:pt x="67" y="53"/>
-                    <a:pt x="87" y="42"/>
-                  </a:cubicBezTo>
-                  <a:cubicBezTo>
-                    <a:pt x="107" y="31"/>
-                    <a:pt x="158" y="6"/>
-                    <a:pt x="159" y="0"/>
-                  </a:cubicBezTo>
-                  <a:lnTo>
-                    <a:pt x="99" y="0"/>
-                  </a:lnTo>
-                  <a:close/>
-                </a:path>
-              </a:pathLst>
-            </a:custGeom>
-            <a:gradFill rotWithShape="0">
-              <a:gsLst>
-                <a:gs pos="0">
-                  <a:srgbClr val="C7C7DF"/>
-                </a:gs>
-                <a:gs pos="100000">
-                  <a:srgbClr val="9797B7"/>
-                </a:gs>
-              </a:gsLst>
-              <a:lin ang="2700000" scaled="1"/>
-            </a:gradFill>
-            <a:ln>
-              <a:noFill/>
-            </a:ln>
-            <a:extLst>
-              <a:ext uri="{91240B29-F687-4F45-9708-019B960494DF}">
-                <a14:hiddenLine xmlns:a14="http://schemas.microsoft.com/office/drawing/2010/main" w="9525">
-                  <a:solidFill>
-                    <a:srgbClr val="000000"/>
-                  </a:solidFill>
-                  <a:miter lim="800000"/>
-                  <a:headEnd/>
-                  <a:tailEnd/>
-                </a14:hiddenLine>
-              </a:ext>
-            </a:extLst>
-          </p:spPr>
-          <p:txBody>
-            <a:bodyPr wrap="none" anchor="ctr"/>
-            <a:lstStyle/>
-            <a:p>
-              <a:endParaRPr lang="zh-CN" altLang="zh-CN" sz="1800">
-                <a:solidFill>
-                  <a:srgbClr val="545472"/>
-                </a:solidFill>
-                <a:sym typeface="Tahoma" pitchFamily="34" charset="0"/>
-              </a:endParaRPr>
-            </a:p>
-          </p:txBody>
-        </p:sp>
-        <p:sp>
-          <p:nvSpPr>
-            <p:cNvPr id="1032" name="Freeform 8"/>
-            <p:cNvSpPr>
-              <a:spLocks noChangeArrowheads="1"/>
-            </p:cNvSpPr>
-            <p:nvPr/>
-          </p:nvSpPr>
-          <p:spPr bwMode="auto">
-            <a:xfrm>
-              <a:off x="488" y="0"/>
-              <a:ext cx="455" cy="216"/>
-            </a:xfrm>
-            <a:custGeom>
-              <a:avLst/>
-              <a:gdLst>
-                <a:gd name="T0" fmla="*/ 395 w 455"/>
-                <a:gd name="T1" fmla="*/ 0 h 216"/>
-                <a:gd name="T2" fmla="*/ 338 w 455"/>
-                <a:gd name="T3" fmla="*/ 48 h 216"/>
-                <a:gd name="T4" fmla="*/ 242 w 455"/>
-                <a:gd name="T5" fmla="*/ 102 h 216"/>
-                <a:gd name="T6" fmla="*/ 104 w 455"/>
-                <a:gd name="T7" fmla="*/ 147 h 216"/>
-                <a:gd name="T8" fmla="*/ 35 w 455"/>
-                <a:gd name="T9" fmla="*/ 168 h 216"/>
-                <a:gd name="T10" fmla="*/ 8 w 455"/>
-                <a:gd name="T11" fmla="*/ 192 h 216"/>
-                <a:gd name="T12" fmla="*/ 8 w 455"/>
-                <a:gd name="T13" fmla="*/ 213 h 216"/>
-                <a:gd name="T14" fmla="*/ 59 w 455"/>
-                <a:gd name="T15" fmla="*/ 213 h 216"/>
-                <a:gd name="T16" fmla="*/ 86 w 455"/>
-                <a:gd name="T17" fmla="*/ 192 h 216"/>
-                <a:gd name="T18" fmla="*/ 173 w 455"/>
-                <a:gd name="T19" fmla="*/ 159 h 216"/>
-                <a:gd name="T20" fmla="*/ 299 w 455"/>
-                <a:gd name="T21" fmla="*/ 126 h 216"/>
-                <a:gd name="T22" fmla="*/ 392 w 455"/>
-                <a:gd name="T23" fmla="*/ 72 h 216"/>
-                <a:gd name="T24" fmla="*/ 455 w 455"/>
-                <a:gd name="T25" fmla="*/ 0 h 216"/>
-                <a:gd name="T26" fmla="*/ 395 w 455"/>
-                <a:gd name="T27" fmla="*/ 0 h 216"/>
-                <a:gd name="T28" fmla="*/ 0 60000 65536"/>
-                <a:gd name="T29" fmla="*/ 0 60000 65536"/>
-                <a:gd name="T30" fmla="*/ 0 60000 65536"/>
-                <a:gd name="T31" fmla="*/ 0 60000 65536"/>
-                <a:gd name="T32" fmla="*/ 0 60000 65536"/>
-                <a:gd name="T33" fmla="*/ 0 60000 65536"/>
-                <a:gd name="T34" fmla="*/ 0 60000 65536"/>
-                <a:gd name="T35" fmla="*/ 0 60000 65536"/>
-                <a:gd name="T36" fmla="*/ 0 60000 65536"/>
-                <a:gd name="T37" fmla="*/ 0 60000 65536"/>
-                <a:gd name="T38" fmla="*/ 0 60000 65536"/>
-                <a:gd name="T39" fmla="*/ 0 60000 65536"/>
-                <a:gd name="T40" fmla="*/ 0 60000 65536"/>
-                <a:gd name="T41" fmla="*/ 0 60000 65536"/>
-                <a:gd name="T42" fmla="*/ 0 w 455"/>
-                <a:gd name="T43" fmla="*/ 0 h 216"/>
-                <a:gd name="T44" fmla="*/ 455 w 455"/>
-                <a:gd name="T45" fmla="*/ 216 h 216"/>
-              </a:gdLst>
-              <a:ahLst/>
-              <a:cxnLst>
-                <a:cxn ang="T28">
-                  <a:pos x="T0" y="T1"/>
-                </a:cxn>
-                <a:cxn ang="T29">
-                  <a:pos x="T2" y="T3"/>
-                </a:cxn>
-                <a:cxn ang="T30">
-                  <a:pos x="T4" y="T5"/>
-                </a:cxn>
-                <a:cxn ang="T31">
-                  <a:pos x="T6" y="T7"/>
-                </a:cxn>
-                <a:cxn ang="T32">
-                  <a:pos x="T8" y="T9"/>
-                </a:cxn>
-                <a:cxn ang="T33">
-                  <a:pos x="T10" y="T11"/>
-                </a:cxn>
-                <a:cxn ang="T34">
-                  <a:pos x="T12" y="T13"/>
-                </a:cxn>
-                <a:cxn ang="T35">
-                  <a:pos x="T14" y="T15"/>
-                </a:cxn>
-                <a:cxn ang="T36">
-                  <a:pos x="T16" y="T17"/>
-                </a:cxn>
-                <a:cxn ang="T37">
-                  <a:pos x="T18" y="T19"/>
-                </a:cxn>
-                <a:cxn ang="T38">
-                  <a:pos x="T20" y="T21"/>
-                </a:cxn>
-                <a:cxn ang="T39">
-                  <a:pos x="T22" y="T23"/>
-                </a:cxn>
-                <a:cxn ang="T40">
-                  <a:pos x="T24" y="T25"/>
-                </a:cxn>
-                <a:cxn ang="T41">
-                  <a:pos x="T26" y="T27"/>
-                </a:cxn>
-              </a:cxnLst>
-              <a:rect l="T42" t="T43" r="T44" b="T45"/>
-              <a:pathLst>
-                <a:path w="455" h="216">
-                  <a:moveTo>
-                    <a:pt x="395" y="0"/>
-                  </a:moveTo>
-                  <a:cubicBezTo>
-                    <a:pt x="376" y="8"/>
-                    <a:pt x="364" y="31"/>
-                    <a:pt x="338" y="48"/>
-                  </a:cubicBezTo>
-                  <a:cubicBezTo>
-                    <a:pt x="312" y="65"/>
-                    <a:pt x="281" y="86"/>
-                    <a:pt x="242" y="102"/>
-                  </a:cubicBezTo>
-                  <a:cubicBezTo>
-                    <a:pt x="203" y="118"/>
-                    <a:pt x="138" y="136"/>
-                    <a:pt x="104" y="147"/>
-                  </a:cubicBezTo>
-                  <a:cubicBezTo>
-                    <a:pt x="70" y="158"/>
-                    <a:pt x="51" y="161"/>
-                    <a:pt x="35" y="168"/>
-                  </a:cubicBezTo>
-                  <a:cubicBezTo>
-                    <a:pt x="19" y="175"/>
-                    <a:pt x="12" y="185"/>
-                    <a:pt x="8" y="192"/>
-                  </a:cubicBezTo>
-                  <a:cubicBezTo>
-                    <a:pt x="4" y="199"/>
-                    <a:pt x="0" y="210"/>
-                    <a:pt x="8" y="213"/>
-                  </a:cubicBezTo>
-                  <a:cubicBezTo>
-                    <a:pt x="16" y="216"/>
-                    <a:pt x="46" y="216"/>
-                    <a:pt x="59" y="213"/>
-                  </a:cubicBezTo>
-                  <a:cubicBezTo>
-                    <a:pt x="72" y="210"/>
-                    <a:pt x="67" y="201"/>
-                    <a:pt x="86" y="192"/>
-                  </a:cubicBezTo>
-                  <a:cubicBezTo>
-                    <a:pt x="105" y="183"/>
-                    <a:pt x="138" y="170"/>
-                    <a:pt x="173" y="159"/>
-                  </a:cubicBezTo>
-                  <a:cubicBezTo>
-                    <a:pt x="208" y="148"/>
-                    <a:pt x="263" y="140"/>
-                    <a:pt x="299" y="126"/>
-                  </a:cubicBezTo>
-                  <a:cubicBezTo>
-                    <a:pt x="335" y="112"/>
-                    <a:pt x="366" y="93"/>
-                    <a:pt x="392" y="72"/>
-                  </a:cubicBezTo>
-                  <a:cubicBezTo>
-                    <a:pt x="418" y="51"/>
-                    <a:pt x="454" y="12"/>
-                    <a:pt x="455" y="0"/>
-                  </a:cubicBezTo>
-                  <a:lnTo>
-                    <a:pt x="395" y="0"/>
-                  </a:lnTo>
-                  <a:close/>
-                </a:path>
-              </a:pathLst>
-            </a:custGeom>
-            <a:gradFill rotWithShape="0">
-              <a:gsLst>
-                <a:gs pos="0">
-                  <a:srgbClr val="9797B7"/>
-                </a:gs>
-                <a:gs pos="100000">
-                  <a:srgbClr val="C7C7DF"/>
-                </a:gs>
-              </a:gsLst>
-              <a:lin ang="18900000" scaled="1"/>
-            </a:gradFill>
-            <a:ln>
-              <a:noFill/>
-            </a:ln>
-            <a:extLst>
-              <a:ext uri="{91240B29-F687-4F45-9708-019B960494DF}">
-                <a14:hiddenLine xmlns:a14="http://schemas.microsoft.com/office/drawing/2010/main" w="9525">
-                  <a:solidFill>
-                    <a:srgbClr val="000000"/>
-                  </a:solidFill>
-                  <a:miter lim="800000"/>
-                  <a:headEnd/>
-                  <a:tailEnd/>
-                </a14:hiddenLine>
-              </a:ext>
-            </a:extLst>
-          </p:spPr>
-          <p:txBody>
-            <a:bodyPr wrap="none" anchor="ctr"/>
-            <a:lstStyle/>
-            <a:p>
-              <a:endParaRPr lang="zh-CN" altLang="zh-CN" sz="1800">
-                <a:solidFill>
-                  <a:srgbClr val="545472"/>
-                </a:solidFill>
-                <a:sym typeface="Tahoma" pitchFamily="34" charset="0"/>
-              </a:endParaRPr>
-            </a:p>
-          </p:txBody>
-        </p:sp>
-        <p:sp>
-          <p:nvSpPr>
-            <p:cNvPr id="1033" name="Freeform 9"/>
-            <p:cNvSpPr>
-              <a:spLocks noChangeArrowheads="1"/>
-            </p:cNvSpPr>
-            <p:nvPr/>
-          </p:nvSpPr>
-          <p:spPr bwMode="auto">
-            <a:xfrm>
-              <a:off x="1448" y="37"/>
-              <a:ext cx="414" cy="108"/>
-            </a:xfrm>
-            <a:custGeom>
-              <a:avLst/>
-              <a:gdLst>
-                <a:gd name="T0" fmla="*/ 0 w 414"/>
-                <a:gd name="T1" fmla="*/ 11 h 108"/>
-                <a:gd name="T2" fmla="*/ 24 w 414"/>
-                <a:gd name="T3" fmla="*/ 11 h 108"/>
-                <a:gd name="T4" fmla="*/ 156 w 414"/>
-                <a:gd name="T5" fmla="*/ 2 h 108"/>
-                <a:gd name="T6" fmla="*/ 288 w 414"/>
-                <a:gd name="T7" fmla="*/ 23 h 108"/>
-                <a:gd name="T8" fmla="*/ 384 w 414"/>
-                <a:gd name="T9" fmla="*/ 53 h 108"/>
-                <a:gd name="T10" fmla="*/ 411 w 414"/>
-                <a:gd name="T11" fmla="*/ 74 h 108"/>
-                <a:gd name="T12" fmla="*/ 405 w 414"/>
-                <a:gd name="T13" fmla="*/ 104 h 108"/>
-                <a:gd name="T14" fmla="*/ 363 w 414"/>
-                <a:gd name="T15" fmla="*/ 101 h 108"/>
-                <a:gd name="T16" fmla="*/ 294 w 414"/>
-                <a:gd name="T17" fmla="*/ 77 h 108"/>
-                <a:gd name="T18" fmla="*/ 174 w 414"/>
-                <a:gd name="T19" fmla="*/ 50 h 108"/>
-                <a:gd name="T20" fmla="*/ 72 w 414"/>
-                <a:gd name="T21" fmla="*/ 62 h 108"/>
-                <a:gd name="T22" fmla="*/ 36 w 414"/>
-                <a:gd name="T23" fmla="*/ 59 h 108"/>
-                <a:gd name="T24" fmla="*/ 0 w 414"/>
-                <a:gd name="T25" fmla="*/ 11 h 108"/>
-                <a:gd name="T26" fmla="*/ 0 60000 65536"/>
-                <a:gd name="T27" fmla="*/ 0 60000 65536"/>
-                <a:gd name="T28" fmla="*/ 0 60000 65536"/>
-                <a:gd name="T29" fmla="*/ 0 60000 65536"/>
-                <a:gd name="T30" fmla="*/ 0 60000 65536"/>
-                <a:gd name="T31" fmla="*/ 0 60000 65536"/>
-                <a:gd name="T32" fmla="*/ 0 60000 65536"/>
-                <a:gd name="T33" fmla="*/ 0 60000 65536"/>
-                <a:gd name="T34" fmla="*/ 0 60000 65536"/>
-                <a:gd name="T35" fmla="*/ 0 60000 65536"/>
-                <a:gd name="T36" fmla="*/ 0 60000 65536"/>
-                <a:gd name="T37" fmla="*/ 0 60000 65536"/>
-                <a:gd name="T38" fmla="*/ 0 60000 65536"/>
-                <a:gd name="T39" fmla="*/ 0 w 414"/>
-                <a:gd name="T40" fmla="*/ 0 h 108"/>
-                <a:gd name="T41" fmla="*/ 414 w 414"/>
-                <a:gd name="T42" fmla="*/ 108 h 108"/>
-              </a:gdLst>
-              <a:ahLst/>
-              <a:cxnLst>
-                <a:cxn ang="T26">
-                  <a:pos x="T0" y="T1"/>
-                </a:cxn>
-                <a:cxn ang="T27">
-                  <a:pos x="T2" y="T3"/>
-                </a:cxn>
-                <a:cxn ang="T28">
-                  <a:pos x="T4" y="T5"/>
-                </a:cxn>
-                <a:cxn ang="T29">
-                  <a:pos x="T6" y="T7"/>
-                </a:cxn>
-                <a:cxn ang="T30">
-                  <a:pos x="T8" y="T9"/>
-                </a:cxn>
-                <a:cxn ang="T31">
-                  <a:pos x="T10" y="T11"/>
-                </a:cxn>
-                <a:cxn ang="T32">
-                  <a:pos x="T12" y="T13"/>
-                </a:cxn>
-                <a:cxn ang="T33">
-                  <a:pos x="T14" y="T15"/>
-                </a:cxn>
-                <a:cxn ang="T34">
-                  <a:pos x="T16" y="T17"/>
-                </a:cxn>
-                <a:cxn ang="T35">
-                  <a:pos x="T18" y="T19"/>
-                </a:cxn>
-                <a:cxn ang="T36">
-                  <a:pos x="T20" y="T21"/>
-                </a:cxn>
-                <a:cxn ang="T37">
-                  <a:pos x="T22" y="T23"/>
-                </a:cxn>
-                <a:cxn ang="T38">
-                  <a:pos x="T24" y="T25"/>
-                </a:cxn>
-              </a:cxnLst>
-              <a:rect l="T39" t="T40" r="T41" b="T42"/>
-              <a:pathLst>
-                <a:path w="414" h="108">
-                  <a:moveTo>
-                    <a:pt x="0" y="11"/>
-                  </a:moveTo>
-                  <a:lnTo>
-                    <a:pt x="24" y="11"/>
-                  </a:lnTo>
-                  <a:cubicBezTo>
-                    <a:pt x="50" y="9"/>
-                    <a:pt x="112" y="0"/>
-                    <a:pt x="156" y="2"/>
-                  </a:cubicBezTo>
-                  <a:cubicBezTo>
-                    <a:pt x="200" y="4"/>
-                    <a:pt x="250" y="15"/>
-                    <a:pt x="288" y="23"/>
-                  </a:cubicBezTo>
-                  <a:cubicBezTo>
-                    <a:pt x="326" y="31"/>
-                    <a:pt x="363" y="44"/>
-                    <a:pt x="384" y="53"/>
-                  </a:cubicBezTo>
-                  <a:cubicBezTo>
-                    <a:pt x="405" y="62"/>
-                    <a:pt x="408" y="66"/>
-                    <a:pt x="411" y="74"/>
-                  </a:cubicBezTo>
-                  <a:cubicBezTo>
-                    <a:pt x="414" y="82"/>
-                    <a:pt x="413" y="100"/>
-                    <a:pt x="405" y="104"/>
-                  </a:cubicBezTo>
-                  <a:cubicBezTo>
-                    <a:pt x="397" y="108"/>
-                    <a:pt x="381" y="105"/>
-                    <a:pt x="363" y="101"/>
-                  </a:cubicBezTo>
-                  <a:cubicBezTo>
-                    <a:pt x="345" y="97"/>
-                    <a:pt x="325" y="85"/>
-                    <a:pt x="294" y="77"/>
-                  </a:cubicBezTo>
-                  <a:cubicBezTo>
-                    <a:pt x="263" y="69"/>
-                    <a:pt x="211" y="53"/>
-                    <a:pt x="174" y="50"/>
-                  </a:cubicBezTo>
-                  <a:cubicBezTo>
-                    <a:pt x="137" y="47"/>
-                    <a:pt x="95" y="61"/>
-                    <a:pt x="72" y="62"/>
-                  </a:cubicBezTo>
-                  <a:cubicBezTo>
-                    <a:pt x="49" y="63"/>
-                    <a:pt x="48" y="66"/>
-                    <a:pt x="36" y="59"/>
-                  </a:cubicBezTo>
-                  <a:cubicBezTo>
-                    <a:pt x="24" y="52"/>
-                    <a:pt x="13" y="36"/>
-                    <a:pt x="0" y="11"/>
-                  </a:cubicBezTo>
-                  <a:close/>
-                </a:path>
-              </a:pathLst>
-            </a:custGeom>
-            <a:gradFill rotWithShape="0">
-              <a:gsLst>
-                <a:gs pos="0">
-                  <a:srgbClr val="C7C7DF"/>
-                </a:gs>
-                <a:gs pos="100000">
-                  <a:srgbClr val="9797B7"/>
-                </a:gs>
-              </a:gsLst>
-              <a:lin ang="0" scaled="1"/>
-            </a:gradFill>
-            <a:ln>
-              <a:noFill/>
-            </a:ln>
-            <a:extLst>
-              <a:ext uri="{91240B29-F687-4F45-9708-019B960494DF}">
-                <a14:hiddenLine xmlns:a14="http://schemas.microsoft.com/office/drawing/2010/main" w="9525">
-                  <a:solidFill>
-                    <a:srgbClr val="000000"/>
-                  </a:solidFill>
-                  <a:miter lim="800000"/>
-                  <a:headEnd/>
-                  <a:tailEnd/>
-                </a14:hiddenLine>
-              </a:ext>
-            </a:extLst>
-          </p:spPr>
-          <p:txBody>
-            <a:bodyPr wrap="none" anchor="ctr"/>
-            <a:lstStyle/>
-            <a:p>
-              <a:endParaRPr lang="zh-CN" altLang="zh-CN" sz="1800">
-                <a:solidFill>
-                  <a:srgbClr val="545472"/>
-                </a:solidFill>
-                <a:sym typeface="Tahoma" pitchFamily="34" charset="0"/>
-              </a:endParaRPr>
-            </a:p>
-          </p:txBody>
-        </p:sp>
-        <p:sp>
-          <p:nvSpPr>
-            <p:cNvPr id="1034" name="Freeform 10"/>
-            <p:cNvSpPr>
-              <a:spLocks noChangeArrowheads="1"/>
-            </p:cNvSpPr>
-            <p:nvPr/>
-          </p:nvSpPr>
-          <p:spPr bwMode="auto">
-            <a:xfrm>
-              <a:off x="1790" y="0"/>
-              <a:ext cx="520" cy="225"/>
-            </a:xfrm>
-            <a:custGeom>
-              <a:avLst/>
-              <a:gdLst>
-                <a:gd name="T0" fmla="*/ 42 w 520"/>
-                <a:gd name="T1" fmla="*/ 0 h 225"/>
-                <a:gd name="T2" fmla="*/ 12 w 520"/>
-                <a:gd name="T3" fmla="*/ 24 h 225"/>
-                <a:gd name="T4" fmla="*/ 114 w 520"/>
-                <a:gd name="T5" fmla="*/ 54 h 225"/>
-                <a:gd name="T6" fmla="*/ 240 w 520"/>
-                <a:gd name="T7" fmla="*/ 117 h 225"/>
-                <a:gd name="T8" fmla="*/ 333 w 520"/>
-                <a:gd name="T9" fmla="*/ 153 h 225"/>
-                <a:gd name="T10" fmla="*/ 438 w 520"/>
-                <a:gd name="T11" fmla="*/ 219 h 225"/>
-                <a:gd name="T12" fmla="*/ 426 w 520"/>
-                <a:gd name="T13" fmla="*/ 192 h 225"/>
-                <a:gd name="T14" fmla="*/ 441 w 520"/>
-                <a:gd name="T15" fmla="*/ 180 h 225"/>
-                <a:gd name="T16" fmla="*/ 519 w 520"/>
-                <a:gd name="T17" fmla="*/ 216 h 225"/>
-                <a:gd name="T18" fmla="*/ 450 w 520"/>
-                <a:gd name="T19" fmla="*/ 162 h 225"/>
-                <a:gd name="T20" fmla="*/ 381 w 520"/>
-                <a:gd name="T21" fmla="*/ 135 h 225"/>
-                <a:gd name="T22" fmla="*/ 285 w 520"/>
-                <a:gd name="T23" fmla="*/ 84 h 225"/>
-                <a:gd name="T24" fmla="*/ 186 w 520"/>
-                <a:gd name="T25" fmla="*/ 18 h 225"/>
-                <a:gd name="T26" fmla="*/ 123 w 520"/>
-                <a:gd name="T27" fmla="*/ 0 h 225"/>
-                <a:gd name="T28" fmla="*/ 42 w 520"/>
-                <a:gd name="T29" fmla="*/ 0 h 225"/>
-                <a:gd name="T30" fmla="*/ 0 60000 65536"/>
-                <a:gd name="T31" fmla="*/ 0 60000 65536"/>
-                <a:gd name="T32" fmla="*/ 0 60000 65536"/>
-                <a:gd name="T33" fmla="*/ 0 60000 65536"/>
-                <a:gd name="T34" fmla="*/ 0 60000 65536"/>
-                <a:gd name="T35" fmla="*/ 0 60000 65536"/>
-                <a:gd name="T36" fmla="*/ 0 60000 65536"/>
-                <a:gd name="T37" fmla="*/ 0 60000 65536"/>
-                <a:gd name="T38" fmla="*/ 0 60000 65536"/>
-                <a:gd name="T39" fmla="*/ 0 60000 65536"/>
-                <a:gd name="T40" fmla="*/ 0 60000 65536"/>
-                <a:gd name="T41" fmla="*/ 0 60000 65536"/>
-                <a:gd name="T42" fmla="*/ 0 60000 65536"/>
-                <a:gd name="T43" fmla="*/ 0 60000 65536"/>
-                <a:gd name="T44" fmla="*/ 0 60000 65536"/>
-                <a:gd name="T45" fmla="*/ 0 w 520"/>
-                <a:gd name="T46" fmla="*/ 0 h 225"/>
-                <a:gd name="T47" fmla="*/ 520 w 520"/>
-                <a:gd name="T48" fmla="*/ 225 h 225"/>
-              </a:gdLst>
-              <a:ahLst/>
-              <a:cxnLst>
-                <a:cxn ang="T30">
-                  <a:pos x="T0" y="T1"/>
-                </a:cxn>
-                <a:cxn ang="T31">
-                  <a:pos x="T2" y="T3"/>
-                </a:cxn>
-                <a:cxn ang="T32">
-                  <a:pos x="T4" y="T5"/>
-                </a:cxn>
-                <a:cxn ang="T33">
-                  <a:pos x="T6" y="T7"/>
-                </a:cxn>
-                <a:cxn ang="T34">
-                  <a:pos x="T8" y="T9"/>
-                </a:cxn>
-                <a:cxn ang="T35">
-                  <a:pos x="T10" y="T11"/>
-                </a:cxn>
-                <a:cxn ang="T36">
-                  <a:pos x="T12" y="T13"/>
-                </a:cxn>
-                <a:cxn ang="T37">
-                  <a:pos x="T14" y="T15"/>
-                </a:cxn>
-                <a:cxn ang="T38">
-                  <a:pos x="T16" y="T17"/>
-                </a:cxn>
-                <a:cxn ang="T39">
-                  <a:pos x="T18" y="T19"/>
-                </a:cxn>
-                <a:cxn ang="T40">
-                  <a:pos x="T20" y="T21"/>
-                </a:cxn>
-                <a:cxn ang="T41">
-                  <a:pos x="T22" y="T23"/>
-                </a:cxn>
-                <a:cxn ang="T42">
-                  <a:pos x="T24" y="T25"/>
-                </a:cxn>
-                <a:cxn ang="T43">
-                  <a:pos x="T26" y="T27"/>
-                </a:cxn>
-                <a:cxn ang="T44">
-                  <a:pos x="T28" y="T29"/>
-                </a:cxn>
-              </a:cxnLst>
-              <a:rect l="T45" t="T46" r="T47" b="T48"/>
-              <a:pathLst>
-                <a:path w="520" h="225">
-                  <a:moveTo>
-                    <a:pt x="42" y="0"/>
-                  </a:moveTo>
-                  <a:cubicBezTo>
-                    <a:pt x="24" y="4"/>
-                    <a:pt x="0" y="15"/>
-                    <a:pt x="12" y="24"/>
-                  </a:cubicBezTo>
-                  <a:cubicBezTo>
-                    <a:pt x="24" y="33"/>
-                    <a:pt x="76" y="39"/>
-                    <a:pt x="114" y="54"/>
-                  </a:cubicBezTo>
-                  <a:cubicBezTo>
-                    <a:pt x="152" y="69"/>
-                    <a:pt x="203" y="100"/>
-                    <a:pt x="240" y="117"/>
-                  </a:cubicBezTo>
-                  <a:cubicBezTo>
-                    <a:pt x="277" y="134"/>
-                    <a:pt x="300" y="136"/>
-                    <a:pt x="333" y="153"/>
-                  </a:cubicBezTo>
-                  <a:cubicBezTo>
-                    <a:pt x="366" y="170"/>
-                    <a:pt x="423" y="213"/>
-                    <a:pt x="438" y="219"/>
-                  </a:cubicBezTo>
-                  <a:cubicBezTo>
-                    <a:pt x="453" y="225"/>
-                    <a:pt x="426" y="198"/>
-                    <a:pt x="426" y="192"/>
-                  </a:cubicBezTo>
-                  <a:cubicBezTo>
-                    <a:pt x="426" y="186"/>
-                    <a:pt x="426" y="176"/>
-                    <a:pt x="441" y="180"/>
-                  </a:cubicBezTo>
-                  <a:cubicBezTo>
-                    <a:pt x="456" y="184"/>
-                    <a:pt x="518" y="219"/>
-                    <a:pt x="519" y="216"/>
-                  </a:cubicBezTo>
-                  <a:cubicBezTo>
-                    <a:pt x="520" y="213"/>
-                    <a:pt x="473" y="176"/>
-                    <a:pt x="450" y="162"/>
-                  </a:cubicBezTo>
-                  <a:cubicBezTo>
-                    <a:pt x="427" y="148"/>
-                    <a:pt x="408" y="148"/>
-                    <a:pt x="381" y="135"/>
-                  </a:cubicBezTo>
-                  <a:cubicBezTo>
-                    <a:pt x="354" y="122"/>
-                    <a:pt x="318" y="104"/>
-                    <a:pt x="285" y="84"/>
-                  </a:cubicBezTo>
-                  <a:cubicBezTo>
-                    <a:pt x="252" y="64"/>
-                    <a:pt x="213" y="32"/>
-                    <a:pt x="186" y="18"/>
-                  </a:cubicBezTo>
-                  <a:cubicBezTo>
-                    <a:pt x="159" y="4"/>
-                    <a:pt x="147" y="2"/>
-                    <a:pt x="123" y="0"/>
-                  </a:cubicBezTo>
-                  <a:lnTo>
-                    <a:pt x="42" y="0"/>
-                  </a:lnTo>
-                  <a:close/>
-                </a:path>
-              </a:pathLst>
-            </a:custGeom>
-            <a:gradFill rotWithShape="0">
-              <a:gsLst>
-                <a:gs pos="0">
-                  <a:srgbClr val="C7C7DF"/>
-                </a:gs>
-                <a:gs pos="100000">
-                  <a:srgbClr val="9797B7"/>
-                </a:gs>
-              </a:gsLst>
-              <a:lin ang="2700000" scaled="1"/>
-            </a:gradFill>
-            <a:ln>
-              <a:noFill/>
-            </a:ln>
-            <a:extLst>
-              <a:ext uri="{91240B29-F687-4F45-9708-019B960494DF}">
-                <a14:hiddenLine xmlns:a14="http://schemas.microsoft.com/office/drawing/2010/main" w="9525">
-                  <a:solidFill>
-                    <a:srgbClr val="000000"/>
-                  </a:solidFill>
-                  <a:miter lim="800000"/>
-                  <a:headEnd/>
-                  <a:tailEnd/>
-                </a14:hiddenLine>
-              </a:ext>
-            </a:extLst>
-          </p:spPr>
-          <p:txBody>
-            <a:bodyPr wrap="none" anchor="ctr"/>
-            <a:lstStyle/>
-            <a:p>
-              <a:endParaRPr lang="zh-CN" altLang="zh-CN" sz="1800">
-                <a:solidFill>
-                  <a:srgbClr val="545472"/>
-                </a:solidFill>
-                <a:sym typeface="Tahoma" pitchFamily="34" charset="0"/>
-              </a:endParaRPr>
-            </a:p>
-          </p:txBody>
-        </p:sp>
-        <p:sp>
-          <p:nvSpPr>
-            <p:cNvPr id="1035" name="Freeform 11"/>
-            <p:cNvSpPr>
-              <a:spLocks noChangeArrowheads="1"/>
-            </p:cNvSpPr>
-            <p:nvPr/>
-          </p:nvSpPr>
-          <p:spPr bwMode="auto">
-            <a:xfrm>
-              <a:off x="1943" y="154"/>
-              <a:ext cx="431" cy="233"/>
-            </a:xfrm>
-            <a:custGeom>
-              <a:avLst/>
-              <a:gdLst>
-                <a:gd name="T0" fmla="*/ 6 w 431"/>
-                <a:gd name="T1" fmla="*/ 38 h 233"/>
-                <a:gd name="T2" fmla="*/ 9 w 431"/>
-                <a:gd name="T3" fmla="*/ 20 h 233"/>
-                <a:gd name="T4" fmla="*/ 42 w 431"/>
-                <a:gd name="T5" fmla="*/ 2 h 233"/>
-                <a:gd name="T6" fmla="*/ 90 w 431"/>
-                <a:gd name="T7" fmla="*/ 35 h 233"/>
-                <a:gd name="T8" fmla="*/ 189 w 431"/>
-                <a:gd name="T9" fmla="*/ 89 h 233"/>
-                <a:gd name="T10" fmla="*/ 288 w 431"/>
-                <a:gd name="T11" fmla="*/ 140 h 233"/>
-                <a:gd name="T12" fmla="*/ 375 w 431"/>
-                <a:gd name="T13" fmla="*/ 176 h 233"/>
-                <a:gd name="T14" fmla="*/ 396 w 431"/>
-                <a:gd name="T15" fmla="*/ 176 h 233"/>
-                <a:gd name="T16" fmla="*/ 429 w 431"/>
-                <a:gd name="T17" fmla="*/ 212 h 233"/>
-                <a:gd name="T18" fmla="*/ 408 w 431"/>
-                <a:gd name="T19" fmla="*/ 233 h 233"/>
-                <a:gd name="T20" fmla="*/ 333 w 431"/>
-                <a:gd name="T21" fmla="*/ 212 h 233"/>
-                <a:gd name="T22" fmla="*/ 186 w 431"/>
-                <a:gd name="T23" fmla="*/ 143 h 233"/>
-                <a:gd name="T24" fmla="*/ 48 w 431"/>
-                <a:gd name="T25" fmla="*/ 68 h 233"/>
-                <a:gd name="T26" fmla="*/ 6 w 431"/>
-                <a:gd name="T27" fmla="*/ 38 h 233"/>
-                <a:gd name="T28" fmla="*/ 0 60000 65536"/>
-                <a:gd name="T29" fmla="*/ 0 60000 65536"/>
-                <a:gd name="T30" fmla="*/ 0 60000 65536"/>
-                <a:gd name="T31" fmla="*/ 0 60000 65536"/>
-                <a:gd name="T32" fmla="*/ 0 60000 65536"/>
-                <a:gd name="T33" fmla="*/ 0 60000 65536"/>
-                <a:gd name="T34" fmla="*/ 0 60000 65536"/>
-                <a:gd name="T35" fmla="*/ 0 60000 65536"/>
-                <a:gd name="T36" fmla="*/ 0 60000 65536"/>
-                <a:gd name="T37" fmla="*/ 0 60000 65536"/>
-                <a:gd name="T38" fmla="*/ 0 60000 65536"/>
-                <a:gd name="T39" fmla="*/ 0 60000 65536"/>
-                <a:gd name="T40" fmla="*/ 0 60000 65536"/>
-                <a:gd name="T41" fmla="*/ 0 60000 65536"/>
-                <a:gd name="T42" fmla="*/ 0 w 431"/>
-                <a:gd name="T43" fmla="*/ 0 h 233"/>
-                <a:gd name="T44" fmla="*/ 431 w 431"/>
-                <a:gd name="T45" fmla="*/ 233 h 233"/>
-              </a:gdLst>
-              <a:ahLst/>
-              <a:cxnLst>
-                <a:cxn ang="T28">
-                  <a:pos x="T0" y="T1"/>
-                </a:cxn>
-                <a:cxn ang="T29">
-                  <a:pos x="T2" y="T3"/>
-                </a:cxn>
-                <a:cxn ang="T30">
-                  <a:pos x="T4" y="T5"/>
-                </a:cxn>
-                <a:cxn ang="T31">
-                  <a:pos x="T6" y="T7"/>
-                </a:cxn>
-                <a:cxn ang="T32">
-                  <a:pos x="T8" y="T9"/>
-                </a:cxn>
-                <a:cxn ang="T33">
-                  <a:pos x="T10" y="T11"/>
-                </a:cxn>
-                <a:cxn ang="T34">
-                  <a:pos x="T12" y="T13"/>
-                </a:cxn>
-                <a:cxn ang="T35">
-                  <a:pos x="T14" y="T15"/>
-                </a:cxn>
-                <a:cxn ang="T36">
-                  <a:pos x="T16" y="T17"/>
-                </a:cxn>
-                <a:cxn ang="T37">
-                  <a:pos x="T18" y="T19"/>
-                </a:cxn>
-                <a:cxn ang="T38">
-                  <a:pos x="T20" y="T21"/>
-                </a:cxn>
-                <a:cxn ang="T39">
-                  <a:pos x="T22" y="T23"/>
-                </a:cxn>
-                <a:cxn ang="T40">
-                  <a:pos x="T24" y="T25"/>
-                </a:cxn>
-                <a:cxn ang="T41">
-                  <a:pos x="T26" y="T27"/>
-                </a:cxn>
-              </a:cxnLst>
-              <a:rect l="T42" t="T43" r="T44" b="T45"/>
-              <a:pathLst>
-                <a:path w="431" h="233">
-                  <a:moveTo>
-                    <a:pt x="6" y="38"/>
-                  </a:moveTo>
-                  <a:cubicBezTo>
-                    <a:pt x="0" y="26"/>
-                    <a:pt x="3" y="26"/>
-                    <a:pt x="9" y="20"/>
-                  </a:cubicBezTo>
-                  <a:cubicBezTo>
-                    <a:pt x="15" y="14"/>
-                    <a:pt x="29" y="0"/>
-                    <a:pt x="42" y="2"/>
-                  </a:cubicBezTo>
-                  <a:cubicBezTo>
-                    <a:pt x="55" y="4"/>
-                    <a:pt x="66" y="21"/>
-                    <a:pt x="90" y="35"/>
-                  </a:cubicBezTo>
-                  <a:cubicBezTo>
-                    <a:pt x="114" y="49"/>
-                    <a:pt x="156" y="72"/>
-                    <a:pt x="189" y="89"/>
-                  </a:cubicBezTo>
-                  <a:cubicBezTo>
-                    <a:pt x="222" y="106"/>
-                    <a:pt x="257" y="126"/>
-                    <a:pt x="288" y="140"/>
-                  </a:cubicBezTo>
-                  <a:cubicBezTo>
-                    <a:pt x="319" y="154"/>
-                    <a:pt x="357" y="170"/>
-                    <a:pt x="375" y="176"/>
-                  </a:cubicBezTo>
-                  <a:cubicBezTo>
-                    <a:pt x="393" y="182"/>
-                    <a:pt x="387" y="170"/>
-                    <a:pt x="396" y="176"/>
-                  </a:cubicBezTo>
-                  <a:cubicBezTo>
-                    <a:pt x="405" y="182"/>
-                    <a:pt x="427" y="203"/>
-                    <a:pt x="429" y="212"/>
-                  </a:cubicBezTo>
-                  <a:cubicBezTo>
-                    <a:pt x="431" y="221"/>
-                    <a:pt x="424" y="233"/>
-                    <a:pt x="408" y="233"/>
-                  </a:cubicBezTo>
-                  <a:cubicBezTo>
-                    <a:pt x="392" y="233"/>
-                    <a:pt x="370" y="227"/>
-                    <a:pt x="333" y="212"/>
-                  </a:cubicBezTo>
-                  <a:cubicBezTo>
-                    <a:pt x="296" y="197"/>
-                    <a:pt x="234" y="167"/>
-                    <a:pt x="186" y="143"/>
-                  </a:cubicBezTo>
-                  <a:cubicBezTo>
-                    <a:pt x="138" y="119"/>
-                    <a:pt x="78" y="86"/>
-                    <a:pt x="48" y="68"/>
-                  </a:cubicBezTo>
-                  <a:cubicBezTo>
-                    <a:pt x="18" y="50"/>
-                    <a:pt x="12" y="50"/>
-                    <a:pt x="6" y="38"/>
-                  </a:cubicBezTo>
-                  <a:close/>
-                </a:path>
-              </a:pathLst>
-            </a:custGeom>
-            <a:gradFill rotWithShape="0">
-              <a:gsLst>
-                <a:gs pos="0">
-                  <a:srgbClr val="C7C7DF"/>
-                </a:gs>
-                <a:gs pos="100000">
-                  <a:srgbClr val="9797B7"/>
-                </a:gs>
-              </a:gsLst>
-              <a:lin ang="2700000" scaled="1"/>
-            </a:gradFill>
-            <a:ln>
-              <a:noFill/>
-            </a:ln>
-            <a:extLst>
-              <a:ext uri="{91240B29-F687-4F45-9708-019B960494DF}">
-                <a14:hiddenLine xmlns:a14="http://schemas.microsoft.com/office/drawing/2010/main" w="9525">
-                  <a:solidFill>
-                    <a:srgbClr val="000000"/>
-                  </a:solidFill>
-                  <a:miter lim="800000"/>
-                  <a:headEnd/>
-                  <a:tailEnd/>
-                </a14:hiddenLine>
-              </a:ext>
-            </a:extLst>
-          </p:spPr>
-          <p:txBody>
-            <a:bodyPr wrap="none" anchor="ctr"/>
-            <a:lstStyle/>
-            <a:p>
-              <a:endParaRPr lang="zh-CN" altLang="zh-CN" sz="1800">
-                <a:solidFill>
-                  <a:srgbClr val="545472"/>
-                </a:solidFill>
-                <a:sym typeface="Tahoma" pitchFamily="34" charset="0"/>
-              </a:endParaRPr>
-            </a:p>
-          </p:txBody>
-        </p:sp>
-        <p:sp>
-          <p:nvSpPr>
-            <p:cNvPr id="1036" name="Freeform 12"/>
-            <p:cNvSpPr>
-              <a:spLocks noChangeArrowheads="1"/>
-            </p:cNvSpPr>
-            <p:nvPr/>
-          </p:nvSpPr>
-          <p:spPr bwMode="auto">
-            <a:xfrm>
-              <a:off x="2262" y="87"/>
-              <a:ext cx="396" cy="227"/>
-            </a:xfrm>
-            <a:custGeom>
-              <a:avLst/>
-              <a:gdLst>
-                <a:gd name="T0" fmla="*/ 2 w 396"/>
-                <a:gd name="T1" fmla="*/ 9 h 227"/>
-                <a:gd name="T2" fmla="*/ 53 w 396"/>
-                <a:gd name="T3" fmla="*/ 66 h 227"/>
-                <a:gd name="T4" fmla="*/ 176 w 396"/>
-                <a:gd name="T5" fmla="*/ 132 h 227"/>
-                <a:gd name="T6" fmla="*/ 293 w 396"/>
-                <a:gd name="T7" fmla="*/ 189 h 227"/>
-                <a:gd name="T8" fmla="*/ 341 w 396"/>
-                <a:gd name="T9" fmla="*/ 222 h 227"/>
-                <a:gd name="T10" fmla="*/ 377 w 396"/>
-                <a:gd name="T11" fmla="*/ 219 h 227"/>
-                <a:gd name="T12" fmla="*/ 377 w 396"/>
-                <a:gd name="T13" fmla="*/ 180 h 227"/>
-                <a:gd name="T14" fmla="*/ 260 w 396"/>
-                <a:gd name="T15" fmla="*/ 126 h 227"/>
-                <a:gd name="T16" fmla="*/ 113 w 396"/>
-                <a:gd name="T17" fmla="*/ 51 h 227"/>
-                <a:gd name="T18" fmla="*/ 41 w 396"/>
-                <a:gd name="T19" fmla="*/ 9 h 227"/>
-                <a:gd name="T20" fmla="*/ 2 w 396"/>
-                <a:gd name="T21" fmla="*/ 9 h 227"/>
-                <a:gd name="T22" fmla="*/ 0 60000 65536"/>
-                <a:gd name="T23" fmla="*/ 0 60000 65536"/>
-                <a:gd name="T24" fmla="*/ 0 60000 65536"/>
-                <a:gd name="T25" fmla="*/ 0 60000 65536"/>
-                <a:gd name="T26" fmla="*/ 0 60000 65536"/>
-                <a:gd name="T27" fmla="*/ 0 60000 65536"/>
-                <a:gd name="T28" fmla="*/ 0 60000 65536"/>
-                <a:gd name="T29" fmla="*/ 0 60000 65536"/>
-                <a:gd name="T30" fmla="*/ 0 60000 65536"/>
-                <a:gd name="T31" fmla="*/ 0 60000 65536"/>
-                <a:gd name="T32" fmla="*/ 0 60000 65536"/>
-                <a:gd name="T33" fmla="*/ 0 w 396"/>
-                <a:gd name="T34" fmla="*/ 0 h 227"/>
-                <a:gd name="T35" fmla="*/ 396 w 396"/>
-                <a:gd name="T36" fmla="*/ 227 h 227"/>
-              </a:gdLst>
-              <a:ahLst/>
-              <a:cxnLst>
-                <a:cxn ang="T22">
-                  <a:pos x="T0" y="T1"/>
-                </a:cxn>
-                <a:cxn ang="T23">
-                  <a:pos x="T2" y="T3"/>
-                </a:cxn>
-                <a:cxn ang="T24">
-                  <a:pos x="T4" y="T5"/>
-                </a:cxn>
-                <a:cxn ang="T25">
-                  <a:pos x="T6" y="T7"/>
-                </a:cxn>
-                <a:cxn ang="T26">
-                  <a:pos x="T8" y="T9"/>
-                </a:cxn>
-                <a:cxn ang="T27">
-                  <a:pos x="T10" y="T11"/>
-                </a:cxn>
-                <a:cxn ang="T28">
-                  <a:pos x="T12" y="T13"/>
-                </a:cxn>
-                <a:cxn ang="T29">
-                  <a:pos x="T14" y="T15"/>
-                </a:cxn>
-                <a:cxn ang="T30">
-                  <a:pos x="T16" y="T17"/>
-                </a:cxn>
-                <a:cxn ang="T31">
-                  <a:pos x="T18" y="T19"/>
-                </a:cxn>
-                <a:cxn ang="T32">
-                  <a:pos x="T20" y="T21"/>
-                </a:cxn>
-              </a:cxnLst>
-              <a:rect l="T33" t="T34" r="T35" b="T36"/>
-              <a:pathLst>
-                <a:path w="396" h="227">
-                  <a:moveTo>
-                    <a:pt x="2" y="9"/>
-                  </a:moveTo>
-                  <a:cubicBezTo>
-                    <a:pt x="4" y="18"/>
-                    <a:pt x="24" y="45"/>
-                    <a:pt x="53" y="66"/>
-                  </a:cubicBezTo>
-                  <a:cubicBezTo>
-                    <a:pt x="82" y="87"/>
-                    <a:pt x="136" y="111"/>
-                    <a:pt x="176" y="132"/>
-                  </a:cubicBezTo>
-                  <a:cubicBezTo>
-                    <a:pt x="216" y="153"/>
-                    <a:pt x="266" y="174"/>
-                    <a:pt x="293" y="189"/>
-                  </a:cubicBezTo>
-                  <a:cubicBezTo>
-                    <a:pt x="320" y="204"/>
-                    <a:pt x="327" y="217"/>
-                    <a:pt x="341" y="222"/>
-                  </a:cubicBezTo>
-                  <a:cubicBezTo>
-                    <a:pt x="355" y="227"/>
-                    <a:pt x="371" y="226"/>
-                    <a:pt x="377" y="219"/>
-                  </a:cubicBezTo>
-                  <a:cubicBezTo>
-                    <a:pt x="383" y="212"/>
-                    <a:pt x="396" y="195"/>
-                    <a:pt x="377" y="180"/>
-                  </a:cubicBezTo>
-                  <a:cubicBezTo>
-                    <a:pt x="358" y="165"/>
-                    <a:pt x="304" y="147"/>
-                    <a:pt x="260" y="126"/>
-                  </a:cubicBezTo>
-                  <a:cubicBezTo>
-                    <a:pt x="216" y="105"/>
-                    <a:pt x="149" y="70"/>
-                    <a:pt x="113" y="51"/>
-                  </a:cubicBezTo>
-                  <a:cubicBezTo>
-                    <a:pt x="77" y="32"/>
-                    <a:pt x="60" y="17"/>
-                    <a:pt x="41" y="9"/>
-                  </a:cubicBezTo>
-                  <a:cubicBezTo>
-                    <a:pt x="22" y="1"/>
-                    <a:pt x="0" y="0"/>
-                    <a:pt x="2" y="9"/>
-                  </a:cubicBezTo>
-                  <a:close/>
-                </a:path>
-              </a:pathLst>
-            </a:custGeom>
-            <a:gradFill rotWithShape="0">
-              <a:gsLst>
-                <a:gs pos="0">
-                  <a:srgbClr val="C7C7DF"/>
-                </a:gs>
-                <a:gs pos="100000">
-                  <a:srgbClr val="9797B7"/>
-                </a:gs>
-              </a:gsLst>
-              <a:lin ang="2700000" scaled="1"/>
-            </a:gradFill>
-            <a:ln>
-              <a:noFill/>
-            </a:ln>
-            <a:extLst>
-              <a:ext uri="{91240B29-F687-4F45-9708-019B960494DF}">
-                <a14:hiddenLine xmlns:a14="http://schemas.microsoft.com/office/drawing/2010/main" w="9525">
-                  <a:solidFill>
-                    <a:srgbClr val="000000"/>
-                  </a:solidFill>
-                  <a:miter lim="800000"/>
-                  <a:headEnd/>
-                  <a:tailEnd/>
-                </a14:hiddenLine>
-              </a:ext>
-            </a:extLst>
-          </p:spPr>
-          <p:txBody>
-            <a:bodyPr wrap="none" anchor="ctr"/>
-            <a:lstStyle/>
-            <a:p>
-              <a:endParaRPr lang="zh-CN" altLang="zh-CN" sz="1800">
-                <a:solidFill>
-                  <a:srgbClr val="545472"/>
-                </a:solidFill>
-                <a:sym typeface="Tahoma" pitchFamily="34" charset="0"/>
-              </a:endParaRPr>
-            </a:p>
-          </p:txBody>
-        </p:sp>
-        <p:sp>
-          <p:nvSpPr>
-            <p:cNvPr id="1037" name="Freeform 13"/>
-            <p:cNvSpPr>
-              <a:spLocks noChangeArrowheads="1"/>
-            </p:cNvSpPr>
-            <p:nvPr/>
-          </p:nvSpPr>
-          <p:spPr bwMode="auto">
-            <a:xfrm>
-              <a:off x="2264" y="240"/>
-              <a:ext cx="516" cy="223"/>
-            </a:xfrm>
-            <a:custGeom>
-              <a:avLst/>
-              <a:gdLst>
-                <a:gd name="T0" fmla="*/ 3 w 516"/>
-                <a:gd name="T1" fmla="*/ 10 h 223"/>
-                <a:gd name="T2" fmla="*/ 105 w 516"/>
-                <a:gd name="T3" fmla="*/ 97 h 223"/>
-                <a:gd name="T4" fmla="*/ 243 w 516"/>
-                <a:gd name="T5" fmla="*/ 178 h 223"/>
-                <a:gd name="T6" fmla="*/ 357 w 516"/>
-                <a:gd name="T7" fmla="*/ 217 h 223"/>
-                <a:gd name="T8" fmla="*/ 498 w 516"/>
-                <a:gd name="T9" fmla="*/ 214 h 223"/>
-                <a:gd name="T10" fmla="*/ 468 w 516"/>
-                <a:gd name="T11" fmla="*/ 187 h 223"/>
-                <a:gd name="T12" fmla="*/ 309 w 516"/>
-                <a:gd name="T13" fmla="*/ 136 h 223"/>
-                <a:gd name="T14" fmla="*/ 123 w 516"/>
-                <a:gd name="T15" fmla="*/ 34 h 223"/>
-                <a:gd name="T16" fmla="*/ 3 w 516"/>
-                <a:gd name="T17" fmla="*/ 10 h 223"/>
-                <a:gd name="T18" fmla="*/ 0 60000 65536"/>
-                <a:gd name="T19" fmla="*/ 0 60000 65536"/>
-                <a:gd name="T20" fmla="*/ 0 60000 65536"/>
-                <a:gd name="T21" fmla="*/ 0 60000 65536"/>
-                <a:gd name="T22" fmla="*/ 0 60000 65536"/>
-                <a:gd name="T23" fmla="*/ 0 60000 65536"/>
-                <a:gd name="T24" fmla="*/ 0 60000 65536"/>
-                <a:gd name="T25" fmla="*/ 0 60000 65536"/>
-                <a:gd name="T26" fmla="*/ 0 60000 65536"/>
-                <a:gd name="T27" fmla="*/ 0 w 516"/>
-                <a:gd name="T28" fmla="*/ 0 h 223"/>
-                <a:gd name="T29" fmla="*/ 516 w 516"/>
-                <a:gd name="T30" fmla="*/ 223 h 223"/>
-              </a:gdLst>
-              <a:ahLst/>
-              <a:cxnLst>
-                <a:cxn ang="T18">
-                  <a:pos x="T0" y="T1"/>
-                </a:cxn>
-                <a:cxn ang="T19">
-                  <a:pos x="T2" y="T3"/>
-                </a:cxn>
-                <a:cxn ang="T20">
-                  <a:pos x="T4" y="T5"/>
-                </a:cxn>
-                <a:cxn ang="T21">
-                  <a:pos x="T6" y="T7"/>
-                </a:cxn>
-                <a:cxn ang="T22">
-                  <a:pos x="T8" y="T9"/>
-                </a:cxn>
-                <a:cxn ang="T23">
-                  <a:pos x="T10" y="T11"/>
-                </a:cxn>
-                <a:cxn ang="T24">
-                  <a:pos x="T12" y="T13"/>
-                </a:cxn>
-                <a:cxn ang="T25">
-                  <a:pos x="T14" y="T15"/>
-                </a:cxn>
-                <a:cxn ang="T26">
-                  <a:pos x="T16" y="T17"/>
-                </a:cxn>
-              </a:cxnLst>
-              <a:rect l="T27" t="T28" r="T29" b="T30"/>
-              <a:pathLst>
-                <a:path w="516" h="223">
-                  <a:moveTo>
-                    <a:pt x="3" y="10"/>
-                  </a:moveTo>
-                  <a:cubicBezTo>
-                    <a:pt x="0" y="20"/>
-                    <a:pt x="65" y="69"/>
-                    <a:pt x="105" y="97"/>
-                  </a:cubicBezTo>
-                  <a:cubicBezTo>
-                    <a:pt x="145" y="125"/>
-                    <a:pt x="201" y="158"/>
-                    <a:pt x="243" y="178"/>
-                  </a:cubicBezTo>
-                  <a:cubicBezTo>
-                    <a:pt x="285" y="198"/>
-                    <a:pt x="315" y="211"/>
-                    <a:pt x="357" y="217"/>
-                  </a:cubicBezTo>
-                  <a:cubicBezTo>
-                    <a:pt x="399" y="223"/>
-                    <a:pt x="480" y="219"/>
-                    <a:pt x="498" y="214"/>
-                  </a:cubicBezTo>
-                  <a:cubicBezTo>
-                    <a:pt x="516" y="209"/>
-                    <a:pt x="499" y="200"/>
-                    <a:pt x="468" y="187"/>
-                  </a:cubicBezTo>
-                  <a:cubicBezTo>
-                    <a:pt x="437" y="174"/>
-                    <a:pt x="366" y="161"/>
-                    <a:pt x="309" y="136"/>
-                  </a:cubicBezTo>
-                  <a:cubicBezTo>
-                    <a:pt x="252" y="111"/>
-                    <a:pt x="172" y="54"/>
-                    <a:pt x="123" y="34"/>
-                  </a:cubicBezTo>
-                  <a:cubicBezTo>
-                    <a:pt x="74" y="14"/>
-                    <a:pt x="6" y="0"/>
-                    <a:pt x="3" y="10"/>
-                  </a:cubicBezTo>
-                  <a:close/>
-                </a:path>
-              </a:pathLst>
-            </a:custGeom>
-            <a:gradFill rotWithShape="0">
-              <a:gsLst>
-                <a:gs pos="0">
-                  <a:srgbClr val="9797B7"/>
-                </a:gs>
-                <a:gs pos="100000">
-                  <a:srgbClr val="C7C7DF"/>
-                </a:gs>
-              </a:gsLst>
-              <a:lin ang="5400000" scaled="1"/>
-            </a:gradFill>
-            <a:ln>
-              <a:noFill/>
-            </a:ln>
-            <a:extLst>
-              <a:ext uri="{91240B29-F687-4F45-9708-019B960494DF}">
-                <a14:hiddenLine xmlns:a14="http://schemas.microsoft.com/office/drawing/2010/main" w="9525">
-                  <a:solidFill>
-                    <a:srgbClr val="000000"/>
-                  </a:solidFill>
-                  <a:miter lim="800000"/>
-                  <a:headEnd/>
-                  <a:tailEnd/>
-                </a14:hiddenLine>
-              </a:ext>
-            </a:extLst>
-          </p:spPr>
-          <p:txBody>
-            <a:bodyPr wrap="none" anchor="ctr"/>
-            <a:lstStyle/>
-            <a:p>
-              <a:endParaRPr lang="zh-CN" altLang="zh-CN" sz="1800">
-                <a:solidFill>
-                  <a:srgbClr val="545472"/>
-                </a:solidFill>
-                <a:sym typeface="Tahoma" pitchFamily="34" charset="0"/>
-              </a:endParaRPr>
-            </a:p>
-          </p:txBody>
-        </p:sp>
-        <p:sp>
-          <p:nvSpPr>
-            <p:cNvPr id="1038" name="Freeform 14"/>
-            <p:cNvSpPr>
-              <a:spLocks noChangeArrowheads="1"/>
-            </p:cNvSpPr>
-            <p:nvPr/>
-          </p:nvSpPr>
-          <p:spPr bwMode="auto">
-            <a:xfrm>
-              <a:off x="2723" y="324"/>
-              <a:ext cx="414" cy="100"/>
-            </a:xfrm>
-            <a:custGeom>
-              <a:avLst/>
-              <a:gdLst>
-                <a:gd name="T0" fmla="*/ 69 w 414"/>
-                <a:gd name="T1" fmla="*/ 60 h 100"/>
-                <a:gd name="T2" fmla="*/ 12 w 414"/>
-                <a:gd name="T3" fmla="*/ 42 h 100"/>
-                <a:gd name="T4" fmla="*/ 3 w 414"/>
-                <a:gd name="T5" fmla="*/ 15 h 100"/>
-                <a:gd name="T6" fmla="*/ 30 w 414"/>
-                <a:gd name="T7" fmla="*/ 0 h 100"/>
-                <a:gd name="T8" fmla="*/ 117 w 414"/>
-                <a:gd name="T9" fmla="*/ 18 h 100"/>
-                <a:gd name="T10" fmla="*/ 243 w 414"/>
-                <a:gd name="T11" fmla="*/ 48 h 100"/>
-                <a:gd name="T12" fmla="*/ 387 w 414"/>
-                <a:gd name="T13" fmla="*/ 48 h 100"/>
-                <a:gd name="T14" fmla="*/ 408 w 414"/>
-                <a:gd name="T15" fmla="*/ 54 h 100"/>
-                <a:gd name="T16" fmla="*/ 381 w 414"/>
-                <a:gd name="T17" fmla="*/ 87 h 100"/>
-                <a:gd name="T18" fmla="*/ 318 w 414"/>
-                <a:gd name="T19" fmla="*/ 99 h 100"/>
-                <a:gd name="T20" fmla="*/ 195 w 414"/>
-                <a:gd name="T21" fmla="*/ 93 h 100"/>
-                <a:gd name="T22" fmla="*/ 69 w 414"/>
-                <a:gd name="T23" fmla="*/ 60 h 100"/>
-                <a:gd name="T24" fmla="*/ 0 60000 65536"/>
-                <a:gd name="T25" fmla="*/ 0 60000 65536"/>
-                <a:gd name="T26" fmla="*/ 0 60000 65536"/>
-                <a:gd name="T27" fmla="*/ 0 60000 65536"/>
-                <a:gd name="T28" fmla="*/ 0 60000 65536"/>
-                <a:gd name="T29" fmla="*/ 0 60000 65536"/>
-                <a:gd name="T30" fmla="*/ 0 60000 65536"/>
-                <a:gd name="T31" fmla="*/ 0 60000 65536"/>
-                <a:gd name="T32" fmla="*/ 0 60000 65536"/>
-                <a:gd name="T33" fmla="*/ 0 60000 65536"/>
-                <a:gd name="T34" fmla="*/ 0 60000 65536"/>
-                <a:gd name="T35" fmla="*/ 0 60000 65536"/>
-                <a:gd name="T36" fmla="*/ 0 w 414"/>
-                <a:gd name="T37" fmla="*/ 0 h 100"/>
-                <a:gd name="T38" fmla="*/ 414 w 414"/>
-                <a:gd name="T39" fmla="*/ 100 h 100"/>
-              </a:gdLst>
-              <a:ahLst/>
-              <a:cxnLst>
-                <a:cxn ang="T24">
-                  <a:pos x="T0" y="T1"/>
-                </a:cxn>
-                <a:cxn ang="T25">
-                  <a:pos x="T2" y="T3"/>
-                </a:cxn>
-                <a:cxn ang="T26">
-                  <a:pos x="T4" y="T5"/>
-                </a:cxn>
-                <a:cxn ang="T27">
-                  <a:pos x="T6" y="T7"/>
-                </a:cxn>
-                <a:cxn ang="T28">
-                  <a:pos x="T8" y="T9"/>
-                </a:cxn>
-                <a:cxn ang="T29">
-                  <a:pos x="T10" y="T11"/>
-                </a:cxn>
-                <a:cxn ang="T30">
-                  <a:pos x="T12" y="T13"/>
-                </a:cxn>
-                <a:cxn ang="T31">
-                  <a:pos x="T14" y="T15"/>
-                </a:cxn>
-                <a:cxn ang="T32">
-                  <a:pos x="T16" y="T17"/>
-                </a:cxn>
-                <a:cxn ang="T33">
-                  <a:pos x="T18" y="T19"/>
-                </a:cxn>
-                <a:cxn ang="T34">
-                  <a:pos x="T20" y="T21"/>
-                </a:cxn>
-                <a:cxn ang="T35">
-                  <a:pos x="T22" y="T23"/>
-                </a:cxn>
-              </a:cxnLst>
-              <a:rect l="T36" t="T37" r="T38" b="T39"/>
-              <a:pathLst>
-                <a:path w="414" h="100">
-                  <a:moveTo>
-                    <a:pt x="69" y="60"/>
-                  </a:moveTo>
-                  <a:cubicBezTo>
-                    <a:pt x="39" y="52"/>
-                    <a:pt x="23" y="49"/>
-                    <a:pt x="12" y="42"/>
-                  </a:cubicBezTo>
-                  <a:cubicBezTo>
-                    <a:pt x="1" y="35"/>
-                    <a:pt x="0" y="22"/>
-                    <a:pt x="3" y="15"/>
-                  </a:cubicBezTo>
-                  <a:cubicBezTo>
-                    <a:pt x="6" y="8"/>
-                    <a:pt x="11" y="0"/>
-                    <a:pt x="30" y="0"/>
-                  </a:cubicBezTo>
-                  <a:cubicBezTo>
-                    <a:pt x="49" y="0"/>
-                    <a:pt x="82" y="10"/>
-                    <a:pt x="117" y="18"/>
-                  </a:cubicBezTo>
-                  <a:cubicBezTo>
-                    <a:pt x="152" y="26"/>
-                    <a:pt x="198" y="43"/>
-                    <a:pt x="243" y="48"/>
-                  </a:cubicBezTo>
-                  <a:cubicBezTo>
-                    <a:pt x="288" y="53"/>
-                    <a:pt x="360" y="47"/>
-                    <a:pt x="387" y="48"/>
-                  </a:cubicBezTo>
-                  <a:cubicBezTo>
-                    <a:pt x="414" y="49"/>
-                    <a:pt x="409" y="48"/>
-                    <a:pt x="408" y="54"/>
-                  </a:cubicBezTo>
-                  <a:cubicBezTo>
-                    <a:pt x="407" y="60"/>
-                    <a:pt x="396" y="80"/>
-                    <a:pt x="381" y="87"/>
-                  </a:cubicBezTo>
-                  <a:cubicBezTo>
-                    <a:pt x="366" y="94"/>
-                    <a:pt x="349" y="98"/>
-                    <a:pt x="318" y="99"/>
-                  </a:cubicBezTo>
-                  <a:cubicBezTo>
-                    <a:pt x="287" y="100"/>
-                    <a:pt x="237" y="99"/>
-                    <a:pt x="195" y="93"/>
-                  </a:cubicBezTo>
-                  <a:cubicBezTo>
-                    <a:pt x="153" y="87"/>
-                    <a:pt x="99" y="68"/>
-                    <a:pt x="69" y="60"/>
-                  </a:cubicBezTo>
-                  <a:close/>
-                </a:path>
-              </a:pathLst>
-            </a:custGeom>
-            <a:gradFill rotWithShape="0">
-              <a:gsLst>
-                <a:gs pos="0">
-                  <a:srgbClr val="9797B7"/>
-                </a:gs>
-                <a:gs pos="100000">
-                  <a:srgbClr val="C7C7DF"/>
-                </a:gs>
-              </a:gsLst>
-              <a:lin ang="0" scaled="1"/>
-            </a:gradFill>
-            <a:ln>
-              <a:noFill/>
-            </a:ln>
-            <a:extLst>
-              <a:ext uri="{91240B29-F687-4F45-9708-019B960494DF}">
-                <a14:hiddenLine xmlns:a14="http://schemas.microsoft.com/office/drawing/2010/main" w="9525">
-                  <a:solidFill>
-                    <a:srgbClr val="000000"/>
-                  </a:solidFill>
-                  <a:miter lim="800000"/>
-                  <a:headEnd/>
-                  <a:tailEnd/>
-                </a14:hiddenLine>
-              </a:ext>
-            </a:extLst>
-          </p:spPr>
-          <p:txBody>
-            <a:bodyPr wrap="none" anchor="ctr"/>
-            <a:lstStyle/>
-            <a:p>
-              <a:endParaRPr lang="zh-CN" altLang="zh-CN" sz="1800">
-                <a:solidFill>
-                  <a:srgbClr val="545472"/>
-                </a:solidFill>
-                <a:sym typeface="Tahoma" pitchFamily="34" charset="0"/>
-              </a:endParaRPr>
-            </a:p>
-          </p:txBody>
-        </p:sp>
-        <p:sp>
-          <p:nvSpPr>
-            <p:cNvPr id="1039" name="Freeform 15"/>
-            <p:cNvSpPr>
-              <a:spLocks noChangeArrowheads="1"/>
-            </p:cNvSpPr>
-            <p:nvPr/>
-          </p:nvSpPr>
-          <p:spPr bwMode="auto">
-            <a:xfrm>
-              <a:off x="3165" y="375"/>
-              <a:ext cx="150" cy="72"/>
-            </a:xfrm>
-            <a:custGeom>
-              <a:avLst/>
-              <a:gdLst>
-                <a:gd name="T0" fmla="*/ 3 w 150"/>
-                <a:gd name="T1" fmla="*/ 67 h 72"/>
-                <a:gd name="T2" fmla="*/ 84 w 150"/>
-                <a:gd name="T3" fmla="*/ 19 h 72"/>
-                <a:gd name="T4" fmla="*/ 123 w 150"/>
-                <a:gd name="T5" fmla="*/ 1 h 72"/>
-                <a:gd name="T6" fmla="*/ 150 w 150"/>
-                <a:gd name="T7" fmla="*/ 22 h 72"/>
-                <a:gd name="T8" fmla="*/ 123 w 150"/>
-                <a:gd name="T9" fmla="*/ 55 h 72"/>
-                <a:gd name="T10" fmla="*/ 90 w 150"/>
-                <a:gd name="T11" fmla="*/ 70 h 72"/>
-                <a:gd name="T12" fmla="*/ 0 w 150"/>
-                <a:gd name="T13" fmla="*/ 67 h 72"/>
-                <a:gd name="T14" fmla="*/ 0 60000 65536"/>
-                <a:gd name="T15" fmla="*/ 0 60000 65536"/>
-                <a:gd name="T16" fmla="*/ 0 60000 65536"/>
-                <a:gd name="T17" fmla="*/ 0 60000 65536"/>
-                <a:gd name="T18" fmla="*/ 0 60000 65536"/>
-                <a:gd name="T19" fmla="*/ 0 60000 65536"/>
-                <a:gd name="T20" fmla="*/ 0 60000 65536"/>
-                <a:gd name="T21" fmla="*/ 0 w 150"/>
-                <a:gd name="T22" fmla="*/ 0 h 72"/>
-                <a:gd name="T23" fmla="*/ 150 w 150"/>
-                <a:gd name="T24" fmla="*/ 72 h 72"/>
-              </a:gdLst>
-              <a:ahLst/>
-              <a:cxnLst>
-                <a:cxn ang="T14">
-                  <a:pos x="T0" y="T1"/>
-                </a:cxn>
-                <a:cxn ang="T15">
-                  <a:pos x="T2" y="T3"/>
-                </a:cxn>
-                <a:cxn ang="T16">
-                  <a:pos x="T4" y="T5"/>
-                </a:cxn>
-                <a:cxn ang="T17">
-                  <a:pos x="T6" y="T7"/>
-                </a:cxn>
-                <a:cxn ang="T18">
-                  <a:pos x="T8" y="T9"/>
-                </a:cxn>
-                <a:cxn ang="T19">
-                  <a:pos x="T10" y="T11"/>
-                </a:cxn>
-                <a:cxn ang="T20">
-                  <a:pos x="T12" y="T13"/>
-                </a:cxn>
-              </a:cxnLst>
-              <a:rect l="T21" t="T22" r="T23" b="T24"/>
-              <a:pathLst>
-                <a:path w="150" h="72">
-                  <a:moveTo>
-                    <a:pt x="3" y="67"/>
-                  </a:moveTo>
-                  <a:cubicBezTo>
-                    <a:pt x="16" y="59"/>
-                    <a:pt x="64" y="30"/>
-                    <a:pt x="84" y="19"/>
-                  </a:cubicBezTo>
-                  <a:cubicBezTo>
-                    <a:pt x="104" y="8"/>
-                    <a:pt x="112" y="0"/>
-                    <a:pt x="123" y="1"/>
-                  </a:cubicBezTo>
-                  <a:cubicBezTo>
-                    <a:pt x="134" y="2"/>
-                    <a:pt x="150" y="13"/>
-                    <a:pt x="150" y="22"/>
-                  </a:cubicBezTo>
-                  <a:cubicBezTo>
-                    <a:pt x="150" y="31"/>
-                    <a:pt x="133" y="47"/>
-                    <a:pt x="123" y="55"/>
-                  </a:cubicBezTo>
-                  <a:cubicBezTo>
-                    <a:pt x="113" y="63"/>
-                    <a:pt x="110" y="68"/>
-                    <a:pt x="90" y="70"/>
-                  </a:cubicBezTo>
-                  <a:cubicBezTo>
-                    <a:pt x="70" y="72"/>
-                    <a:pt x="35" y="69"/>
-                    <a:pt x="0" y="67"/>
-                  </a:cubicBezTo>
-                </a:path>
-              </a:pathLst>
-            </a:custGeom>
-            <a:gradFill rotWithShape="0">
-              <a:gsLst>
-                <a:gs pos="0">
-                  <a:srgbClr val="C7C7DF"/>
-                </a:gs>
-                <a:gs pos="100000">
-                  <a:srgbClr val="9797B7"/>
-                </a:gs>
-              </a:gsLst>
-              <a:lin ang="0" scaled="1"/>
-            </a:gradFill>
-            <a:ln>
-              <a:noFill/>
-            </a:ln>
-            <a:extLst>
-              <a:ext uri="{91240B29-F687-4F45-9708-019B960494DF}">
-                <a14:hiddenLine xmlns:a14="http://schemas.microsoft.com/office/drawing/2010/main" w="9525">
-                  <a:solidFill>
-                    <a:srgbClr val="000000"/>
-                  </a:solidFill>
-                  <a:miter lim="800000"/>
-                  <a:headEnd/>
-                  <a:tailEnd/>
-                </a14:hiddenLine>
-              </a:ext>
-            </a:extLst>
-          </p:spPr>
-          <p:txBody>
-            <a:bodyPr wrap="none" anchor="ctr"/>
-            <a:lstStyle/>
-            <a:p>
-              <a:endParaRPr lang="zh-CN" altLang="zh-CN" sz="1800">
-                <a:solidFill>
-                  <a:srgbClr val="545472"/>
-                </a:solidFill>
-                <a:sym typeface="Tahoma" pitchFamily="34" charset="0"/>
-              </a:endParaRPr>
-            </a:p>
-          </p:txBody>
-        </p:sp>
-        <p:sp>
-          <p:nvSpPr>
-            <p:cNvPr id="1040" name="Freeform 16"/>
-            <p:cNvSpPr>
-              <a:spLocks noChangeArrowheads="1"/>
-            </p:cNvSpPr>
-            <p:nvPr/>
-          </p:nvSpPr>
-          <p:spPr bwMode="auto">
-            <a:xfrm>
-              <a:off x="3463" y="267"/>
-              <a:ext cx="148" cy="91"/>
-            </a:xfrm>
-            <a:custGeom>
-              <a:avLst/>
-              <a:gdLst>
-                <a:gd name="T0" fmla="*/ 1 w 148"/>
-                <a:gd name="T1" fmla="*/ 69 h 91"/>
-                <a:gd name="T2" fmla="*/ 25 w 148"/>
-                <a:gd name="T3" fmla="*/ 51 h 91"/>
-                <a:gd name="T4" fmla="*/ 100 w 148"/>
-                <a:gd name="T5" fmla="*/ 9 h 91"/>
-                <a:gd name="T6" fmla="*/ 133 w 148"/>
-                <a:gd name="T7" fmla="*/ 3 h 91"/>
-                <a:gd name="T8" fmla="*/ 136 w 148"/>
-                <a:gd name="T9" fmla="*/ 27 h 91"/>
-                <a:gd name="T10" fmla="*/ 61 w 148"/>
-                <a:gd name="T11" fmla="*/ 75 h 91"/>
-                <a:gd name="T12" fmla="*/ 19 w 148"/>
-                <a:gd name="T13" fmla="*/ 90 h 91"/>
-                <a:gd name="T14" fmla="*/ 1 w 148"/>
-                <a:gd name="T15" fmla="*/ 69 h 91"/>
-                <a:gd name="T16" fmla="*/ 0 60000 65536"/>
-                <a:gd name="T17" fmla="*/ 0 60000 65536"/>
-                <a:gd name="T18" fmla="*/ 0 60000 65536"/>
-                <a:gd name="T19" fmla="*/ 0 60000 65536"/>
-                <a:gd name="T20" fmla="*/ 0 60000 65536"/>
-                <a:gd name="T21" fmla="*/ 0 60000 65536"/>
-                <a:gd name="T22" fmla="*/ 0 60000 65536"/>
-                <a:gd name="T23" fmla="*/ 0 60000 65536"/>
-                <a:gd name="T24" fmla="*/ 0 w 148"/>
-                <a:gd name="T25" fmla="*/ 0 h 91"/>
-                <a:gd name="T26" fmla="*/ 148 w 148"/>
-                <a:gd name="T27" fmla="*/ 91 h 91"/>
-              </a:gdLst>
-              <a:ahLst/>
-              <a:cxnLst>
-                <a:cxn ang="T16">
-                  <a:pos x="T0" y="T1"/>
-                </a:cxn>
-                <a:cxn ang="T17">
-                  <a:pos x="T2" y="T3"/>
-                </a:cxn>
-                <a:cxn ang="T18">
-                  <a:pos x="T4" y="T5"/>
-                </a:cxn>
-                <a:cxn ang="T19">
-                  <a:pos x="T6" y="T7"/>
-                </a:cxn>
-                <a:cxn ang="T20">
-                  <a:pos x="T8" y="T9"/>
-                </a:cxn>
-                <a:cxn ang="T21">
-                  <a:pos x="T10" y="T11"/>
-                </a:cxn>
-                <a:cxn ang="T22">
-                  <a:pos x="T12" y="T13"/>
-                </a:cxn>
-                <a:cxn ang="T23">
-                  <a:pos x="T14" y="T15"/>
-                </a:cxn>
-              </a:cxnLst>
-              <a:rect l="T24" t="T25" r="T26" b="T27"/>
-              <a:pathLst>
-                <a:path w="148" h="91">
-                  <a:moveTo>
-                    <a:pt x="1" y="69"/>
-                  </a:moveTo>
-                  <a:cubicBezTo>
-                    <a:pt x="2" y="63"/>
-                    <a:pt x="9" y="61"/>
-                    <a:pt x="25" y="51"/>
-                  </a:cubicBezTo>
-                  <a:cubicBezTo>
-                    <a:pt x="41" y="41"/>
-                    <a:pt x="82" y="17"/>
-                    <a:pt x="100" y="9"/>
-                  </a:cubicBezTo>
-                  <a:cubicBezTo>
-                    <a:pt x="118" y="1"/>
-                    <a:pt x="127" y="0"/>
-                    <a:pt x="133" y="3"/>
-                  </a:cubicBezTo>
-                  <a:cubicBezTo>
-                    <a:pt x="139" y="6"/>
-                    <a:pt x="148" y="15"/>
-                    <a:pt x="136" y="27"/>
-                  </a:cubicBezTo>
-                  <a:cubicBezTo>
-                    <a:pt x="124" y="39"/>
-                    <a:pt x="80" y="65"/>
-                    <a:pt x="61" y="75"/>
-                  </a:cubicBezTo>
-                  <a:cubicBezTo>
-                    <a:pt x="42" y="85"/>
-                    <a:pt x="29" y="91"/>
-                    <a:pt x="19" y="90"/>
-                  </a:cubicBezTo>
-                  <a:cubicBezTo>
-                    <a:pt x="9" y="89"/>
-                    <a:pt x="0" y="75"/>
-                    <a:pt x="1" y="69"/>
-                  </a:cubicBezTo>
-                  <a:close/>
-                </a:path>
-              </a:pathLst>
-            </a:custGeom>
-            <a:gradFill rotWithShape="0">
-              <a:gsLst>
-                <a:gs pos="0">
-                  <a:srgbClr val="9797B7"/>
-                </a:gs>
-                <a:gs pos="100000">
-                  <a:srgbClr val="C7C7DF"/>
-                </a:gs>
-              </a:gsLst>
-              <a:lin ang="18900000" scaled="1"/>
-            </a:gradFill>
-            <a:ln>
-              <a:noFill/>
-            </a:ln>
-            <a:extLst>
-              <a:ext uri="{91240B29-F687-4F45-9708-019B960494DF}">
-                <a14:hiddenLine xmlns:a14="http://schemas.microsoft.com/office/drawing/2010/main" w="9525">
-                  <a:solidFill>
-                    <a:srgbClr val="000000"/>
-                  </a:solidFill>
-                  <a:miter lim="800000"/>
-                  <a:headEnd/>
-                  <a:tailEnd/>
-                </a14:hiddenLine>
-              </a:ext>
-            </a:extLst>
-          </p:spPr>
-          <p:txBody>
-            <a:bodyPr wrap="none" anchor="ctr"/>
-            <a:lstStyle/>
-            <a:p>
-              <a:endParaRPr lang="zh-CN" altLang="zh-CN" sz="1800">
-                <a:solidFill>
-                  <a:srgbClr val="545472"/>
-                </a:solidFill>
-                <a:sym typeface="Tahoma" pitchFamily="34" charset="0"/>
-              </a:endParaRPr>
-            </a:p>
-          </p:txBody>
-        </p:sp>
-        <p:sp>
-          <p:nvSpPr>
-            <p:cNvPr id="1041" name="Freeform 17"/>
-            <p:cNvSpPr>
-              <a:spLocks noChangeArrowheads="1"/>
-            </p:cNvSpPr>
-            <p:nvPr/>
-          </p:nvSpPr>
-          <p:spPr bwMode="auto">
-            <a:xfrm>
-              <a:off x="3580" y="58"/>
-              <a:ext cx="938" cy="158"/>
-            </a:xfrm>
-            <a:custGeom>
-              <a:avLst/>
-              <a:gdLst>
-                <a:gd name="T0" fmla="*/ 172 w 938"/>
-                <a:gd name="T1" fmla="*/ 86 h 158"/>
-                <a:gd name="T2" fmla="*/ 61 w 938"/>
-                <a:gd name="T3" fmla="*/ 137 h 158"/>
-                <a:gd name="T4" fmla="*/ 16 w 938"/>
-                <a:gd name="T5" fmla="*/ 155 h 158"/>
-                <a:gd name="T6" fmla="*/ 7 w 938"/>
-                <a:gd name="T7" fmla="*/ 122 h 158"/>
-                <a:gd name="T8" fmla="*/ 58 w 938"/>
-                <a:gd name="T9" fmla="*/ 80 h 158"/>
-                <a:gd name="T10" fmla="*/ 172 w 938"/>
-                <a:gd name="T11" fmla="*/ 38 h 158"/>
-                <a:gd name="T12" fmla="*/ 304 w 938"/>
-                <a:gd name="T13" fmla="*/ 11 h 158"/>
-                <a:gd name="T14" fmla="*/ 463 w 938"/>
-                <a:gd name="T15" fmla="*/ 2 h 158"/>
-                <a:gd name="T16" fmla="*/ 631 w 938"/>
-                <a:gd name="T17" fmla="*/ 23 h 158"/>
-                <a:gd name="T18" fmla="*/ 796 w 938"/>
-                <a:gd name="T19" fmla="*/ 53 h 158"/>
-                <a:gd name="T20" fmla="*/ 841 w 938"/>
-                <a:gd name="T21" fmla="*/ 47 h 158"/>
-                <a:gd name="T22" fmla="*/ 907 w 938"/>
-                <a:gd name="T23" fmla="*/ 71 h 158"/>
-                <a:gd name="T24" fmla="*/ 919 w 938"/>
-                <a:gd name="T25" fmla="*/ 101 h 158"/>
-                <a:gd name="T26" fmla="*/ 793 w 938"/>
-                <a:gd name="T27" fmla="*/ 98 h 158"/>
-                <a:gd name="T28" fmla="*/ 634 w 938"/>
-                <a:gd name="T29" fmla="*/ 62 h 158"/>
-                <a:gd name="T30" fmla="*/ 439 w 938"/>
-                <a:gd name="T31" fmla="*/ 38 h 158"/>
-                <a:gd name="T32" fmla="*/ 238 w 938"/>
-                <a:gd name="T33" fmla="*/ 59 h 158"/>
-                <a:gd name="T34" fmla="*/ 172 w 938"/>
-                <a:gd name="T35" fmla="*/ 86 h 158"/>
-                <a:gd name="T36" fmla="*/ 0 60000 65536"/>
-                <a:gd name="T37" fmla="*/ 0 60000 65536"/>
-                <a:gd name="T38" fmla="*/ 0 60000 65536"/>
-                <a:gd name="T39" fmla="*/ 0 60000 65536"/>
-                <a:gd name="T40" fmla="*/ 0 60000 65536"/>
-                <a:gd name="T41" fmla="*/ 0 60000 65536"/>
-                <a:gd name="T42" fmla="*/ 0 60000 65536"/>
-                <a:gd name="T43" fmla="*/ 0 60000 65536"/>
-                <a:gd name="T44" fmla="*/ 0 60000 65536"/>
-                <a:gd name="T45" fmla="*/ 0 60000 65536"/>
-                <a:gd name="T46" fmla="*/ 0 60000 65536"/>
-                <a:gd name="T47" fmla="*/ 0 60000 65536"/>
-                <a:gd name="T48" fmla="*/ 0 60000 65536"/>
-                <a:gd name="T49" fmla="*/ 0 60000 65536"/>
-                <a:gd name="T50" fmla="*/ 0 60000 65536"/>
-                <a:gd name="T51" fmla="*/ 0 60000 65536"/>
-                <a:gd name="T52" fmla="*/ 0 60000 65536"/>
-                <a:gd name="T53" fmla="*/ 0 60000 65536"/>
-                <a:gd name="T54" fmla="*/ 0 w 938"/>
-                <a:gd name="T55" fmla="*/ 0 h 158"/>
-                <a:gd name="T56" fmla="*/ 938 w 938"/>
-                <a:gd name="T57" fmla="*/ 158 h 158"/>
-              </a:gdLst>
-              <a:ahLst/>
-              <a:cxnLst>
-                <a:cxn ang="T36">
-                  <a:pos x="T0" y="T1"/>
-                </a:cxn>
-                <a:cxn ang="T37">
-                  <a:pos x="T2" y="T3"/>
-                </a:cxn>
-                <a:cxn ang="T38">
-                  <a:pos x="T4" y="T5"/>
-                </a:cxn>
-                <a:cxn ang="T39">
-                  <a:pos x="T6" y="T7"/>
-                </a:cxn>
-                <a:cxn ang="T40">
-                  <a:pos x="T8" y="T9"/>
-                </a:cxn>
-                <a:cxn ang="T41">
-                  <a:pos x="T10" y="T11"/>
-                </a:cxn>
-                <a:cxn ang="T42">
-                  <a:pos x="T12" y="T13"/>
-                </a:cxn>
-                <a:cxn ang="T43">
-                  <a:pos x="T14" y="T15"/>
-                </a:cxn>
-                <a:cxn ang="T44">
-                  <a:pos x="T16" y="T17"/>
-                </a:cxn>
-                <a:cxn ang="T45">
-                  <a:pos x="T18" y="T19"/>
-                </a:cxn>
-                <a:cxn ang="T46">
-                  <a:pos x="T20" y="T21"/>
-                </a:cxn>
-                <a:cxn ang="T47">
-                  <a:pos x="T22" y="T23"/>
-                </a:cxn>
-                <a:cxn ang="T48">
-                  <a:pos x="T24" y="T25"/>
-                </a:cxn>
-                <a:cxn ang="T49">
-                  <a:pos x="T26" y="T27"/>
-                </a:cxn>
-                <a:cxn ang="T50">
-                  <a:pos x="T28" y="T29"/>
-                </a:cxn>
-                <a:cxn ang="T51">
-                  <a:pos x="T30" y="T31"/>
-                </a:cxn>
-                <a:cxn ang="T52">
-                  <a:pos x="T32" y="T33"/>
-                </a:cxn>
-                <a:cxn ang="T53">
-                  <a:pos x="T34" y="T35"/>
-                </a:cxn>
-              </a:cxnLst>
-              <a:rect l="T54" t="T55" r="T56" b="T57"/>
-              <a:pathLst>
-                <a:path w="938" h="158">
-                  <a:moveTo>
-                    <a:pt x="172" y="86"/>
-                  </a:moveTo>
-                  <a:cubicBezTo>
-                    <a:pt x="142" y="99"/>
-                    <a:pt x="87" y="126"/>
-                    <a:pt x="61" y="137"/>
-                  </a:cubicBezTo>
-                  <a:cubicBezTo>
-                    <a:pt x="35" y="148"/>
-                    <a:pt x="25" y="158"/>
-                    <a:pt x="16" y="155"/>
-                  </a:cubicBezTo>
-                  <a:cubicBezTo>
-                    <a:pt x="7" y="152"/>
-                    <a:pt x="0" y="134"/>
-                    <a:pt x="7" y="122"/>
-                  </a:cubicBezTo>
-                  <a:cubicBezTo>
-                    <a:pt x="14" y="110"/>
-                    <a:pt x="31" y="94"/>
-                    <a:pt x="58" y="80"/>
-                  </a:cubicBezTo>
-                  <a:cubicBezTo>
-                    <a:pt x="85" y="66"/>
-                    <a:pt x="131" y="49"/>
-                    <a:pt x="172" y="38"/>
-                  </a:cubicBezTo>
-                  <a:cubicBezTo>
-                    <a:pt x="213" y="27"/>
-                    <a:pt x="256" y="17"/>
-                    <a:pt x="304" y="11"/>
-                  </a:cubicBezTo>
-                  <a:cubicBezTo>
-                    <a:pt x="352" y="5"/>
-                    <a:pt x="409" y="0"/>
-                    <a:pt x="463" y="2"/>
-                  </a:cubicBezTo>
-                  <a:cubicBezTo>
-                    <a:pt x="517" y="4"/>
-                    <a:pt x="576" y="15"/>
-                    <a:pt x="631" y="23"/>
-                  </a:cubicBezTo>
-                  <a:cubicBezTo>
-                    <a:pt x="686" y="31"/>
-                    <a:pt x="761" y="49"/>
-                    <a:pt x="796" y="53"/>
-                  </a:cubicBezTo>
-                  <a:cubicBezTo>
-                    <a:pt x="831" y="57"/>
-                    <a:pt x="823" y="44"/>
-                    <a:pt x="841" y="47"/>
-                  </a:cubicBezTo>
-                  <a:cubicBezTo>
-                    <a:pt x="859" y="50"/>
-                    <a:pt x="894" y="62"/>
-                    <a:pt x="907" y="71"/>
-                  </a:cubicBezTo>
-                  <a:cubicBezTo>
-                    <a:pt x="920" y="80"/>
-                    <a:pt x="938" y="97"/>
-                    <a:pt x="919" y="101"/>
-                  </a:cubicBezTo>
-                  <a:cubicBezTo>
-                    <a:pt x="900" y="105"/>
-                    <a:pt x="840" y="104"/>
-                    <a:pt x="793" y="98"/>
-                  </a:cubicBezTo>
-                  <a:cubicBezTo>
-                    <a:pt x="746" y="92"/>
-                    <a:pt x="693" y="72"/>
-                    <a:pt x="634" y="62"/>
-                  </a:cubicBezTo>
-                  <a:cubicBezTo>
-                    <a:pt x="575" y="52"/>
-                    <a:pt x="505" y="38"/>
-                    <a:pt x="439" y="38"/>
-                  </a:cubicBezTo>
-                  <a:cubicBezTo>
-                    <a:pt x="373" y="38"/>
-                    <a:pt x="284" y="51"/>
-                    <a:pt x="238" y="59"/>
-                  </a:cubicBezTo>
-                  <a:cubicBezTo>
-                    <a:pt x="192" y="67"/>
-                    <a:pt x="202" y="73"/>
-                    <a:pt x="172" y="86"/>
-                  </a:cubicBezTo>
-                  <a:close/>
-                </a:path>
-              </a:pathLst>
-            </a:custGeom>
-            <a:gradFill rotWithShape="0">
-              <a:gsLst>
-                <a:gs pos="0">
-                  <a:srgbClr val="9797B7"/>
-                </a:gs>
-                <a:gs pos="100000">
-                  <a:srgbClr val="C7C7DF"/>
-                </a:gs>
-              </a:gsLst>
-              <a:lin ang="0" scaled="1"/>
-            </a:gradFill>
-            <a:ln>
-              <a:noFill/>
-            </a:ln>
-            <a:extLst>
-              <a:ext uri="{91240B29-F687-4F45-9708-019B960494DF}">
-                <a14:hiddenLine xmlns:a14="http://schemas.microsoft.com/office/drawing/2010/main" w="9525">
-                  <a:solidFill>
-                    <a:srgbClr val="000000"/>
-                  </a:solidFill>
-                  <a:miter lim="800000"/>
-                  <a:headEnd/>
-                  <a:tailEnd/>
-                </a14:hiddenLine>
-              </a:ext>
-            </a:extLst>
-          </p:spPr>
-          <p:txBody>
-            <a:bodyPr wrap="none" anchor="ctr"/>
-            <a:lstStyle/>
-            <a:p>
-              <a:endParaRPr lang="zh-CN" altLang="zh-CN" sz="1800">
-                <a:solidFill>
-                  <a:srgbClr val="545472"/>
-                </a:solidFill>
-                <a:sym typeface="Tahoma" pitchFamily="34" charset="0"/>
-              </a:endParaRPr>
-            </a:p>
-          </p:txBody>
-        </p:sp>
-        <p:sp>
-          <p:nvSpPr>
-            <p:cNvPr id="1042" name="Freeform 18"/>
-            <p:cNvSpPr>
-              <a:spLocks noChangeArrowheads="1"/>
-            </p:cNvSpPr>
-            <p:nvPr/>
-          </p:nvSpPr>
-          <p:spPr bwMode="auto">
-            <a:xfrm>
-              <a:off x="3686" y="145"/>
-              <a:ext cx="372" cy="98"/>
-            </a:xfrm>
-            <a:custGeom>
-              <a:avLst/>
-              <a:gdLst>
-                <a:gd name="T0" fmla="*/ 18 w 372"/>
-                <a:gd name="T1" fmla="*/ 47 h 98"/>
-                <a:gd name="T2" fmla="*/ 141 w 372"/>
-                <a:gd name="T3" fmla="*/ 17 h 98"/>
-                <a:gd name="T4" fmla="*/ 246 w 372"/>
-                <a:gd name="T5" fmla="*/ 2 h 98"/>
-                <a:gd name="T6" fmla="*/ 351 w 372"/>
-                <a:gd name="T7" fmla="*/ 5 h 98"/>
-                <a:gd name="T8" fmla="*/ 372 w 372"/>
-                <a:gd name="T9" fmla="*/ 23 h 98"/>
-                <a:gd name="T10" fmla="*/ 354 w 372"/>
-                <a:gd name="T11" fmla="*/ 44 h 98"/>
-                <a:gd name="T12" fmla="*/ 264 w 372"/>
-                <a:gd name="T13" fmla="*/ 50 h 98"/>
-                <a:gd name="T14" fmla="*/ 168 w 372"/>
-                <a:gd name="T15" fmla="*/ 53 h 98"/>
-                <a:gd name="T16" fmla="*/ 72 w 372"/>
-                <a:gd name="T17" fmla="*/ 77 h 98"/>
-                <a:gd name="T18" fmla="*/ 15 w 372"/>
-                <a:gd name="T19" fmla="*/ 95 h 98"/>
-                <a:gd name="T20" fmla="*/ 0 w 372"/>
-                <a:gd name="T21" fmla="*/ 56 h 98"/>
-                <a:gd name="T22" fmla="*/ 0 60000 65536"/>
-                <a:gd name="T23" fmla="*/ 0 60000 65536"/>
-                <a:gd name="T24" fmla="*/ 0 60000 65536"/>
-                <a:gd name="T25" fmla="*/ 0 60000 65536"/>
-                <a:gd name="T26" fmla="*/ 0 60000 65536"/>
-                <a:gd name="T27" fmla="*/ 0 60000 65536"/>
-                <a:gd name="T28" fmla="*/ 0 60000 65536"/>
-                <a:gd name="T29" fmla="*/ 0 60000 65536"/>
-                <a:gd name="T30" fmla="*/ 0 60000 65536"/>
-                <a:gd name="T31" fmla="*/ 0 60000 65536"/>
-                <a:gd name="T32" fmla="*/ 0 60000 65536"/>
-                <a:gd name="T33" fmla="*/ 0 w 372"/>
-                <a:gd name="T34" fmla="*/ 0 h 98"/>
-                <a:gd name="T35" fmla="*/ 372 w 372"/>
-                <a:gd name="T36" fmla="*/ 98 h 98"/>
-              </a:gdLst>
-              <a:ahLst/>
-              <a:cxnLst>
-                <a:cxn ang="T22">
-                  <a:pos x="T0" y="T1"/>
-                </a:cxn>
-                <a:cxn ang="T23">
-                  <a:pos x="T2" y="T3"/>
-                </a:cxn>
-                <a:cxn ang="T24">
-                  <a:pos x="T4" y="T5"/>
-                </a:cxn>
-                <a:cxn ang="T25">
-                  <a:pos x="T6" y="T7"/>
-                </a:cxn>
-                <a:cxn ang="T26">
-                  <a:pos x="T8" y="T9"/>
-                </a:cxn>
-                <a:cxn ang="T27">
-                  <a:pos x="T10" y="T11"/>
-                </a:cxn>
-                <a:cxn ang="T28">
-                  <a:pos x="T12" y="T13"/>
-                </a:cxn>
-                <a:cxn ang="T29">
-                  <a:pos x="T14" y="T15"/>
-                </a:cxn>
-                <a:cxn ang="T30">
-                  <a:pos x="T16" y="T17"/>
-                </a:cxn>
-                <a:cxn ang="T31">
-                  <a:pos x="T18" y="T19"/>
-                </a:cxn>
-                <a:cxn ang="T32">
-                  <a:pos x="T20" y="T21"/>
-                </a:cxn>
-              </a:cxnLst>
-              <a:rect l="T33" t="T34" r="T35" b="T36"/>
-              <a:pathLst>
-                <a:path w="372" h="98">
-                  <a:moveTo>
-                    <a:pt x="18" y="47"/>
-                  </a:moveTo>
-                  <a:cubicBezTo>
-                    <a:pt x="60" y="36"/>
-                    <a:pt x="103" y="25"/>
-                    <a:pt x="141" y="17"/>
-                  </a:cubicBezTo>
-                  <a:cubicBezTo>
-                    <a:pt x="179" y="9"/>
-                    <a:pt x="211" y="4"/>
-                    <a:pt x="246" y="2"/>
-                  </a:cubicBezTo>
-                  <a:cubicBezTo>
-                    <a:pt x="281" y="0"/>
-                    <a:pt x="330" y="1"/>
-                    <a:pt x="351" y="5"/>
-                  </a:cubicBezTo>
-                  <a:cubicBezTo>
-                    <a:pt x="372" y="9"/>
-                    <a:pt x="372" y="17"/>
-                    <a:pt x="372" y="23"/>
-                  </a:cubicBezTo>
-                  <a:cubicBezTo>
-                    <a:pt x="372" y="29"/>
-                    <a:pt x="372" y="40"/>
-                    <a:pt x="354" y="44"/>
-                  </a:cubicBezTo>
-                  <a:cubicBezTo>
-                    <a:pt x="336" y="48"/>
-                    <a:pt x="295" y="49"/>
-                    <a:pt x="264" y="50"/>
-                  </a:cubicBezTo>
-                  <a:cubicBezTo>
-                    <a:pt x="233" y="51"/>
-                    <a:pt x="200" y="49"/>
-                    <a:pt x="168" y="53"/>
-                  </a:cubicBezTo>
-                  <a:cubicBezTo>
-                    <a:pt x="136" y="57"/>
-                    <a:pt x="98" y="70"/>
-                    <a:pt x="72" y="77"/>
-                  </a:cubicBezTo>
-                  <a:cubicBezTo>
-                    <a:pt x="46" y="84"/>
-                    <a:pt x="27" y="98"/>
-                    <a:pt x="15" y="95"/>
-                  </a:cubicBezTo>
-                  <a:cubicBezTo>
-                    <a:pt x="3" y="92"/>
-                    <a:pt x="1" y="74"/>
-                    <a:pt x="0" y="56"/>
-                  </a:cubicBezTo>
-                </a:path>
-              </a:pathLst>
-            </a:custGeom>
-            <a:gradFill rotWithShape="0">
-              <a:gsLst>
-                <a:gs pos="0">
-                  <a:srgbClr val="C7C7DF"/>
-                </a:gs>
-                <a:gs pos="100000">
-                  <a:srgbClr val="9797B7"/>
-                </a:gs>
-              </a:gsLst>
-              <a:lin ang="0" scaled="1"/>
-            </a:gradFill>
-            <a:ln>
-              <a:noFill/>
-            </a:ln>
-            <a:extLst>
-              <a:ext uri="{91240B29-F687-4F45-9708-019B960494DF}">
-                <a14:hiddenLine xmlns:a14="http://schemas.microsoft.com/office/drawing/2010/main" w="9525">
-                  <a:solidFill>
-                    <a:srgbClr val="000000"/>
-                  </a:solidFill>
-                  <a:miter lim="800000"/>
-                  <a:headEnd/>
-                  <a:tailEnd/>
-                </a14:hiddenLine>
-              </a:ext>
-            </a:extLst>
-          </p:spPr>
-          <p:txBody>
-            <a:bodyPr wrap="none" anchor="ctr"/>
-            <a:lstStyle/>
-            <a:p>
-              <a:endParaRPr lang="zh-CN" altLang="zh-CN" sz="1800">
-                <a:solidFill>
-                  <a:srgbClr val="545472"/>
-                </a:solidFill>
-                <a:sym typeface="Tahoma" pitchFamily="34" charset="0"/>
-              </a:endParaRPr>
-            </a:p>
-          </p:txBody>
-        </p:sp>
-        <p:sp>
-          <p:nvSpPr>
-            <p:cNvPr id="1043" name="Freeform 19"/>
-            <p:cNvSpPr>
-              <a:spLocks noChangeArrowheads="1"/>
-            </p:cNvSpPr>
-            <p:nvPr/>
-          </p:nvSpPr>
-          <p:spPr bwMode="auto">
-            <a:xfrm>
-              <a:off x="3618" y="308"/>
-              <a:ext cx="318" cy="158"/>
-            </a:xfrm>
-            <a:custGeom>
-              <a:avLst/>
-              <a:gdLst>
-                <a:gd name="T0" fmla="*/ 0 w 318"/>
-                <a:gd name="T1" fmla="*/ 158 h 158"/>
-                <a:gd name="T2" fmla="*/ 12 w 318"/>
-                <a:gd name="T3" fmla="*/ 137 h 158"/>
-                <a:gd name="T4" fmla="*/ 162 w 318"/>
-                <a:gd name="T5" fmla="*/ 71 h 158"/>
-                <a:gd name="T6" fmla="*/ 249 w 318"/>
-                <a:gd name="T7" fmla="*/ 20 h 158"/>
-                <a:gd name="T8" fmla="*/ 285 w 318"/>
-                <a:gd name="T9" fmla="*/ 2 h 158"/>
-                <a:gd name="T10" fmla="*/ 309 w 318"/>
-                <a:gd name="T11" fmla="*/ 11 h 158"/>
-                <a:gd name="T12" fmla="*/ 303 w 318"/>
-                <a:gd name="T13" fmla="*/ 47 h 158"/>
-                <a:gd name="T14" fmla="*/ 219 w 318"/>
-                <a:gd name="T15" fmla="*/ 89 h 158"/>
-                <a:gd name="T16" fmla="*/ 108 w 318"/>
-                <a:gd name="T17" fmla="*/ 140 h 158"/>
-                <a:gd name="T18" fmla="*/ 57 w 318"/>
-                <a:gd name="T19" fmla="*/ 152 h 158"/>
-                <a:gd name="T20" fmla="*/ 0 w 318"/>
-                <a:gd name="T21" fmla="*/ 158 h 158"/>
-                <a:gd name="T22" fmla="*/ 0 60000 65536"/>
-                <a:gd name="T23" fmla="*/ 0 60000 65536"/>
-                <a:gd name="T24" fmla="*/ 0 60000 65536"/>
-                <a:gd name="T25" fmla="*/ 0 60000 65536"/>
-                <a:gd name="T26" fmla="*/ 0 60000 65536"/>
-                <a:gd name="T27" fmla="*/ 0 60000 65536"/>
-                <a:gd name="T28" fmla="*/ 0 60000 65536"/>
-                <a:gd name="T29" fmla="*/ 0 60000 65536"/>
-                <a:gd name="T30" fmla="*/ 0 60000 65536"/>
-                <a:gd name="T31" fmla="*/ 0 60000 65536"/>
-                <a:gd name="T32" fmla="*/ 0 60000 65536"/>
-                <a:gd name="T33" fmla="*/ 0 w 318"/>
-                <a:gd name="T34" fmla="*/ 0 h 158"/>
-                <a:gd name="T35" fmla="*/ 318 w 318"/>
-                <a:gd name="T36" fmla="*/ 158 h 158"/>
-              </a:gdLst>
-              <a:ahLst/>
-              <a:cxnLst>
-                <a:cxn ang="T22">
-                  <a:pos x="T0" y="T1"/>
-                </a:cxn>
-                <a:cxn ang="T23">
-                  <a:pos x="T2" y="T3"/>
-                </a:cxn>
-                <a:cxn ang="T24">
-                  <a:pos x="T4" y="T5"/>
-                </a:cxn>
-                <a:cxn ang="T25">
-                  <a:pos x="T6" y="T7"/>
-                </a:cxn>
-                <a:cxn ang="T26">
-                  <a:pos x="T8" y="T9"/>
-                </a:cxn>
-                <a:cxn ang="T27">
-                  <a:pos x="T10" y="T11"/>
-                </a:cxn>
-                <a:cxn ang="T28">
-                  <a:pos x="T12" y="T13"/>
-                </a:cxn>
-                <a:cxn ang="T29">
-                  <a:pos x="T14" y="T15"/>
-                </a:cxn>
-                <a:cxn ang="T30">
-                  <a:pos x="T16" y="T17"/>
-                </a:cxn>
-                <a:cxn ang="T31">
-                  <a:pos x="T18" y="T19"/>
-                </a:cxn>
-                <a:cxn ang="T32">
-                  <a:pos x="T20" y="T21"/>
-                </a:cxn>
-              </a:cxnLst>
-              <a:rect l="T33" t="T34" r="T35" b="T36"/>
-              <a:pathLst>
-                <a:path w="318" h="158">
-                  <a:moveTo>
-                    <a:pt x="0" y="158"/>
-                  </a:moveTo>
-                  <a:lnTo>
-                    <a:pt x="12" y="137"/>
-                  </a:lnTo>
-                  <a:cubicBezTo>
-                    <a:pt x="39" y="123"/>
-                    <a:pt x="122" y="90"/>
-                    <a:pt x="162" y="71"/>
-                  </a:cubicBezTo>
-                  <a:cubicBezTo>
-                    <a:pt x="202" y="52"/>
-                    <a:pt x="229" y="31"/>
-                    <a:pt x="249" y="20"/>
-                  </a:cubicBezTo>
-                  <a:cubicBezTo>
-                    <a:pt x="269" y="9"/>
-                    <a:pt x="275" y="4"/>
-                    <a:pt x="285" y="2"/>
-                  </a:cubicBezTo>
-                  <a:cubicBezTo>
-                    <a:pt x="295" y="0"/>
-                    <a:pt x="306" y="4"/>
-                    <a:pt x="309" y="11"/>
-                  </a:cubicBezTo>
-                  <a:cubicBezTo>
-                    <a:pt x="312" y="18"/>
-                    <a:pt x="318" y="34"/>
-                    <a:pt x="303" y="47"/>
-                  </a:cubicBezTo>
-                  <a:cubicBezTo>
-                    <a:pt x="288" y="60"/>
-                    <a:pt x="252" y="74"/>
-                    <a:pt x="219" y="89"/>
-                  </a:cubicBezTo>
-                  <a:cubicBezTo>
-                    <a:pt x="186" y="104"/>
-                    <a:pt x="135" y="130"/>
-                    <a:pt x="108" y="140"/>
-                  </a:cubicBezTo>
-                  <a:cubicBezTo>
-                    <a:pt x="81" y="150"/>
-                    <a:pt x="74" y="150"/>
-                    <a:pt x="57" y="152"/>
-                  </a:cubicBezTo>
-                  <a:cubicBezTo>
-                    <a:pt x="40" y="154"/>
-                    <a:pt x="23" y="154"/>
-                    <a:pt x="0" y="158"/>
-                  </a:cubicBezTo>
-                  <a:close/>
-                </a:path>
-              </a:pathLst>
-            </a:custGeom>
-            <a:gradFill rotWithShape="0">
-              <a:gsLst>
-                <a:gs pos="0">
-                  <a:srgbClr val="9797B7"/>
-                </a:gs>
-                <a:gs pos="50000">
-                  <a:srgbClr val="C7C7DF"/>
-                </a:gs>
-                <a:gs pos="100000">
-                  <a:srgbClr val="9797B7"/>
-                </a:gs>
-              </a:gsLst>
-              <a:lin ang="18900000" scaled="1"/>
-            </a:gradFill>
-            <a:ln>
-              <a:noFill/>
-            </a:ln>
-            <a:extLst>
-              <a:ext uri="{91240B29-F687-4F45-9708-019B960494DF}">
-                <a14:hiddenLine xmlns:a14="http://schemas.microsoft.com/office/drawing/2010/main" w="9525">
-                  <a:solidFill>
-                    <a:srgbClr val="000000"/>
-                  </a:solidFill>
-                  <a:miter lim="800000"/>
-                  <a:headEnd/>
-                  <a:tailEnd/>
-                </a14:hiddenLine>
-              </a:ext>
-            </a:extLst>
-          </p:spPr>
-          <p:txBody>
-            <a:bodyPr wrap="none" anchor="ctr"/>
-            <a:lstStyle/>
-            <a:p>
-              <a:endParaRPr lang="zh-CN" altLang="zh-CN" sz="1800">
-                <a:solidFill>
-                  <a:srgbClr val="545472"/>
-                </a:solidFill>
-                <a:sym typeface="Tahoma" pitchFamily="34" charset="0"/>
-              </a:endParaRPr>
-            </a:p>
-          </p:txBody>
-        </p:sp>
-        <p:sp>
-          <p:nvSpPr>
-            <p:cNvPr id="1044" name="Freeform 20"/>
-            <p:cNvSpPr>
-              <a:spLocks noChangeArrowheads="1"/>
-            </p:cNvSpPr>
-            <p:nvPr/>
-          </p:nvSpPr>
-          <p:spPr bwMode="auto">
-            <a:xfrm>
-              <a:off x="3413" y="291"/>
-              <a:ext cx="380" cy="174"/>
-            </a:xfrm>
-            <a:custGeom>
-              <a:avLst/>
-              <a:gdLst>
-                <a:gd name="T0" fmla="*/ 3 w 380"/>
-                <a:gd name="T1" fmla="*/ 165 h 174"/>
-                <a:gd name="T2" fmla="*/ 129 w 380"/>
-                <a:gd name="T3" fmla="*/ 93 h 174"/>
-                <a:gd name="T4" fmla="*/ 261 w 380"/>
-                <a:gd name="T5" fmla="*/ 30 h 174"/>
-                <a:gd name="T6" fmla="*/ 351 w 380"/>
-                <a:gd name="T7" fmla="*/ 0 h 174"/>
-                <a:gd name="T8" fmla="*/ 378 w 380"/>
-                <a:gd name="T9" fmla="*/ 27 h 174"/>
-                <a:gd name="T10" fmla="*/ 336 w 380"/>
-                <a:gd name="T11" fmla="*/ 51 h 174"/>
-                <a:gd name="T12" fmla="*/ 291 w 380"/>
-                <a:gd name="T13" fmla="*/ 60 h 174"/>
-                <a:gd name="T14" fmla="*/ 240 w 380"/>
-                <a:gd name="T15" fmla="*/ 75 h 174"/>
-                <a:gd name="T16" fmla="*/ 189 w 380"/>
-                <a:gd name="T17" fmla="*/ 120 h 174"/>
-                <a:gd name="T18" fmla="*/ 102 w 380"/>
-                <a:gd name="T19" fmla="*/ 174 h 174"/>
-                <a:gd name="T20" fmla="*/ 0 w 380"/>
-                <a:gd name="T21" fmla="*/ 162 h 174"/>
-                <a:gd name="T22" fmla="*/ 0 60000 65536"/>
-                <a:gd name="T23" fmla="*/ 0 60000 65536"/>
-                <a:gd name="T24" fmla="*/ 0 60000 65536"/>
-                <a:gd name="T25" fmla="*/ 0 60000 65536"/>
-                <a:gd name="T26" fmla="*/ 0 60000 65536"/>
-                <a:gd name="T27" fmla="*/ 0 60000 65536"/>
-                <a:gd name="T28" fmla="*/ 0 60000 65536"/>
-                <a:gd name="T29" fmla="*/ 0 60000 65536"/>
-                <a:gd name="T30" fmla="*/ 0 60000 65536"/>
-                <a:gd name="T31" fmla="*/ 0 60000 65536"/>
-                <a:gd name="T32" fmla="*/ 0 60000 65536"/>
-                <a:gd name="T33" fmla="*/ 0 w 380"/>
-                <a:gd name="T34" fmla="*/ 0 h 174"/>
-                <a:gd name="T35" fmla="*/ 380 w 380"/>
-                <a:gd name="T36" fmla="*/ 174 h 174"/>
-              </a:gdLst>
-              <a:ahLst/>
-              <a:cxnLst>
-                <a:cxn ang="T22">
-                  <a:pos x="T0" y="T1"/>
-                </a:cxn>
-                <a:cxn ang="T23">
-                  <a:pos x="T2" y="T3"/>
-                </a:cxn>
-                <a:cxn ang="T24">
-                  <a:pos x="T4" y="T5"/>
-                </a:cxn>
-                <a:cxn ang="T25">
-                  <a:pos x="T6" y="T7"/>
-                </a:cxn>
-                <a:cxn ang="T26">
-                  <a:pos x="T8" y="T9"/>
-                </a:cxn>
-                <a:cxn ang="T27">
-                  <a:pos x="T10" y="T11"/>
-                </a:cxn>
-                <a:cxn ang="T28">
-                  <a:pos x="T12" y="T13"/>
-                </a:cxn>
-                <a:cxn ang="T29">
-                  <a:pos x="T14" y="T15"/>
-                </a:cxn>
-                <a:cxn ang="T30">
-                  <a:pos x="T16" y="T17"/>
-                </a:cxn>
-                <a:cxn ang="T31">
-                  <a:pos x="T18" y="T19"/>
-                </a:cxn>
-                <a:cxn ang="T32">
-                  <a:pos x="T20" y="T21"/>
-                </a:cxn>
-              </a:cxnLst>
-              <a:rect l="T33" t="T34" r="T35" b="T36"/>
-              <a:pathLst>
-                <a:path w="380" h="174">
-                  <a:moveTo>
-                    <a:pt x="3" y="165"/>
-                  </a:moveTo>
-                  <a:cubicBezTo>
-                    <a:pt x="24" y="153"/>
-                    <a:pt x="86" y="115"/>
-                    <a:pt x="129" y="93"/>
-                  </a:cubicBezTo>
-                  <a:cubicBezTo>
-                    <a:pt x="172" y="71"/>
-                    <a:pt x="224" y="45"/>
-                    <a:pt x="261" y="30"/>
-                  </a:cubicBezTo>
-                  <a:cubicBezTo>
-                    <a:pt x="298" y="15"/>
-                    <a:pt x="332" y="0"/>
-                    <a:pt x="351" y="0"/>
-                  </a:cubicBezTo>
-                  <a:cubicBezTo>
-                    <a:pt x="370" y="0"/>
-                    <a:pt x="380" y="19"/>
-                    <a:pt x="378" y="27"/>
-                  </a:cubicBezTo>
-                  <a:cubicBezTo>
-                    <a:pt x="376" y="35"/>
-                    <a:pt x="350" y="46"/>
-                    <a:pt x="336" y="51"/>
-                  </a:cubicBezTo>
-                  <a:cubicBezTo>
-                    <a:pt x="322" y="56"/>
-                    <a:pt x="307" y="56"/>
-                    <a:pt x="291" y="60"/>
-                  </a:cubicBezTo>
-                  <a:cubicBezTo>
-                    <a:pt x="275" y="64"/>
-                    <a:pt x="257" y="65"/>
-                    <a:pt x="240" y="75"/>
-                  </a:cubicBezTo>
-                  <a:cubicBezTo>
-                    <a:pt x="223" y="85"/>
-                    <a:pt x="212" y="104"/>
-                    <a:pt x="189" y="120"/>
-                  </a:cubicBezTo>
-                  <a:cubicBezTo>
-                    <a:pt x="166" y="136"/>
-                    <a:pt x="133" y="167"/>
-                    <a:pt x="102" y="174"/>
-                  </a:cubicBezTo>
-                  <a:lnTo>
-                    <a:pt x="0" y="162"/>
-                  </a:lnTo>
-                </a:path>
-              </a:pathLst>
-            </a:custGeom>
-            <a:gradFill rotWithShape="0">
-              <a:gsLst>
-                <a:gs pos="0">
-                  <a:srgbClr val="9797B7"/>
-                </a:gs>
-                <a:gs pos="100000">
-                  <a:srgbClr val="C7C7DF"/>
-                </a:gs>
-              </a:gsLst>
-              <a:lin ang="0" scaled="1"/>
-            </a:gradFill>
-            <a:ln>
-              <a:noFill/>
-            </a:ln>
-            <a:extLst>
-              <a:ext uri="{91240B29-F687-4F45-9708-019B960494DF}">
-                <a14:hiddenLine xmlns:a14="http://schemas.microsoft.com/office/drawing/2010/main" w="9525">
-                  <a:solidFill>
-                    <a:srgbClr val="000000"/>
-                  </a:solidFill>
-                  <a:miter lim="800000"/>
-                  <a:headEnd/>
-                  <a:tailEnd/>
-                </a14:hiddenLine>
-              </a:ext>
-            </a:extLst>
-          </p:spPr>
-          <p:txBody>
-            <a:bodyPr wrap="none" anchor="ctr"/>
-            <a:lstStyle/>
-            <a:p>
-              <a:endParaRPr lang="zh-CN" altLang="zh-CN" sz="1800">
-                <a:solidFill>
-                  <a:srgbClr val="545472"/>
-                </a:solidFill>
-                <a:sym typeface="Tahoma" pitchFamily="34" charset="0"/>
-              </a:endParaRPr>
-            </a:p>
-          </p:txBody>
-        </p:sp>
-        <p:sp>
-          <p:nvSpPr>
-            <p:cNvPr id="1045" name="Freeform 21"/>
-            <p:cNvSpPr>
-              <a:spLocks noChangeArrowheads="1"/>
-            </p:cNvSpPr>
-            <p:nvPr/>
-          </p:nvSpPr>
-          <p:spPr bwMode="auto">
-            <a:xfrm>
-              <a:off x="4178" y="187"/>
-              <a:ext cx="523" cy="69"/>
-            </a:xfrm>
-            <a:custGeom>
-              <a:avLst/>
-              <a:gdLst>
-                <a:gd name="T0" fmla="*/ 84 w 523"/>
-                <a:gd name="T1" fmla="*/ 11 h 69"/>
-                <a:gd name="T2" fmla="*/ 27 w 523"/>
-                <a:gd name="T3" fmla="*/ 5 h 69"/>
-                <a:gd name="T4" fmla="*/ 9 w 523"/>
-                <a:gd name="T5" fmla="*/ 35 h 69"/>
-                <a:gd name="T6" fmla="*/ 81 w 523"/>
-                <a:gd name="T7" fmla="*/ 56 h 69"/>
-                <a:gd name="T8" fmla="*/ 255 w 523"/>
-                <a:gd name="T9" fmla="*/ 68 h 69"/>
-                <a:gd name="T10" fmla="*/ 432 w 523"/>
-                <a:gd name="T11" fmla="*/ 50 h 69"/>
-                <a:gd name="T12" fmla="*/ 513 w 523"/>
-                <a:gd name="T13" fmla="*/ 5 h 69"/>
-                <a:gd name="T14" fmla="*/ 372 w 523"/>
-                <a:gd name="T15" fmla="*/ 20 h 69"/>
-                <a:gd name="T16" fmla="*/ 141 w 523"/>
-                <a:gd name="T17" fmla="*/ 14 h 69"/>
-                <a:gd name="T18" fmla="*/ 84 w 523"/>
-                <a:gd name="T19" fmla="*/ 11 h 69"/>
-                <a:gd name="T20" fmla="*/ 0 60000 65536"/>
-                <a:gd name="T21" fmla="*/ 0 60000 65536"/>
-                <a:gd name="T22" fmla="*/ 0 60000 65536"/>
-                <a:gd name="T23" fmla="*/ 0 60000 65536"/>
-                <a:gd name="T24" fmla="*/ 0 60000 65536"/>
-                <a:gd name="T25" fmla="*/ 0 60000 65536"/>
-                <a:gd name="T26" fmla="*/ 0 60000 65536"/>
-                <a:gd name="T27" fmla="*/ 0 60000 65536"/>
-                <a:gd name="T28" fmla="*/ 0 60000 65536"/>
-                <a:gd name="T29" fmla="*/ 0 60000 65536"/>
-                <a:gd name="T30" fmla="*/ 0 w 523"/>
-                <a:gd name="T31" fmla="*/ 0 h 69"/>
-                <a:gd name="T32" fmla="*/ 523 w 523"/>
-                <a:gd name="T33" fmla="*/ 69 h 69"/>
-              </a:gdLst>
-              <a:ahLst/>
-              <a:cxnLst>
-                <a:cxn ang="T20">
-                  <a:pos x="T0" y="T1"/>
-                </a:cxn>
-                <a:cxn ang="T21">
-                  <a:pos x="T2" y="T3"/>
-                </a:cxn>
-                <a:cxn ang="T22">
-                  <a:pos x="T4" y="T5"/>
-                </a:cxn>
-                <a:cxn ang="T23">
-                  <a:pos x="T6" y="T7"/>
-                </a:cxn>
-                <a:cxn ang="T24">
-                  <a:pos x="T8" y="T9"/>
-                </a:cxn>
-                <a:cxn ang="T25">
-                  <a:pos x="T10" y="T11"/>
-                </a:cxn>
-                <a:cxn ang="T26">
-                  <a:pos x="T12" y="T13"/>
-                </a:cxn>
-                <a:cxn ang="T27">
-                  <a:pos x="T14" y="T15"/>
-                </a:cxn>
-                <a:cxn ang="T28">
-                  <a:pos x="T16" y="T17"/>
-                </a:cxn>
-                <a:cxn ang="T29">
-                  <a:pos x="T18" y="T19"/>
-                </a:cxn>
-              </a:cxnLst>
-              <a:rect l="T30" t="T31" r="T32" b="T33"/>
-              <a:pathLst>
-                <a:path w="523" h="69">
-                  <a:moveTo>
-                    <a:pt x="84" y="11"/>
-                  </a:moveTo>
-                  <a:cubicBezTo>
-                    <a:pt x="65" y="9"/>
-                    <a:pt x="40" y="1"/>
-                    <a:pt x="27" y="5"/>
-                  </a:cubicBezTo>
-                  <a:cubicBezTo>
-                    <a:pt x="14" y="9"/>
-                    <a:pt x="0" y="27"/>
-                    <a:pt x="9" y="35"/>
-                  </a:cubicBezTo>
-                  <a:cubicBezTo>
-                    <a:pt x="18" y="43"/>
-                    <a:pt x="40" y="51"/>
-                    <a:pt x="81" y="56"/>
-                  </a:cubicBezTo>
-                  <a:cubicBezTo>
-                    <a:pt x="122" y="61"/>
-                    <a:pt x="197" y="69"/>
-                    <a:pt x="255" y="68"/>
-                  </a:cubicBezTo>
-                  <a:cubicBezTo>
-                    <a:pt x="313" y="67"/>
-                    <a:pt x="389" y="60"/>
-                    <a:pt x="432" y="50"/>
-                  </a:cubicBezTo>
-                  <a:cubicBezTo>
-                    <a:pt x="475" y="40"/>
-                    <a:pt x="523" y="10"/>
-                    <a:pt x="513" y="5"/>
-                  </a:cubicBezTo>
-                  <a:cubicBezTo>
-                    <a:pt x="503" y="0"/>
-                    <a:pt x="434" y="19"/>
-                    <a:pt x="372" y="20"/>
-                  </a:cubicBezTo>
-                  <a:cubicBezTo>
-                    <a:pt x="310" y="21"/>
-                    <a:pt x="189" y="15"/>
-                    <a:pt x="141" y="14"/>
-                  </a:cubicBezTo>
-                  <a:cubicBezTo>
-                    <a:pt x="93" y="13"/>
-                    <a:pt x="103" y="13"/>
-                    <a:pt x="84" y="11"/>
-                  </a:cubicBezTo>
-                  <a:close/>
-                </a:path>
-              </a:pathLst>
-            </a:custGeom>
-            <a:gradFill rotWithShape="0">
-              <a:gsLst>
-                <a:gs pos="0">
-                  <a:srgbClr val="9797B7"/>
-                </a:gs>
-                <a:gs pos="100000">
-                  <a:srgbClr val="C7C7DF"/>
-                </a:gs>
-              </a:gsLst>
-              <a:lin ang="2700000" scaled="1"/>
-            </a:gradFill>
-            <a:ln>
-              <a:noFill/>
-            </a:ln>
-            <a:extLst>
-              <a:ext uri="{91240B29-F687-4F45-9708-019B960494DF}">
-                <a14:hiddenLine xmlns:a14="http://schemas.microsoft.com/office/drawing/2010/main" w="9525">
-                  <a:solidFill>
-                    <a:srgbClr val="000000"/>
-                  </a:solidFill>
-                  <a:miter lim="800000"/>
-                  <a:headEnd/>
-                  <a:tailEnd/>
-                </a14:hiddenLine>
-              </a:ext>
-            </a:extLst>
-          </p:spPr>
-          <p:txBody>
-            <a:bodyPr wrap="none" anchor="ctr"/>
-            <a:lstStyle/>
-            <a:p>
-              <a:endParaRPr lang="zh-CN" altLang="zh-CN" sz="1800">
-                <a:solidFill>
-                  <a:srgbClr val="545472"/>
-                </a:solidFill>
-                <a:sym typeface="Tahoma" pitchFamily="34" charset="0"/>
-              </a:endParaRPr>
-            </a:p>
-          </p:txBody>
-        </p:sp>
-        <p:sp>
-          <p:nvSpPr>
-            <p:cNvPr id="1046" name="Freeform 22"/>
-            <p:cNvSpPr>
-              <a:spLocks noChangeArrowheads="1"/>
-            </p:cNvSpPr>
-            <p:nvPr/>
-          </p:nvSpPr>
-          <p:spPr bwMode="auto">
-            <a:xfrm>
-              <a:off x="4689" y="186"/>
-              <a:ext cx="537" cy="120"/>
-            </a:xfrm>
-            <a:custGeom>
-              <a:avLst/>
-              <a:gdLst>
-                <a:gd name="T0" fmla="*/ 23 w 537"/>
-                <a:gd name="T1" fmla="*/ 6 h 120"/>
-                <a:gd name="T2" fmla="*/ 188 w 537"/>
-                <a:gd name="T3" fmla="*/ 3 h 120"/>
-                <a:gd name="T4" fmla="*/ 323 w 537"/>
-                <a:gd name="T5" fmla="*/ 27 h 120"/>
-                <a:gd name="T6" fmla="*/ 464 w 537"/>
-                <a:gd name="T7" fmla="*/ 69 h 120"/>
-                <a:gd name="T8" fmla="*/ 521 w 537"/>
-                <a:gd name="T9" fmla="*/ 90 h 120"/>
-                <a:gd name="T10" fmla="*/ 533 w 537"/>
-                <a:gd name="T11" fmla="*/ 105 h 120"/>
-                <a:gd name="T12" fmla="*/ 497 w 537"/>
-                <a:gd name="T13" fmla="*/ 120 h 120"/>
-                <a:gd name="T14" fmla="*/ 452 w 537"/>
-                <a:gd name="T15" fmla="*/ 108 h 120"/>
-                <a:gd name="T16" fmla="*/ 350 w 537"/>
-                <a:gd name="T17" fmla="*/ 72 h 120"/>
-                <a:gd name="T18" fmla="*/ 158 w 537"/>
-                <a:gd name="T19" fmla="*/ 39 h 120"/>
-                <a:gd name="T20" fmla="*/ 50 w 537"/>
-                <a:gd name="T21" fmla="*/ 39 h 120"/>
-                <a:gd name="T22" fmla="*/ 23 w 537"/>
-                <a:gd name="T23" fmla="*/ 6 h 120"/>
-                <a:gd name="T24" fmla="*/ 0 60000 65536"/>
-                <a:gd name="T25" fmla="*/ 0 60000 65536"/>
-                <a:gd name="T26" fmla="*/ 0 60000 65536"/>
-                <a:gd name="T27" fmla="*/ 0 60000 65536"/>
-                <a:gd name="T28" fmla="*/ 0 60000 65536"/>
-                <a:gd name="T29" fmla="*/ 0 60000 65536"/>
-                <a:gd name="T30" fmla="*/ 0 60000 65536"/>
-                <a:gd name="T31" fmla="*/ 0 60000 65536"/>
-                <a:gd name="T32" fmla="*/ 0 60000 65536"/>
-                <a:gd name="T33" fmla="*/ 0 60000 65536"/>
-                <a:gd name="T34" fmla="*/ 0 60000 65536"/>
-                <a:gd name="T35" fmla="*/ 0 60000 65536"/>
-                <a:gd name="T36" fmla="*/ 0 w 537"/>
-                <a:gd name="T37" fmla="*/ 0 h 120"/>
-                <a:gd name="T38" fmla="*/ 537 w 537"/>
-                <a:gd name="T39" fmla="*/ 120 h 120"/>
-              </a:gdLst>
-              <a:ahLst/>
-              <a:cxnLst>
-                <a:cxn ang="T24">
-                  <a:pos x="T0" y="T1"/>
-                </a:cxn>
-                <a:cxn ang="T25">
-                  <a:pos x="T2" y="T3"/>
-                </a:cxn>
-                <a:cxn ang="T26">
-                  <a:pos x="T4" y="T5"/>
-                </a:cxn>
-                <a:cxn ang="T27">
-                  <a:pos x="T6" y="T7"/>
-                </a:cxn>
-                <a:cxn ang="T28">
-                  <a:pos x="T8" y="T9"/>
-                </a:cxn>
-                <a:cxn ang="T29">
-                  <a:pos x="T10" y="T11"/>
-                </a:cxn>
-                <a:cxn ang="T30">
-                  <a:pos x="T12" y="T13"/>
-                </a:cxn>
-                <a:cxn ang="T31">
-                  <a:pos x="T14" y="T15"/>
-                </a:cxn>
-                <a:cxn ang="T32">
-                  <a:pos x="T16" y="T17"/>
-                </a:cxn>
-                <a:cxn ang="T33">
-                  <a:pos x="T18" y="T19"/>
-                </a:cxn>
-                <a:cxn ang="T34">
-                  <a:pos x="T20" y="T21"/>
-                </a:cxn>
-                <a:cxn ang="T35">
-                  <a:pos x="T22" y="T23"/>
-                </a:cxn>
-              </a:cxnLst>
-              <a:rect l="T36" t="T37" r="T38" b="T39"/>
-              <a:pathLst>
-                <a:path w="537" h="120">
-                  <a:moveTo>
-                    <a:pt x="23" y="6"/>
-                  </a:moveTo>
-                  <a:cubicBezTo>
-                    <a:pt x="46" y="0"/>
-                    <a:pt x="138" y="0"/>
-                    <a:pt x="188" y="3"/>
-                  </a:cubicBezTo>
-                  <a:cubicBezTo>
-                    <a:pt x="238" y="6"/>
-                    <a:pt x="277" y="16"/>
-                    <a:pt x="323" y="27"/>
-                  </a:cubicBezTo>
-                  <a:cubicBezTo>
-                    <a:pt x="369" y="38"/>
-                    <a:pt x="431" y="59"/>
-                    <a:pt x="464" y="69"/>
-                  </a:cubicBezTo>
-                  <a:cubicBezTo>
-                    <a:pt x="497" y="79"/>
-                    <a:pt x="509" y="84"/>
-                    <a:pt x="521" y="90"/>
-                  </a:cubicBezTo>
-                  <a:cubicBezTo>
-                    <a:pt x="533" y="96"/>
-                    <a:pt x="537" y="100"/>
-                    <a:pt x="533" y="105"/>
-                  </a:cubicBezTo>
-                  <a:cubicBezTo>
-                    <a:pt x="529" y="110"/>
-                    <a:pt x="510" y="120"/>
-                    <a:pt x="497" y="120"/>
-                  </a:cubicBezTo>
-                  <a:cubicBezTo>
-                    <a:pt x="484" y="120"/>
-                    <a:pt x="476" y="116"/>
-                    <a:pt x="452" y="108"/>
-                  </a:cubicBezTo>
-                  <a:cubicBezTo>
-                    <a:pt x="428" y="100"/>
-                    <a:pt x="399" y="84"/>
-                    <a:pt x="350" y="72"/>
-                  </a:cubicBezTo>
-                  <a:cubicBezTo>
-                    <a:pt x="301" y="60"/>
-                    <a:pt x="208" y="45"/>
-                    <a:pt x="158" y="39"/>
-                  </a:cubicBezTo>
-                  <a:cubicBezTo>
-                    <a:pt x="108" y="33"/>
-                    <a:pt x="72" y="43"/>
-                    <a:pt x="50" y="39"/>
-                  </a:cubicBezTo>
-                  <a:cubicBezTo>
-                    <a:pt x="28" y="35"/>
-                    <a:pt x="0" y="12"/>
-                    <a:pt x="23" y="6"/>
-                  </a:cubicBezTo>
-                  <a:close/>
-                </a:path>
-              </a:pathLst>
-            </a:custGeom>
-            <a:gradFill rotWithShape="0">
-              <a:gsLst>
-                <a:gs pos="0">
-                  <a:srgbClr val="9797B7"/>
-                </a:gs>
-                <a:gs pos="50000">
-                  <a:srgbClr val="C7C7DF"/>
-                </a:gs>
-                <a:gs pos="100000">
-                  <a:srgbClr val="9797B7"/>
-                </a:gs>
-              </a:gsLst>
-              <a:lin ang="2700000" scaled="1"/>
-            </a:gradFill>
-            <a:ln>
-              <a:noFill/>
-            </a:ln>
-            <a:extLst>
-              <a:ext uri="{91240B29-F687-4F45-9708-019B960494DF}">
-                <a14:hiddenLine xmlns:a14="http://schemas.microsoft.com/office/drawing/2010/main" w="9525">
-                  <a:solidFill>
-                    <a:srgbClr val="000000"/>
-                  </a:solidFill>
-                  <a:miter lim="800000"/>
-                  <a:headEnd/>
-                  <a:tailEnd/>
-                </a14:hiddenLine>
-              </a:ext>
-            </a:extLst>
-          </p:spPr>
-          <p:txBody>
-            <a:bodyPr wrap="none" anchor="ctr"/>
-            <a:lstStyle/>
-            <a:p>
-              <a:endParaRPr lang="zh-CN" altLang="zh-CN" sz="1800">
-                <a:solidFill>
-                  <a:srgbClr val="545472"/>
-                </a:solidFill>
-                <a:sym typeface="Tahoma" pitchFamily="34" charset="0"/>
-              </a:endParaRPr>
-            </a:p>
-          </p:txBody>
-        </p:sp>
-        <p:sp>
-          <p:nvSpPr>
-            <p:cNvPr id="1047" name="Freeform 23"/>
-            <p:cNvSpPr>
-              <a:spLocks noChangeArrowheads="1"/>
-            </p:cNvSpPr>
-            <p:nvPr/>
-          </p:nvSpPr>
-          <p:spPr bwMode="auto">
-            <a:xfrm>
-              <a:off x="4968" y="312"/>
-              <a:ext cx="800" cy="143"/>
-            </a:xfrm>
-            <a:custGeom>
-              <a:avLst/>
-              <a:gdLst>
-                <a:gd name="T0" fmla="*/ 800 w 800"/>
-                <a:gd name="T1" fmla="*/ 24 h 143"/>
-                <a:gd name="T2" fmla="*/ 782 w 800"/>
-                <a:gd name="T3" fmla="*/ 15 h 143"/>
-                <a:gd name="T4" fmla="*/ 659 w 800"/>
-                <a:gd name="T5" fmla="*/ 63 h 143"/>
-                <a:gd name="T6" fmla="*/ 500 w 800"/>
-                <a:gd name="T7" fmla="*/ 84 h 143"/>
-                <a:gd name="T8" fmla="*/ 326 w 800"/>
-                <a:gd name="T9" fmla="*/ 69 h 143"/>
-                <a:gd name="T10" fmla="*/ 98 w 800"/>
-                <a:gd name="T11" fmla="*/ 21 h 143"/>
-                <a:gd name="T12" fmla="*/ 11 w 800"/>
-                <a:gd name="T13" fmla="*/ 6 h 143"/>
-                <a:gd name="T14" fmla="*/ 32 w 800"/>
-                <a:gd name="T15" fmla="*/ 60 h 143"/>
-                <a:gd name="T16" fmla="*/ 155 w 800"/>
-                <a:gd name="T17" fmla="*/ 96 h 143"/>
-                <a:gd name="T18" fmla="*/ 410 w 800"/>
-                <a:gd name="T19" fmla="*/ 138 h 143"/>
-                <a:gd name="T20" fmla="*/ 596 w 800"/>
-                <a:gd name="T21" fmla="*/ 129 h 143"/>
-                <a:gd name="T22" fmla="*/ 737 w 800"/>
-                <a:gd name="T23" fmla="*/ 90 h 143"/>
-                <a:gd name="T24" fmla="*/ 788 w 800"/>
-                <a:gd name="T25" fmla="*/ 69 h 143"/>
-                <a:gd name="T26" fmla="*/ 800 w 800"/>
-                <a:gd name="T27" fmla="*/ 24 h 143"/>
-                <a:gd name="T28" fmla="*/ 0 60000 65536"/>
-                <a:gd name="T29" fmla="*/ 0 60000 65536"/>
-                <a:gd name="T30" fmla="*/ 0 60000 65536"/>
-                <a:gd name="T31" fmla="*/ 0 60000 65536"/>
-                <a:gd name="T32" fmla="*/ 0 60000 65536"/>
-                <a:gd name="T33" fmla="*/ 0 60000 65536"/>
-                <a:gd name="T34" fmla="*/ 0 60000 65536"/>
-                <a:gd name="T35" fmla="*/ 0 60000 65536"/>
-                <a:gd name="T36" fmla="*/ 0 60000 65536"/>
-                <a:gd name="T37" fmla="*/ 0 60000 65536"/>
-                <a:gd name="T38" fmla="*/ 0 60000 65536"/>
-                <a:gd name="T39" fmla="*/ 0 60000 65536"/>
-                <a:gd name="T40" fmla="*/ 0 60000 65536"/>
-                <a:gd name="T41" fmla="*/ 0 60000 65536"/>
-                <a:gd name="T42" fmla="*/ 0 w 800"/>
-                <a:gd name="T43" fmla="*/ 0 h 143"/>
-                <a:gd name="T44" fmla="*/ 800 w 800"/>
-                <a:gd name="T45" fmla="*/ 143 h 143"/>
-              </a:gdLst>
-              <a:ahLst/>
-              <a:cxnLst>
-                <a:cxn ang="T28">
-                  <a:pos x="T0" y="T1"/>
-                </a:cxn>
-                <a:cxn ang="T29">
-                  <a:pos x="T2" y="T3"/>
-                </a:cxn>
-                <a:cxn ang="T30">
-                  <a:pos x="T4" y="T5"/>
-                </a:cxn>
-                <a:cxn ang="T31">
-                  <a:pos x="T6" y="T7"/>
-                </a:cxn>
-                <a:cxn ang="T32">
-                  <a:pos x="T8" y="T9"/>
-                </a:cxn>
-                <a:cxn ang="T33">
-                  <a:pos x="T10" y="T11"/>
-                </a:cxn>
-                <a:cxn ang="T34">
-                  <a:pos x="T12" y="T13"/>
-                </a:cxn>
-                <a:cxn ang="T35">
-                  <a:pos x="T14" y="T15"/>
-                </a:cxn>
-                <a:cxn ang="T36">
-                  <a:pos x="T16" y="T17"/>
-                </a:cxn>
-                <a:cxn ang="T37">
-                  <a:pos x="T18" y="T19"/>
-                </a:cxn>
-                <a:cxn ang="T38">
-                  <a:pos x="T20" y="T21"/>
-                </a:cxn>
-                <a:cxn ang="T39">
-                  <a:pos x="T22" y="T23"/>
-                </a:cxn>
-                <a:cxn ang="T40">
-                  <a:pos x="T24" y="T25"/>
-                </a:cxn>
-                <a:cxn ang="T41">
-                  <a:pos x="T26" y="T27"/>
-                </a:cxn>
-              </a:cxnLst>
-              <a:rect l="T42" t="T43" r="T44" b="T45"/>
-              <a:pathLst>
-                <a:path w="800" h="143">
-                  <a:moveTo>
-                    <a:pt x="800" y="24"/>
-                  </a:moveTo>
-                  <a:lnTo>
-                    <a:pt x="782" y="15"/>
-                  </a:lnTo>
-                  <a:cubicBezTo>
-                    <a:pt x="759" y="21"/>
-                    <a:pt x="706" y="51"/>
-                    <a:pt x="659" y="63"/>
-                  </a:cubicBezTo>
-                  <a:cubicBezTo>
-                    <a:pt x="612" y="75"/>
-                    <a:pt x="555" y="83"/>
-                    <a:pt x="500" y="84"/>
-                  </a:cubicBezTo>
-                  <a:cubicBezTo>
-                    <a:pt x="445" y="85"/>
-                    <a:pt x="393" y="79"/>
-                    <a:pt x="326" y="69"/>
-                  </a:cubicBezTo>
-                  <a:cubicBezTo>
-                    <a:pt x="259" y="59"/>
-                    <a:pt x="150" y="31"/>
-                    <a:pt x="98" y="21"/>
-                  </a:cubicBezTo>
-                  <a:cubicBezTo>
-                    <a:pt x="46" y="11"/>
-                    <a:pt x="22" y="0"/>
-                    <a:pt x="11" y="6"/>
-                  </a:cubicBezTo>
-                  <a:cubicBezTo>
-                    <a:pt x="0" y="12"/>
-                    <a:pt x="8" y="45"/>
-                    <a:pt x="32" y="60"/>
-                  </a:cubicBezTo>
-                  <a:cubicBezTo>
-                    <a:pt x="56" y="75"/>
-                    <a:pt x="92" y="83"/>
-                    <a:pt x="155" y="96"/>
-                  </a:cubicBezTo>
-                  <a:cubicBezTo>
-                    <a:pt x="218" y="109"/>
-                    <a:pt x="337" y="133"/>
-                    <a:pt x="410" y="138"/>
-                  </a:cubicBezTo>
-                  <a:cubicBezTo>
-                    <a:pt x="483" y="143"/>
-                    <a:pt x="542" y="137"/>
-                    <a:pt x="596" y="129"/>
-                  </a:cubicBezTo>
-                  <a:cubicBezTo>
-                    <a:pt x="650" y="121"/>
-                    <a:pt x="705" y="100"/>
-                    <a:pt x="737" y="90"/>
-                  </a:cubicBezTo>
-                  <a:cubicBezTo>
-                    <a:pt x="769" y="80"/>
-                    <a:pt x="780" y="80"/>
-                    <a:pt x="788" y="69"/>
-                  </a:cubicBezTo>
-                  <a:cubicBezTo>
-                    <a:pt x="796" y="58"/>
-                    <a:pt x="792" y="39"/>
-                    <a:pt x="800" y="24"/>
-                  </a:cubicBezTo>
-                  <a:close/>
-                </a:path>
-              </a:pathLst>
-            </a:custGeom>
-            <a:gradFill rotWithShape="0">
-              <a:gsLst>
-                <a:gs pos="0">
-                  <a:srgbClr val="9797B7"/>
-                </a:gs>
-                <a:gs pos="50000">
-                  <a:srgbClr val="C7C7DF"/>
-                </a:gs>
-                <a:gs pos="100000">
-                  <a:srgbClr val="9797B7"/>
-                </a:gs>
-              </a:gsLst>
-              <a:lin ang="0" scaled="1"/>
-            </a:gradFill>
-            <a:ln>
-              <a:noFill/>
-            </a:ln>
-            <a:extLst>
-              <a:ext uri="{91240B29-F687-4F45-9708-019B960494DF}">
-                <a14:hiddenLine xmlns:a14="http://schemas.microsoft.com/office/drawing/2010/main" w="9525">
-                  <a:solidFill>
-                    <a:srgbClr val="000000"/>
-                  </a:solidFill>
-                  <a:miter lim="800000"/>
-                  <a:headEnd/>
-                  <a:tailEnd/>
-                </a14:hiddenLine>
-              </a:ext>
-            </a:extLst>
-          </p:spPr>
-          <p:txBody>
-            <a:bodyPr wrap="none" anchor="ctr"/>
-            <a:lstStyle/>
-            <a:p>
-              <a:endParaRPr lang="zh-CN" altLang="zh-CN" sz="1800">
-                <a:solidFill>
-                  <a:srgbClr val="545472"/>
-                </a:solidFill>
-                <a:sym typeface="Tahoma" pitchFamily="34" charset="0"/>
-              </a:endParaRPr>
-            </a:p>
-          </p:txBody>
-        </p:sp>
-        <p:sp>
-          <p:nvSpPr>
-            <p:cNvPr id="1048" name="Freeform 24"/>
-            <p:cNvSpPr>
-              <a:spLocks noChangeArrowheads="1"/>
-            </p:cNvSpPr>
-            <p:nvPr/>
-          </p:nvSpPr>
-          <p:spPr bwMode="auto">
-            <a:xfrm>
-              <a:off x="5318" y="240"/>
-              <a:ext cx="402" cy="115"/>
-            </a:xfrm>
-            <a:custGeom>
-              <a:avLst/>
-              <a:gdLst>
-                <a:gd name="T0" fmla="*/ 402 w 402"/>
-                <a:gd name="T1" fmla="*/ 0 h 115"/>
-                <a:gd name="T2" fmla="*/ 384 w 402"/>
-                <a:gd name="T3" fmla="*/ 12 h 115"/>
-                <a:gd name="T4" fmla="*/ 276 w 402"/>
-                <a:gd name="T5" fmla="*/ 51 h 115"/>
-                <a:gd name="T6" fmla="*/ 165 w 402"/>
-                <a:gd name="T7" fmla="*/ 66 h 115"/>
-                <a:gd name="T8" fmla="*/ 51 w 402"/>
-                <a:gd name="T9" fmla="*/ 57 h 115"/>
-                <a:gd name="T10" fmla="*/ 15 w 402"/>
-                <a:gd name="T11" fmla="*/ 54 h 115"/>
-                <a:gd name="T12" fmla="*/ 3 w 402"/>
-                <a:gd name="T13" fmla="*/ 69 h 115"/>
-                <a:gd name="T14" fmla="*/ 9 w 402"/>
-                <a:gd name="T15" fmla="*/ 93 h 115"/>
-                <a:gd name="T16" fmla="*/ 54 w 402"/>
-                <a:gd name="T17" fmla="*/ 102 h 115"/>
-                <a:gd name="T18" fmla="*/ 198 w 402"/>
-                <a:gd name="T19" fmla="*/ 111 h 115"/>
-                <a:gd name="T20" fmla="*/ 336 w 402"/>
-                <a:gd name="T21" fmla="*/ 75 h 115"/>
-                <a:gd name="T22" fmla="*/ 375 w 402"/>
-                <a:gd name="T23" fmla="*/ 54 h 115"/>
-                <a:gd name="T24" fmla="*/ 402 w 402"/>
-                <a:gd name="T25" fmla="*/ 0 h 115"/>
-                <a:gd name="T26" fmla="*/ 0 60000 65536"/>
-                <a:gd name="T27" fmla="*/ 0 60000 65536"/>
-                <a:gd name="T28" fmla="*/ 0 60000 65536"/>
-                <a:gd name="T29" fmla="*/ 0 60000 65536"/>
-                <a:gd name="T30" fmla="*/ 0 60000 65536"/>
-                <a:gd name="T31" fmla="*/ 0 60000 65536"/>
-                <a:gd name="T32" fmla="*/ 0 60000 65536"/>
-                <a:gd name="T33" fmla="*/ 0 60000 65536"/>
-                <a:gd name="T34" fmla="*/ 0 60000 65536"/>
-                <a:gd name="T35" fmla="*/ 0 60000 65536"/>
-                <a:gd name="T36" fmla="*/ 0 60000 65536"/>
-                <a:gd name="T37" fmla="*/ 0 60000 65536"/>
-                <a:gd name="T38" fmla="*/ 0 60000 65536"/>
-                <a:gd name="T39" fmla="*/ 0 w 402"/>
-                <a:gd name="T40" fmla="*/ 0 h 115"/>
-                <a:gd name="T41" fmla="*/ 402 w 402"/>
-                <a:gd name="T42" fmla="*/ 115 h 115"/>
-              </a:gdLst>
-              <a:ahLst/>
-              <a:cxnLst>
-                <a:cxn ang="T26">
-                  <a:pos x="T0" y="T1"/>
-                </a:cxn>
-                <a:cxn ang="T27">
-                  <a:pos x="T2" y="T3"/>
-                </a:cxn>
-                <a:cxn ang="T28">
-                  <a:pos x="T4" y="T5"/>
-                </a:cxn>
-                <a:cxn ang="T29">
-                  <a:pos x="T6" y="T7"/>
-                </a:cxn>
-                <a:cxn ang="T30">
-                  <a:pos x="T8" y="T9"/>
-                </a:cxn>
-                <a:cxn ang="T31">
-                  <a:pos x="T10" y="T11"/>
-                </a:cxn>
-                <a:cxn ang="T32">
-                  <a:pos x="T12" y="T13"/>
-                </a:cxn>
-                <a:cxn ang="T33">
-                  <a:pos x="T14" y="T15"/>
-                </a:cxn>
-                <a:cxn ang="T34">
-                  <a:pos x="T16" y="T17"/>
-                </a:cxn>
-                <a:cxn ang="T35">
-                  <a:pos x="T18" y="T19"/>
-                </a:cxn>
-                <a:cxn ang="T36">
-                  <a:pos x="T20" y="T21"/>
-                </a:cxn>
-                <a:cxn ang="T37">
-                  <a:pos x="T22" y="T23"/>
-                </a:cxn>
-                <a:cxn ang="T38">
-                  <a:pos x="T24" y="T25"/>
-                </a:cxn>
-              </a:cxnLst>
-              <a:rect l="T39" t="T40" r="T41" b="T42"/>
-              <a:pathLst>
-                <a:path w="402" h="115">
-                  <a:moveTo>
-                    <a:pt x="402" y="0"/>
-                  </a:moveTo>
-                  <a:lnTo>
-                    <a:pt x="384" y="12"/>
-                  </a:lnTo>
-                  <a:cubicBezTo>
-                    <a:pt x="363" y="20"/>
-                    <a:pt x="312" y="42"/>
-                    <a:pt x="276" y="51"/>
-                  </a:cubicBezTo>
-                  <a:cubicBezTo>
-                    <a:pt x="240" y="60"/>
-                    <a:pt x="202" y="65"/>
-                    <a:pt x="165" y="66"/>
-                  </a:cubicBezTo>
-                  <a:cubicBezTo>
-                    <a:pt x="128" y="67"/>
-                    <a:pt x="76" y="59"/>
-                    <a:pt x="51" y="57"/>
-                  </a:cubicBezTo>
-                  <a:cubicBezTo>
-                    <a:pt x="26" y="55"/>
-                    <a:pt x="23" y="52"/>
-                    <a:pt x="15" y="54"/>
-                  </a:cubicBezTo>
-                  <a:cubicBezTo>
-                    <a:pt x="7" y="56"/>
-                    <a:pt x="4" y="63"/>
-                    <a:pt x="3" y="69"/>
-                  </a:cubicBezTo>
-                  <a:cubicBezTo>
-                    <a:pt x="2" y="75"/>
-                    <a:pt x="0" y="88"/>
-                    <a:pt x="9" y="93"/>
-                  </a:cubicBezTo>
-                  <a:cubicBezTo>
-                    <a:pt x="18" y="98"/>
-                    <a:pt x="22" y="99"/>
-                    <a:pt x="54" y="102"/>
-                  </a:cubicBezTo>
-                  <a:cubicBezTo>
-                    <a:pt x="86" y="105"/>
-                    <a:pt x="151" y="115"/>
-                    <a:pt x="198" y="111"/>
-                  </a:cubicBezTo>
-                  <a:cubicBezTo>
-                    <a:pt x="245" y="107"/>
-                    <a:pt x="307" y="84"/>
-                    <a:pt x="336" y="75"/>
-                  </a:cubicBezTo>
-                  <a:cubicBezTo>
-                    <a:pt x="365" y="66"/>
-                    <a:pt x="365" y="65"/>
-                    <a:pt x="375" y="54"/>
-                  </a:cubicBezTo>
-                  <a:cubicBezTo>
-                    <a:pt x="385" y="43"/>
-                    <a:pt x="392" y="26"/>
-                    <a:pt x="402" y="0"/>
-                  </a:cubicBezTo>
-                  <a:close/>
-                </a:path>
-              </a:pathLst>
-            </a:custGeom>
-            <a:gradFill rotWithShape="0">
-              <a:gsLst>
-                <a:gs pos="0">
-                  <a:srgbClr val="9797B7"/>
-                </a:gs>
-                <a:gs pos="100000">
-                  <a:srgbClr val="C7C7DF"/>
-                </a:gs>
-              </a:gsLst>
-              <a:lin ang="0" scaled="1"/>
-            </a:gradFill>
-            <a:ln>
-              <a:noFill/>
-            </a:ln>
-            <a:extLst>
-              <a:ext uri="{91240B29-F687-4F45-9708-019B960494DF}">
-                <a14:hiddenLine xmlns:a14="http://schemas.microsoft.com/office/drawing/2010/main" w="9525">
-                  <a:solidFill>
-                    <a:srgbClr val="000000"/>
-                  </a:solidFill>
-                  <a:miter lim="800000"/>
-                  <a:headEnd/>
-                  <a:tailEnd/>
-                </a14:hiddenLine>
-              </a:ext>
-            </a:extLst>
-          </p:spPr>
-          <p:txBody>
-            <a:bodyPr wrap="none" anchor="ctr"/>
-            <a:lstStyle/>
-            <a:p>
-              <a:endParaRPr lang="zh-CN" altLang="zh-CN" sz="1800">
-                <a:solidFill>
-                  <a:srgbClr val="545472"/>
-                </a:solidFill>
-                <a:sym typeface="Tahoma" pitchFamily="34" charset="0"/>
-              </a:endParaRPr>
-            </a:p>
-          </p:txBody>
-        </p:sp>
-      </p:grpSp>
       <p:grpSp>
         <p:nvGrpSpPr>
           <p:cNvPr id="1049" name="Group 25"/>
@@ -11198,6 +6861,13 @@
     <p:sldLayoutId id="2147483670" r:id="rId10"/>
     <p:sldLayoutId id="2147483671" r:id="rId11"/>
   </p:sldLayoutIdLst>
+  <p:timing>
+    <p:tnLst>
+      <p:par>
+        <p:cTn id="1" dur="indefinite" restart="never" nodeType="tmRoot"/>
+      </p:par>
+    </p:tnLst>
+  </p:timing>
   <p:hf hdr="0" ftr="0" dt="0"/>
   <p:txStyles>
     <p:titleStyle>
@@ -11357,7 +7027,7 @@
         </a:spcAft>
         <a:buSzPct val="90000"/>
         <a:buBlip>
-          <a:blip r:embed="rId14"/>
+          <a:blip r:embed="rId13"/>
         </a:buBlip>
         <a:defRPr sz="3200">
           <a:solidFill>
@@ -11378,7 +7048,7 @@
         </a:spcAft>
         <a:buSzPct val="80000"/>
         <a:buBlip>
-          <a:blip r:embed="rId15"/>
+          <a:blip r:embed="rId14"/>
         </a:buBlip>
         <a:defRPr sz="2800">
           <a:solidFill>
@@ -11398,7 +7068,7 @@
         </a:spcAft>
         <a:buSzPct val="70000"/>
         <a:buBlip>
-          <a:blip r:embed="rId16"/>
+          <a:blip r:embed="rId15"/>
         </a:buBlip>
         <a:defRPr sz="2400">
           <a:solidFill>
@@ -11418,7 +7088,7 @@
         </a:spcAft>
         <a:buSzPct val="70000"/>
         <a:buBlip>
-          <a:blip r:embed="rId17"/>
+          <a:blip r:embed="rId16"/>
         </a:buBlip>
         <a:defRPr sz="2000">
           <a:solidFill>
@@ -11438,7 +7108,7 @@
         </a:spcAft>
         <a:buSzPct val="70000"/>
         <a:buBlip>
-          <a:blip r:embed="rId18"/>
+          <a:blip r:embed="rId17"/>
         </a:buBlip>
         <a:defRPr sz="2000">
           <a:solidFill>
@@ -11458,7 +7128,7 @@
         </a:spcAft>
         <a:buSzPct val="70000"/>
         <a:buBlip>
-          <a:blip r:embed="rId18"/>
+          <a:blip r:embed="rId17"/>
         </a:buBlip>
         <a:defRPr sz="2000">
           <a:solidFill>
@@ -11478,7 +7148,7 @@
         </a:spcAft>
         <a:buSzPct val="70000"/>
         <a:buBlip>
-          <a:blip r:embed="rId18"/>
+          <a:blip r:embed="rId17"/>
         </a:buBlip>
         <a:defRPr sz="2000">
           <a:solidFill>
@@ -11498,7 +7168,7 @@
         </a:spcAft>
         <a:buSzPct val="70000"/>
         <a:buBlip>
-          <a:blip r:embed="rId18"/>
+          <a:blip r:embed="rId17"/>
         </a:buBlip>
         <a:defRPr sz="2000">
           <a:solidFill>
@@ -11518,7 +7188,7 @@
         </a:spcAft>
         <a:buSzPct val="70000"/>
         <a:buBlip>
-          <a:blip r:embed="rId18"/>
+          <a:blip r:embed="rId17"/>
         </a:buBlip>
         <a:defRPr sz="2000">
           <a:solidFill>
@@ -11630,7 +7300,7 @@
 </file>
 
 <file path=ppt/slides/slide1.xml><?xml version="1.0" encoding="utf-8"?>
-<p:sld xmlns:a="http://schemas.openxmlformats.org/drawingml/2006/main" xmlns:r="http://schemas.openxmlformats.org/officeDocument/2006/relationships" xmlns:p="http://schemas.openxmlformats.org/presentationml/2006/main">
+<p:sld xmlns:a="http://schemas.openxmlformats.org/drawingml/2006/main" xmlns:r="http://schemas.openxmlformats.org/officeDocument/2006/relationships" xmlns:p="http://schemas.openxmlformats.org/presentationml/2006/main" showMasterSp="0">
   <p:cSld>
     <p:spTree>
       <p:nvGrpSpPr>
@@ -11706,7 +7376,7 @@
         </p:nvSpPr>
         <p:spPr>
           <a:xfrm>
-            <a:off x="3371850" y="2095500"/>
+            <a:off x="3342822" y="2095500"/>
             <a:ext cx="2000250" cy="600075"/>
           </a:xfrm>
           <a:ln/>
@@ -11717,12 +7387,12 @@
           <a:p>
             <a:pPr marL="342900" indent="-342900" algn="l"/>
             <a:r>
-              <a:rPr lang="zh-CN" sz="2800">
+              <a:rPr lang="zh-CN" sz="2800" dirty="0">
                 <a:ea typeface="隶书" pitchFamily="49" charset="-122"/>
               </a:rPr>
               <a:t>结构体</a:t>
             </a:r>
-            <a:endParaRPr lang="zh-CN"/>
+            <a:endParaRPr lang="zh-CN" dirty="0"/>
           </a:p>
         </p:txBody>
       </p:sp>
@@ -11907,7 +7577,7 @@
               <a:buSzPct val="90000"/>
             </a:pPr>
             <a:r>
-              <a:rPr lang="zh-CN" altLang="en-US" sz="2800">
+              <a:rPr lang="zh-CN" altLang="en-US" sz="2800" dirty="0">
                 <a:solidFill>
                   <a:srgbClr val="545472"/>
                 </a:solidFill>
@@ -11917,7 +7587,7 @@
               </a:rPr>
               <a:t>结构体变量的初始化</a:t>
             </a:r>
-            <a:endParaRPr lang="zh-CN" altLang="en-US"/>
+            <a:endParaRPr lang="zh-CN" altLang="en-US" dirty="0"/>
           </a:p>
         </p:txBody>
       </p:sp>
@@ -11972,7 +7642,7 @@
               <a:buSzPct val="90000"/>
             </a:pPr>
             <a:r>
-              <a:rPr lang="zh-CN" altLang="en-US" sz="2800">
+              <a:rPr lang="zh-CN" altLang="en-US" sz="2800" dirty="0">
                 <a:solidFill>
                   <a:srgbClr val="545472"/>
                 </a:solidFill>
@@ -11982,7 +7652,7 @@
               </a:rPr>
               <a:t>结构体数组</a:t>
             </a:r>
-            <a:endParaRPr lang="zh-CN" altLang="en-US"/>
+            <a:endParaRPr lang="zh-CN" altLang="en-US" dirty="0"/>
           </a:p>
         </p:txBody>
       </p:sp>
@@ -12061,7 +7731,7 @@
         </p:nvSpPr>
         <p:spPr bwMode="auto">
           <a:xfrm>
-            <a:off x="3298825" y="5345113"/>
+            <a:off x="3313339" y="5287057"/>
             <a:ext cx="2428875" cy="519112"/>
           </a:xfrm>
           <a:prstGeom prst="rect">
@@ -12103,7 +7773,7 @@
               </a:spcBef>
             </a:pPr>
             <a:r>
-              <a:rPr lang="zh-CN" altLang="en-US" sz="2800">
+              <a:rPr lang="zh-CN" altLang="en-US" sz="2800" dirty="0">
                 <a:solidFill>
                   <a:schemeClr val="tx2"/>
                 </a:solidFill>
@@ -12111,7 +7781,7 @@
               </a:rPr>
               <a:t>共用体</a:t>
             </a:r>
-            <a:endParaRPr lang="zh-CN" altLang="en-US"/>
+            <a:endParaRPr lang="zh-CN" altLang="en-US" dirty="0"/>
           </a:p>
         </p:txBody>
       </p:sp>
@@ -12134,7 +7804,7 @@
 </file>
 
 <file path=ppt/slides/slide10.xml><?xml version="1.0" encoding="utf-8"?>
-<p:sld xmlns:a="http://schemas.openxmlformats.org/drawingml/2006/main" xmlns:r="http://schemas.openxmlformats.org/officeDocument/2006/relationships" xmlns:p="http://schemas.openxmlformats.org/presentationml/2006/main" showMasterPhAnim="0">
+<p:sld xmlns:a="http://schemas.openxmlformats.org/drawingml/2006/main" xmlns:r="http://schemas.openxmlformats.org/officeDocument/2006/relationships" xmlns:p="http://schemas.openxmlformats.org/presentationml/2006/main" showMasterSp="0" showMasterPhAnim="0">
   <p:cSld>
     <p:spTree>
       <p:nvGrpSpPr>
@@ -13110,7 +8780,7 @@
 </file>
 
 <file path=ppt/slides/slide11.xml><?xml version="1.0" encoding="utf-8"?>
-<p:sld xmlns:a="http://schemas.openxmlformats.org/drawingml/2006/main" xmlns:r="http://schemas.openxmlformats.org/officeDocument/2006/relationships" xmlns:p="http://schemas.openxmlformats.org/presentationml/2006/main" showMasterPhAnim="0">
+<p:sld xmlns:a="http://schemas.openxmlformats.org/drawingml/2006/main" xmlns:r="http://schemas.openxmlformats.org/officeDocument/2006/relationships" xmlns:p="http://schemas.openxmlformats.org/presentationml/2006/main" showMasterSp="0" showMasterPhAnim="0">
   <p:cSld>
     <p:spTree>
       <p:nvGrpSpPr>
@@ -13915,7 +9585,7 @@
 </file>
 
 <file path=ppt/slides/slide12.xml><?xml version="1.0" encoding="utf-8"?>
-<p:sld xmlns:a="http://schemas.openxmlformats.org/drawingml/2006/main" xmlns:r="http://schemas.openxmlformats.org/officeDocument/2006/relationships" xmlns:p="http://schemas.openxmlformats.org/presentationml/2006/main" showMasterPhAnim="0">
+<p:sld xmlns:a="http://schemas.openxmlformats.org/drawingml/2006/main" xmlns:r="http://schemas.openxmlformats.org/officeDocument/2006/relationships" xmlns:p="http://schemas.openxmlformats.org/presentationml/2006/main" showMasterSp="0" showMasterPhAnim="0">
   <p:cSld>
     <p:spTree>
       <p:nvGrpSpPr>
@@ -14995,7 +10665,7 @@
 </file>
 
 <file path=ppt/slides/slide13.xml><?xml version="1.0" encoding="utf-8"?>
-<p:sld xmlns:a="http://schemas.openxmlformats.org/drawingml/2006/main" xmlns:r="http://schemas.openxmlformats.org/officeDocument/2006/relationships" xmlns:p="http://schemas.openxmlformats.org/presentationml/2006/main" showMasterPhAnim="0">
+<p:sld xmlns:a="http://schemas.openxmlformats.org/drawingml/2006/main" xmlns:r="http://schemas.openxmlformats.org/officeDocument/2006/relationships" xmlns:p="http://schemas.openxmlformats.org/presentationml/2006/main" showMasterSp="0" showMasterPhAnim="0">
   <p:cSld>
     <p:spTree>
       <p:nvGrpSpPr>
@@ -17374,7 +13044,7 @@
 </file>
 
 <file path=ppt/slides/slide14.xml><?xml version="1.0" encoding="utf-8"?>
-<p:sld xmlns:a="http://schemas.openxmlformats.org/drawingml/2006/main" xmlns:r="http://schemas.openxmlformats.org/officeDocument/2006/relationships" xmlns:p="http://schemas.openxmlformats.org/presentationml/2006/main" showMasterPhAnim="0">
+<p:sld xmlns:a="http://schemas.openxmlformats.org/drawingml/2006/main" xmlns:r="http://schemas.openxmlformats.org/officeDocument/2006/relationships" xmlns:p="http://schemas.openxmlformats.org/presentationml/2006/main" showMasterSp="0" showMasterPhAnim="0">
   <p:cSld>
     <p:spTree>
       <p:nvGrpSpPr>
@@ -17791,7 +13461,7 @@
 </file>
 
 <file path=ppt/slides/slide15.xml><?xml version="1.0" encoding="utf-8"?>
-<p:sld xmlns:a="http://schemas.openxmlformats.org/drawingml/2006/main" xmlns:r="http://schemas.openxmlformats.org/officeDocument/2006/relationships" xmlns:p="http://schemas.openxmlformats.org/presentationml/2006/main">
+<p:sld xmlns:a="http://schemas.openxmlformats.org/drawingml/2006/main" xmlns:r="http://schemas.openxmlformats.org/officeDocument/2006/relationships" xmlns:p="http://schemas.openxmlformats.org/presentationml/2006/main" showMasterSp="0">
   <p:cSld>
     <p:spTree>
       <p:nvGrpSpPr>
@@ -19467,7 +15137,7 @@
 </file>
 
 <file path=ppt/slides/slide16.xml><?xml version="1.0" encoding="utf-8"?>
-<p:sld xmlns:a="http://schemas.openxmlformats.org/drawingml/2006/main" xmlns:r="http://schemas.openxmlformats.org/officeDocument/2006/relationships" xmlns:p="http://schemas.openxmlformats.org/presentationml/2006/main" showMasterPhAnim="0">
+<p:sld xmlns:a="http://schemas.openxmlformats.org/drawingml/2006/main" xmlns:r="http://schemas.openxmlformats.org/officeDocument/2006/relationships" xmlns:p="http://schemas.openxmlformats.org/presentationml/2006/main" showMasterSp="0" showMasterPhAnim="0">
   <p:cSld>
     <p:spTree>
       <p:nvGrpSpPr>
@@ -20763,7 +16433,7 @@
 </file>
 
 <file path=ppt/slides/slide17.xml><?xml version="1.0" encoding="utf-8"?>
-<p:sld xmlns:a="http://schemas.openxmlformats.org/drawingml/2006/main" xmlns:r="http://schemas.openxmlformats.org/officeDocument/2006/relationships" xmlns:p="http://schemas.openxmlformats.org/presentationml/2006/main" showMasterPhAnim="0">
+<p:sld xmlns:a="http://schemas.openxmlformats.org/drawingml/2006/main" xmlns:r="http://schemas.openxmlformats.org/officeDocument/2006/relationships" xmlns:p="http://schemas.openxmlformats.org/presentationml/2006/main" showMasterSp="0" showMasterPhAnim="0">
   <p:cSld>
     <p:spTree>
       <p:nvGrpSpPr>
@@ -22313,7 +17983,7 @@
 </file>
 
 <file path=ppt/slides/slide18.xml><?xml version="1.0" encoding="utf-8"?>
-<p:sld xmlns:a="http://schemas.openxmlformats.org/drawingml/2006/main" xmlns:r="http://schemas.openxmlformats.org/officeDocument/2006/relationships" xmlns:p="http://schemas.openxmlformats.org/presentationml/2006/main" showMasterPhAnim="0">
+<p:sld xmlns:a="http://schemas.openxmlformats.org/drawingml/2006/main" xmlns:r="http://schemas.openxmlformats.org/officeDocument/2006/relationships" xmlns:p="http://schemas.openxmlformats.org/presentationml/2006/main" showMasterSp="0" showMasterPhAnim="0">
   <p:cSld>
     <p:spTree>
       <p:nvGrpSpPr>
@@ -22390,20 +18060,12 @@
               <a:t>结</a:t>
             </a:r>
             <a:r>
-              <a:rPr lang="zh-CN" altLang="en-US" sz="2400" b="1" smtClean="0">
+              <a:rPr lang="zh-CN" altLang="en-US" sz="2400" b="1" dirty="0" smtClean="0">
                 <a:solidFill>
                   <a:srgbClr val="3333FF"/>
                 </a:solidFill>
               </a:rPr>
-              <a:t>构体</a:t>
-            </a:r>
-            <a:r>
-              <a:rPr lang="zh-CN" altLang="en-US" sz="2400" b="1" dirty="0" smtClean="0">
-                <a:solidFill>
-                  <a:srgbClr val="3333FF"/>
-                </a:solidFill>
-              </a:rPr>
-              <a:t>作为函数参数</a:t>
+              <a:t>构体作为函数参数</a:t>
             </a:r>
             <a:endParaRPr lang="en-US" altLang="zh-CN" sz="2400" b="1" dirty="0" smtClean="0">
               <a:solidFill>
@@ -22446,7 +18108,7 @@
             <a:r>
               <a:rPr lang="zh-CN" altLang="en-US" sz="2000" b="1" dirty="0">
                 <a:solidFill>
-                  <a:srgbClr val="3333FF"/>
+                  <a:srgbClr val="FF0000"/>
                 </a:solidFill>
               </a:rPr>
               <a:t>值传递</a:t>
@@ -22479,7 +18141,7 @@
             <a:r>
               <a:rPr lang="zh-CN" altLang="en-US" sz="2000" b="1" dirty="0">
                 <a:solidFill>
-                  <a:srgbClr val="3333FF"/>
+                  <a:srgbClr val="FF0000"/>
                 </a:solidFill>
               </a:rPr>
               <a:t>地址传递</a:t>
@@ -22512,10 +18174,18 @@
             <a:r>
               <a:rPr lang="zh-CN" altLang="en-US" sz="2000" b="1" dirty="0">
                 <a:solidFill>
+                  <a:srgbClr val="FF0000"/>
+                </a:solidFill>
+              </a:rPr>
+              <a:t>多值传递</a:t>
+            </a:r>
+            <a:r>
+              <a:rPr lang="zh-CN" altLang="en-US" sz="2000" b="1" dirty="0">
+                <a:solidFill>
                   <a:srgbClr val="3333FF"/>
                 </a:solidFill>
               </a:rPr>
-              <a:t>多值传递，效率</a:t>
+              <a:t>，效率</a:t>
             </a:r>
             <a:r>
               <a:rPr lang="zh-CN" altLang="en-US" sz="2000" b="1" dirty="0" smtClean="0">
@@ -22606,7 +18276,7 @@
 </file>
 
 <file path=ppt/slides/slide19.xml><?xml version="1.0" encoding="utf-8"?>
-<p:sld xmlns:a="http://schemas.openxmlformats.org/drawingml/2006/main" xmlns:r="http://schemas.openxmlformats.org/officeDocument/2006/relationships" xmlns:p="http://schemas.openxmlformats.org/presentationml/2006/main">
+<p:sld xmlns:a="http://schemas.openxmlformats.org/drawingml/2006/main" xmlns:r="http://schemas.openxmlformats.org/officeDocument/2006/relationships" xmlns:p="http://schemas.openxmlformats.org/presentationml/2006/main" showMasterSp="0">
   <p:cSld>
     <p:spTree>
       <p:nvGrpSpPr>
@@ -27647,7 +23317,7 @@
 </file>
 
 <file path=ppt/slides/slide2.xml><?xml version="1.0" encoding="utf-8"?>
-<p:sld xmlns:a="http://schemas.openxmlformats.org/drawingml/2006/main" xmlns:r="http://schemas.openxmlformats.org/officeDocument/2006/relationships" xmlns:p="http://schemas.openxmlformats.org/presentationml/2006/main" showMasterPhAnim="0">
+<p:sld xmlns:a="http://schemas.openxmlformats.org/drawingml/2006/main" xmlns:r="http://schemas.openxmlformats.org/officeDocument/2006/relationships" xmlns:p="http://schemas.openxmlformats.org/presentationml/2006/main" showMasterSp="0" showMasterPhAnim="0">
   <p:cSld>
     <p:spTree>
       <p:nvGrpSpPr>
@@ -28487,7 +24157,7 @@
 </file>
 
 <file path=ppt/slides/slide20.xml><?xml version="1.0" encoding="utf-8"?>
-<p:sld xmlns:a="http://schemas.openxmlformats.org/drawingml/2006/main" xmlns:r="http://schemas.openxmlformats.org/officeDocument/2006/relationships" xmlns:p="http://schemas.openxmlformats.org/presentationml/2006/main" show="0">
+<p:sld xmlns:a="http://schemas.openxmlformats.org/drawingml/2006/main" xmlns:r="http://schemas.openxmlformats.org/officeDocument/2006/relationships" xmlns:p="http://schemas.openxmlformats.org/presentationml/2006/main" showMasterSp="0" show="0">
   <p:cSld>
     <p:spTree>
       <p:nvGrpSpPr>
@@ -28963,7 +24633,7 @@
 </file>
 
 <file path=ppt/slides/slide21.xml><?xml version="1.0" encoding="utf-8"?>
-<p:sld xmlns:a="http://schemas.openxmlformats.org/drawingml/2006/main" xmlns:r="http://schemas.openxmlformats.org/officeDocument/2006/relationships" xmlns:p="http://schemas.openxmlformats.org/presentationml/2006/main">
+<p:sld xmlns:a="http://schemas.openxmlformats.org/drawingml/2006/main" xmlns:r="http://schemas.openxmlformats.org/officeDocument/2006/relationships" xmlns:p="http://schemas.openxmlformats.org/presentationml/2006/main" showMasterSp="0">
   <p:cSld>
     <p:spTree>
       <p:nvGrpSpPr>
@@ -33144,7 +28814,7 @@
 </file>
 
 <file path=ppt/slides/slide22.xml><?xml version="1.0" encoding="utf-8"?>
-<p:sld xmlns:a="http://schemas.openxmlformats.org/drawingml/2006/main" xmlns:r="http://schemas.openxmlformats.org/officeDocument/2006/relationships" xmlns:p="http://schemas.openxmlformats.org/presentationml/2006/main" show="0">
+<p:sld xmlns:a="http://schemas.openxmlformats.org/drawingml/2006/main" xmlns:r="http://schemas.openxmlformats.org/officeDocument/2006/relationships" xmlns:p="http://schemas.openxmlformats.org/presentationml/2006/main" showMasterSp="0" show="0">
   <p:cSld>
     <p:spTree>
       <p:nvGrpSpPr>
@@ -33626,7 +29296,7 @@
 </file>
 
 <file path=ppt/slides/slide23.xml><?xml version="1.0" encoding="utf-8"?>
-<p:sld xmlns:a="http://schemas.openxmlformats.org/drawingml/2006/main" xmlns:r="http://schemas.openxmlformats.org/officeDocument/2006/relationships" xmlns:p="http://schemas.openxmlformats.org/presentationml/2006/main">
+<p:sld xmlns:a="http://schemas.openxmlformats.org/drawingml/2006/main" xmlns:r="http://schemas.openxmlformats.org/officeDocument/2006/relationships" xmlns:p="http://schemas.openxmlformats.org/presentationml/2006/main" showMasterSp="0">
   <p:cSld>
     <p:spTree>
       <p:nvGrpSpPr>
@@ -34004,6 +29674,30 @@
           </a:p>
         </p:txBody>
       </p:sp>
+      <p:sp>
+        <p:nvSpPr>
+          <p:cNvPr id="3" name="灯片编号占位符 2"/>
+          <p:cNvSpPr>
+            <a:spLocks noGrp="1"/>
+          </p:cNvSpPr>
+          <p:nvPr>
+            <p:ph type="sldNum" sz="quarter" idx="12"/>
+          </p:nvPr>
+        </p:nvSpPr>
+        <p:spPr/>
+        <p:txBody>
+          <a:bodyPr/>
+          <a:lstStyle/>
+          <a:p>
+            <a:fld id="{A5E31B95-1B97-4BB3-937B-83E5382E5371}" type="slidenum">
+              <a:rPr lang="zh-CN" altLang="en-US" smtClean="0"/>
+              <a:pPr/>
+              <a:t>23</a:t>
+            </a:fld>
+            <a:endParaRPr lang="en-US" sz="1800"/>
+          </a:p>
+        </p:txBody>
+      </p:sp>
     </p:spTree>
     <p:extLst>
       <p:ext uri="{BB962C8B-B14F-4D97-AF65-F5344CB8AC3E}">
@@ -34022,11 +29716,18 @@
       <p:transition spd="slow"/>
     </mc:Fallback>
   </mc:AlternateContent>
+  <p:timing>
+    <p:tnLst>
+      <p:par>
+        <p:cTn id="1" dur="indefinite" restart="never" nodeType="tmRoot"/>
+      </p:par>
+    </p:tnLst>
+  </p:timing>
 </p:sld>
 </file>
 
 <file path=ppt/slides/slide24.xml><?xml version="1.0" encoding="utf-8"?>
-<p:sld xmlns:a="http://schemas.openxmlformats.org/drawingml/2006/main" xmlns:r="http://schemas.openxmlformats.org/officeDocument/2006/relationships" xmlns:p="http://schemas.openxmlformats.org/presentationml/2006/main">
+<p:sld xmlns:a="http://schemas.openxmlformats.org/drawingml/2006/main" xmlns:r="http://schemas.openxmlformats.org/officeDocument/2006/relationships" xmlns:p="http://schemas.openxmlformats.org/presentationml/2006/main" showMasterSp="0">
   <p:cSld>
     <p:spTree>
       <p:nvGrpSpPr>
@@ -34105,9 +29806,7 @@
           <a:prstGeom prst="rect">
             <a:avLst/>
           </a:prstGeom>
-          <a:solidFill>
-            <a:srgbClr val="FFFF00"/>
-          </a:solidFill>
+          <a:noFill/>
           <a:ln w="9525">
             <a:solidFill>
               <a:schemeClr val="tx1"/>
@@ -34220,82 +29919,178 @@
           <a:p>
             <a:pPr algn="l"/>
             <a:r>
-              <a:rPr lang="en-US" altLang="zh-CN" sz="2000" dirty="0"/>
+              <a:rPr lang="en-US" altLang="zh-CN" sz="2000" dirty="0" smtClean="0">
+                <a:solidFill>
+                  <a:srgbClr val="FF0000"/>
+                </a:solidFill>
+              </a:rPr>
               <a:t>/*</a:t>
             </a:r>
             <a:r>
-              <a:rPr lang="zh-CN" altLang="en-US" sz="2000" dirty="0" smtClean="0"/>
-              <a:t>更新</a:t>
-            </a:r>
-            <a:r>
-              <a:rPr lang="zh-CN" altLang="en-US" sz="2000" dirty="0"/>
+              <a:rPr lang="zh-CN" altLang="en-US" sz="2000" dirty="0" smtClean="0">
+                <a:solidFill>
+                  <a:srgbClr val="FF0000"/>
+                </a:solidFill>
+              </a:rPr>
+              <a:t>*  更新</a:t>
+            </a:r>
+            <a:r>
+              <a:rPr lang="zh-CN" altLang="en-US" sz="2000" dirty="0">
+                <a:solidFill>
+                  <a:srgbClr val="FF0000"/>
+                </a:solidFill>
+              </a:rPr>
               <a:t>时间</a:t>
             </a:r>
             <a:r>
-              <a:rPr lang="zh-CN" altLang="en-US" sz="2000" dirty="0" smtClean="0"/>
+              <a:rPr lang="zh-CN" altLang="en-US" sz="2000" dirty="0" smtClean="0">
+                <a:solidFill>
+                  <a:srgbClr val="FF0000"/>
+                </a:solidFill>
+              </a:rPr>
               <a:t>，</a:t>
             </a:r>
             <a:r>
-              <a:rPr lang="zh-CN" altLang="en-US" sz="2000" dirty="0"/>
+              <a:rPr lang="zh-CN" altLang="en-US" sz="2000" dirty="0">
+                <a:solidFill>
+                  <a:srgbClr val="FF0000"/>
+                </a:solidFill>
+              </a:rPr>
               <a:t>返回为</a:t>
             </a:r>
             <a:r>
-              <a:rPr lang="en-US" altLang="zh-CN" sz="2000" dirty="0"/>
+              <a:rPr lang="en-US" altLang="zh-CN" sz="2000" dirty="0">
+                <a:solidFill>
+                  <a:srgbClr val="FF0000"/>
+                </a:solidFill>
+              </a:rPr>
               <a:t>time</a:t>
             </a:r>
             <a:r>
-              <a:rPr lang="zh-CN" altLang="en-US" sz="2000" dirty="0" smtClean="0"/>
+              <a:rPr lang="zh-CN" altLang="en-US" sz="2000" dirty="0" smtClean="0">
+                <a:solidFill>
+                  <a:srgbClr val="FF0000"/>
+                </a:solidFill>
+              </a:rPr>
               <a:t>结构体</a:t>
             </a:r>
-            <a:endParaRPr lang="en-US" altLang="zh-CN" sz="2000" dirty="0" smtClean="0"/>
+            <a:endParaRPr lang="en-US" altLang="zh-CN" sz="2000" dirty="0" smtClean="0">
+              <a:solidFill>
+                <a:srgbClr val="FF0000"/>
+              </a:solidFill>
+            </a:endParaRPr>
           </a:p>
           <a:p>
             <a:pPr algn="l"/>
             <a:r>
-              <a:rPr lang="en-US" altLang="zh-CN" sz="2000" dirty="0"/>
+              <a:rPr lang="en-US" altLang="zh-CN" sz="2000" dirty="0">
+                <a:solidFill>
+                  <a:srgbClr val="FF0000"/>
+                </a:solidFill>
+              </a:rPr>
               <a:t>  </a:t>
             </a:r>
             <a:r>
-              <a:rPr lang="en-US" altLang="zh-CN" sz="2000" dirty="0" smtClean="0"/>
-              <a:t>  </a:t>
-            </a:r>
-            <a:r>
-              <a:rPr lang="zh-CN" altLang="en-US" sz="2000" dirty="0" smtClean="0"/>
-              <a:t>参数：</a:t>
-            </a:r>
-            <a:r>
-              <a:rPr lang="en-US" altLang="zh-CN" sz="2000" dirty="0" smtClean="0"/>
+              <a:rPr lang="en-US" altLang="zh-CN" sz="2000" dirty="0" smtClean="0">
+                <a:solidFill>
+                  <a:srgbClr val="FF0000"/>
+                </a:solidFill>
+              </a:rPr>
+              <a:t> </a:t>
+            </a:r>
+            <a:r>
+              <a:rPr lang="en-US" altLang="zh-CN" sz="2000" dirty="0" smtClean="0">
+                <a:solidFill>
+                  <a:srgbClr val="FF0000"/>
+                </a:solidFill>
+              </a:rPr>
+              <a:t>    </a:t>
+            </a:r>
+            <a:r>
+              <a:rPr lang="zh-CN" altLang="en-US" sz="2000" dirty="0" smtClean="0">
+                <a:solidFill>
+                  <a:srgbClr val="FF0000"/>
+                </a:solidFill>
+              </a:rPr>
+              <a:t>参数</a:t>
+            </a:r>
+            <a:r>
+              <a:rPr lang="zh-CN" altLang="en-US" sz="2000" dirty="0" smtClean="0">
+                <a:solidFill>
+                  <a:srgbClr val="FF0000"/>
+                </a:solidFill>
+              </a:rPr>
+              <a:t>：</a:t>
+            </a:r>
+            <a:r>
+              <a:rPr lang="en-US" altLang="zh-CN" sz="2000" dirty="0" smtClean="0">
+                <a:solidFill>
+                  <a:srgbClr val="FF0000"/>
+                </a:solidFill>
+              </a:rPr>
               <a:t>now:</a:t>
             </a:r>
             <a:r>
-              <a:rPr lang="zh-CN" altLang="en-US" sz="2000" dirty="0" smtClean="0"/>
+              <a:rPr lang="zh-CN" altLang="en-US" sz="2000" dirty="0" smtClean="0">
+                <a:solidFill>
+                  <a:srgbClr val="FF0000"/>
+                </a:solidFill>
+              </a:rPr>
               <a:t>当前时间，</a:t>
             </a:r>
             <a:r>
-              <a:rPr lang="en-US" altLang="zh-CN" sz="2000" dirty="0" err="1" smtClean="0"/>
+              <a:rPr lang="en-US" altLang="zh-CN" sz="2000" dirty="0" err="1" smtClean="0">
+                <a:solidFill>
+                  <a:srgbClr val="FF0000"/>
+                </a:solidFill>
+              </a:rPr>
               <a:t>secs</a:t>
             </a:r>
             <a:r>
-              <a:rPr lang="en-US" altLang="zh-CN" sz="2000" dirty="0" smtClean="0"/>
+              <a:rPr lang="en-US" altLang="zh-CN" sz="2000" dirty="0" smtClean="0">
+                <a:solidFill>
+                  <a:srgbClr val="FF0000"/>
+                </a:solidFill>
+              </a:rPr>
               <a:t>:</a:t>
             </a:r>
             <a:r>
-              <a:rPr lang="zh-CN" altLang="en-US" sz="2000" dirty="0" smtClean="0"/>
+              <a:rPr lang="zh-CN" altLang="en-US" sz="2000" dirty="0" smtClean="0">
+                <a:solidFill>
+                  <a:srgbClr val="FF0000"/>
+                </a:solidFill>
+              </a:rPr>
               <a:t>已经过去的秒数</a:t>
             </a:r>
-            <a:endParaRPr lang="en-US" altLang="zh-CN" sz="2000" dirty="0" smtClean="0"/>
+            <a:endParaRPr lang="en-US" altLang="zh-CN" sz="2000" dirty="0" smtClean="0">
+              <a:solidFill>
+                <a:srgbClr val="FF0000"/>
+              </a:solidFill>
+            </a:endParaRPr>
           </a:p>
           <a:p>
             <a:pPr algn="l"/>
             <a:r>
-              <a:rPr lang="zh-CN" altLang="en-US" sz="2000" dirty="0" smtClean="0"/>
+              <a:rPr lang="zh-CN" altLang="en-US" sz="2000" dirty="0" smtClean="0">
+                <a:solidFill>
+                  <a:srgbClr val="FF0000"/>
+                </a:solidFill>
+              </a:rPr>
               <a:t>*</a:t>
             </a:r>
             <a:r>
-              <a:rPr lang="en-US" altLang="zh-CN" sz="2000" dirty="0" smtClean="0"/>
+              <a:rPr lang="en-US" altLang="zh-CN" sz="2000" dirty="0" smtClean="0">
+                <a:solidFill>
+                  <a:srgbClr val="FF0000"/>
+                </a:solidFill>
+              </a:rPr>
               <a:t>/</a:t>
             </a:r>
-            <a:endParaRPr lang="zh-CN" altLang="en-US" sz="2000" dirty="0"/>
+            <a:endParaRPr lang="zh-CN" altLang="en-US" sz="2000" dirty="0">
+              <a:solidFill>
+                <a:srgbClr val="FF0000"/>
+              </a:solidFill>
+            </a:endParaRPr>
           </a:p>
           <a:p>
             <a:pPr algn="l"/>
@@ -34370,14 +30165,12 @@
         <p:spPr bwMode="auto">
           <a:xfrm>
             <a:off x="393519" y="3433019"/>
-            <a:ext cx="8454210" cy="3293209"/>
+            <a:ext cx="8454210" cy="2893100"/>
           </a:xfrm>
           <a:prstGeom prst="rect">
             <a:avLst/>
           </a:prstGeom>
-          <a:solidFill>
-            <a:srgbClr val="FFFF00"/>
-          </a:solidFill>
+          <a:noFill/>
           <a:ln>
             <a:solidFill>
               <a:srgbClr val="92D050"/>
@@ -34397,12 +30190,12 @@
               </a:lnSpc>
             </a:pPr>
             <a:r>
-              <a:rPr lang="zh-CN" altLang="en-US" sz="2000" dirty="0"/>
-              <a:t>　　</a:t>
+              <a:rPr lang="en-US" altLang="zh-CN" sz="2000" dirty="0" smtClean="0"/>
+              <a:t>void </a:t>
             </a:r>
             <a:r>
               <a:rPr lang="en-US" altLang="zh-CN" sz="2000" dirty="0"/>
-              <a:t>void main</a:t>
+              <a:t>main</a:t>
             </a:r>
             <a:r>
               <a:rPr lang="en-US" altLang="zh-CN" sz="2000" dirty="0" smtClean="0"/>
@@ -34417,13 +30210,10 @@
               </a:lnSpc>
             </a:pPr>
             <a:r>
-              <a:rPr lang="zh-CN" altLang="en-US" sz="2000" dirty="0"/>
-              <a:t>　　</a:t>
-            </a:r>
-            <a:r>
-              <a:rPr lang="en-US" altLang="zh-CN" sz="2000" dirty="0"/>
+              <a:rPr lang="en-US" altLang="zh-CN" sz="2000" dirty="0" smtClean="0"/>
               <a:t>{</a:t>
             </a:r>
+            <a:endParaRPr lang="en-US" altLang="zh-CN" sz="2000" dirty="0"/>
           </a:p>
           <a:p>
             <a:pPr algn="l">
@@ -34432,12 +30222,8 @@
               </a:lnSpc>
             </a:pPr>
             <a:r>
-              <a:rPr lang="en-US" altLang="zh-CN" sz="2000" dirty="0"/>
-              <a:t>        </a:t>
-            </a:r>
-            <a:r>
               <a:rPr lang="zh-CN" altLang="en-US" sz="2000" dirty="0"/>
-              <a:t>　　 </a:t>
+              <a:t>　 </a:t>
             </a:r>
             <a:r>
               <a:rPr lang="en-US" altLang="zh-CN" sz="2000" dirty="0" err="1"/>
@@ -34483,15 +30269,15 @@
               </a:lnSpc>
             </a:pPr>
             <a:r>
-              <a:rPr lang="zh-CN" altLang="en-US" sz="2000" dirty="0"/>
-              <a:t>         　　</a:t>
-            </a:r>
-            <a:r>
-              <a:rPr lang="en-US" altLang="zh-CN" sz="2000" dirty="0" err="1"/>
+              <a:rPr lang="en-US" altLang="zh-CN" sz="2000" dirty="0" smtClean="0"/>
+              <a:t>     </a:t>
+            </a:r>
+            <a:r>
+              <a:rPr lang="en-US" altLang="zh-CN" sz="2000" dirty="0" err="1" smtClean="0"/>
               <a:t>int</a:t>
             </a:r>
             <a:r>
-              <a:rPr lang="en-US" altLang="zh-CN" sz="2000" dirty="0"/>
+              <a:rPr lang="en-US" altLang="zh-CN" sz="2000" dirty="0" smtClean="0"/>
               <a:t> </a:t>
             </a:r>
             <a:r>
@@ -34514,35 +30300,67 @@
               </a:lnSpc>
             </a:pPr>
             <a:r>
-              <a:rPr lang="zh-CN" altLang="en-US" sz="2000" dirty="0"/>
-              <a:t>         　　</a:t>
-            </a:r>
-            <a:r>
-              <a:rPr lang="en-US" altLang="zh-CN" sz="2000" dirty="0"/>
+              <a:rPr lang="zh-CN" altLang="en-US" sz="2000" dirty="0">
+                <a:solidFill>
+                  <a:srgbClr val="FF0000"/>
+                </a:solidFill>
+              </a:rPr>
+              <a:t>     </a:t>
+            </a:r>
+            <a:r>
+              <a:rPr lang="en-US" altLang="zh-CN" sz="2000" dirty="0" smtClean="0">
+                <a:solidFill>
+                  <a:srgbClr val="FF0000"/>
+                </a:solidFill>
+              </a:rPr>
               <a:t>t1=</a:t>
             </a:r>
             <a:r>
-              <a:rPr lang="en-US" altLang="zh-CN" sz="2000" dirty="0" err="1"/>
+              <a:rPr lang="en-US" altLang="zh-CN" sz="2000" dirty="0" err="1" smtClean="0">
+                <a:solidFill>
+                  <a:srgbClr val="FF0000"/>
+                </a:solidFill>
+              </a:rPr>
               <a:t>new_time</a:t>
             </a:r>
             <a:r>
-              <a:rPr lang="en-US" altLang="zh-CN" sz="2000" dirty="0"/>
+              <a:rPr lang="en-US" altLang="zh-CN" sz="2000" dirty="0" smtClean="0">
+                <a:solidFill>
+                  <a:srgbClr val="FF0000"/>
+                </a:solidFill>
+              </a:rPr>
               <a:t>(t2</a:t>
             </a:r>
             <a:r>
-              <a:rPr lang="zh-CN" altLang="en-US" sz="2000" dirty="0"/>
+              <a:rPr lang="zh-CN" altLang="en-US" sz="2000" dirty="0">
+                <a:solidFill>
+                  <a:srgbClr val="FF0000"/>
+                </a:solidFill>
+              </a:rPr>
               <a:t>，</a:t>
             </a:r>
             <a:r>
-              <a:rPr lang="en-US" altLang="zh-CN" sz="2000" dirty="0" err="1"/>
+              <a:rPr lang="en-US" altLang="zh-CN" sz="2000" dirty="0" err="1">
+                <a:solidFill>
+                  <a:srgbClr val="FF0000"/>
+                </a:solidFill>
+              </a:rPr>
               <a:t>secs</a:t>
             </a:r>
             <a:r>
-              <a:rPr lang="en-US" altLang="zh-CN" sz="2000" dirty="0"/>
+              <a:rPr lang="en-US" altLang="zh-CN" sz="2000" dirty="0">
+                <a:solidFill>
+                  <a:srgbClr val="FF0000"/>
+                </a:solidFill>
+              </a:rPr>
               <a:t>)</a:t>
             </a:r>
             <a:r>
-              <a:rPr lang="zh-CN" altLang="en-US" sz="2000" dirty="0"/>
+              <a:rPr lang="zh-CN" altLang="en-US" sz="2000" dirty="0">
+                <a:solidFill>
+                  <a:srgbClr val="FF0000"/>
+                </a:solidFill>
+              </a:rPr>
               <a:t>；</a:t>
             </a:r>
           </a:p>
@@ -34554,10 +30372,10 @@
             </a:pPr>
             <a:r>
               <a:rPr lang="zh-CN" altLang="en-US" sz="2000" dirty="0"/>
-              <a:t>        　　 </a:t>
-            </a:r>
-            <a:r>
-              <a:rPr lang="en-US" altLang="zh-CN" sz="2000" dirty="0" err="1"/>
+              <a:t>     </a:t>
+            </a:r>
+            <a:r>
+              <a:rPr lang="en-US" altLang="zh-CN" sz="2000" dirty="0" err="1" smtClean="0"/>
               <a:t>printf</a:t>
             </a:r>
             <a:r>
@@ -34608,7 +30426,22 @@
               <a:rPr lang="zh-CN" altLang="en-US" sz="2000" dirty="0" smtClean="0"/>
               <a:t>，</a:t>
             </a:r>
-            <a:endParaRPr lang="en-US" altLang="zh-CN" sz="2000" dirty="0" smtClean="0"/>
+            <a:r>
+              <a:rPr lang="en-US" altLang="zh-CN" sz="2000" dirty="0" smtClean="0"/>
+              <a:t>t1.minute</a:t>
+            </a:r>
+            <a:r>
+              <a:rPr lang="zh-CN" altLang="en-US" sz="2000" dirty="0"/>
+              <a:t>，</a:t>
+            </a:r>
+            <a:r>
+              <a:rPr lang="en-US" altLang="zh-CN" sz="2000" dirty="0"/>
+              <a:t>t1.second)</a:t>
+            </a:r>
+            <a:r>
+              <a:rPr lang="zh-CN" altLang="en-US" sz="2000" dirty="0"/>
+              <a:t>；</a:t>
+            </a:r>
           </a:p>
           <a:p>
             <a:pPr algn="l">
@@ -34617,41 +30450,34 @@
               </a:lnSpc>
             </a:pPr>
             <a:r>
-              <a:rPr lang="en-US" altLang="zh-CN" sz="2000" dirty="0"/>
-              <a:t> </a:t>
-            </a:r>
-            <a:r>
-              <a:rPr lang="en-US" altLang="zh-CN" sz="2000" dirty="0" smtClean="0"/>
-              <a:t>                                                                                  t1.minute</a:t>
-            </a:r>
-            <a:r>
-              <a:rPr lang="zh-CN" altLang="en-US" sz="2000" dirty="0"/>
-              <a:t>，</a:t>
-            </a:r>
-            <a:r>
-              <a:rPr lang="en-US" altLang="zh-CN" sz="2000" dirty="0"/>
-              <a:t>t1.second)</a:t>
-            </a:r>
-            <a:r>
-              <a:rPr lang="zh-CN" altLang="en-US" sz="2000" dirty="0"/>
-              <a:t>；</a:t>
-            </a:r>
-          </a:p>
-          <a:p>
-            <a:pPr algn="l">
-              <a:lnSpc>
-                <a:spcPct val="130000"/>
-              </a:lnSpc>
-            </a:pPr>
-            <a:r>
-              <a:rPr lang="zh-CN" altLang="en-US" sz="2000" dirty="0"/>
-              <a:t>　　 </a:t>
-            </a:r>
-            <a:r>
               <a:rPr lang="en-US" altLang="zh-CN" sz="2000" dirty="0" smtClean="0"/>
               <a:t>}</a:t>
             </a:r>
             <a:endParaRPr lang="en-US" altLang="zh-CN" sz="2000" dirty="0"/>
+          </a:p>
+        </p:txBody>
+      </p:sp>
+      <p:sp>
+        <p:nvSpPr>
+          <p:cNvPr id="3" name="灯片编号占位符 2"/>
+          <p:cNvSpPr>
+            <a:spLocks noGrp="1"/>
+          </p:cNvSpPr>
+          <p:nvPr>
+            <p:ph type="sldNum" sz="quarter" idx="12"/>
+          </p:nvPr>
+        </p:nvSpPr>
+        <p:spPr/>
+        <p:txBody>
+          <a:bodyPr/>
+          <a:lstStyle/>
+          <a:p>
+            <a:fld id="{A5E31B95-1B97-4BB3-937B-83E5382E5371}" type="slidenum">
+              <a:rPr lang="zh-CN" altLang="en-US" smtClean="0"/>
+              <a:pPr/>
+              <a:t>24</a:t>
+            </a:fld>
+            <a:endParaRPr lang="en-US" sz="1800"/>
           </a:p>
         </p:txBody>
       </p:sp>
@@ -34673,11 +30499,18 @@
       <p:transition spd="slow"/>
     </mc:Fallback>
   </mc:AlternateContent>
+  <p:timing>
+    <p:tnLst>
+      <p:par>
+        <p:cTn id="1" dur="indefinite" restart="never" nodeType="tmRoot"/>
+      </p:par>
+    </p:tnLst>
+  </p:timing>
 </p:sld>
 </file>
 
 <file path=ppt/slides/slide25.xml><?xml version="1.0" encoding="utf-8"?>
-<p:sld xmlns:a="http://schemas.openxmlformats.org/drawingml/2006/main" xmlns:r="http://schemas.openxmlformats.org/officeDocument/2006/relationships" xmlns:p="http://schemas.openxmlformats.org/presentationml/2006/main">
+<p:sld xmlns:a="http://schemas.openxmlformats.org/drawingml/2006/main" xmlns:r="http://schemas.openxmlformats.org/officeDocument/2006/relationships" xmlns:p="http://schemas.openxmlformats.org/presentationml/2006/main" showMasterSp="0">
   <p:cSld>
     <p:spTree>
       <p:nvGrpSpPr>
@@ -34784,6 +30617,30 @@
           </a:extLst>
         </p:spPr>
       </p:pic>
+      <p:sp>
+        <p:nvSpPr>
+          <p:cNvPr id="3" name="灯片编号占位符 2"/>
+          <p:cNvSpPr>
+            <a:spLocks noGrp="1"/>
+          </p:cNvSpPr>
+          <p:nvPr>
+            <p:ph type="sldNum" sz="quarter" idx="12"/>
+          </p:nvPr>
+        </p:nvSpPr>
+        <p:spPr/>
+        <p:txBody>
+          <a:bodyPr/>
+          <a:lstStyle/>
+          <a:p>
+            <a:fld id="{A5E31B95-1B97-4BB3-937B-83E5382E5371}" type="slidenum">
+              <a:rPr lang="zh-CN" altLang="en-US" smtClean="0"/>
+              <a:pPr/>
+              <a:t>25</a:t>
+            </a:fld>
+            <a:endParaRPr lang="en-US" sz="1800"/>
+          </a:p>
+        </p:txBody>
+      </p:sp>
     </p:spTree>
     <p:extLst>
       <p:ext uri="{BB962C8B-B14F-4D97-AF65-F5344CB8AC3E}">
@@ -34802,11 +30659,18 @@
       <p:transition spd="slow"/>
     </mc:Fallback>
   </mc:AlternateContent>
+  <p:timing>
+    <p:tnLst>
+      <p:par>
+        <p:cTn id="1" dur="indefinite" restart="never" nodeType="tmRoot"/>
+      </p:par>
+    </p:tnLst>
+  </p:timing>
 </p:sld>
 </file>
 
 <file path=ppt/slides/slide26.xml><?xml version="1.0" encoding="utf-8"?>
-<p:sld xmlns:a="http://schemas.openxmlformats.org/drawingml/2006/main" xmlns:r="http://schemas.openxmlformats.org/officeDocument/2006/relationships" xmlns:p="http://schemas.openxmlformats.org/presentationml/2006/main" showMasterPhAnim="0">
+<p:sld xmlns:a="http://schemas.openxmlformats.org/drawingml/2006/main" xmlns:r="http://schemas.openxmlformats.org/officeDocument/2006/relationships" xmlns:p="http://schemas.openxmlformats.org/presentationml/2006/main" showMasterSp="0" showMasterPhAnim="0">
   <p:cSld>
     <p:spTree>
       <p:nvGrpSpPr>
@@ -36144,7 +32008,7 @@
 </file>
 
 <file path=ppt/slides/slide27.xml><?xml version="1.0" encoding="utf-8"?>
-<p:sld xmlns:a="http://schemas.openxmlformats.org/drawingml/2006/main" xmlns:r="http://schemas.openxmlformats.org/officeDocument/2006/relationships" xmlns:p="http://schemas.openxmlformats.org/presentationml/2006/main">
+<p:sld xmlns:a="http://schemas.openxmlformats.org/drawingml/2006/main" xmlns:r="http://schemas.openxmlformats.org/officeDocument/2006/relationships" xmlns:p="http://schemas.openxmlformats.org/presentationml/2006/main" showMasterSp="0">
   <p:cSld>
     <p:spTree>
       <p:nvGrpSpPr>
@@ -38417,8 +34281,8 @@
         </p:nvSpPr>
         <p:spPr bwMode="auto">
           <a:xfrm>
-            <a:off x="381000" y="5765800"/>
-            <a:ext cx="3136900" cy="739775"/>
+            <a:off x="381000" y="5780654"/>
+            <a:ext cx="3131283" cy="710067"/>
           </a:xfrm>
           <a:prstGeom prst="wedgeRectCallout">
             <a:avLst>
@@ -38446,7 +34310,7 @@
           <a:p>
             <a:pPr algn="l"/>
             <a:r>
-              <a:rPr lang="zh-CN" altLang="en-US" sz="2000">
+              <a:rPr lang="zh-CN" altLang="en-US" sz="2000" dirty="0">
                 <a:solidFill>
                   <a:srgbClr val="545472"/>
                 </a:solidFill>
@@ -38454,21 +34318,21 @@
                 <a:ea typeface="隶书" pitchFamily="49" charset="-122"/>
                 <a:sym typeface="隶书" pitchFamily="49" charset="-122"/>
               </a:rPr>
-              <a:t>共用体变量定义</a:t>
-            </a:r>
-            <a:r>
-              <a:rPr lang="zh-CN" altLang="en-US" sz="2000">
-                <a:solidFill>
-                  <a:schemeClr val="tx2"/>
+              <a:t>定义共</a:t>
+            </a:r>
+            <a:r>
+              <a:rPr lang="zh-CN" altLang="en-US" sz="2000" dirty="0">
+                <a:solidFill>
+                  <a:srgbClr val="545472"/>
                 </a:solidFill>
                 <a:latin typeface="隶书" pitchFamily="49" charset="-122"/>
                 <a:ea typeface="隶书" pitchFamily="49" charset="-122"/>
                 <a:sym typeface="隶书" pitchFamily="49" charset="-122"/>
               </a:rPr>
-              <a:t>分配内存</a:t>
-            </a:r>
-            <a:r>
-              <a:rPr lang="en-US" sz="2000">
+              <a:t>用体</a:t>
+            </a:r>
+            <a:r>
+              <a:rPr lang="zh-CN" altLang="en-US" sz="2000" dirty="0" smtClean="0">
                 <a:solidFill>
                   <a:srgbClr val="545472"/>
                 </a:solidFill>
@@ -38476,9 +34340,42 @@
                 <a:ea typeface="隶书" pitchFamily="49" charset="-122"/>
                 <a:sym typeface="隶书" pitchFamily="49" charset="-122"/>
               </a:rPr>
+              <a:t>变量</a:t>
+            </a:r>
+            <a:r>
+              <a:rPr lang="zh-CN" altLang="en-US" sz="2000" dirty="0" smtClean="0">
+                <a:solidFill>
+                  <a:schemeClr val="tx2"/>
+                </a:solidFill>
+                <a:latin typeface="隶书" pitchFamily="49" charset="-122"/>
+                <a:ea typeface="隶书" pitchFamily="49" charset="-122"/>
+                <a:sym typeface="隶书" pitchFamily="49" charset="-122"/>
+              </a:rPr>
+              <a:t>分配</a:t>
+            </a:r>
+            <a:r>
+              <a:rPr lang="zh-CN" altLang="en-US" sz="2000" dirty="0">
+                <a:solidFill>
+                  <a:schemeClr val="tx2"/>
+                </a:solidFill>
+                <a:latin typeface="隶书" pitchFamily="49" charset="-122"/>
+                <a:ea typeface="隶书" pitchFamily="49" charset="-122"/>
+                <a:sym typeface="隶书" pitchFamily="49" charset="-122"/>
+              </a:rPr>
+              <a:t>内存</a:t>
+            </a:r>
+            <a:r>
+              <a:rPr lang="en-US" sz="2000" dirty="0">
+                <a:solidFill>
+                  <a:srgbClr val="545472"/>
+                </a:solidFill>
+                <a:latin typeface="隶书" pitchFamily="49" charset="-122"/>
+                <a:ea typeface="隶书" pitchFamily="49" charset="-122"/>
+                <a:sym typeface="隶书" pitchFamily="49" charset="-122"/>
+              </a:rPr>
               <a:t>,</a:t>
             </a:r>
-            <a:endParaRPr lang="zh-CN" altLang="en-US" sz="2000">
+            <a:endParaRPr lang="zh-CN" altLang="en-US" sz="2000" dirty="0">
               <a:solidFill>
                 <a:srgbClr val="545472"/>
               </a:solidFill>
@@ -38490,7 +34387,7 @@
           <a:p>
             <a:pPr algn="l"/>
             <a:r>
-              <a:rPr lang="zh-CN" altLang="en-US" sz="2000">
+              <a:rPr lang="zh-CN" altLang="en-US" sz="2000" dirty="0">
                 <a:solidFill>
                   <a:srgbClr val="545472"/>
                 </a:solidFill>
@@ -38501,7 +34398,7 @@
               <a:t>长度</a:t>
             </a:r>
             <a:r>
-              <a:rPr lang="en-US" sz="2000">
+              <a:rPr lang="en-US" sz="2000" dirty="0">
                 <a:solidFill>
                   <a:srgbClr val="545472"/>
                 </a:solidFill>
@@ -38512,7 +34409,7 @@
               <a:t>=</a:t>
             </a:r>
             <a:r>
-              <a:rPr lang="zh-CN" altLang="en-US" sz="2000">
+              <a:rPr lang="zh-CN" altLang="en-US" sz="2000" dirty="0">
                 <a:solidFill>
                   <a:srgbClr val="3333FF"/>
                 </a:solidFill>
@@ -38523,7 +34420,7 @@
               <a:t>最长成员</a:t>
             </a:r>
             <a:r>
-              <a:rPr lang="zh-CN" altLang="en-US" sz="2000">
+              <a:rPr lang="zh-CN" altLang="en-US" sz="2000" dirty="0">
                 <a:solidFill>
                   <a:srgbClr val="545472"/>
                 </a:solidFill>
@@ -38533,7 +34430,7 @@
               </a:rPr>
               <a:t>所占字节数</a:t>
             </a:r>
-            <a:endParaRPr lang="zh-CN" altLang="en-US" sz="2000"/>
+            <a:endParaRPr lang="zh-CN" altLang="en-US" sz="2000" dirty="0"/>
           </a:p>
         </p:txBody>
       </p:sp>
@@ -39094,7 +34991,7 @@
 </file>
 
 <file path=ppt/slides/slide28.xml><?xml version="1.0" encoding="utf-8"?>
-<p:sld xmlns:a="http://schemas.openxmlformats.org/drawingml/2006/main" xmlns:r="http://schemas.openxmlformats.org/officeDocument/2006/relationships" xmlns:p="http://schemas.openxmlformats.org/presentationml/2006/main">
+<p:sld xmlns:a="http://schemas.openxmlformats.org/drawingml/2006/main" xmlns:r="http://schemas.openxmlformats.org/officeDocument/2006/relationships" xmlns:p="http://schemas.openxmlformats.org/presentationml/2006/main" showMasterSp="0">
   <p:cSld>
     <p:spTree>
       <p:nvGrpSpPr>
@@ -40097,7 +35994,7 @@
 </file>
 
 <file path=ppt/slides/slide29.xml><?xml version="1.0" encoding="utf-8"?>
-<p:sld xmlns:a="http://schemas.openxmlformats.org/drawingml/2006/main" xmlns:r="http://schemas.openxmlformats.org/officeDocument/2006/relationships" xmlns:p="http://schemas.openxmlformats.org/presentationml/2006/main">
+<p:sld xmlns:a="http://schemas.openxmlformats.org/drawingml/2006/main" xmlns:r="http://schemas.openxmlformats.org/officeDocument/2006/relationships" xmlns:p="http://schemas.openxmlformats.org/presentationml/2006/main" showMasterSp="0">
   <p:cSld>
     <p:spTree>
       <p:nvGrpSpPr>
@@ -41676,7 +37573,7 @@
 </file>
 
 <file path=ppt/slides/slide3.xml><?xml version="1.0" encoding="utf-8"?>
-<p:sld xmlns:a="http://schemas.openxmlformats.org/drawingml/2006/main" xmlns:r="http://schemas.openxmlformats.org/officeDocument/2006/relationships" xmlns:p="http://schemas.openxmlformats.org/presentationml/2006/main">
+<p:sld xmlns:a="http://schemas.openxmlformats.org/drawingml/2006/main" xmlns:r="http://schemas.openxmlformats.org/officeDocument/2006/relationships" xmlns:p="http://schemas.openxmlformats.org/presentationml/2006/main" showMasterSp="0">
   <p:cSld>
     <p:spTree>
       <p:nvGrpSpPr>
@@ -44212,7 +40109,7 @@
 </file>
 
 <file path=ppt/slides/slide30.xml><?xml version="1.0" encoding="utf-8"?>
-<p:sld xmlns:a="http://schemas.openxmlformats.org/drawingml/2006/main" xmlns:r="http://schemas.openxmlformats.org/officeDocument/2006/relationships" xmlns:p="http://schemas.openxmlformats.org/presentationml/2006/main">
+<p:sld xmlns:a="http://schemas.openxmlformats.org/drawingml/2006/main" xmlns:r="http://schemas.openxmlformats.org/officeDocument/2006/relationships" xmlns:p="http://schemas.openxmlformats.org/presentationml/2006/main" showMasterSp="0">
   <p:cSld>
     <p:spTree>
       <p:nvGrpSpPr>
@@ -45661,7 +41558,7 @@
 </file>
 
 <file path=ppt/slides/slide31.xml><?xml version="1.0" encoding="utf-8"?>
-<p:sld xmlns:a="http://schemas.openxmlformats.org/drawingml/2006/main" xmlns:r="http://schemas.openxmlformats.org/officeDocument/2006/relationships" xmlns:p="http://schemas.openxmlformats.org/presentationml/2006/main">
+<p:sld xmlns:a="http://schemas.openxmlformats.org/drawingml/2006/main" xmlns:r="http://schemas.openxmlformats.org/officeDocument/2006/relationships" xmlns:p="http://schemas.openxmlformats.org/presentationml/2006/main" showMasterSp="0">
   <p:cSld>
     <p:spTree>
       <p:nvGrpSpPr>
@@ -45793,7 +41690,7 @@
       </p:sp>
       <p:grpSp>
         <p:nvGrpSpPr>
-          <p:cNvPr id="40963" name="Group 65"/>
+          <p:cNvPr id="40964" name="Group 62"/>
           <p:cNvGrpSpPr>
             <a:grpSpLocks/>
           </p:cNvGrpSpPr>
@@ -45802,14 +41699,236 @@
         <p:grpSpPr bwMode="auto">
           <a:xfrm>
             <a:off x="849313" y="1809750"/>
-            <a:ext cx="7947025" cy="4152900"/>
+            <a:ext cx="4951413" cy="4152900"/>
             <a:chOff x="0" y="0"/>
-            <a:chExt cx="5006" cy="2616"/>
+            <a:chExt cx="3119" cy="2616"/>
           </a:xfrm>
         </p:grpSpPr>
+        <p:sp>
+          <p:nvSpPr>
+            <p:cNvPr id="40965" name="Text Box 6"/>
+            <p:cNvSpPr>
+              <a:spLocks noChangeArrowheads="1"/>
+            </p:cNvSpPr>
+            <p:nvPr/>
+          </p:nvSpPr>
+          <p:spPr bwMode="auto">
+            <a:xfrm>
+              <a:off x="24" y="159"/>
+              <a:ext cx="1354" cy="1002"/>
+            </a:xfrm>
+            <a:prstGeom prst="rect">
+              <a:avLst/>
+            </a:prstGeom>
+            <a:solidFill>
+              <a:srgbClr val="EBFFFF"/>
+            </a:solidFill>
+            <a:ln w="38100" cmpd="sng">
+              <a:solidFill>
+                <a:srgbClr val="339966"/>
+              </a:solidFill>
+              <a:miter lim="800000"/>
+              <a:headEnd/>
+              <a:tailEnd/>
+            </a:ln>
+          </p:spPr>
+          <p:txBody>
+            <a:bodyPr wrap="none" lIns="90000" tIns="46800" rIns="90000" bIns="46800" anchor="ctr">
+              <a:spAutoFit/>
+            </a:bodyPr>
+            <a:lstStyle/>
+            <a:p>
+              <a:pPr algn="l"/>
+              <a:r>
+                <a:rPr lang="en-US">
+                  <a:solidFill>
+                    <a:srgbClr val="FF0000"/>
+                  </a:solidFill>
+                  <a:sym typeface="Tahoma" pitchFamily="34" charset="0"/>
+                </a:rPr>
+                <a:t>struct </a:t>
+              </a:r>
+              <a:r>
+                <a:rPr lang="en-US">
+                  <a:solidFill>
+                    <a:srgbClr val="545472"/>
+                  </a:solidFill>
+                  <a:sym typeface="Tahoma" pitchFamily="34" charset="0"/>
+                </a:rPr>
+                <a:t>  node</a:t>
+              </a:r>
+              <a:endParaRPr lang="zh-CN" altLang="en-US">
+                <a:solidFill>
+                  <a:srgbClr val="545472"/>
+                </a:solidFill>
+                <a:sym typeface="Tahoma" pitchFamily="34" charset="0"/>
+              </a:endParaRPr>
+            </a:p>
+            <a:p>
+              <a:pPr algn="l"/>
+              <a:r>
+                <a:rPr lang="en-US">
+                  <a:solidFill>
+                    <a:srgbClr val="545472"/>
+                  </a:solidFill>
+                  <a:sym typeface="Tahoma" pitchFamily="34" charset="0"/>
+                </a:rPr>
+                <a:t>{     char  ch[2];</a:t>
+              </a:r>
+              <a:endParaRPr lang="zh-CN" altLang="en-US">
+                <a:solidFill>
+                  <a:srgbClr val="545472"/>
+                </a:solidFill>
+                <a:sym typeface="Tahoma" pitchFamily="34" charset="0"/>
+              </a:endParaRPr>
+            </a:p>
+            <a:p>
+              <a:pPr algn="l"/>
+              <a:r>
+                <a:rPr lang="en-US">
+                  <a:solidFill>
+                    <a:srgbClr val="545472"/>
+                  </a:solidFill>
+                  <a:sym typeface="Tahoma" pitchFamily="34" charset="0"/>
+                </a:rPr>
+                <a:t>       int    k;</a:t>
+              </a:r>
+              <a:endParaRPr lang="zh-CN" altLang="en-US">
+                <a:solidFill>
+                  <a:srgbClr val="545472"/>
+                </a:solidFill>
+                <a:sym typeface="Tahoma" pitchFamily="34" charset="0"/>
+              </a:endParaRPr>
+            </a:p>
+            <a:p>
+              <a:pPr algn="l"/>
+              <a:r>
+                <a:rPr lang="en-US">
+                  <a:solidFill>
+                    <a:srgbClr val="545472"/>
+                  </a:solidFill>
+                  <a:sym typeface="Tahoma" pitchFamily="34" charset="0"/>
+                </a:rPr>
+                <a:t>}a;</a:t>
+              </a:r>
+              <a:endParaRPr lang="zh-CN" altLang="en-US"/>
+            </a:p>
+          </p:txBody>
+        </p:sp>
+        <p:sp>
+          <p:nvSpPr>
+            <p:cNvPr id="40966" name="Text Box 7"/>
+            <p:cNvSpPr>
+              <a:spLocks noChangeArrowheads="1"/>
+            </p:cNvSpPr>
+            <p:nvPr/>
+          </p:nvSpPr>
+          <p:spPr bwMode="auto">
+            <a:xfrm>
+              <a:off x="0" y="1443"/>
+              <a:ext cx="1354" cy="1002"/>
+            </a:xfrm>
+            <a:prstGeom prst="rect">
+              <a:avLst/>
+            </a:prstGeom>
+            <a:solidFill>
+              <a:srgbClr val="EBFFFF"/>
+            </a:solidFill>
+            <a:ln w="38100" cmpd="sng">
+              <a:solidFill>
+                <a:srgbClr val="339966"/>
+              </a:solidFill>
+              <a:miter lim="800000"/>
+              <a:headEnd/>
+              <a:tailEnd/>
+            </a:ln>
+          </p:spPr>
+          <p:txBody>
+            <a:bodyPr wrap="none" lIns="90000" tIns="46800" rIns="90000" bIns="46800" anchor="ctr">
+              <a:spAutoFit/>
+            </a:bodyPr>
+            <a:lstStyle/>
+            <a:p>
+              <a:pPr algn="l"/>
+              <a:r>
+                <a:rPr lang="en-US">
+                  <a:solidFill>
+                    <a:srgbClr val="FF0000"/>
+                  </a:solidFill>
+                  <a:sym typeface="Tahoma" pitchFamily="34" charset="0"/>
+                </a:rPr>
+                <a:t>union</a:t>
+              </a:r>
+              <a:r>
+                <a:rPr lang="en-US">
+                  <a:solidFill>
+                    <a:srgbClr val="545472"/>
+                  </a:solidFill>
+                  <a:sym typeface="Tahoma" pitchFamily="34" charset="0"/>
+                </a:rPr>
+                <a:t>   node</a:t>
+              </a:r>
+              <a:endParaRPr lang="zh-CN" altLang="en-US">
+                <a:solidFill>
+                  <a:srgbClr val="545472"/>
+                </a:solidFill>
+                <a:sym typeface="Tahoma" pitchFamily="34" charset="0"/>
+              </a:endParaRPr>
+            </a:p>
+            <a:p>
+              <a:pPr algn="l"/>
+              <a:r>
+                <a:rPr lang="en-US">
+                  <a:solidFill>
+                    <a:srgbClr val="545472"/>
+                  </a:solidFill>
+                  <a:sym typeface="Tahoma" pitchFamily="34" charset="0"/>
+                </a:rPr>
+                <a:t>{     char  ch[2];</a:t>
+              </a:r>
+              <a:endParaRPr lang="zh-CN" altLang="en-US">
+                <a:solidFill>
+                  <a:srgbClr val="545472"/>
+                </a:solidFill>
+                <a:sym typeface="Tahoma" pitchFamily="34" charset="0"/>
+              </a:endParaRPr>
+            </a:p>
+            <a:p>
+              <a:pPr algn="l"/>
+              <a:r>
+                <a:rPr lang="en-US">
+                  <a:solidFill>
+                    <a:srgbClr val="545472"/>
+                  </a:solidFill>
+                  <a:sym typeface="Tahoma" pitchFamily="34" charset="0"/>
+                </a:rPr>
+                <a:t>       int    k;</a:t>
+              </a:r>
+              <a:endParaRPr lang="zh-CN" altLang="en-US">
+                <a:solidFill>
+                  <a:srgbClr val="545472"/>
+                </a:solidFill>
+                <a:sym typeface="Tahoma" pitchFamily="34" charset="0"/>
+              </a:endParaRPr>
+            </a:p>
+            <a:p>
+              <a:pPr algn="l"/>
+              <a:r>
+                <a:rPr lang="en-US">
+                  <a:solidFill>
+                    <a:srgbClr val="545472"/>
+                  </a:solidFill>
+                  <a:sym typeface="Tahoma" pitchFamily="34" charset="0"/>
+                </a:rPr>
+                <a:t>}b;</a:t>
+              </a:r>
+              <a:endParaRPr lang="zh-CN" altLang="en-US"/>
+            </a:p>
+          </p:txBody>
+        </p:sp>
         <p:grpSp>
           <p:nvGrpSpPr>
-            <p:cNvPr id="40964" name="Group 62"/>
+            <p:cNvPr id="40967" name="Group 59"/>
             <p:cNvGrpSpPr>
               <a:grpSpLocks/>
             </p:cNvGrpSpPr>
@@ -45817,1339 +41936,37 @@
           </p:nvGrpSpPr>
           <p:grpSpPr bwMode="auto">
             <a:xfrm>
-              <a:off x="0" y="0"/>
-              <a:ext cx="3119" cy="2616"/>
+              <a:off x="1873" y="0"/>
+              <a:ext cx="1246" cy="1320"/>
               <a:chOff x="0" y="0"/>
-              <a:chExt cx="3119" cy="2616"/>
+              <a:chExt cx="1246" cy="1320"/>
             </a:xfrm>
           </p:grpSpPr>
           <p:sp>
             <p:nvSpPr>
-              <p:cNvPr id="40965" name="Text Box 6"/>
+              <p:cNvPr id="40968" name="AutoShape 9"/>
               <p:cNvSpPr>
-                <a:spLocks noChangeArrowheads="1"/>
+                <a:spLocks/>
               </p:cNvSpPr>
               <p:nvPr/>
             </p:nvSpPr>
             <p:spPr bwMode="auto">
               <a:xfrm>
-                <a:off x="24" y="159"/>
-                <a:ext cx="1354" cy="1002"/>
+                <a:off x="972" y="306"/>
+                <a:ext cx="88" cy="558"/>
               </a:xfrm>
-              <a:prstGeom prst="rect">
-                <a:avLst/>
-              </a:prstGeom>
-              <a:solidFill>
-                <a:srgbClr val="EBFFFF"/>
-              </a:solidFill>
-              <a:ln w="38100" cmpd="sng">
-                <a:solidFill>
-                  <a:srgbClr val="339966"/>
-                </a:solidFill>
-                <a:miter lim="800000"/>
-                <a:headEnd/>
-                <a:tailEnd/>
-              </a:ln>
-            </p:spPr>
-            <p:txBody>
-              <a:bodyPr wrap="none" lIns="90000" tIns="46800" rIns="90000" bIns="46800" anchor="ctr">
-                <a:spAutoFit/>
-              </a:bodyPr>
-              <a:lstStyle/>
-              <a:p>
-                <a:pPr algn="l"/>
-                <a:r>
-                  <a:rPr lang="en-US">
-                    <a:solidFill>
-                      <a:srgbClr val="FF0000"/>
-                    </a:solidFill>
-                    <a:sym typeface="Tahoma" pitchFamily="34" charset="0"/>
-                  </a:rPr>
-                  <a:t>struct </a:t>
-                </a:r>
-                <a:r>
-                  <a:rPr lang="en-US">
-                    <a:solidFill>
-                      <a:srgbClr val="545472"/>
-                    </a:solidFill>
-                    <a:sym typeface="Tahoma" pitchFamily="34" charset="0"/>
-                  </a:rPr>
-                  <a:t>  node</a:t>
-                </a:r>
-                <a:endParaRPr lang="zh-CN" altLang="en-US">
-                  <a:solidFill>
-                    <a:srgbClr val="545472"/>
-                  </a:solidFill>
-                  <a:sym typeface="Tahoma" pitchFamily="34" charset="0"/>
-                </a:endParaRPr>
-              </a:p>
-              <a:p>
-                <a:pPr algn="l"/>
-                <a:r>
-                  <a:rPr lang="en-US">
-                    <a:solidFill>
-                      <a:srgbClr val="545472"/>
-                    </a:solidFill>
-                    <a:sym typeface="Tahoma" pitchFamily="34" charset="0"/>
-                  </a:rPr>
-                  <a:t>{     char  ch[2];</a:t>
-                </a:r>
-                <a:endParaRPr lang="zh-CN" altLang="en-US">
-                  <a:solidFill>
-                    <a:srgbClr val="545472"/>
-                  </a:solidFill>
-                  <a:sym typeface="Tahoma" pitchFamily="34" charset="0"/>
-                </a:endParaRPr>
-              </a:p>
-              <a:p>
-                <a:pPr algn="l"/>
-                <a:r>
-                  <a:rPr lang="en-US">
-                    <a:solidFill>
-                      <a:srgbClr val="545472"/>
-                    </a:solidFill>
-                    <a:sym typeface="Tahoma" pitchFamily="34" charset="0"/>
-                  </a:rPr>
-                  <a:t>       int    k;</a:t>
-                </a:r>
-                <a:endParaRPr lang="zh-CN" altLang="en-US">
-                  <a:solidFill>
-                    <a:srgbClr val="545472"/>
-                  </a:solidFill>
-                  <a:sym typeface="Tahoma" pitchFamily="34" charset="0"/>
-                </a:endParaRPr>
-              </a:p>
-              <a:p>
-                <a:pPr algn="l"/>
-                <a:r>
-                  <a:rPr lang="en-US">
-                    <a:solidFill>
-                      <a:srgbClr val="545472"/>
-                    </a:solidFill>
-                    <a:sym typeface="Tahoma" pitchFamily="34" charset="0"/>
-                  </a:rPr>
-                  <a:t>}a;</a:t>
-                </a:r>
-                <a:endParaRPr lang="zh-CN" altLang="en-US"/>
-              </a:p>
-            </p:txBody>
-          </p:sp>
-          <p:sp>
-            <p:nvSpPr>
-              <p:cNvPr id="40966" name="Text Box 7"/>
-              <p:cNvSpPr>
-                <a:spLocks noChangeArrowheads="1"/>
-              </p:cNvSpPr>
-              <p:nvPr/>
-            </p:nvSpPr>
-            <p:spPr bwMode="auto">
-              <a:xfrm>
-                <a:off x="0" y="1443"/>
-                <a:ext cx="1354" cy="1002"/>
-              </a:xfrm>
-              <a:prstGeom prst="rect">
-                <a:avLst/>
-              </a:prstGeom>
-              <a:solidFill>
-                <a:srgbClr val="EBFFFF"/>
-              </a:solidFill>
-              <a:ln w="38100" cmpd="sng">
-                <a:solidFill>
-                  <a:srgbClr val="339966"/>
-                </a:solidFill>
-                <a:miter lim="800000"/>
-                <a:headEnd/>
-                <a:tailEnd/>
-              </a:ln>
-            </p:spPr>
-            <p:txBody>
-              <a:bodyPr wrap="none" lIns="90000" tIns="46800" rIns="90000" bIns="46800" anchor="ctr">
-                <a:spAutoFit/>
-              </a:bodyPr>
-              <a:lstStyle/>
-              <a:p>
-                <a:pPr algn="l"/>
-                <a:r>
-                  <a:rPr lang="en-US">
-                    <a:solidFill>
-                      <a:srgbClr val="FF0000"/>
-                    </a:solidFill>
-                    <a:sym typeface="Tahoma" pitchFamily="34" charset="0"/>
-                  </a:rPr>
-                  <a:t>union</a:t>
-                </a:r>
-                <a:r>
-                  <a:rPr lang="en-US">
-                    <a:solidFill>
-                      <a:srgbClr val="545472"/>
-                    </a:solidFill>
-                    <a:sym typeface="Tahoma" pitchFamily="34" charset="0"/>
-                  </a:rPr>
-                  <a:t>   node</a:t>
-                </a:r>
-                <a:endParaRPr lang="zh-CN" altLang="en-US">
-                  <a:solidFill>
-                    <a:srgbClr val="545472"/>
-                  </a:solidFill>
-                  <a:sym typeface="Tahoma" pitchFamily="34" charset="0"/>
-                </a:endParaRPr>
-              </a:p>
-              <a:p>
-                <a:pPr algn="l"/>
-                <a:r>
-                  <a:rPr lang="en-US">
-                    <a:solidFill>
-                      <a:srgbClr val="545472"/>
-                    </a:solidFill>
-                    <a:sym typeface="Tahoma" pitchFamily="34" charset="0"/>
-                  </a:rPr>
-                  <a:t>{     char  ch[2];</a:t>
-                </a:r>
-                <a:endParaRPr lang="zh-CN" altLang="en-US">
-                  <a:solidFill>
-                    <a:srgbClr val="545472"/>
-                  </a:solidFill>
-                  <a:sym typeface="Tahoma" pitchFamily="34" charset="0"/>
-                </a:endParaRPr>
-              </a:p>
-              <a:p>
-                <a:pPr algn="l"/>
-                <a:r>
-                  <a:rPr lang="en-US">
-                    <a:solidFill>
-                      <a:srgbClr val="545472"/>
-                    </a:solidFill>
-                    <a:sym typeface="Tahoma" pitchFamily="34" charset="0"/>
-                  </a:rPr>
-                  <a:t>       int    k;</a:t>
-                </a:r>
-                <a:endParaRPr lang="zh-CN" altLang="en-US">
-                  <a:solidFill>
-                    <a:srgbClr val="545472"/>
-                  </a:solidFill>
-                  <a:sym typeface="Tahoma" pitchFamily="34" charset="0"/>
-                </a:endParaRPr>
-              </a:p>
-              <a:p>
-                <a:pPr algn="l"/>
-                <a:r>
-                  <a:rPr lang="en-US">
-                    <a:solidFill>
-                      <a:srgbClr val="545472"/>
-                    </a:solidFill>
-                    <a:sym typeface="Tahoma" pitchFamily="34" charset="0"/>
-                  </a:rPr>
-                  <a:t>}b;</a:t>
-                </a:r>
-                <a:endParaRPr lang="zh-CN" altLang="en-US"/>
-              </a:p>
-            </p:txBody>
-          </p:sp>
-          <p:grpSp>
-            <p:nvGrpSpPr>
-              <p:cNvPr id="40967" name="Group 59"/>
-              <p:cNvGrpSpPr>
-                <a:grpSpLocks/>
-              </p:cNvGrpSpPr>
-              <p:nvPr/>
-            </p:nvGrpSpPr>
-            <p:grpSpPr bwMode="auto">
-              <a:xfrm>
-                <a:off x="1873" y="0"/>
-                <a:ext cx="1246" cy="1320"/>
-                <a:chOff x="0" y="0"/>
-                <a:chExt cx="1246" cy="1320"/>
-              </a:xfrm>
-            </p:grpSpPr>
-            <p:sp>
-              <p:nvSpPr>
-                <p:cNvPr id="40968" name="AutoShape 9"/>
-                <p:cNvSpPr>
-                  <a:spLocks/>
-                </p:cNvSpPr>
-                <p:nvPr/>
-              </p:nvSpPr>
-              <p:spPr bwMode="auto">
-                <a:xfrm>
-                  <a:off x="972" y="306"/>
-                  <a:ext cx="88" cy="558"/>
-                </a:xfrm>
-                <a:prstGeom prst="rightBrace">
-                  <a:avLst>
-                    <a:gd name="adj1" fmla="val 52841"/>
-                    <a:gd name="adj2" fmla="val 50000"/>
-                  </a:avLst>
-                </a:prstGeom>
-                <a:noFill/>
-                <a:ln w="12700" cmpd="sng">
-                  <a:solidFill>
-                    <a:schemeClr val="tx2"/>
-                  </a:solidFill>
-                  <a:round/>
-                  <a:headEnd/>
-                  <a:tailEnd/>
-                </a:ln>
-                <a:extLst>
-                  <a:ext uri="{909E8E84-426E-40DD-AFC4-6F175D3DCCD1}">
-                    <a14:hiddenFill xmlns:a14="http://schemas.microsoft.com/office/drawing/2010/main">
-                      <a:solidFill>
-                        <a:srgbClr val="FFFFFF"/>
-                      </a:solidFill>
-                    </a14:hiddenFill>
-                  </a:ext>
-                </a:extLst>
-              </p:spPr>
-              <p:txBody>
-                <a:bodyPr wrap="none" lIns="90000" tIns="46800" rIns="90000" bIns="46800" anchor="ctr"/>
-                <a:lstStyle/>
-                <a:p>
-                  <a:pPr algn="l"/>
-                  <a:endParaRPr lang="zh-CN" altLang="zh-CN">
-                    <a:solidFill>
-                      <a:srgbClr val="545472"/>
-                    </a:solidFill>
-                    <a:sym typeface="Tahoma" pitchFamily="34" charset="0"/>
-                  </a:endParaRPr>
-                </a:p>
-              </p:txBody>
-            </p:sp>
-            <p:sp>
-              <p:nvSpPr>
-                <p:cNvPr id="40969" name="Text Box 10"/>
-                <p:cNvSpPr>
-                  <a:spLocks noChangeArrowheads="1"/>
-                </p:cNvSpPr>
-                <p:nvPr/>
-              </p:nvSpPr>
-              <p:spPr bwMode="auto">
-                <a:xfrm>
-                  <a:off x="1047" y="425"/>
-                  <a:ext cx="199" cy="288"/>
-                </a:xfrm>
-                <a:prstGeom prst="rect">
-                  <a:avLst/>
-                </a:prstGeom>
-                <a:noFill/>
-                <a:ln>
-                  <a:noFill/>
-                </a:ln>
-                <a:extLst>
-                  <a:ext uri="{909E8E84-426E-40DD-AFC4-6F175D3DCCD1}">
-                    <a14:hiddenFill xmlns:a14="http://schemas.microsoft.com/office/drawing/2010/main">
-                      <a:solidFill>
-                        <a:srgbClr val="FFFFFF"/>
-                      </a:solidFill>
-                    </a14:hiddenFill>
-                  </a:ext>
-                  <a:ext uri="{91240B29-F687-4F45-9708-019B960494DF}">
-                    <a14:hiddenLine xmlns:a14="http://schemas.microsoft.com/office/drawing/2010/main" w="9525">
-                      <a:solidFill>
-                        <a:srgbClr val="000000"/>
-                      </a:solidFill>
-                      <a:miter lim="800000"/>
-                      <a:headEnd/>
-                      <a:tailEnd/>
-                    </a14:hiddenLine>
-                  </a:ext>
-                </a:extLst>
-              </p:spPr>
-              <p:txBody>
-                <a:bodyPr wrap="none" lIns="90000" tIns="46800" rIns="90000" bIns="46800" anchor="ctr"/>
-                <a:lstStyle/>
-                <a:p>
-                  <a:pPr algn="l"/>
-                  <a:r>
-                    <a:rPr lang="en-US">
-                      <a:solidFill>
-                        <a:srgbClr val="545472"/>
-                      </a:solidFill>
-                      <a:sym typeface="Tahoma" pitchFamily="34" charset="0"/>
-                    </a:rPr>
-                    <a:t>a</a:t>
-                  </a:r>
-                  <a:endParaRPr lang="zh-CN" altLang="en-US"/>
-                </a:p>
-              </p:txBody>
-            </p:sp>
-            <p:sp>
-              <p:nvSpPr>
-                <p:cNvPr id="40970" name="AutoShape 11"/>
-                <p:cNvSpPr>
-                  <a:spLocks noChangeArrowheads="1"/>
-                </p:cNvSpPr>
-                <p:nvPr/>
-              </p:nvSpPr>
-              <p:spPr bwMode="auto">
-                <a:xfrm>
-                  <a:off x="12" y="0"/>
-                  <a:ext cx="960" cy="1320"/>
-                </a:xfrm>
-                <a:prstGeom prst="foldedCorner">
-                  <a:avLst>
-                    <a:gd name="adj" fmla="val 12500"/>
-                  </a:avLst>
-                </a:prstGeom>
-                <a:solidFill>
-                  <a:schemeClr val="bg1"/>
-                </a:solidFill>
-                <a:ln w="38100" cmpd="sng">
-                  <a:solidFill>
-                    <a:schemeClr val="tx1"/>
-                  </a:solidFill>
-                  <a:round/>
-                  <a:headEnd/>
-                  <a:tailEnd/>
-                </a:ln>
-              </p:spPr>
-              <p:txBody>
-                <a:bodyPr wrap="none" lIns="90000" tIns="46800" rIns="90000" bIns="46800" anchor="ctr"/>
-                <a:lstStyle/>
-                <a:p>
-                  <a:pPr algn="l"/>
-                  <a:endParaRPr lang="zh-CN" altLang="zh-CN" sz="2000">
-                    <a:solidFill>
-                      <a:srgbClr val="545472"/>
-                    </a:solidFill>
-                    <a:sym typeface="Tahoma" pitchFamily="34" charset="0"/>
-                  </a:endParaRPr>
-                </a:p>
-              </p:txBody>
-            </p:sp>
-            <p:sp>
-              <p:nvSpPr>
-                <p:cNvPr id="40971" name="Line 12"/>
-                <p:cNvSpPr>
-                  <a:spLocks noChangeShapeType="1"/>
-                </p:cNvSpPr>
-                <p:nvPr/>
-              </p:nvSpPr>
-              <p:spPr bwMode="auto">
-                <a:xfrm>
-                  <a:off x="12" y="306"/>
-                  <a:ext cx="960" cy="1"/>
-                </a:xfrm>
-                <a:prstGeom prst="line">
-                  <a:avLst/>
-                </a:prstGeom>
-                <a:noFill/>
-                <a:ln w="38100" cmpd="sng">
-                  <a:solidFill>
-                    <a:schemeClr val="tx2"/>
-                  </a:solidFill>
-                  <a:round/>
-                  <a:headEnd/>
-                  <a:tailEnd/>
-                </a:ln>
-                <a:extLst>
-                  <a:ext uri="{909E8E84-426E-40DD-AFC4-6F175D3DCCD1}">
-                    <a14:hiddenFill xmlns:a14="http://schemas.microsoft.com/office/drawing/2010/main">
-                      <a:noFill/>
-                    </a14:hiddenFill>
-                  </a:ext>
-                </a:extLst>
-              </p:spPr>
-              <p:txBody>
-                <a:bodyPr wrap="none" lIns="90000" tIns="46800" rIns="90000" bIns="46800" anchor="ctr"/>
-                <a:lstStyle/>
-                <a:p>
-                  <a:endParaRPr lang="zh-CN" altLang="zh-CN">
-                    <a:solidFill>
-                      <a:srgbClr val="545472"/>
-                    </a:solidFill>
-                    <a:sym typeface="Tahoma" pitchFamily="34" charset="0"/>
-                  </a:endParaRPr>
-                </a:p>
-              </p:txBody>
-            </p:sp>
-            <p:sp>
-              <p:nvSpPr>
-                <p:cNvPr id="40972" name="Line 13"/>
-                <p:cNvSpPr>
-                  <a:spLocks noChangeShapeType="1"/>
-                </p:cNvSpPr>
-                <p:nvPr/>
-              </p:nvSpPr>
-              <p:spPr bwMode="auto">
-                <a:xfrm>
-                  <a:off x="0" y="590"/>
-                  <a:ext cx="960" cy="1"/>
-                </a:xfrm>
-                <a:prstGeom prst="line">
-                  <a:avLst/>
-                </a:prstGeom>
-                <a:noFill/>
-                <a:ln w="19050" cmpd="sng">
-                  <a:solidFill>
-                    <a:schemeClr val="tx1"/>
-                  </a:solidFill>
-                  <a:round/>
-                  <a:headEnd/>
-                  <a:tailEnd/>
-                </a:ln>
-                <a:extLst>
-                  <a:ext uri="{909E8E84-426E-40DD-AFC4-6F175D3DCCD1}">
-                    <a14:hiddenFill xmlns:a14="http://schemas.microsoft.com/office/drawing/2010/main">
-                      <a:noFill/>
-                    </a14:hiddenFill>
-                  </a:ext>
-                </a:extLst>
-              </p:spPr>
-              <p:txBody>
-                <a:bodyPr wrap="none" lIns="90000" tIns="46800" rIns="90000" bIns="46800" anchor="ctr"/>
-                <a:lstStyle/>
-                <a:p>
-                  <a:endParaRPr lang="zh-CN" altLang="zh-CN">
-                    <a:solidFill>
-                      <a:srgbClr val="545472"/>
-                    </a:solidFill>
-                    <a:sym typeface="Tahoma" pitchFamily="34" charset="0"/>
-                  </a:endParaRPr>
-                </a:p>
-              </p:txBody>
-            </p:sp>
-            <p:sp>
-              <p:nvSpPr>
-                <p:cNvPr id="40973" name="Line 15"/>
-                <p:cNvSpPr>
-                  <a:spLocks noChangeShapeType="1"/>
-                </p:cNvSpPr>
-                <p:nvPr/>
-              </p:nvSpPr>
-              <p:spPr bwMode="auto">
-                <a:xfrm>
-                  <a:off x="4" y="864"/>
-                  <a:ext cx="960" cy="1"/>
-                </a:xfrm>
-                <a:prstGeom prst="line">
-                  <a:avLst/>
-                </a:prstGeom>
-                <a:noFill/>
-                <a:ln w="38100" cmpd="sng">
-                  <a:solidFill>
-                    <a:schemeClr val="tx2"/>
-                  </a:solidFill>
-                  <a:round/>
-                  <a:headEnd/>
-                  <a:tailEnd/>
-                </a:ln>
-                <a:extLst>
-                  <a:ext uri="{909E8E84-426E-40DD-AFC4-6F175D3DCCD1}">
-                    <a14:hiddenFill xmlns:a14="http://schemas.microsoft.com/office/drawing/2010/main">
-                      <a:noFill/>
-                    </a14:hiddenFill>
-                  </a:ext>
-                </a:extLst>
-              </p:spPr>
-              <p:txBody>
-                <a:bodyPr wrap="none" lIns="90000" tIns="46800" rIns="90000" bIns="46800" anchor="ctr"/>
-                <a:lstStyle/>
-                <a:p>
-                  <a:endParaRPr lang="zh-CN" altLang="zh-CN">
-                    <a:solidFill>
-                      <a:srgbClr val="545472"/>
-                    </a:solidFill>
-                    <a:sym typeface="Tahoma" pitchFamily="34" charset="0"/>
-                  </a:endParaRPr>
-                </a:p>
-              </p:txBody>
-            </p:sp>
-            <p:sp>
-              <p:nvSpPr>
-                <p:cNvPr id="40974" name="Line 21"/>
-                <p:cNvSpPr>
-                  <a:spLocks noChangeShapeType="1"/>
-                </p:cNvSpPr>
-                <p:nvPr/>
-              </p:nvSpPr>
-              <p:spPr bwMode="auto">
-                <a:xfrm>
-                  <a:off x="28" y="456"/>
-                  <a:ext cx="60" cy="1"/>
-                </a:xfrm>
-                <a:prstGeom prst="line">
-                  <a:avLst/>
-                </a:prstGeom>
-                <a:noFill/>
-                <a:ln w="38100" cmpd="sng">
-                  <a:solidFill>
-                    <a:schemeClr val="tx1"/>
-                  </a:solidFill>
-                  <a:round/>
-                  <a:headEnd/>
-                  <a:tailEnd/>
-                </a:ln>
-                <a:extLst>
-                  <a:ext uri="{909E8E84-426E-40DD-AFC4-6F175D3DCCD1}">
-                    <a14:hiddenFill xmlns:a14="http://schemas.microsoft.com/office/drawing/2010/main">
-                      <a:noFill/>
-                    </a14:hiddenFill>
-                  </a:ext>
-                </a:extLst>
-              </p:spPr>
-              <p:txBody>
-                <a:bodyPr wrap="none" lIns="90000" tIns="46800" rIns="90000" bIns="46800" anchor="ctr"/>
-                <a:lstStyle/>
-                <a:p>
-                  <a:endParaRPr lang="zh-CN" altLang="zh-CN">
-                    <a:solidFill>
-                      <a:srgbClr val="545472"/>
-                    </a:solidFill>
-                    <a:sym typeface="Tahoma" pitchFamily="34" charset="0"/>
-                  </a:endParaRPr>
-                </a:p>
-              </p:txBody>
-            </p:sp>
-            <p:sp>
-              <p:nvSpPr>
-                <p:cNvPr id="40975" name="Line 22"/>
-                <p:cNvSpPr>
-                  <a:spLocks noChangeShapeType="1"/>
-                </p:cNvSpPr>
-                <p:nvPr/>
-              </p:nvSpPr>
-              <p:spPr bwMode="auto">
-                <a:xfrm>
-                  <a:off x="28" y="732"/>
-                  <a:ext cx="60" cy="1"/>
-                </a:xfrm>
-                <a:prstGeom prst="line">
-                  <a:avLst/>
-                </a:prstGeom>
-                <a:noFill/>
-                <a:ln w="38100" cmpd="sng">
-                  <a:solidFill>
-                    <a:schemeClr val="tx1"/>
-                  </a:solidFill>
-                  <a:round/>
-                  <a:headEnd/>
-                  <a:tailEnd/>
-                </a:ln>
-                <a:extLst>
-                  <a:ext uri="{909E8E84-426E-40DD-AFC4-6F175D3DCCD1}">
-                    <a14:hiddenFill xmlns:a14="http://schemas.microsoft.com/office/drawing/2010/main">
-                      <a:noFill/>
-                    </a14:hiddenFill>
-                  </a:ext>
-                </a:extLst>
-              </p:spPr>
-              <p:txBody>
-                <a:bodyPr wrap="none" lIns="90000" tIns="46800" rIns="90000" bIns="46800" anchor="ctr"/>
-                <a:lstStyle/>
-                <a:p>
-                  <a:endParaRPr lang="zh-CN" altLang="zh-CN">
-                    <a:solidFill>
-                      <a:srgbClr val="545472"/>
-                    </a:solidFill>
-                    <a:sym typeface="Tahoma" pitchFamily="34" charset="0"/>
-                  </a:endParaRPr>
-                </a:p>
-              </p:txBody>
-            </p:sp>
-            <p:sp>
-              <p:nvSpPr>
-                <p:cNvPr id="40976" name="Line 23"/>
-                <p:cNvSpPr>
-                  <a:spLocks noChangeShapeType="1"/>
-                </p:cNvSpPr>
-                <p:nvPr/>
-              </p:nvSpPr>
-              <p:spPr bwMode="auto">
-                <a:xfrm>
-                  <a:off x="904" y="456"/>
-                  <a:ext cx="60" cy="1"/>
-                </a:xfrm>
-                <a:prstGeom prst="line">
-                  <a:avLst/>
-                </a:prstGeom>
-                <a:noFill/>
-                <a:ln w="38100" cmpd="sng">
-                  <a:solidFill>
-                    <a:schemeClr val="tx1"/>
-                  </a:solidFill>
-                  <a:round/>
-                  <a:headEnd/>
-                  <a:tailEnd/>
-                </a:ln>
-                <a:extLst>
-                  <a:ext uri="{909E8E84-426E-40DD-AFC4-6F175D3DCCD1}">
-                    <a14:hiddenFill xmlns:a14="http://schemas.microsoft.com/office/drawing/2010/main">
-                      <a:noFill/>
-                    </a14:hiddenFill>
-                  </a:ext>
-                </a:extLst>
-              </p:spPr>
-              <p:txBody>
-                <a:bodyPr wrap="none" lIns="90000" tIns="46800" rIns="90000" bIns="46800" anchor="ctr"/>
-                <a:lstStyle/>
-                <a:p>
-                  <a:endParaRPr lang="zh-CN" altLang="zh-CN">
-                    <a:solidFill>
-                      <a:srgbClr val="545472"/>
-                    </a:solidFill>
-                    <a:sym typeface="Tahoma" pitchFamily="34" charset="0"/>
-                  </a:endParaRPr>
-                </a:p>
-              </p:txBody>
-            </p:sp>
-            <p:sp>
-              <p:nvSpPr>
-                <p:cNvPr id="40977" name="Line 24"/>
-                <p:cNvSpPr>
-                  <a:spLocks noChangeShapeType="1"/>
-                </p:cNvSpPr>
-                <p:nvPr/>
-              </p:nvSpPr>
-              <p:spPr bwMode="auto">
-                <a:xfrm>
-                  <a:off x="904" y="732"/>
-                  <a:ext cx="60" cy="1"/>
-                </a:xfrm>
-                <a:prstGeom prst="line">
-                  <a:avLst/>
-                </a:prstGeom>
-                <a:noFill/>
-                <a:ln w="38100" cmpd="sng">
-                  <a:solidFill>
-                    <a:schemeClr val="tx1"/>
-                  </a:solidFill>
-                  <a:round/>
-                  <a:headEnd/>
-                  <a:tailEnd/>
-                </a:ln>
-                <a:extLst>
-                  <a:ext uri="{909E8E84-426E-40DD-AFC4-6F175D3DCCD1}">
-                    <a14:hiddenFill xmlns:a14="http://schemas.microsoft.com/office/drawing/2010/main">
-                      <a:noFill/>
-                    </a14:hiddenFill>
-                  </a:ext>
-                </a:extLst>
-              </p:spPr>
-              <p:txBody>
-                <a:bodyPr wrap="none" lIns="90000" tIns="46800" rIns="90000" bIns="46800" anchor="ctr"/>
-                <a:lstStyle/>
-                <a:p>
-                  <a:endParaRPr lang="zh-CN" altLang="zh-CN">
-                    <a:solidFill>
-                      <a:srgbClr val="545472"/>
-                    </a:solidFill>
-                    <a:sym typeface="Tahoma" pitchFamily="34" charset="0"/>
-                  </a:endParaRPr>
-                </a:p>
-              </p:txBody>
-            </p:sp>
-            <p:sp>
-              <p:nvSpPr>
-                <p:cNvPr id="40978" name="Text Box 26"/>
-                <p:cNvSpPr>
-                  <a:spLocks noChangeArrowheads="1"/>
-                </p:cNvSpPr>
-                <p:nvPr/>
-              </p:nvSpPr>
-              <p:spPr bwMode="auto">
-                <a:xfrm>
-                  <a:off x="349" y="324"/>
-                  <a:ext cx="295" cy="288"/>
-                </a:xfrm>
-                <a:prstGeom prst="rect">
-                  <a:avLst/>
-                </a:prstGeom>
-                <a:noFill/>
-                <a:ln>
-                  <a:noFill/>
-                </a:ln>
-                <a:extLst>
-                  <a:ext uri="{909E8E84-426E-40DD-AFC4-6F175D3DCCD1}">
-                    <a14:hiddenFill xmlns:a14="http://schemas.microsoft.com/office/drawing/2010/main">
-                      <a:solidFill>
-                        <a:srgbClr val="FFFFFF"/>
-                      </a:solidFill>
-                    </a14:hiddenFill>
-                  </a:ext>
-                  <a:ext uri="{91240B29-F687-4F45-9708-019B960494DF}">
-                    <a14:hiddenLine xmlns:a14="http://schemas.microsoft.com/office/drawing/2010/main" w="9525">
-                      <a:solidFill>
-                        <a:srgbClr val="000000"/>
-                      </a:solidFill>
-                      <a:miter lim="800000"/>
-                      <a:headEnd/>
-                      <a:tailEnd/>
-                    </a14:hiddenLine>
-                  </a:ext>
-                </a:extLst>
-              </p:spPr>
-              <p:txBody>
-                <a:bodyPr wrap="none" lIns="90000" tIns="46800" rIns="90000" bIns="46800" anchor="ctr"/>
-                <a:lstStyle/>
-                <a:p>
-                  <a:pPr algn="l"/>
-                  <a:r>
-                    <a:rPr lang="en-US">
-                      <a:solidFill>
-                        <a:srgbClr val="545472"/>
-                      </a:solidFill>
-                      <a:sym typeface="Tahoma" pitchFamily="34" charset="0"/>
-                    </a:rPr>
-                    <a:t>ch</a:t>
-                  </a:r>
-                  <a:endParaRPr lang="zh-CN" altLang="en-US"/>
-                </a:p>
-              </p:txBody>
-            </p:sp>
-            <p:sp>
-              <p:nvSpPr>
-                <p:cNvPr id="40979" name="Text Box 27"/>
-                <p:cNvSpPr>
-                  <a:spLocks noChangeArrowheads="1"/>
-                </p:cNvSpPr>
-                <p:nvPr/>
-              </p:nvSpPr>
-              <p:spPr bwMode="auto">
-                <a:xfrm>
-                  <a:off x="403" y="576"/>
-                  <a:ext cx="210" cy="288"/>
-                </a:xfrm>
-                <a:prstGeom prst="rect">
-                  <a:avLst/>
-                </a:prstGeom>
-                <a:noFill/>
-                <a:ln>
-                  <a:noFill/>
-                </a:ln>
-                <a:extLst>
-                  <a:ext uri="{909E8E84-426E-40DD-AFC4-6F175D3DCCD1}">
-                    <a14:hiddenFill xmlns:a14="http://schemas.microsoft.com/office/drawing/2010/main">
-                      <a:solidFill>
-                        <a:srgbClr val="FFFFFF"/>
-                      </a:solidFill>
-                    </a14:hiddenFill>
-                  </a:ext>
-                  <a:ext uri="{91240B29-F687-4F45-9708-019B960494DF}">
-                    <a14:hiddenLine xmlns:a14="http://schemas.microsoft.com/office/drawing/2010/main" w="9525">
-                      <a:solidFill>
-                        <a:srgbClr val="000000"/>
-                      </a:solidFill>
-                      <a:miter lim="800000"/>
-                      <a:headEnd/>
-                      <a:tailEnd/>
-                    </a14:hiddenLine>
-                  </a:ext>
-                </a:extLst>
-              </p:spPr>
-              <p:txBody>
-                <a:bodyPr wrap="none" lIns="90000" tIns="46800" rIns="90000" bIns="46800" anchor="ctr"/>
-                <a:lstStyle/>
-                <a:p>
-                  <a:pPr algn="l"/>
-                  <a:r>
-                    <a:rPr lang="en-US">
-                      <a:solidFill>
-                        <a:srgbClr val="545472"/>
-                      </a:solidFill>
-                      <a:sym typeface="Tahoma" pitchFamily="34" charset="0"/>
-                    </a:rPr>
-                    <a:t>k</a:t>
-                  </a:r>
-                  <a:endParaRPr lang="zh-CN" altLang="en-US"/>
-                </a:p>
-              </p:txBody>
-            </p:sp>
-          </p:grpSp>
-          <p:grpSp>
-            <p:nvGrpSpPr>
-              <p:cNvPr id="40980" name="Group 58"/>
-              <p:cNvGrpSpPr>
-                <a:grpSpLocks/>
-              </p:cNvGrpSpPr>
-              <p:nvPr/>
-            </p:nvGrpSpPr>
-            <p:grpSpPr bwMode="auto">
-              <a:xfrm>
-                <a:off x="1861" y="1440"/>
-                <a:ext cx="1258" cy="1176"/>
-                <a:chOff x="0" y="0"/>
-                <a:chExt cx="1258" cy="1176"/>
-              </a:xfrm>
-            </p:grpSpPr>
-            <p:sp>
-              <p:nvSpPr>
-                <p:cNvPr id="40981" name="AutoShape 43"/>
-                <p:cNvSpPr>
-                  <a:spLocks/>
-                </p:cNvSpPr>
-                <p:nvPr/>
-              </p:nvSpPr>
-              <p:spPr bwMode="auto">
-                <a:xfrm>
-                  <a:off x="960" y="306"/>
-                  <a:ext cx="95" cy="318"/>
-                </a:xfrm>
-                <a:prstGeom prst="rightBrace">
-                  <a:avLst>
-                    <a:gd name="adj1" fmla="val 27895"/>
-                    <a:gd name="adj2" fmla="val 50000"/>
-                  </a:avLst>
-                </a:prstGeom>
-                <a:noFill/>
-                <a:ln w="12700" cmpd="sng">
-                  <a:solidFill>
-                    <a:schemeClr val="tx2"/>
-                  </a:solidFill>
-                  <a:round/>
-                  <a:headEnd/>
-                  <a:tailEnd/>
-                </a:ln>
-                <a:extLst>
-                  <a:ext uri="{909E8E84-426E-40DD-AFC4-6F175D3DCCD1}">
-                    <a14:hiddenFill xmlns:a14="http://schemas.microsoft.com/office/drawing/2010/main">
-                      <a:solidFill>
-                        <a:srgbClr val="FFFFFF"/>
-                      </a:solidFill>
-                    </a14:hiddenFill>
-                  </a:ext>
-                </a:extLst>
-              </p:spPr>
-              <p:txBody>
-                <a:bodyPr wrap="none" lIns="90000" tIns="46800" rIns="90000" bIns="46800" anchor="ctr"/>
-                <a:lstStyle/>
-                <a:p>
-                  <a:pPr algn="l"/>
-                  <a:endParaRPr lang="zh-CN" altLang="zh-CN">
-                    <a:solidFill>
-                      <a:srgbClr val="545472"/>
-                    </a:solidFill>
-                    <a:sym typeface="Tahoma" pitchFamily="34" charset="0"/>
-                  </a:endParaRPr>
-                </a:p>
-              </p:txBody>
-            </p:sp>
-            <p:sp>
-              <p:nvSpPr>
-                <p:cNvPr id="40982" name="Text Box 44"/>
-                <p:cNvSpPr>
-                  <a:spLocks noChangeArrowheads="1"/>
-                </p:cNvSpPr>
-                <p:nvPr/>
-              </p:nvSpPr>
-              <p:spPr bwMode="auto">
-                <a:xfrm>
-                  <a:off x="1059" y="329"/>
-                  <a:ext cx="199" cy="288"/>
-                </a:xfrm>
-                <a:prstGeom prst="rect">
-                  <a:avLst/>
-                </a:prstGeom>
-                <a:noFill/>
-                <a:ln>
-                  <a:noFill/>
-                </a:ln>
-                <a:extLst>
-                  <a:ext uri="{909E8E84-426E-40DD-AFC4-6F175D3DCCD1}">
-                    <a14:hiddenFill xmlns:a14="http://schemas.microsoft.com/office/drawing/2010/main">
-                      <a:solidFill>
-                        <a:srgbClr val="FFFFFF"/>
-                      </a:solidFill>
-                    </a14:hiddenFill>
-                  </a:ext>
-                  <a:ext uri="{91240B29-F687-4F45-9708-019B960494DF}">
-                    <a14:hiddenLine xmlns:a14="http://schemas.microsoft.com/office/drawing/2010/main" w="9525">
-                      <a:solidFill>
-                        <a:srgbClr val="000000"/>
-                      </a:solidFill>
-                      <a:miter lim="800000"/>
-                      <a:headEnd/>
-                      <a:tailEnd/>
-                    </a14:hiddenLine>
-                  </a:ext>
-                </a:extLst>
-              </p:spPr>
-              <p:txBody>
-                <a:bodyPr wrap="none" lIns="90000" tIns="46800" rIns="90000" bIns="46800" anchor="ctr"/>
-                <a:lstStyle/>
-                <a:p>
-                  <a:pPr algn="l"/>
-                  <a:r>
-                    <a:rPr lang="en-US">
-                      <a:solidFill>
-                        <a:srgbClr val="545472"/>
-                      </a:solidFill>
-                      <a:sym typeface="Tahoma" pitchFamily="34" charset="0"/>
-                    </a:rPr>
-                    <a:t>b</a:t>
-                  </a:r>
-                  <a:endParaRPr lang="zh-CN" altLang="en-US"/>
-                </a:p>
-              </p:txBody>
-            </p:sp>
-            <p:sp>
-              <p:nvSpPr>
-                <p:cNvPr id="40983" name="AutoShape 45"/>
-                <p:cNvSpPr>
-                  <a:spLocks noChangeArrowheads="1"/>
-                </p:cNvSpPr>
-                <p:nvPr/>
-              </p:nvSpPr>
-              <p:spPr bwMode="auto">
-                <a:xfrm>
-                  <a:off x="0" y="0"/>
-                  <a:ext cx="960" cy="1176"/>
-                </a:xfrm>
-                <a:prstGeom prst="foldedCorner">
-                  <a:avLst>
-                    <a:gd name="adj" fmla="val 12500"/>
-                  </a:avLst>
-                </a:prstGeom>
-                <a:solidFill>
-                  <a:schemeClr val="bg1"/>
-                </a:solidFill>
-                <a:ln w="38100" cmpd="sng">
-                  <a:solidFill>
-                    <a:schemeClr val="tx1"/>
-                  </a:solidFill>
-                  <a:round/>
-                  <a:headEnd/>
-                  <a:tailEnd/>
-                </a:ln>
-              </p:spPr>
-              <p:txBody>
-                <a:bodyPr wrap="none" lIns="90000" tIns="46800" rIns="90000" bIns="46800" anchor="ctr"/>
-                <a:lstStyle/>
-                <a:p>
-                  <a:pPr algn="l"/>
-                  <a:endParaRPr lang="zh-CN" altLang="zh-CN" sz="2000">
-                    <a:solidFill>
-                      <a:srgbClr val="545472"/>
-                    </a:solidFill>
-                    <a:sym typeface="Tahoma" pitchFamily="34" charset="0"/>
-                  </a:endParaRPr>
-                </a:p>
-              </p:txBody>
-            </p:sp>
-            <p:sp>
-              <p:nvSpPr>
-                <p:cNvPr id="40984" name="Line 46"/>
-                <p:cNvSpPr>
-                  <a:spLocks noChangeShapeType="1"/>
-                </p:cNvSpPr>
-                <p:nvPr/>
-              </p:nvSpPr>
-              <p:spPr bwMode="auto">
-                <a:xfrm>
-                  <a:off x="0" y="306"/>
-                  <a:ext cx="960" cy="1"/>
-                </a:xfrm>
-                <a:prstGeom prst="line">
-                  <a:avLst/>
-                </a:prstGeom>
-                <a:noFill/>
-                <a:ln w="38100" cmpd="sng">
-                  <a:solidFill>
-                    <a:schemeClr val="tx2"/>
-                  </a:solidFill>
-                  <a:round/>
-                  <a:headEnd/>
-                  <a:tailEnd/>
-                </a:ln>
-                <a:extLst>
-                  <a:ext uri="{909E8E84-426E-40DD-AFC4-6F175D3DCCD1}">
-                    <a14:hiddenFill xmlns:a14="http://schemas.microsoft.com/office/drawing/2010/main">
-                      <a:noFill/>
-                    </a14:hiddenFill>
-                  </a:ext>
-                </a:extLst>
-              </p:spPr>
-              <p:txBody>
-                <a:bodyPr wrap="none" lIns="90000" tIns="46800" rIns="90000" bIns="46800" anchor="ctr"/>
-                <a:lstStyle/>
-                <a:p>
-                  <a:endParaRPr lang="zh-CN" altLang="zh-CN">
-                    <a:solidFill>
-                      <a:srgbClr val="545472"/>
-                    </a:solidFill>
-                    <a:sym typeface="Tahoma" pitchFamily="34" charset="0"/>
-                  </a:endParaRPr>
-                </a:p>
-              </p:txBody>
-            </p:sp>
-            <p:sp>
-              <p:nvSpPr>
-                <p:cNvPr id="40985" name="Line 48"/>
-                <p:cNvSpPr>
-                  <a:spLocks noChangeShapeType="1"/>
-                </p:cNvSpPr>
-                <p:nvPr/>
-              </p:nvSpPr>
-              <p:spPr bwMode="auto">
-                <a:xfrm>
-                  <a:off x="16" y="588"/>
-                  <a:ext cx="960" cy="1"/>
-                </a:xfrm>
-                <a:prstGeom prst="line">
-                  <a:avLst/>
-                </a:prstGeom>
-                <a:noFill/>
-                <a:ln w="38100" cmpd="sng">
-                  <a:solidFill>
-                    <a:schemeClr val="tx2"/>
-                  </a:solidFill>
-                  <a:round/>
-                  <a:headEnd/>
-                  <a:tailEnd/>
-                </a:ln>
-                <a:extLst>
-                  <a:ext uri="{909E8E84-426E-40DD-AFC4-6F175D3DCCD1}">
-                    <a14:hiddenFill xmlns:a14="http://schemas.microsoft.com/office/drawing/2010/main">
-                      <a:noFill/>
-                    </a14:hiddenFill>
-                  </a:ext>
-                </a:extLst>
-              </p:spPr>
-              <p:txBody>
-                <a:bodyPr wrap="none" lIns="90000" tIns="46800" rIns="90000" bIns="46800" anchor="ctr"/>
-                <a:lstStyle/>
-                <a:p>
-                  <a:endParaRPr lang="zh-CN" altLang="zh-CN">
-                    <a:solidFill>
-                      <a:srgbClr val="545472"/>
-                    </a:solidFill>
-                    <a:sym typeface="Tahoma" pitchFamily="34" charset="0"/>
-                  </a:endParaRPr>
-                </a:p>
-              </p:txBody>
-            </p:sp>
-            <p:sp>
-              <p:nvSpPr>
-                <p:cNvPr id="40986" name="Line 51"/>
-                <p:cNvSpPr>
-                  <a:spLocks noChangeShapeType="1"/>
-                </p:cNvSpPr>
-                <p:nvPr/>
-              </p:nvSpPr>
-              <p:spPr bwMode="auto">
-                <a:xfrm>
-                  <a:off x="892" y="456"/>
-                  <a:ext cx="60" cy="1"/>
-                </a:xfrm>
-                <a:prstGeom prst="line">
-                  <a:avLst/>
-                </a:prstGeom>
-                <a:noFill/>
-                <a:ln w="38100" cmpd="sng">
-                  <a:solidFill>
-                    <a:schemeClr val="tx1"/>
-                  </a:solidFill>
-                  <a:round/>
-                  <a:headEnd/>
-                  <a:tailEnd/>
-                </a:ln>
-                <a:extLst>
-                  <a:ext uri="{909E8E84-426E-40DD-AFC4-6F175D3DCCD1}">
-                    <a14:hiddenFill xmlns:a14="http://schemas.microsoft.com/office/drawing/2010/main">
-                      <a:noFill/>
-                    </a14:hiddenFill>
-                  </a:ext>
-                </a:extLst>
-              </p:spPr>
-              <p:txBody>
-                <a:bodyPr wrap="none" lIns="90000" tIns="46800" rIns="90000" bIns="46800" anchor="ctr"/>
-                <a:lstStyle/>
-                <a:p>
-                  <a:endParaRPr lang="zh-CN" altLang="zh-CN">
-                    <a:solidFill>
-                      <a:srgbClr val="545472"/>
-                    </a:solidFill>
-                    <a:sym typeface="Tahoma" pitchFamily="34" charset="0"/>
-                  </a:endParaRPr>
-                </a:p>
-              </p:txBody>
-            </p:sp>
-            <p:sp>
-              <p:nvSpPr>
-                <p:cNvPr id="40987" name="Text Box 53"/>
-                <p:cNvSpPr>
-                  <a:spLocks noChangeArrowheads="1"/>
-                </p:cNvSpPr>
-                <p:nvPr/>
-              </p:nvSpPr>
-              <p:spPr bwMode="auto">
-                <a:xfrm>
-                  <a:off x="217" y="324"/>
-                  <a:ext cx="295" cy="288"/>
-                </a:xfrm>
-                <a:prstGeom prst="rect">
-                  <a:avLst/>
-                </a:prstGeom>
-                <a:noFill/>
-                <a:ln>
-                  <a:noFill/>
-                </a:ln>
-                <a:extLst>
-                  <a:ext uri="{909E8E84-426E-40DD-AFC4-6F175D3DCCD1}">
-                    <a14:hiddenFill xmlns:a14="http://schemas.microsoft.com/office/drawing/2010/main">
-                      <a:solidFill>
-                        <a:srgbClr val="FFFFFF"/>
-                      </a:solidFill>
-                    </a14:hiddenFill>
-                  </a:ext>
-                  <a:ext uri="{91240B29-F687-4F45-9708-019B960494DF}">
-                    <a14:hiddenLine xmlns:a14="http://schemas.microsoft.com/office/drawing/2010/main" w="9525">
-                      <a:solidFill>
-                        <a:srgbClr val="000000"/>
-                      </a:solidFill>
-                      <a:miter lim="800000"/>
-                      <a:headEnd/>
-                      <a:tailEnd/>
-                    </a14:hiddenLine>
-                  </a:ext>
-                </a:extLst>
-              </p:spPr>
-              <p:txBody>
-                <a:bodyPr wrap="none" lIns="90000" tIns="46800" rIns="90000" bIns="46800" anchor="ctr"/>
-                <a:lstStyle/>
-                <a:p>
-                  <a:pPr algn="l"/>
-                  <a:r>
-                    <a:rPr lang="en-US">
-                      <a:solidFill>
-                        <a:srgbClr val="545472"/>
-                      </a:solidFill>
-                      <a:sym typeface="Tahoma" pitchFamily="34" charset="0"/>
-                    </a:rPr>
-                    <a:t>ch</a:t>
-                  </a:r>
-                  <a:endParaRPr lang="zh-CN" altLang="en-US"/>
-                </a:p>
-              </p:txBody>
-            </p:sp>
-            <p:sp>
-              <p:nvSpPr>
-                <p:cNvPr id="40988" name="Text Box 54"/>
-                <p:cNvSpPr>
-                  <a:spLocks noChangeArrowheads="1"/>
-                </p:cNvSpPr>
-                <p:nvPr/>
-              </p:nvSpPr>
-              <p:spPr bwMode="auto">
-                <a:xfrm>
-                  <a:off x="535" y="336"/>
-                  <a:ext cx="210" cy="288"/>
-                </a:xfrm>
-                <a:prstGeom prst="rect">
-                  <a:avLst/>
-                </a:prstGeom>
-                <a:noFill/>
-                <a:ln>
-                  <a:noFill/>
-                </a:ln>
-                <a:extLst>
-                  <a:ext uri="{909E8E84-426E-40DD-AFC4-6F175D3DCCD1}">
-                    <a14:hiddenFill xmlns:a14="http://schemas.microsoft.com/office/drawing/2010/main">
-                      <a:solidFill>
-                        <a:srgbClr val="FFFFFF"/>
-                      </a:solidFill>
-                    </a14:hiddenFill>
-                  </a:ext>
-                  <a:ext uri="{91240B29-F687-4F45-9708-019B960494DF}">
-                    <a14:hiddenLine xmlns:a14="http://schemas.microsoft.com/office/drawing/2010/main" w="9525">
-                      <a:solidFill>
-                        <a:srgbClr val="000000"/>
-                      </a:solidFill>
-                      <a:miter lim="800000"/>
-                      <a:headEnd/>
-                      <a:tailEnd/>
-                    </a14:hiddenLine>
-                  </a:ext>
-                </a:extLst>
-              </p:spPr>
-              <p:txBody>
-                <a:bodyPr wrap="none" lIns="90000" tIns="46800" rIns="90000" bIns="46800" anchor="ctr"/>
-                <a:lstStyle/>
-                <a:p>
-                  <a:pPr algn="l"/>
-                  <a:r>
-                    <a:rPr lang="en-US">
-                      <a:solidFill>
-                        <a:srgbClr val="545472"/>
-                      </a:solidFill>
-                      <a:sym typeface="Tahoma" pitchFamily="34" charset="0"/>
-                    </a:rPr>
-                    <a:t>k</a:t>
-                  </a:r>
-                  <a:endParaRPr lang="zh-CN" altLang="en-US"/>
-                </a:p>
-              </p:txBody>
-            </p:sp>
-            <p:sp>
-              <p:nvSpPr>
-                <p:cNvPr id="40989" name="Line 49"/>
-                <p:cNvSpPr>
-                  <a:spLocks noChangeShapeType="1"/>
-                </p:cNvSpPr>
-                <p:nvPr/>
-              </p:nvSpPr>
-              <p:spPr bwMode="auto">
-                <a:xfrm>
-                  <a:off x="16" y="456"/>
-                  <a:ext cx="60" cy="1"/>
-                </a:xfrm>
-                <a:prstGeom prst="line">
-                  <a:avLst/>
-                </a:prstGeom>
-                <a:noFill/>
-                <a:ln w="38100" cmpd="sng">
-                  <a:solidFill>
-                    <a:schemeClr val="tx1"/>
-                  </a:solidFill>
-                  <a:round/>
-                  <a:headEnd/>
-                  <a:tailEnd/>
-                </a:ln>
-                <a:extLst>
-                  <a:ext uri="{909E8E84-426E-40DD-AFC4-6F175D3DCCD1}">
-                    <a14:hiddenFill xmlns:a14="http://schemas.microsoft.com/office/drawing/2010/main">
-                      <a:noFill/>
-                    </a14:hiddenFill>
-                  </a:ext>
-                </a:extLst>
-              </p:spPr>
-              <p:txBody>
-                <a:bodyPr wrap="none" lIns="90000" tIns="46800" rIns="90000" bIns="46800" anchor="ctr"/>
-                <a:lstStyle/>
-                <a:p>
-                  <a:endParaRPr lang="zh-CN" altLang="zh-CN">
-                    <a:solidFill>
-                      <a:srgbClr val="545472"/>
-                    </a:solidFill>
-                    <a:sym typeface="Tahoma" pitchFamily="34" charset="0"/>
-                  </a:endParaRPr>
-                </a:p>
-              </p:txBody>
-            </p:sp>
-          </p:grpSp>
-          <p:sp>
-            <p:nvSpPr>
-              <p:cNvPr id="40990" name="AutoShape 60"/>
-              <p:cNvSpPr>
-                <a:spLocks noChangeArrowheads="1"/>
-              </p:cNvSpPr>
-              <p:nvPr/>
-            </p:nvSpPr>
-            <p:spPr bwMode="auto">
-              <a:xfrm>
-                <a:off x="1409" y="600"/>
-                <a:ext cx="420" cy="216"/>
-              </a:xfrm>
-              <a:prstGeom prst="rightArrow">
+              <a:prstGeom prst="rightBrace">
                 <a:avLst>
-                  <a:gd name="adj1" fmla="val 50000"/>
-                  <a:gd name="adj2" fmla="val 48602"/>
+                  <a:gd name="adj1" fmla="val 52841"/>
+                  <a:gd name="adj2" fmla="val 50000"/>
                 </a:avLst>
               </a:prstGeom>
               <a:noFill/>
-              <a:ln w="38100" cmpd="sng">
-                <a:solidFill>
-                  <a:srgbClr val="003366"/>
-                </a:solidFill>
-                <a:miter lim="800000"/>
+              <a:ln w="12700" cmpd="sng">
+                <a:solidFill>
+                  <a:schemeClr val="tx2"/>
+                </a:solidFill>
+                <a:round/>
                 <a:headEnd/>
                 <a:tailEnd/>
               </a:ln>
@@ -47164,9 +41981,7 @@
               </a:extLst>
             </p:spPr>
             <p:txBody>
-              <a:bodyPr wrap="none" lIns="90000" tIns="46800" rIns="90000" bIns="46800" anchor="ctr">
-                <a:spAutoFit/>
-              </a:bodyPr>
+              <a:bodyPr wrap="none" lIns="90000" tIns="46800" rIns="90000" bIns="46800" anchor="ctr"/>
               <a:lstStyle/>
               <a:p>
                 <a:pPr algn="l"/>
@@ -47181,7 +41996,7 @@
           </p:sp>
           <p:sp>
             <p:nvSpPr>
-              <p:cNvPr id="40991" name="AutoShape 61"/>
+              <p:cNvPr id="40969" name="Text Box 10"/>
               <p:cNvSpPr>
                 <a:spLocks noChangeArrowheads="1"/>
               </p:cNvSpPr>
@@ -47189,21 +42004,578 @@
             </p:nvSpPr>
             <p:spPr bwMode="auto">
               <a:xfrm>
-                <a:off x="1445" y="1896"/>
-                <a:ext cx="372" cy="204"/>
+                <a:off x="1047" y="425"/>
+                <a:ext cx="199" cy="288"/>
               </a:xfrm>
-              <a:prstGeom prst="rightArrow">
+              <a:prstGeom prst="rect">
+                <a:avLst/>
+              </a:prstGeom>
+              <a:noFill/>
+              <a:ln>
+                <a:noFill/>
+              </a:ln>
+              <a:extLst>
+                <a:ext uri="{909E8E84-426E-40DD-AFC4-6F175D3DCCD1}">
+                  <a14:hiddenFill xmlns:a14="http://schemas.microsoft.com/office/drawing/2010/main">
+                    <a:solidFill>
+                      <a:srgbClr val="FFFFFF"/>
+                    </a:solidFill>
+                  </a14:hiddenFill>
+                </a:ext>
+                <a:ext uri="{91240B29-F687-4F45-9708-019B960494DF}">
+                  <a14:hiddenLine xmlns:a14="http://schemas.microsoft.com/office/drawing/2010/main" w="9525">
+                    <a:solidFill>
+                      <a:srgbClr val="000000"/>
+                    </a:solidFill>
+                    <a:miter lim="800000"/>
+                    <a:headEnd/>
+                    <a:tailEnd/>
+                  </a14:hiddenLine>
+                </a:ext>
+              </a:extLst>
+            </p:spPr>
+            <p:txBody>
+              <a:bodyPr wrap="none" lIns="90000" tIns="46800" rIns="90000" bIns="46800" anchor="ctr"/>
+              <a:lstStyle/>
+              <a:p>
+                <a:pPr algn="l"/>
+                <a:r>
+                  <a:rPr lang="en-US">
+                    <a:solidFill>
+                      <a:srgbClr val="545472"/>
+                    </a:solidFill>
+                    <a:sym typeface="Tahoma" pitchFamily="34" charset="0"/>
+                  </a:rPr>
+                  <a:t>a</a:t>
+                </a:r>
+                <a:endParaRPr lang="zh-CN" altLang="en-US"/>
+              </a:p>
+            </p:txBody>
+          </p:sp>
+          <p:sp>
+            <p:nvSpPr>
+              <p:cNvPr id="40970" name="AutoShape 11"/>
+              <p:cNvSpPr>
+                <a:spLocks noChangeArrowheads="1"/>
+              </p:cNvSpPr>
+              <p:nvPr/>
+            </p:nvSpPr>
+            <p:spPr bwMode="auto">
+              <a:xfrm>
+                <a:off x="12" y="0"/>
+                <a:ext cx="960" cy="1320"/>
+              </a:xfrm>
+              <a:prstGeom prst="foldedCorner">
                 <a:avLst>
-                  <a:gd name="adj1" fmla="val 50000"/>
-                  <a:gd name="adj2" fmla="val 45580"/>
+                  <a:gd name="adj" fmla="val 12500"/>
+                </a:avLst>
+              </a:prstGeom>
+              <a:solidFill>
+                <a:schemeClr val="bg1"/>
+              </a:solidFill>
+              <a:ln w="38100" cmpd="sng">
+                <a:solidFill>
+                  <a:schemeClr val="tx1"/>
+                </a:solidFill>
+                <a:round/>
+                <a:headEnd/>
+                <a:tailEnd/>
+              </a:ln>
+            </p:spPr>
+            <p:txBody>
+              <a:bodyPr wrap="none" lIns="90000" tIns="46800" rIns="90000" bIns="46800" anchor="ctr"/>
+              <a:lstStyle/>
+              <a:p>
+                <a:pPr algn="l"/>
+                <a:endParaRPr lang="zh-CN" altLang="zh-CN" sz="2000">
+                  <a:solidFill>
+                    <a:srgbClr val="545472"/>
+                  </a:solidFill>
+                  <a:sym typeface="Tahoma" pitchFamily="34" charset="0"/>
+                </a:endParaRPr>
+              </a:p>
+            </p:txBody>
+          </p:sp>
+          <p:sp>
+            <p:nvSpPr>
+              <p:cNvPr id="40971" name="Line 12"/>
+              <p:cNvSpPr>
+                <a:spLocks noChangeShapeType="1"/>
+              </p:cNvSpPr>
+              <p:nvPr/>
+            </p:nvSpPr>
+            <p:spPr bwMode="auto">
+              <a:xfrm>
+                <a:off x="12" y="306"/>
+                <a:ext cx="960" cy="1"/>
+              </a:xfrm>
+              <a:prstGeom prst="line">
+                <a:avLst/>
+              </a:prstGeom>
+              <a:noFill/>
+              <a:ln w="38100" cmpd="sng">
+                <a:solidFill>
+                  <a:schemeClr val="tx2"/>
+                </a:solidFill>
+                <a:round/>
+                <a:headEnd/>
+                <a:tailEnd/>
+              </a:ln>
+              <a:extLst>
+                <a:ext uri="{909E8E84-426E-40DD-AFC4-6F175D3DCCD1}">
+                  <a14:hiddenFill xmlns:a14="http://schemas.microsoft.com/office/drawing/2010/main">
+                    <a:noFill/>
+                  </a14:hiddenFill>
+                </a:ext>
+              </a:extLst>
+            </p:spPr>
+            <p:txBody>
+              <a:bodyPr wrap="none" lIns="90000" tIns="46800" rIns="90000" bIns="46800" anchor="ctr"/>
+              <a:lstStyle/>
+              <a:p>
+                <a:endParaRPr lang="zh-CN" altLang="zh-CN">
+                  <a:solidFill>
+                    <a:srgbClr val="545472"/>
+                  </a:solidFill>
+                  <a:sym typeface="Tahoma" pitchFamily="34" charset="0"/>
+                </a:endParaRPr>
+              </a:p>
+            </p:txBody>
+          </p:sp>
+          <p:sp>
+            <p:nvSpPr>
+              <p:cNvPr id="40972" name="Line 13"/>
+              <p:cNvSpPr>
+                <a:spLocks noChangeShapeType="1"/>
+              </p:cNvSpPr>
+              <p:nvPr/>
+            </p:nvSpPr>
+            <p:spPr bwMode="auto">
+              <a:xfrm>
+                <a:off x="0" y="590"/>
+                <a:ext cx="960" cy="1"/>
+              </a:xfrm>
+              <a:prstGeom prst="line">
+                <a:avLst/>
+              </a:prstGeom>
+              <a:noFill/>
+              <a:ln w="19050" cmpd="sng">
+                <a:solidFill>
+                  <a:schemeClr val="tx1"/>
+                </a:solidFill>
+                <a:round/>
+                <a:headEnd/>
+                <a:tailEnd/>
+              </a:ln>
+              <a:extLst>
+                <a:ext uri="{909E8E84-426E-40DD-AFC4-6F175D3DCCD1}">
+                  <a14:hiddenFill xmlns:a14="http://schemas.microsoft.com/office/drawing/2010/main">
+                    <a:noFill/>
+                  </a14:hiddenFill>
+                </a:ext>
+              </a:extLst>
+            </p:spPr>
+            <p:txBody>
+              <a:bodyPr wrap="none" lIns="90000" tIns="46800" rIns="90000" bIns="46800" anchor="ctr"/>
+              <a:lstStyle/>
+              <a:p>
+                <a:endParaRPr lang="zh-CN" altLang="zh-CN">
+                  <a:solidFill>
+                    <a:srgbClr val="545472"/>
+                  </a:solidFill>
+                  <a:sym typeface="Tahoma" pitchFamily="34" charset="0"/>
+                </a:endParaRPr>
+              </a:p>
+            </p:txBody>
+          </p:sp>
+          <p:sp>
+            <p:nvSpPr>
+              <p:cNvPr id="40973" name="Line 15"/>
+              <p:cNvSpPr>
+                <a:spLocks noChangeShapeType="1"/>
+              </p:cNvSpPr>
+              <p:nvPr/>
+            </p:nvSpPr>
+            <p:spPr bwMode="auto">
+              <a:xfrm>
+                <a:off x="4" y="864"/>
+                <a:ext cx="960" cy="1"/>
+              </a:xfrm>
+              <a:prstGeom prst="line">
+                <a:avLst/>
+              </a:prstGeom>
+              <a:noFill/>
+              <a:ln w="38100" cmpd="sng">
+                <a:solidFill>
+                  <a:schemeClr val="tx2"/>
+                </a:solidFill>
+                <a:round/>
+                <a:headEnd/>
+                <a:tailEnd/>
+              </a:ln>
+              <a:extLst>
+                <a:ext uri="{909E8E84-426E-40DD-AFC4-6F175D3DCCD1}">
+                  <a14:hiddenFill xmlns:a14="http://schemas.microsoft.com/office/drawing/2010/main">
+                    <a:noFill/>
+                  </a14:hiddenFill>
+                </a:ext>
+              </a:extLst>
+            </p:spPr>
+            <p:txBody>
+              <a:bodyPr wrap="none" lIns="90000" tIns="46800" rIns="90000" bIns="46800" anchor="ctr"/>
+              <a:lstStyle/>
+              <a:p>
+                <a:endParaRPr lang="zh-CN" altLang="zh-CN">
+                  <a:solidFill>
+                    <a:srgbClr val="545472"/>
+                  </a:solidFill>
+                  <a:sym typeface="Tahoma" pitchFamily="34" charset="0"/>
+                </a:endParaRPr>
+              </a:p>
+            </p:txBody>
+          </p:sp>
+          <p:sp>
+            <p:nvSpPr>
+              <p:cNvPr id="40974" name="Line 21"/>
+              <p:cNvSpPr>
+                <a:spLocks noChangeShapeType="1"/>
+              </p:cNvSpPr>
+              <p:nvPr/>
+            </p:nvSpPr>
+            <p:spPr bwMode="auto">
+              <a:xfrm>
+                <a:off x="28" y="456"/>
+                <a:ext cx="60" cy="1"/>
+              </a:xfrm>
+              <a:prstGeom prst="line">
+                <a:avLst/>
+              </a:prstGeom>
+              <a:noFill/>
+              <a:ln w="38100" cmpd="sng">
+                <a:solidFill>
+                  <a:schemeClr val="tx1"/>
+                </a:solidFill>
+                <a:round/>
+                <a:headEnd/>
+                <a:tailEnd/>
+              </a:ln>
+              <a:extLst>
+                <a:ext uri="{909E8E84-426E-40DD-AFC4-6F175D3DCCD1}">
+                  <a14:hiddenFill xmlns:a14="http://schemas.microsoft.com/office/drawing/2010/main">
+                    <a:noFill/>
+                  </a14:hiddenFill>
+                </a:ext>
+              </a:extLst>
+            </p:spPr>
+            <p:txBody>
+              <a:bodyPr wrap="none" lIns="90000" tIns="46800" rIns="90000" bIns="46800" anchor="ctr"/>
+              <a:lstStyle/>
+              <a:p>
+                <a:endParaRPr lang="zh-CN" altLang="zh-CN">
+                  <a:solidFill>
+                    <a:srgbClr val="545472"/>
+                  </a:solidFill>
+                  <a:sym typeface="Tahoma" pitchFamily="34" charset="0"/>
+                </a:endParaRPr>
+              </a:p>
+            </p:txBody>
+          </p:sp>
+          <p:sp>
+            <p:nvSpPr>
+              <p:cNvPr id="40975" name="Line 22"/>
+              <p:cNvSpPr>
+                <a:spLocks noChangeShapeType="1"/>
+              </p:cNvSpPr>
+              <p:nvPr/>
+            </p:nvSpPr>
+            <p:spPr bwMode="auto">
+              <a:xfrm>
+                <a:off x="28" y="732"/>
+                <a:ext cx="60" cy="1"/>
+              </a:xfrm>
+              <a:prstGeom prst="line">
+                <a:avLst/>
+              </a:prstGeom>
+              <a:noFill/>
+              <a:ln w="38100" cmpd="sng">
+                <a:solidFill>
+                  <a:schemeClr val="tx1"/>
+                </a:solidFill>
+                <a:round/>
+                <a:headEnd/>
+                <a:tailEnd/>
+              </a:ln>
+              <a:extLst>
+                <a:ext uri="{909E8E84-426E-40DD-AFC4-6F175D3DCCD1}">
+                  <a14:hiddenFill xmlns:a14="http://schemas.microsoft.com/office/drawing/2010/main">
+                    <a:noFill/>
+                  </a14:hiddenFill>
+                </a:ext>
+              </a:extLst>
+            </p:spPr>
+            <p:txBody>
+              <a:bodyPr wrap="none" lIns="90000" tIns="46800" rIns="90000" bIns="46800" anchor="ctr"/>
+              <a:lstStyle/>
+              <a:p>
+                <a:endParaRPr lang="zh-CN" altLang="zh-CN">
+                  <a:solidFill>
+                    <a:srgbClr val="545472"/>
+                  </a:solidFill>
+                  <a:sym typeface="Tahoma" pitchFamily="34" charset="0"/>
+                </a:endParaRPr>
+              </a:p>
+            </p:txBody>
+          </p:sp>
+          <p:sp>
+            <p:nvSpPr>
+              <p:cNvPr id="40976" name="Line 23"/>
+              <p:cNvSpPr>
+                <a:spLocks noChangeShapeType="1"/>
+              </p:cNvSpPr>
+              <p:nvPr/>
+            </p:nvSpPr>
+            <p:spPr bwMode="auto">
+              <a:xfrm>
+                <a:off x="904" y="456"/>
+                <a:ext cx="60" cy="1"/>
+              </a:xfrm>
+              <a:prstGeom prst="line">
+                <a:avLst/>
+              </a:prstGeom>
+              <a:noFill/>
+              <a:ln w="38100" cmpd="sng">
+                <a:solidFill>
+                  <a:schemeClr val="tx1"/>
+                </a:solidFill>
+                <a:round/>
+                <a:headEnd/>
+                <a:tailEnd/>
+              </a:ln>
+              <a:extLst>
+                <a:ext uri="{909E8E84-426E-40DD-AFC4-6F175D3DCCD1}">
+                  <a14:hiddenFill xmlns:a14="http://schemas.microsoft.com/office/drawing/2010/main">
+                    <a:noFill/>
+                  </a14:hiddenFill>
+                </a:ext>
+              </a:extLst>
+            </p:spPr>
+            <p:txBody>
+              <a:bodyPr wrap="none" lIns="90000" tIns="46800" rIns="90000" bIns="46800" anchor="ctr"/>
+              <a:lstStyle/>
+              <a:p>
+                <a:endParaRPr lang="zh-CN" altLang="zh-CN">
+                  <a:solidFill>
+                    <a:srgbClr val="545472"/>
+                  </a:solidFill>
+                  <a:sym typeface="Tahoma" pitchFamily="34" charset="0"/>
+                </a:endParaRPr>
+              </a:p>
+            </p:txBody>
+          </p:sp>
+          <p:sp>
+            <p:nvSpPr>
+              <p:cNvPr id="40977" name="Line 24"/>
+              <p:cNvSpPr>
+                <a:spLocks noChangeShapeType="1"/>
+              </p:cNvSpPr>
+              <p:nvPr/>
+            </p:nvSpPr>
+            <p:spPr bwMode="auto">
+              <a:xfrm>
+                <a:off x="904" y="732"/>
+                <a:ext cx="60" cy="1"/>
+              </a:xfrm>
+              <a:prstGeom prst="line">
+                <a:avLst/>
+              </a:prstGeom>
+              <a:noFill/>
+              <a:ln w="38100" cmpd="sng">
+                <a:solidFill>
+                  <a:schemeClr val="tx1"/>
+                </a:solidFill>
+                <a:round/>
+                <a:headEnd/>
+                <a:tailEnd/>
+              </a:ln>
+              <a:extLst>
+                <a:ext uri="{909E8E84-426E-40DD-AFC4-6F175D3DCCD1}">
+                  <a14:hiddenFill xmlns:a14="http://schemas.microsoft.com/office/drawing/2010/main">
+                    <a:noFill/>
+                  </a14:hiddenFill>
+                </a:ext>
+              </a:extLst>
+            </p:spPr>
+            <p:txBody>
+              <a:bodyPr wrap="none" lIns="90000" tIns="46800" rIns="90000" bIns="46800" anchor="ctr"/>
+              <a:lstStyle/>
+              <a:p>
+                <a:endParaRPr lang="zh-CN" altLang="zh-CN">
+                  <a:solidFill>
+                    <a:srgbClr val="545472"/>
+                  </a:solidFill>
+                  <a:sym typeface="Tahoma" pitchFamily="34" charset="0"/>
+                </a:endParaRPr>
+              </a:p>
+            </p:txBody>
+          </p:sp>
+          <p:sp>
+            <p:nvSpPr>
+              <p:cNvPr id="40978" name="Text Box 26"/>
+              <p:cNvSpPr>
+                <a:spLocks noChangeArrowheads="1"/>
+              </p:cNvSpPr>
+              <p:nvPr/>
+            </p:nvSpPr>
+            <p:spPr bwMode="auto">
+              <a:xfrm>
+                <a:off x="349" y="324"/>
+                <a:ext cx="295" cy="288"/>
+              </a:xfrm>
+              <a:prstGeom prst="rect">
+                <a:avLst/>
+              </a:prstGeom>
+              <a:noFill/>
+              <a:ln>
+                <a:noFill/>
+              </a:ln>
+              <a:extLst>
+                <a:ext uri="{909E8E84-426E-40DD-AFC4-6F175D3DCCD1}">
+                  <a14:hiddenFill xmlns:a14="http://schemas.microsoft.com/office/drawing/2010/main">
+                    <a:solidFill>
+                      <a:srgbClr val="FFFFFF"/>
+                    </a:solidFill>
+                  </a14:hiddenFill>
+                </a:ext>
+                <a:ext uri="{91240B29-F687-4F45-9708-019B960494DF}">
+                  <a14:hiddenLine xmlns:a14="http://schemas.microsoft.com/office/drawing/2010/main" w="9525">
+                    <a:solidFill>
+                      <a:srgbClr val="000000"/>
+                    </a:solidFill>
+                    <a:miter lim="800000"/>
+                    <a:headEnd/>
+                    <a:tailEnd/>
+                  </a14:hiddenLine>
+                </a:ext>
+              </a:extLst>
+            </p:spPr>
+            <p:txBody>
+              <a:bodyPr wrap="none" lIns="90000" tIns="46800" rIns="90000" bIns="46800" anchor="ctr"/>
+              <a:lstStyle/>
+              <a:p>
+                <a:pPr algn="l"/>
+                <a:r>
+                  <a:rPr lang="en-US">
+                    <a:solidFill>
+                      <a:srgbClr val="545472"/>
+                    </a:solidFill>
+                    <a:sym typeface="Tahoma" pitchFamily="34" charset="0"/>
+                  </a:rPr>
+                  <a:t>ch</a:t>
+                </a:r>
+                <a:endParaRPr lang="zh-CN" altLang="en-US"/>
+              </a:p>
+            </p:txBody>
+          </p:sp>
+          <p:sp>
+            <p:nvSpPr>
+              <p:cNvPr id="40979" name="Text Box 27"/>
+              <p:cNvSpPr>
+                <a:spLocks noChangeArrowheads="1"/>
+              </p:cNvSpPr>
+              <p:nvPr/>
+            </p:nvSpPr>
+            <p:spPr bwMode="auto">
+              <a:xfrm>
+                <a:off x="403" y="576"/>
+                <a:ext cx="210" cy="288"/>
+              </a:xfrm>
+              <a:prstGeom prst="rect">
+                <a:avLst/>
+              </a:prstGeom>
+              <a:noFill/>
+              <a:ln>
+                <a:noFill/>
+              </a:ln>
+              <a:extLst>
+                <a:ext uri="{909E8E84-426E-40DD-AFC4-6F175D3DCCD1}">
+                  <a14:hiddenFill xmlns:a14="http://schemas.microsoft.com/office/drawing/2010/main">
+                    <a:solidFill>
+                      <a:srgbClr val="FFFFFF"/>
+                    </a:solidFill>
+                  </a14:hiddenFill>
+                </a:ext>
+                <a:ext uri="{91240B29-F687-4F45-9708-019B960494DF}">
+                  <a14:hiddenLine xmlns:a14="http://schemas.microsoft.com/office/drawing/2010/main" w="9525">
+                    <a:solidFill>
+                      <a:srgbClr val="000000"/>
+                    </a:solidFill>
+                    <a:miter lim="800000"/>
+                    <a:headEnd/>
+                    <a:tailEnd/>
+                  </a14:hiddenLine>
+                </a:ext>
+              </a:extLst>
+            </p:spPr>
+            <p:txBody>
+              <a:bodyPr wrap="none" lIns="90000" tIns="46800" rIns="90000" bIns="46800" anchor="ctr"/>
+              <a:lstStyle/>
+              <a:p>
+                <a:pPr algn="l"/>
+                <a:r>
+                  <a:rPr lang="en-US">
+                    <a:solidFill>
+                      <a:srgbClr val="545472"/>
+                    </a:solidFill>
+                    <a:sym typeface="Tahoma" pitchFamily="34" charset="0"/>
+                  </a:rPr>
+                  <a:t>k</a:t>
+                </a:r>
+                <a:endParaRPr lang="zh-CN" altLang="en-US"/>
+              </a:p>
+            </p:txBody>
+          </p:sp>
+        </p:grpSp>
+        <p:grpSp>
+          <p:nvGrpSpPr>
+            <p:cNvPr id="40980" name="Group 58"/>
+            <p:cNvGrpSpPr>
+              <a:grpSpLocks/>
+            </p:cNvGrpSpPr>
+            <p:nvPr/>
+          </p:nvGrpSpPr>
+          <p:grpSpPr bwMode="auto">
+            <a:xfrm>
+              <a:off x="1861" y="1440"/>
+              <a:ext cx="1258" cy="1176"/>
+              <a:chOff x="0" y="0"/>
+              <a:chExt cx="1258" cy="1176"/>
+            </a:xfrm>
+          </p:grpSpPr>
+          <p:sp>
+            <p:nvSpPr>
+              <p:cNvPr id="40981" name="AutoShape 43"/>
+              <p:cNvSpPr>
+                <a:spLocks/>
+              </p:cNvSpPr>
+              <p:nvPr/>
+            </p:nvSpPr>
+            <p:spPr bwMode="auto">
+              <a:xfrm>
+                <a:off x="960" y="306"/>
+                <a:ext cx="95" cy="318"/>
+              </a:xfrm>
+              <a:prstGeom prst="rightBrace">
+                <a:avLst>
+                  <a:gd name="adj1" fmla="val 27895"/>
+                  <a:gd name="adj2" fmla="val 50000"/>
                 </a:avLst>
               </a:prstGeom>
               <a:noFill/>
-              <a:ln w="38100" cmpd="sng">
-                <a:solidFill>
-                  <a:srgbClr val="003366"/>
-                </a:solidFill>
-                <a:miter lim="800000"/>
+              <a:ln w="12700" cmpd="sng">
+                <a:solidFill>
+                  <a:schemeClr val="tx2"/>
+                </a:solidFill>
+                <a:round/>
                 <a:headEnd/>
                 <a:tailEnd/>
               </a:ln>
@@ -47218,9 +42590,7 @@
               </a:extLst>
             </p:spPr>
             <p:txBody>
-              <a:bodyPr wrap="none" lIns="90000" tIns="46800" rIns="90000" bIns="46800" anchor="ctr">
-                <a:spAutoFit/>
-              </a:bodyPr>
+              <a:bodyPr wrap="none" lIns="90000" tIns="46800" rIns="90000" bIns="46800" anchor="ctr"/>
               <a:lstStyle/>
               <a:p>
                 <a:pPr algn="l"/>
@@ -47233,10 +42603,412 @@
               </a:p>
             </p:txBody>
           </p:sp>
+          <p:sp>
+            <p:nvSpPr>
+              <p:cNvPr id="40982" name="Text Box 44"/>
+              <p:cNvSpPr>
+                <a:spLocks noChangeArrowheads="1"/>
+              </p:cNvSpPr>
+              <p:nvPr/>
+            </p:nvSpPr>
+            <p:spPr bwMode="auto">
+              <a:xfrm>
+                <a:off x="1059" y="329"/>
+                <a:ext cx="199" cy="288"/>
+              </a:xfrm>
+              <a:prstGeom prst="rect">
+                <a:avLst/>
+              </a:prstGeom>
+              <a:noFill/>
+              <a:ln>
+                <a:noFill/>
+              </a:ln>
+              <a:extLst>
+                <a:ext uri="{909E8E84-426E-40DD-AFC4-6F175D3DCCD1}">
+                  <a14:hiddenFill xmlns:a14="http://schemas.microsoft.com/office/drawing/2010/main">
+                    <a:solidFill>
+                      <a:srgbClr val="FFFFFF"/>
+                    </a:solidFill>
+                  </a14:hiddenFill>
+                </a:ext>
+                <a:ext uri="{91240B29-F687-4F45-9708-019B960494DF}">
+                  <a14:hiddenLine xmlns:a14="http://schemas.microsoft.com/office/drawing/2010/main" w="9525">
+                    <a:solidFill>
+                      <a:srgbClr val="000000"/>
+                    </a:solidFill>
+                    <a:miter lim="800000"/>
+                    <a:headEnd/>
+                    <a:tailEnd/>
+                  </a14:hiddenLine>
+                </a:ext>
+              </a:extLst>
+            </p:spPr>
+            <p:txBody>
+              <a:bodyPr wrap="none" lIns="90000" tIns="46800" rIns="90000" bIns="46800" anchor="ctr"/>
+              <a:lstStyle/>
+              <a:p>
+                <a:pPr algn="l"/>
+                <a:r>
+                  <a:rPr lang="en-US">
+                    <a:solidFill>
+                      <a:srgbClr val="545472"/>
+                    </a:solidFill>
+                    <a:sym typeface="Tahoma" pitchFamily="34" charset="0"/>
+                  </a:rPr>
+                  <a:t>b</a:t>
+                </a:r>
+                <a:endParaRPr lang="zh-CN" altLang="en-US"/>
+              </a:p>
+            </p:txBody>
+          </p:sp>
+          <p:sp>
+            <p:nvSpPr>
+              <p:cNvPr id="40983" name="AutoShape 45"/>
+              <p:cNvSpPr>
+                <a:spLocks noChangeArrowheads="1"/>
+              </p:cNvSpPr>
+              <p:nvPr/>
+            </p:nvSpPr>
+            <p:spPr bwMode="auto">
+              <a:xfrm>
+                <a:off x="0" y="0"/>
+                <a:ext cx="960" cy="1176"/>
+              </a:xfrm>
+              <a:prstGeom prst="foldedCorner">
+                <a:avLst>
+                  <a:gd name="adj" fmla="val 12500"/>
+                </a:avLst>
+              </a:prstGeom>
+              <a:solidFill>
+                <a:schemeClr val="bg1"/>
+              </a:solidFill>
+              <a:ln w="38100" cmpd="sng">
+                <a:solidFill>
+                  <a:schemeClr val="tx1"/>
+                </a:solidFill>
+                <a:round/>
+                <a:headEnd/>
+                <a:tailEnd/>
+              </a:ln>
+            </p:spPr>
+            <p:txBody>
+              <a:bodyPr wrap="none" lIns="90000" tIns="46800" rIns="90000" bIns="46800" anchor="ctr"/>
+              <a:lstStyle/>
+              <a:p>
+                <a:pPr algn="l"/>
+                <a:endParaRPr lang="zh-CN" altLang="zh-CN" sz="2000">
+                  <a:solidFill>
+                    <a:srgbClr val="545472"/>
+                  </a:solidFill>
+                  <a:sym typeface="Tahoma" pitchFamily="34" charset="0"/>
+                </a:endParaRPr>
+              </a:p>
+            </p:txBody>
+          </p:sp>
+          <p:sp>
+            <p:nvSpPr>
+              <p:cNvPr id="40984" name="Line 46"/>
+              <p:cNvSpPr>
+                <a:spLocks noChangeShapeType="1"/>
+              </p:cNvSpPr>
+              <p:nvPr/>
+            </p:nvSpPr>
+            <p:spPr bwMode="auto">
+              <a:xfrm>
+                <a:off x="0" y="306"/>
+                <a:ext cx="960" cy="1"/>
+              </a:xfrm>
+              <a:prstGeom prst="line">
+                <a:avLst/>
+              </a:prstGeom>
+              <a:noFill/>
+              <a:ln w="38100" cmpd="sng">
+                <a:solidFill>
+                  <a:schemeClr val="tx2"/>
+                </a:solidFill>
+                <a:round/>
+                <a:headEnd/>
+                <a:tailEnd/>
+              </a:ln>
+              <a:extLst>
+                <a:ext uri="{909E8E84-426E-40DD-AFC4-6F175D3DCCD1}">
+                  <a14:hiddenFill xmlns:a14="http://schemas.microsoft.com/office/drawing/2010/main">
+                    <a:noFill/>
+                  </a14:hiddenFill>
+                </a:ext>
+              </a:extLst>
+            </p:spPr>
+            <p:txBody>
+              <a:bodyPr wrap="none" lIns="90000" tIns="46800" rIns="90000" bIns="46800" anchor="ctr"/>
+              <a:lstStyle/>
+              <a:p>
+                <a:endParaRPr lang="zh-CN" altLang="zh-CN">
+                  <a:solidFill>
+                    <a:srgbClr val="545472"/>
+                  </a:solidFill>
+                  <a:sym typeface="Tahoma" pitchFamily="34" charset="0"/>
+                </a:endParaRPr>
+              </a:p>
+            </p:txBody>
+          </p:sp>
+          <p:sp>
+            <p:nvSpPr>
+              <p:cNvPr id="40985" name="Line 48"/>
+              <p:cNvSpPr>
+                <a:spLocks noChangeShapeType="1"/>
+              </p:cNvSpPr>
+              <p:nvPr/>
+            </p:nvSpPr>
+            <p:spPr bwMode="auto">
+              <a:xfrm>
+                <a:off x="16" y="588"/>
+                <a:ext cx="960" cy="1"/>
+              </a:xfrm>
+              <a:prstGeom prst="line">
+                <a:avLst/>
+              </a:prstGeom>
+              <a:noFill/>
+              <a:ln w="38100" cmpd="sng">
+                <a:solidFill>
+                  <a:schemeClr val="tx2"/>
+                </a:solidFill>
+                <a:round/>
+                <a:headEnd/>
+                <a:tailEnd/>
+              </a:ln>
+              <a:extLst>
+                <a:ext uri="{909E8E84-426E-40DD-AFC4-6F175D3DCCD1}">
+                  <a14:hiddenFill xmlns:a14="http://schemas.microsoft.com/office/drawing/2010/main">
+                    <a:noFill/>
+                  </a14:hiddenFill>
+                </a:ext>
+              </a:extLst>
+            </p:spPr>
+            <p:txBody>
+              <a:bodyPr wrap="none" lIns="90000" tIns="46800" rIns="90000" bIns="46800" anchor="ctr"/>
+              <a:lstStyle/>
+              <a:p>
+                <a:endParaRPr lang="zh-CN" altLang="zh-CN">
+                  <a:solidFill>
+                    <a:srgbClr val="545472"/>
+                  </a:solidFill>
+                  <a:sym typeface="Tahoma" pitchFamily="34" charset="0"/>
+                </a:endParaRPr>
+              </a:p>
+            </p:txBody>
+          </p:sp>
+          <p:sp>
+            <p:nvSpPr>
+              <p:cNvPr id="40986" name="Line 51"/>
+              <p:cNvSpPr>
+                <a:spLocks noChangeShapeType="1"/>
+              </p:cNvSpPr>
+              <p:nvPr/>
+            </p:nvSpPr>
+            <p:spPr bwMode="auto">
+              <a:xfrm>
+                <a:off x="892" y="456"/>
+                <a:ext cx="60" cy="1"/>
+              </a:xfrm>
+              <a:prstGeom prst="line">
+                <a:avLst/>
+              </a:prstGeom>
+              <a:noFill/>
+              <a:ln w="38100" cmpd="sng">
+                <a:solidFill>
+                  <a:schemeClr val="tx1"/>
+                </a:solidFill>
+                <a:round/>
+                <a:headEnd/>
+                <a:tailEnd/>
+              </a:ln>
+              <a:extLst>
+                <a:ext uri="{909E8E84-426E-40DD-AFC4-6F175D3DCCD1}">
+                  <a14:hiddenFill xmlns:a14="http://schemas.microsoft.com/office/drawing/2010/main">
+                    <a:noFill/>
+                  </a14:hiddenFill>
+                </a:ext>
+              </a:extLst>
+            </p:spPr>
+            <p:txBody>
+              <a:bodyPr wrap="none" lIns="90000" tIns="46800" rIns="90000" bIns="46800" anchor="ctr"/>
+              <a:lstStyle/>
+              <a:p>
+                <a:endParaRPr lang="zh-CN" altLang="zh-CN">
+                  <a:solidFill>
+                    <a:srgbClr val="545472"/>
+                  </a:solidFill>
+                  <a:sym typeface="Tahoma" pitchFamily="34" charset="0"/>
+                </a:endParaRPr>
+              </a:p>
+            </p:txBody>
+          </p:sp>
+          <p:sp>
+            <p:nvSpPr>
+              <p:cNvPr id="40987" name="Text Box 53"/>
+              <p:cNvSpPr>
+                <a:spLocks noChangeArrowheads="1"/>
+              </p:cNvSpPr>
+              <p:nvPr/>
+            </p:nvSpPr>
+            <p:spPr bwMode="auto">
+              <a:xfrm>
+                <a:off x="217" y="324"/>
+                <a:ext cx="295" cy="288"/>
+              </a:xfrm>
+              <a:prstGeom prst="rect">
+                <a:avLst/>
+              </a:prstGeom>
+              <a:noFill/>
+              <a:ln>
+                <a:noFill/>
+              </a:ln>
+              <a:extLst>
+                <a:ext uri="{909E8E84-426E-40DD-AFC4-6F175D3DCCD1}">
+                  <a14:hiddenFill xmlns:a14="http://schemas.microsoft.com/office/drawing/2010/main">
+                    <a:solidFill>
+                      <a:srgbClr val="FFFFFF"/>
+                    </a:solidFill>
+                  </a14:hiddenFill>
+                </a:ext>
+                <a:ext uri="{91240B29-F687-4F45-9708-019B960494DF}">
+                  <a14:hiddenLine xmlns:a14="http://schemas.microsoft.com/office/drawing/2010/main" w="9525">
+                    <a:solidFill>
+                      <a:srgbClr val="000000"/>
+                    </a:solidFill>
+                    <a:miter lim="800000"/>
+                    <a:headEnd/>
+                    <a:tailEnd/>
+                  </a14:hiddenLine>
+                </a:ext>
+              </a:extLst>
+            </p:spPr>
+            <p:txBody>
+              <a:bodyPr wrap="none" lIns="90000" tIns="46800" rIns="90000" bIns="46800" anchor="ctr"/>
+              <a:lstStyle/>
+              <a:p>
+                <a:pPr algn="l"/>
+                <a:r>
+                  <a:rPr lang="en-US">
+                    <a:solidFill>
+                      <a:srgbClr val="545472"/>
+                    </a:solidFill>
+                    <a:sym typeface="Tahoma" pitchFamily="34" charset="0"/>
+                  </a:rPr>
+                  <a:t>ch</a:t>
+                </a:r>
+                <a:endParaRPr lang="zh-CN" altLang="en-US"/>
+              </a:p>
+            </p:txBody>
+          </p:sp>
+          <p:sp>
+            <p:nvSpPr>
+              <p:cNvPr id="40988" name="Text Box 54"/>
+              <p:cNvSpPr>
+                <a:spLocks noChangeArrowheads="1"/>
+              </p:cNvSpPr>
+              <p:nvPr/>
+            </p:nvSpPr>
+            <p:spPr bwMode="auto">
+              <a:xfrm>
+                <a:off x="535" y="336"/>
+                <a:ext cx="210" cy="288"/>
+              </a:xfrm>
+              <a:prstGeom prst="rect">
+                <a:avLst/>
+              </a:prstGeom>
+              <a:noFill/>
+              <a:ln>
+                <a:noFill/>
+              </a:ln>
+              <a:extLst>
+                <a:ext uri="{909E8E84-426E-40DD-AFC4-6F175D3DCCD1}">
+                  <a14:hiddenFill xmlns:a14="http://schemas.microsoft.com/office/drawing/2010/main">
+                    <a:solidFill>
+                      <a:srgbClr val="FFFFFF"/>
+                    </a:solidFill>
+                  </a14:hiddenFill>
+                </a:ext>
+                <a:ext uri="{91240B29-F687-4F45-9708-019B960494DF}">
+                  <a14:hiddenLine xmlns:a14="http://schemas.microsoft.com/office/drawing/2010/main" w="9525">
+                    <a:solidFill>
+                      <a:srgbClr val="000000"/>
+                    </a:solidFill>
+                    <a:miter lim="800000"/>
+                    <a:headEnd/>
+                    <a:tailEnd/>
+                  </a14:hiddenLine>
+                </a:ext>
+              </a:extLst>
+            </p:spPr>
+            <p:txBody>
+              <a:bodyPr wrap="none" lIns="90000" tIns="46800" rIns="90000" bIns="46800" anchor="ctr"/>
+              <a:lstStyle/>
+              <a:p>
+                <a:pPr algn="l"/>
+                <a:r>
+                  <a:rPr lang="en-US">
+                    <a:solidFill>
+                      <a:srgbClr val="545472"/>
+                    </a:solidFill>
+                    <a:sym typeface="Tahoma" pitchFamily="34" charset="0"/>
+                  </a:rPr>
+                  <a:t>k</a:t>
+                </a:r>
+                <a:endParaRPr lang="zh-CN" altLang="en-US"/>
+              </a:p>
+            </p:txBody>
+          </p:sp>
+          <p:sp>
+            <p:nvSpPr>
+              <p:cNvPr id="40989" name="Line 49"/>
+              <p:cNvSpPr>
+                <a:spLocks noChangeShapeType="1"/>
+              </p:cNvSpPr>
+              <p:nvPr/>
+            </p:nvSpPr>
+            <p:spPr bwMode="auto">
+              <a:xfrm>
+                <a:off x="16" y="456"/>
+                <a:ext cx="60" cy="1"/>
+              </a:xfrm>
+              <a:prstGeom prst="line">
+                <a:avLst/>
+              </a:prstGeom>
+              <a:noFill/>
+              <a:ln w="38100" cmpd="sng">
+                <a:solidFill>
+                  <a:schemeClr val="tx1"/>
+                </a:solidFill>
+                <a:round/>
+                <a:headEnd/>
+                <a:tailEnd/>
+              </a:ln>
+              <a:extLst>
+                <a:ext uri="{909E8E84-426E-40DD-AFC4-6F175D3DCCD1}">
+                  <a14:hiddenFill xmlns:a14="http://schemas.microsoft.com/office/drawing/2010/main">
+                    <a:noFill/>
+                  </a14:hiddenFill>
+                </a:ext>
+              </a:extLst>
+            </p:spPr>
+            <p:txBody>
+              <a:bodyPr wrap="none" lIns="90000" tIns="46800" rIns="90000" bIns="46800" anchor="ctr"/>
+              <a:lstStyle/>
+              <a:p>
+                <a:endParaRPr lang="zh-CN" altLang="zh-CN">
+                  <a:solidFill>
+                    <a:srgbClr val="545472"/>
+                  </a:solidFill>
+                  <a:sym typeface="Tahoma" pitchFamily="34" charset="0"/>
+                </a:endParaRPr>
+              </a:p>
+            </p:txBody>
+          </p:sp>
         </p:grpSp>
         <p:sp>
           <p:nvSpPr>
-            <p:cNvPr id="40992" name="AutoShape 63"/>
+            <p:cNvPr id="40990" name="AutoShape 60"/>
             <p:cNvSpPr>
               <a:spLocks noChangeArrowheads="1"/>
             </p:cNvSpPr>
@@ -47244,19 +43016,19 @@
           </p:nvSpPr>
           <p:spPr bwMode="auto">
             <a:xfrm>
-              <a:off x="3048" y="55"/>
-              <a:ext cx="1738" cy="274"/>
+              <a:off x="1409" y="600"/>
+              <a:ext cx="420" cy="216"/>
             </a:xfrm>
-            <a:prstGeom prst="wedgeRectCallout">
+            <a:prstGeom prst="rightArrow">
               <a:avLst>
-                <a:gd name="adj1" fmla="val -54778"/>
-                <a:gd name="adj2" fmla="val 122630"/>
+                <a:gd name="adj1" fmla="val 50000"/>
+                <a:gd name="adj2" fmla="val 48602"/>
               </a:avLst>
             </a:prstGeom>
             <a:noFill/>
             <a:ln w="38100" cmpd="sng">
               <a:solidFill>
-                <a:srgbClr val="33CCCC"/>
+                <a:srgbClr val="003366"/>
               </a:solidFill>
               <a:miter lim="800000"/>
               <a:headEnd/>
@@ -47279,22 +43051,18 @@
             <a:lstStyle/>
             <a:p>
               <a:pPr algn="l"/>
-              <a:r>
-                <a:rPr lang="zh-CN" altLang="en-US" sz="2000">
-                  <a:solidFill>
-                    <a:srgbClr val="545472"/>
-                  </a:solidFill>
-                  <a:sym typeface="Tahoma" pitchFamily="34" charset="0"/>
-                </a:rPr>
-                <a:t>变量的各成员同时存在</a:t>
-              </a:r>
-              <a:endParaRPr lang="zh-CN" altLang="en-US"/>
+              <a:endParaRPr lang="zh-CN" altLang="zh-CN">
+                <a:solidFill>
+                  <a:srgbClr val="545472"/>
+                </a:solidFill>
+                <a:sym typeface="Tahoma" pitchFamily="34" charset="0"/>
+              </a:endParaRPr>
             </a:p>
           </p:txBody>
         </p:sp>
         <p:sp>
           <p:nvSpPr>
-            <p:cNvPr id="40993" name="AutoShape 64"/>
+            <p:cNvPr id="40991" name="AutoShape 61"/>
             <p:cNvSpPr>
               <a:spLocks noChangeArrowheads="1"/>
             </p:cNvSpPr>
@@ -47302,19 +43070,19 @@
           </p:nvSpPr>
           <p:spPr bwMode="auto">
             <a:xfrm>
-              <a:off x="2948" y="2119"/>
-              <a:ext cx="2058" cy="274"/>
+              <a:off x="1445" y="1896"/>
+              <a:ext cx="372" cy="204"/>
             </a:xfrm>
-            <a:prstGeom prst="wedgeRectCallout">
+            <a:prstGeom prst="rightArrow">
               <a:avLst>
-                <a:gd name="adj1" fmla="val -44023"/>
-                <a:gd name="adj2" fmla="val -118250"/>
+                <a:gd name="adj1" fmla="val 50000"/>
+                <a:gd name="adj2" fmla="val 45580"/>
               </a:avLst>
             </a:prstGeom>
             <a:noFill/>
             <a:ln w="38100" cmpd="sng">
               <a:solidFill>
-                <a:srgbClr val="33CCCC"/>
+                <a:srgbClr val="003366"/>
               </a:solidFill>
               <a:miter lim="800000"/>
               <a:headEnd/>
@@ -47337,20 +43105,132 @@
             <a:lstStyle/>
             <a:p>
               <a:pPr algn="l"/>
-              <a:r>
-                <a:rPr lang="zh-CN" altLang="en-US" sz="2000">
-                  <a:solidFill>
-                    <a:srgbClr val="545472"/>
-                  </a:solidFill>
-                  <a:sym typeface="Tahoma" pitchFamily="34" charset="0"/>
-                </a:rPr>
-                <a:t>任一时刻只有一个成员存在</a:t>
-              </a:r>
-              <a:endParaRPr lang="zh-CN" altLang="en-US"/>
+              <a:endParaRPr lang="zh-CN" altLang="zh-CN">
+                <a:solidFill>
+                  <a:srgbClr val="545472"/>
+                </a:solidFill>
+                <a:sym typeface="Tahoma" pitchFamily="34" charset="0"/>
+              </a:endParaRPr>
             </a:p>
           </p:txBody>
         </p:sp>
       </p:grpSp>
+      <p:sp>
+        <p:nvSpPr>
+          <p:cNvPr id="40992" name="AutoShape 63"/>
+          <p:cNvSpPr>
+            <a:spLocks noChangeArrowheads="1"/>
+          </p:cNvSpPr>
+          <p:nvPr/>
+        </p:nvSpPr>
+        <p:spPr bwMode="auto">
+          <a:xfrm>
+            <a:off x="6065377" y="1897063"/>
+            <a:ext cx="2759075" cy="434975"/>
+          </a:xfrm>
+          <a:prstGeom prst="wedgeRectCallout">
+            <a:avLst>
+              <a:gd name="adj1" fmla="val -54778"/>
+              <a:gd name="adj2" fmla="val 122630"/>
+            </a:avLst>
+          </a:prstGeom>
+          <a:noFill/>
+          <a:ln w="38100" cmpd="sng">
+            <a:solidFill>
+              <a:srgbClr val="33CCCC"/>
+            </a:solidFill>
+            <a:miter lim="800000"/>
+            <a:headEnd/>
+            <a:tailEnd/>
+          </a:ln>
+          <a:extLst>
+            <a:ext uri="{909E8E84-426E-40DD-AFC4-6F175D3DCCD1}">
+              <a14:hiddenFill xmlns:a14="http://schemas.microsoft.com/office/drawing/2010/main">
+                <a:solidFill>
+                  <a:srgbClr val="FFFFFF"/>
+                </a:solidFill>
+              </a14:hiddenFill>
+            </a:ext>
+          </a:extLst>
+        </p:spPr>
+        <p:txBody>
+          <a:bodyPr wrap="none" lIns="90000" tIns="46800" rIns="90000" bIns="46800" anchor="ctr">
+            <a:spAutoFit/>
+          </a:bodyPr>
+          <a:lstStyle/>
+          <a:p>
+            <a:pPr algn="l"/>
+            <a:r>
+              <a:rPr lang="zh-CN" altLang="en-US" sz="2000" dirty="0">
+                <a:solidFill>
+                  <a:srgbClr val="545472"/>
+                </a:solidFill>
+                <a:sym typeface="Tahoma" pitchFamily="34" charset="0"/>
+              </a:rPr>
+              <a:t>变量的各成员同时存在</a:t>
+            </a:r>
+            <a:endParaRPr lang="zh-CN" altLang="en-US" dirty="0"/>
+          </a:p>
+        </p:txBody>
+      </p:sp>
+      <p:sp>
+        <p:nvSpPr>
+          <p:cNvPr id="40993" name="AutoShape 64"/>
+          <p:cNvSpPr>
+            <a:spLocks noChangeArrowheads="1"/>
+          </p:cNvSpPr>
+          <p:nvPr/>
+        </p:nvSpPr>
+        <p:spPr bwMode="auto">
+          <a:xfrm>
+            <a:off x="5717945" y="5173663"/>
+            <a:ext cx="3267075" cy="434975"/>
+          </a:xfrm>
+          <a:prstGeom prst="wedgeRectCallout">
+            <a:avLst>
+              <a:gd name="adj1" fmla="val -44023"/>
+              <a:gd name="adj2" fmla="val -118250"/>
+            </a:avLst>
+          </a:prstGeom>
+          <a:noFill/>
+          <a:ln w="38100" cmpd="sng">
+            <a:solidFill>
+              <a:srgbClr val="33CCCC"/>
+            </a:solidFill>
+            <a:miter lim="800000"/>
+            <a:headEnd/>
+            <a:tailEnd/>
+          </a:ln>
+          <a:extLst>
+            <a:ext uri="{909E8E84-426E-40DD-AFC4-6F175D3DCCD1}">
+              <a14:hiddenFill xmlns:a14="http://schemas.microsoft.com/office/drawing/2010/main">
+                <a:solidFill>
+                  <a:srgbClr val="FFFFFF"/>
+                </a:solidFill>
+              </a14:hiddenFill>
+            </a:ext>
+          </a:extLst>
+        </p:spPr>
+        <p:txBody>
+          <a:bodyPr wrap="none" lIns="90000" tIns="46800" rIns="90000" bIns="46800" anchor="ctr">
+            <a:spAutoFit/>
+          </a:bodyPr>
+          <a:lstStyle/>
+          <a:p>
+            <a:pPr algn="l"/>
+            <a:r>
+              <a:rPr lang="zh-CN" altLang="en-US" sz="2000">
+                <a:solidFill>
+                  <a:srgbClr val="545472"/>
+                </a:solidFill>
+                <a:sym typeface="Tahoma" pitchFamily="34" charset="0"/>
+              </a:rPr>
+              <a:t>任一时刻只有一个成员存在</a:t>
+            </a:r>
+            <a:endParaRPr lang="zh-CN" altLang="en-US"/>
+          </a:p>
+        </p:txBody>
+      </p:sp>
       <p:sp>
         <p:nvSpPr>
           <p:cNvPr id="40994" name="Rectangle 66"/>
@@ -47492,15 +43372,148 @@
   <p:timing>
     <p:tnLst>
       <p:par>
-        <p:cTn id="1" dur="indefinite" restart="never" nodeType="tmRoot"/>
+        <p:cTn id="1" dur="indefinite" restart="never" nodeType="tmRoot">
+          <p:childTnLst>
+            <p:seq concurrent="1" nextAc="seek">
+              <p:cTn id="2" dur="indefinite" nodeType="mainSeq">
+                <p:childTnLst>
+                  <p:par>
+                    <p:cTn id="3" fill="hold">
+                      <p:stCondLst>
+                        <p:cond delay="indefinite"/>
+                      </p:stCondLst>
+                      <p:childTnLst>
+                        <p:par>
+                          <p:cTn id="4" fill="hold">
+                            <p:stCondLst>
+                              <p:cond delay="0"/>
+                            </p:stCondLst>
+                            <p:childTnLst>
+                              <p:par>
+                                <p:cTn id="5" presetID="22" presetClass="entr" presetSubtype="4" fill="hold" grpId="0" nodeType="clickEffect">
+                                  <p:stCondLst>
+                                    <p:cond delay="0"/>
+                                  </p:stCondLst>
+                                  <p:childTnLst>
+                                    <p:set>
+                                      <p:cBhvr>
+                                        <p:cTn id="6" dur="1" fill="hold">
+                                          <p:stCondLst>
+                                            <p:cond delay="0"/>
+                                          </p:stCondLst>
+                                        </p:cTn>
+                                        <p:tgtEl>
+                                          <p:spTgt spid="40992"/>
+                                        </p:tgtEl>
+                                        <p:attrNameLst>
+                                          <p:attrName>style.visibility</p:attrName>
+                                        </p:attrNameLst>
+                                      </p:cBhvr>
+                                      <p:to>
+                                        <p:strVal val="visible"/>
+                                      </p:to>
+                                    </p:set>
+                                    <p:animEffect transition="in" filter="wipe(down)">
+                                      <p:cBhvr>
+                                        <p:cTn id="7" dur="500"/>
+                                        <p:tgtEl>
+                                          <p:spTgt spid="40992"/>
+                                        </p:tgtEl>
+                                      </p:cBhvr>
+                                    </p:animEffect>
+                                  </p:childTnLst>
+                                </p:cTn>
+                              </p:par>
+                            </p:childTnLst>
+                          </p:cTn>
+                        </p:par>
+                      </p:childTnLst>
+                    </p:cTn>
+                  </p:par>
+                  <p:par>
+                    <p:cTn id="8" fill="hold">
+                      <p:stCondLst>
+                        <p:cond delay="indefinite"/>
+                      </p:stCondLst>
+                      <p:childTnLst>
+                        <p:par>
+                          <p:cTn id="9" fill="hold">
+                            <p:stCondLst>
+                              <p:cond delay="0"/>
+                            </p:stCondLst>
+                            <p:childTnLst>
+                              <p:par>
+                                <p:cTn id="10" presetID="22" presetClass="entr" presetSubtype="4" fill="hold" grpId="0" nodeType="clickEffect">
+                                  <p:stCondLst>
+                                    <p:cond delay="0"/>
+                                  </p:stCondLst>
+                                  <p:childTnLst>
+                                    <p:set>
+                                      <p:cBhvr>
+                                        <p:cTn id="11" dur="1" fill="hold">
+                                          <p:stCondLst>
+                                            <p:cond delay="0"/>
+                                          </p:stCondLst>
+                                        </p:cTn>
+                                        <p:tgtEl>
+                                          <p:spTgt spid="40993"/>
+                                        </p:tgtEl>
+                                        <p:attrNameLst>
+                                          <p:attrName>style.visibility</p:attrName>
+                                        </p:attrNameLst>
+                                      </p:cBhvr>
+                                      <p:to>
+                                        <p:strVal val="visible"/>
+                                      </p:to>
+                                    </p:set>
+                                    <p:animEffect transition="in" filter="wipe(down)">
+                                      <p:cBhvr>
+                                        <p:cTn id="12" dur="500"/>
+                                        <p:tgtEl>
+                                          <p:spTgt spid="40993"/>
+                                        </p:tgtEl>
+                                      </p:cBhvr>
+                                    </p:animEffect>
+                                  </p:childTnLst>
+                                </p:cTn>
+                              </p:par>
+                            </p:childTnLst>
+                          </p:cTn>
+                        </p:par>
+                      </p:childTnLst>
+                    </p:cTn>
+                  </p:par>
+                </p:childTnLst>
+              </p:cTn>
+              <p:prevCondLst>
+                <p:cond evt="onPrev" delay="0">
+                  <p:tgtEl>
+                    <p:sldTgt/>
+                  </p:tgtEl>
+                </p:cond>
+              </p:prevCondLst>
+              <p:nextCondLst>
+                <p:cond evt="onNext" delay="0">
+                  <p:tgtEl>
+                    <p:sldTgt/>
+                  </p:tgtEl>
+                </p:cond>
+              </p:nextCondLst>
+            </p:seq>
+          </p:childTnLst>
+        </p:cTn>
       </p:par>
     </p:tnLst>
+    <p:bldLst>
+      <p:bldP spid="40992" grpId="0" animBg="1"/>
+      <p:bldP spid="40993" grpId="0" animBg="1"/>
+    </p:bldLst>
   </p:timing>
 </p:sld>
 </file>
 
 <file path=ppt/slides/slide32.xml><?xml version="1.0" encoding="utf-8"?>
-<p:sld xmlns:a="http://schemas.openxmlformats.org/drawingml/2006/main" xmlns:r="http://schemas.openxmlformats.org/officeDocument/2006/relationships" xmlns:p="http://schemas.openxmlformats.org/presentationml/2006/main">
+<p:sld xmlns:a="http://schemas.openxmlformats.org/drawingml/2006/main" xmlns:r="http://schemas.openxmlformats.org/officeDocument/2006/relationships" xmlns:p="http://schemas.openxmlformats.org/presentationml/2006/main" showMasterSp="0">
   <p:cSld>
     <p:spTree>
       <p:nvGrpSpPr>
@@ -47752,6 +43765,30 @@
           </a:p>
         </p:txBody>
       </p:sp>
+      <p:sp>
+        <p:nvSpPr>
+          <p:cNvPr id="2" name="灯片编号占位符 1"/>
+          <p:cNvSpPr>
+            <a:spLocks noGrp="1"/>
+          </p:cNvSpPr>
+          <p:nvPr>
+            <p:ph type="sldNum" sz="quarter" idx="12"/>
+          </p:nvPr>
+        </p:nvSpPr>
+        <p:spPr/>
+        <p:txBody>
+          <a:bodyPr/>
+          <a:lstStyle/>
+          <a:p>
+            <a:fld id="{A5E31B95-1B97-4BB3-937B-83E5382E5371}" type="slidenum">
+              <a:rPr lang="zh-CN" altLang="en-US" smtClean="0"/>
+              <a:pPr/>
+              <a:t>32</a:t>
+            </a:fld>
+            <a:endParaRPr lang="en-US" sz="1800"/>
+          </a:p>
+        </p:txBody>
+      </p:sp>
     </p:spTree>
     <p:extLst>
       <p:ext uri="{BB962C8B-B14F-4D97-AF65-F5344CB8AC3E}">
@@ -47781,7 +43818,7 @@
 </file>
 
 <file path=ppt/slides/slide33.xml><?xml version="1.0" encoding="utf-8"?>
-<p:sld xmlns:a="http://schemas.openxmlformats.org/drawingml/2006/main" xmlns:r="http://schemas.openxmlformats.org/officeDocument/2006/relationships" xmlns:p="http://schemas.openxmlformats.org/presentationml/2006/main">
+<p:sld xmlns:a="http://schemas.openxmlformats.org/drawingml/2006/main" xmlns:r="http://schemas.openxmlformats.org/officeDocument/2006/relationships" xmlns:p="http://schemas.openxmlformats.org/presentationml/2006/main" showMasterSp="0">
   <p:cSld>
     <p:spTree>
       <p:nvGrpSpPr>
@@ -48170,6 +44207,30 @@
               <a:t>date birthday,*p;</a:t>
             </a:r>
             <a:endParaRPr lang="zh-CN" altLang="en-US" dirty="0"/>
+          </a:p>
+        </p:txBody>
+      </p:sp>
+      <p:sp>
+        <p:nvSpPr>
+          <p:cNvPr id="2" name="灯片编号占位符 1"/>
+          <p:cNvSpPr>
+            <a:spLocks noGrp="1"/>
+          </p:cNvSpPr>
+          <p:nvPr>
+            <p:ph type="sldNum" sz="quarter" idx="12"/>
+          </p:nvPr>
+        </p:nvSpPr>
+        <p:spPr/>
+        <p:txBody>
+          <a:bodyPr/>
+          <a:lstStyle/>
+          <a:p>
+            <a:fld id="{A5E31B95-1B97-4BB3-937B-83E5382E5371}" type="slidenum">
+              <a:rPr lang="zh-CN" altLang="en-US" smtClean="0"/>
+              <a:pPr/>
+              <a:t>33</a:t>
+            </a:fld>
+            <a:endParaRPr lang="en-US" sz="1800"/>
           </a:p>
         </p:txBody>
       </p:sp>
@@ -48281,7 +44342,7 @@
 </file>
 
 <file path=ppt/slides/slide34.xml><?xml version="1.0" encoding="utf-8"?>
-<p:sld xmlns:a="http://schemas.openxmlformats.org/drawingml/2006/main" xmlns:r="http://schemas.openxmlformats.org/officeDocument/2006/relationships" xmlns:p="http://schemas.openxmlformats.org/presentationml/2006/main">
+<p:sld xmlns:a="http://schemas.openxmlformats.org/drawingml/2006/main" xmlns:r="http://schemas.openxmlformats.org/officeDocument/2006/relationships" xmlns:p="http://schemas.openxmlformats.org/presentationml/2006/main" showMasterSp="0">
   <p:cSld>
     <p:spTree>
       <p:nvGrpSpPr>
@@ -48480,21 +44541,45 @@
             </a:r>
             <a:r>
               <a:rPr lang="en-US" altLang="zh-CN" dirty="0" smtClean="0"/>
-              <a:t> char string[80];  // </a:t>
-            </a:r>
-            <a:r>
-              <a:rPr lang="zh-CN" altLang="en-US" dirty="0" smtClean="0"/>
+              <a:t> char string[80];  </a:t>
+            </a:r>
+            <a:r>
+              <a:rPr lang="en-US" altLang="zh-CN" dirty="0" smtClean="0">
+                <a:solidFill>
+                  <a:srgbClr val="FF0000"/>
+                </a:solidFill>
+              </a:rPr>
+              <a:t>// </a:t>
+            </a:r>
+            <a:r>
+              <a:rPr lang="zh-CN" altLang="en-US" dirty="0" smtClean="0">
+                <a:solidFill>
+                  <a:srgbClr val="FF0000"/>
+                </a:solidFill>
+              </a:rPr>
               <a:t>定义一个新的类型</a:t>
             </a:r>
             <a:r>
-              <a:rPr lang="en-US" altLang="zh-CN" dirty="0" smtClean="0"/>
+              <a:rPr lang="en-US" altLang="zh-CN" dirty="0" smtClean="0">
+                <a:solidFill>
+                  <a:srgbClr val="FF0000"/>
+                </a:solidFill>
+              </a:rPr>
               <a:t>string</a:t>
             </a:r>
             <a:r>
-              <a:rPr lang="zh-CN" altLang="en-US" dirty="0" smtClean="0"/>
+              <a:rPr lang="zh-CN" altLang="en-US" dirty="0" smtClean="0">
+                <a:solidFill>
+                  <a:srgbClr val="FF0000"/>
+                </a:solidFill>
+              </a:rPr>
               <a:t>，表示字符串</a:t>
             </a:r>
-            <a:endParaRPr lang="en-US" altLang="zh-CN" dirty="0" smtClean="0"/>
+            <a:endParaRPr lang="en-US" altLang="zh-CN" dirty="0" smtClean="0">
+              <a:solidFill>
+                <a:srgbClr val="FF0000"/>
+              </a:solidFill>
+            </a:endParaRPr>
           </a:p>
           <a:p>
             <a:pPr algn="l">
@@ -48507,6 +44592,30 @@
               <a:t>string s1,s2;</a:t>
             </a:r>
             <a:endParaRPr lang="zh-CN" altLang="en-US" dirty="0"/>
+          </a:p>
+        </p:txBody>
+      </p:sp>
+      <p:sp>
+        <p:nvSpPr>
+          <p:cNvPr id="2" name="灯片编号占位符 1"/>
+          <p:cNvSpPr>
+            <a:spLocks noGrp="1"/>
+          </p:cNvSpPr>
+          <p:nvPr>
+            <p:ph type="sldNum" sz="quarter" idx="12"/>
+          </p:nvPr>
+        </p:nvSpPr>
+        <p:spPr/>
+        <p:txBody>
+          <a:bodyPr/>
+          <a:lstStyle/>
+          <a:p>
+            <a:fld id="{A5E31B95-1B97-4BB3-937B-83E5382E5371}" type="slidenum">
+              <a:rPr lang="zh-CN" altLang="en-US" smtClean="0"/>
+              <a:pPr/>
+              <a:t>34</a:t>
+            </a:fld>
+            <a:endParaRPr lang="en-US" sz="1800"/>
           </a:p>
         </p:txBody>
       </p:sp>
@@ -48618,7 +44727,7 @@
 </file>
 
 <file path=ppt/slides/slide35.xml><?xml version="1.0" encoding="utf-8"?>
-<p:sld xmlns:a="http://schemas.openxmlformats.org/drawingml/2006/main" xmlns:r="http://schemas.openxmlformats.org/officeDocument/2006/relationships" xmlns:p="http://schemas.openxmlformats.org/presentationml/2006/main">
+<p:sld xmlns:a="http://schemas.openxmlformats.org/drawingml/2006/main" xmlns:r="http://schemas.openxmlformats.org/officeDocument/2006/relationships" xmlns:p="http://schemas.openxmlformats.org/presentationml/2006/main" showMasterSp="0">
   <p:cSld>
     <p:spTree>
       <p:nvGrpSpPr>
@@ -49013,6 +45122,30 @@
               <a:t>date birthday;</a:t>
             </a:r>
             <a:endParaRPr lang="zh-CN" altLang="en-US" dirty="0"/>
+          </a:p>
+        </p:txBody>
+      </p:sp>
+      <p:sp>
+        <p:nvSpPr>
+          <p:cNvPr id="2" name="灯片编号占位符 1"/>
+          <p:cNvSpPr>
+            <a:spLocks noGrp="1"/>
+          </p:cNvSpPr>
+          <p:nvPr>
+            <p:ph type="sldNum" sz="quarter" idx="12"/>
+          </p:nvPr>
+        </p:nvSpPr>
+        <p:spPr/>
+        <p:txBody>
+          <a:bodyPr/>
+          <a:lstStyle/>
+          <a:p>
+            <a:fld id="{A5E31B95-1B97-4BB3-937B-83E5382E5371}" type="slidenum">
+              <a:rPr lang="zh-CN" altLang="en-US" smtClean="0"/>
+              <a:pPr/>
+              <a:t>35</a:t>
+            </a:fld>
+            <a:endParaRPr lang="en-US" sz="1800"/>
           </a:p>
         </p:txBody>
       </p:sp>
@@ -49124,7 +45257,7 @@
 </file>
 
 <file path=ppt/slides/slide36.xml><?xml version="1.0" encoding="utf-8"?>
-<p:sld xmlns:a="http://schemas.openxmlformats.org/drawingml/2006/main" xmlns:r="http://schemas.openxmlformats.org/officeDocument/2006/relationships" xmlns:p="http://schemas.openxmlformats.org/presentationml/2006/main">
+<p:sld xmlns:a="http://schemas.openxmlformats.org/drawingml/2006/main" xmlns:r="http://schemas.openxmlformats.org/officeDocument/2006/relationships" xmlns:p="http://schemas.openxmlformats.org/presentationml/2006/main" showMasterSp="0">
   <p:cSld>
     <p:spTree>
       <p:nvGrpSpPr>
@@ -49560,7 +45693,7 @@
 </file>
 
 <file path=ppt/slides/slide37.xml><?xml version="1.0" encoding="utf-8"?>
-<p:sld xmlns:a="http://schemas.openxmlformats.org/drawingml/2006/main" xmlns:r="http://schemas.openxmlformats.org/officeDocument/2006/relationships" xmlns:p="http://schemas.openxmlformats.org/presentationml/2006/main">
+<p:sld xmlns:a="http://schemas.openxmlformats.org/drawingml/2006/main" xmlns:r="http://schemas.openxmlformats.org/officeDocument/2006/relationships" xmlns:p="http://schemas.openxmlformats.org/presentationml/2006/main" showMasterSp="0">
   <p:cSld>
     <p:spTree>
       <p:nvGrpSpPr>
@@ -49812,7 +45945,7 @@
 </file>
 
 <file path=ppt/slides/slide4.xml><?xml version="1.0" encoding="utf-8"?>
-<p:sld xmlns:a="http://schemas.openxmlformats.org/drawingml/2006/main" xmlns:r="http://schemas.openxmlformats.org/officeDocument/2006/relationships" xmlns:p="http://schemas.openxmlformats.org/presentationml/2006/main" showMasterPhAnim="0">
+<p:sld xmlns:a="http://schemas.openxmlformats.org/drawingml/2006/main" xmlns:r="http://schemas.openxmlformats.org/officeDocument/2006/relationships" xmlns:p="http://schemas.openxmlformats.org/presentationml/2006/main" showMasterSp="0" showMasterPhAnim="0">
   <p:cSld>
     <p:spTree>
       <p:nvGrpSpPr>
@@ -50515,7 +46648,7 @@
 </file>
 
 <file path=ppt/slides/slide5.xml><?xml version="1.0" encoding="utf-8"?>
-<p:sld xmlns:a="http://schemas.openxmlformats.org/drawingml/2006/main" xmlns:r="http://schemas.openxmlformats.org/officeDocument/2006/relationships" xmlns:p="http://schemas.openxmlformats.org/presentationml/2006/main" showMasterPhAnim="0">
+<p:sld xmlns:a="http://schemas.openxmlformats.org/drawingml/2006/main" xmlns:r="http://schemas.openxmlformats.org/officeDocument/2006/relationships" xmlns:p="http://schemas.openxmlformats.org/presentationml/2006/main" showMasterSp="0" showMasterPhAnim="0">
   <p:cSld>
     <p:spTree>
       <p:nvGrpSpPr>
@@ -51002,7 +47135,7 @@
 </file>
 
 <file path=ppt/slides/slide6.xml><?xml version="1.0" encoding="utf-8"?>
-<p:sld xmlns:a="http://schemas.openxmlformats.org/drawingml/2006/main" xmlns:r="http://schemas.openxmlformats.org/officeDocument/2006/relationships" xmlns:p="http://schemas.openxmlformats.org/presentationml/2006/main">
+<p:sld xmlns:a="http://schemas.openxmlformats.org/drawingml/2006/main" xmlns:r="http://schemas.openxmlformats.org/officeDocument/2006/relationships" xmlns:p="http://schemas.openxmlformats.org/presentationml/2006/main" showMasterSp="0">
   <p:cSld>
     <p:spTree>
       <p:nvGrpSpPr>
@@ -51577,7 +47710,7 @@
           <a:lstStyle/>
           <a:p>
             <a:r>
-              <a:rPr lang="zh-CN" altLang="en-US" sz="2000" b="1">
+              <a:rPr lang="zh-CN" altLang="en-US" sz="2000" b="1" dirty="0">
                 <a:solidFill>
                   <a:srgbClr val="545472"/>
                 </a:solidFill>
@@ -51586,7 +47719,7 @@
               <a:t>用</a:t>
             </a:r>
             <a:r>
-              <a:rPr lang="zh-CN" altLang="en-US" sz="2000" b="1">
+              <a:rPr lang="zh-CN" altLang="en-US" sz="2000" b="1" dirty="0">
                 <a:solidFill>
                   <a:srgbClr val="3333FF"/>
                 </a:solidFill>
@@ -51595,7 +47728,7 @@
               <a:t>无名结构体</a:t>
             </a:r>
             <a:r>
-              <a:rPr lang="zh-CN" altLang="en-US" sz="2000" b="1">
+              <a:rPr lang="zh-CN" altLang="en-US" sz="2000" b="1" dirty="0">
                 <a:solidFill>
                   <a:srgbClr val="545472"/>
                 </a:solidFill>
@@ -51606,24 +47739,42 @@
           </a:p>
           <a:p>
             <a:r>
-              <a:rPr lang="zh-CN" altLang="en-US" sz="2000" b="1">
-                <a:solidFill>
-                  <a:srgbClr val="545472"/>
-                </a:solidFill>
-                <a:sym typeface="Tahoma" pitchFamily="34" charset="0"/>
-              </a:rPr>
-              <a:t>变量</a:t>
-            </a:r>
-            <a:r>
-              <a:rPr lang="zh-CN" altLang="en-US" sz="2000" b="1">
+              <a:rPr lang="zh-CN" altLang="en-US" sz="2000" b="1" dirty="0" smtClean="0">
+                <a:solidFill>
+                  <a:srgbClr val="545472"/>
+                </a:solidFill>
+                <a:sym typeface="Tahoma" pitchFamily="34" charset="0"/>
+              </a:rPr>
+              <a:t>变量，</a:t>
+            </a:r>
+            <a:r>
+              <a:rPr lang="zh-CN" altLang="en-US" sz="2000" b="1" dirty="0" smtClean="0">
                 <a:solidFill>
                   <a:schemeClr val="tx2"/>
                 </a:solidFill>
                 <a:sym typeface="Tahoma" pitchFamily="34" charset="0"/>
               </a:rPr>
-              <a:t>只能一次</a:t>
-            </a:r>
-            <a:endParaRPr lang="zh-CN" altLang="en-US" sz="2000" b="1">
+              <a:t>仅使用</a:t>
+            </a:r>
+            <a:r>
+              <a:rPr lang="zh-CN" altLang="en-US" sz="2000" b="1" dirty="0" smtClean="0">
+                <a:solidFill>
+                  <a:schemeClr val="tx2"/>
+                </a:solidFill>
+                <a:sym typeface="Tahoma" pitchFamily="34" charset="0"/>
+              </a:rPr>
+              <a:t>一</a:t>
+            </a:r>
+            <a:r>
+              <a:rPr lang="zh-CN" altLang="en-US" sz="2000" b="1" dirty="0">
+                <a:solidFill>
+                  <a:schemeClr val="tx2"/>
+                </a:solidFill>
+                <a:sym typeface="Tahoma" pitchFamily="34" charset="0"/>
+              </a:rPr>
+              <a:t>次</a:t>
+            </a:r>
+            <a:endParaRPr lang="zh-CN" altLang="en-US" sz="2000" b="1" dirty="0">
               <a:solidFill>
                 <a:srgbClr val="545472"/>
               </a:solidFill>
@@ -51837,7 +47988,7 @@
 </file>
 
 <file path=ppt/slides/slide7.xml><?xml version="1.0" encoding="utf-8"?>
-<p:sld xmlns:a="http://schemas.openxmlformats.org/drawingml/2006/main" xmlns:r="http://schemas.openxmlformats.org/officeDocument/2006/relationships" xmlns:p="http://schemas.openxmlformats.org/presentationml/2006/main" showMasterPhAnim="0">
+<p:sld xmlns:a="http://schemas.openxmlformats.org/drawingml/2006/main" xmlns:r="http://schemas.openxmlformats.org/officeDocument/2006/relationships" xmlns:p="http://schemas.openxmlformats.org/presentationml/2006/main" showMasterSp="0" showMasterPhAnim="0">
   <p:cSld>
     <p:spTree>
       <p:nvGrpSpPr>
@@ -52727,7 +48878,7 @@
 </file>
 
 <file path=ppt/slides/slide8.xml><?xml version="1.0" encoding="utf-8"?>
-<p:sld xmlns:a="http://schemas.openxmlformats.org/drawingml/2006/main" xmlns:r="http://schemas.openxmlformats.org/officeDocument/2006/relationships" xmlns:p="http://schemas.openxmlformats.org/presentationml/2006/main">
+<p:sld xmlns:a="http://schemas.openxmlformats.org/drawingml/2006/main" xmlns:r="http://schemas.openxmlformats.org/officeDocument/2006/relationships" xmlns:p="http://schemas.openxmlformats.org/presentationml/2006/main" showMasterSp="0">
   <p:cSld>
     <p:spTree>
       <p:nvGrpSpPr>
@@ -53348,7 +49499,7 @@
 </file>
 
 <file path=ppt/slides/slide9.xml><?xml version="1.0" encoding="utf-8"?>
-<p:sld xmlns:a="http://schemas.openxmlformats.org/drawingml/2006/main" xmlns:r="http://schemas.openxmlformats.org/officeDocument/2006/relationships" xmlns:p="http://schemas.openxmlformats.org/presentationml/2006/main">
+<p:sld xmlns:a="http://schemas.openxmlformats.org/drawingml/2006/main" xmlns:r="http://schemas.openxmlformats.org/officeDocument/2006/relationships" xmlns:p="http://schemas.openxmlformats.org/presentationml/2006/main" showMasterSp="0">
   <p:cSld>
     <p:spTree>
       <p:nvGrpSpPr>

--- a/2016/C语言/课件/第9章  结构体与共用体.pptx
+++ b/2016/C语言/课件/第9章  结构体与共用体.pptx
@@ -15200,41 +15200,49 @@
           <a:p>
             <a:pPr lvl="1" algn="l"/>
             <a:r>
-              <a:rPr lang="zh-CN" altLang="en-US"/>
+              <a:rPr lang="zh-CN" altLang="en-US" dirty="0"/>
               <a:t>指向结构体变量的指针：</a:t>
             </a:r>
             <a:r>
-              <a:rPr lang="zh-CN" altLang="en-US">
+              <a:rPr lang="zh-CN" altLang="en-US" dirty="0">
                 <a:ea typeface="隶书" pitchFamily="49" charset="-122"/>
               </a:rPr>
               <a:t>存放结构体变量在内存的起始地址。</a:t>
             </a:r>
-            <a:endParaRPr lang="zh-CN" altLang="en-US"/>
+            <a:endParaRPr lang="zh-CN" altLang="en-US" dirty="0"/>
           </a:p>
           <a:p>
             <a:pPr lvl="1" algn="l"/>
             <a:r>
-              <a:rPr lang="zh-CN" altLang="en-US"/>
+              <a:rPr lang="zh-CN" altLang="en-US" dirty="0"/>
               <a:t>定义形式：</a:t>
             </a:r>
             <a:r>
-              <a:rPr lang="en-US">
+              <a:rPr lang="en-US" dirty="0" err="1">
                 <a:solidFill>
                   <a:schemeClr val="tx2"/>
                 </a:solidFill>
               </a:rPr>
-              <a:t>struct  </a:t>
-            </a:r>
-            <a:r>
-              <a:rPr lang="zh-CN" altLang="en-US">
+              <a:t>struct</a:t>
+            </a:r>
+            <a:r>
+              <a:rPr lang="en-US" dirty="0">
                 <a:solidFill>
                   <a:schemeClr val="tx2"/>
                 </a:solidFill>
               </a:rPr>
+              <a:t>  </a:t>
+            </a:r>
+            <a:r>
+              <a:rPr lang="zh-CN" altLang="en-US" dirty="0">
+                <a:solidFill>
+                  <a:schemeClr val="tx2"/>
+                </a:solidFill>
+              </a:rPr>
               <a:t>结构体名   </a:t>
             </a:r>
             <a:r>
-              <a:rPr lang="zh-CN" altLang="en-US">
+              <a:rPr lang="zh-CN" altLang="en-US" dirty="0">
                 <a:solidFill>
                   <a:srgbClr val="FF0000"/>
                 </a:solidFill>
@@ -15242,7 +15250,7 @@
               <a:t>*</a:t>
             </a:r>
             <a:r>
-              <a:rPr lang="zh-CN" altLang="en-US">
+              <a:rPr lang="zh-CN" altLang="en-US" dirty="0">
                 <a:solidFill>
                   <a:schemeClr val="tx2"/>
                 </a:solidFill>
@@ -15250,14 +15258,14 @@
               <a:t>结构体指针名</a:t>
             </a:r>
             <a:r>
-              <a:rPr lang="en-US">
+              <a:rPr lang="en-US" dirty="0">
                 <a:solidFill>
                   <a:schemeClr val="tx2"/>
                 </a:solidFill>
               </a:rPr>
               <a:t>;</a:t>
             </a:r>
-            <a:endParaRPr lang="en-US"/>
+            <a:endParaRPr lang="en-US" dirty="0"/>
           </a:p>
         </p:txBody>
       </p:sp>
@@ -28463,8 +28471,8 @@
         </p:nvSpPr>
         <p:spPr bwMode="auto">
           <a:xfrm>
-            <a:off x="236538" y="881063"/>
-            <a:ext cx="8766175" cy="1633537"/>
+            <a:off x="236538" y="881133"/>
+            <a:ext cx="8766175" cy="1633397"/>
           </a:xfrm>
           <a:prstGeom prst="rect">
             <a:avLst/>
@@ -28489,15 +28497,42 @@
           <a:p>
             <a:pPr algn="l"/>
             <a:r>
-              <a:rPr lang="en-US" sz="2000">
+              <a:rPr lang="en-US" sz="2000" dirty="0" err="1">
                 <a:solidFill>
                   <a:srgbClr val="3333FF"/>
                 </a:solidFill>
                 <a:sym typeface="Tahoma" pitchFamily="34" charset="0"/>
               </a:rPr>
-              <a:t>struct data {   int a, b, c; };</a:t>
-            </a:r>
-            <a:endParaRPr lang="zh-CN" altLang="en-US" sz="2000">
+              <a:t>struct</a:t>
+            </a:r>
+            <a:r>
+              <a:rPr lang="en-US" sz="2000" dirty="0">
+                <a:solidFill>
+                  <a:srgbClr val="3333FF"/>
+                </a:solidFill>
+                <a:sym typeface="Tahoma" pitchFamily="34" charset="0"/>
+              </a:rPr>
+              <a:t> data {   </a:t>
+            </a:r>
+            <a:r>
+              <a:rPr lang="en-US" sz="2000" dirty="0" err="1">
+                <a:solidFill>
+                  <a:srgbClr val="3333FF"/>
+                </a:solidFill>
+                <a:sym typeface="Tahoma" pitchFamily="34" charset="0"/>
+              </a:rPr>
+              <a:t>int</a:t>
+            </a:r>
+            <a:r>
+              <a:rPr lang="en-US" sz="2000" dirty="0">
+                <a:solidFill>
+                  <a:srgbClr val="3333FF"/>
+                </a:solidFill>
+                <a:sym typeface="Tahoma" pitchFamily="34" charset="0"/>
+              </a:rPr>
+              <a:t> a, b, c; };</a:t>
+            </a:r>
+            <a:endParaRPr lang="zh-CN" altLang="en-US" sz="2000" dirty="0">
               <a:solidFill>
                 <a:srgbClr val="3333FF"/>
               </a:solidFill>
@@ -28507,28 +28542,232 @@
           <a:p>
             <a:pPr algn="l"/>
             <a:r>
-              <a:rPr lang="en-US" sz="2000">
-                <a:solidFill>
-                  <a:srgbClr val="545472"/>
-                </a:solidFill>
-                <a:sym typeface="Tahoma" pitchFamily="34" charset="0"/>
-              </a:rPr>
-              <a:t>void main( )  {   struct data arg;  arg.a=27;   arg.b=3;    arg.c=arg.a+arg.b;</a:t>
-            </a:r>
+              <a:rPr lang="en-US" sz="2000" dirty="0">
+                <a:solidFill>
+                  <a:srgbClr val="545472"/>
+                </a:solidFill>
+                <a:sym typeface="Tahoma" pitchFamily="34" charset="0"/>
+              </a:rPr>
+              <a:t>void main( )  </a:t>
+            </a:r>
+            <a:endParaRPr lang="en-US" sz="2000" dirty="0" smtClean="0">
+              <a:solidFill>
+                <a:srgbClr val="545472"/>
+              </a:solidFill>
+              <a:sym typeface="Tahoma" pitchFamily="34" charset="0"/>
+            </a:endParaRPr>
           </a:p>
           <a:p>
             <a:pPr algn="l"/>
             <a:r>
-              <a:rPr lang="en-US" sz="2000">
+              <a:rPr lang="en-US" sz="2000" dirty="0" smtClean="0">
+                <a:solidFill>
+                  <a:srgbClr val="545472"/>
+                </a:solidFill>
+                <a:sym typeface="Tahoma" pitchFamily="34" charset="0"/>
+              </a:rPr>
+              <a:t>{   </a:t>
+            </a:r>
+            <a:r>
+              <a:rPr lang="en-US" sz="2000" dirty="0" err="1">
+                <a:solidFill>
+                  <a:srgbClr val="545472"/>
+                </a:solidFill>
+                <a:sym typeface="Tahoma" pitchFamily="34" charset="0"/>
+              </a:rPr>
+              <a:t>struct</a:t>
+            </a:r>
+            <a:r>
+              <a:rPr lang="en-US" sz="2000" dirty="0">
+                <a:solidFill>
+                  <a:srgbClr val="545472"/>
+                </a:solidFill>
+                <a:sym typeface="Tahoma" pitchFamily="34" charset="0"/>
+              </a:rPr>
+              <a:t> data </a:t>
+            </a:r>
+            <a:r>
+              <a:rPr lang="en-US" sz="2000" dirty="0" err="1">
+                <a:solidFill>
+                  <a:srgbClr val="545472"/>
+                </a:solidFill>
+                <a:sym typeface="Tahoma" pitchFamily="34" charset="0"/>
+              </a:rPr>
+              <a:t>arg</a:t>
+            </a:r>
+            <a:r>
+              <a:rPr lang="en-US" sz="2000" dirty="0">
+                <a:solidFill>
+                  <a:srgbClr val="545472"/>
+                </a:solidFill>
+                <a:sym typeface="Tahoma" pitchFamily="34" charset="0"/>
+              </a:rPr>
+              <a:t>;  </a:t>
+            </a:r>
+            <a:r>
+              <a:rPr lang="en-US" sz="2000" dirty="0" smtClean="0">
+                <a:solidFill>
+                  <a:srgbClr val="545472"/>
+                </a:solidFill>
+                <a:sym typeface="Tahoma" pitchFamily="34" charset="0"/>
+              </a:rPr>
+              <a:t> </a:t>
+            </a:r>
+            <a:r>
+              <a:rPr lang="en-US" sz="2000" dirty="0" err="1" smtClean="0">
+                <a:solidFill>
+                  <a:srgbClr val="545472"/>
+                </a:solidFill>
+                <a:sym typeface="Tahoma" pitchFamily="34" charset="0"/>
+              </a:rPr>
+              <a:t>arg.a</a:t>
+            </a:r>
+            <a:r>
+              <a:rPr lang="en-US" sz="2000" dirty="0" smtClean="0">
+                <a:solidFill>
+                  <a:srgbClr val="545472"/>
+                </a:solidFill>
+                <a:sym typeface="Tahoma" pitchFamily="34" charset="0"/>
+              </a:rPr>
+              <a:t>=27</a:t>
+            </a:r>
+            <a:r>
+              <a:rPr lang="en-US" sz="2000" dirty="0">
+                <a:solidFill>
+                  <a:srgbClr val="545472"/>
+                </a:solidFill>
+                <a:sym typeface="Tahoma" pitchFamily="34" charset="0"/>
+              </a:rPr>
+              <a:t>;   </a:t>
+            </a:r>
+            <a:r>
+              <a:rPr lang="en-US" sz="2000" dirty="0" smtClean="0">
+                <a:solidFill>
+                  <a:srgbClr val="545472"/>
+                </a:solidFill>
+                <a:sym typeface="Tahoma" pitchFamily="34" charset="0"/>
+              </a:rPr>
+              <a:t> </a:t>
+            </a:r>
+            <a:r>
+              <a:rPr lang="en-US" sz="2000" dirty="0" err="1" smtClean="0">
+                <a:solidFill>
+                  <a:srgbClr val="545472"/>
+                </a:solidFill>
+                <a:sym typeface="Tahoma" pitchFamily="34" charset="0"/>
+              </a:rPr>
+              <a:t>arg.b</a:t>
+            </a:r>
+            <a:r>
+              <a:rPr lang="en-US" sz="2000" dirty="0" smtClean="0">
+                <a:solidFill>
+                  <a:srgbClr val="545472"/>
+                </a:solidFill>
+                <a:sym typeface="Tahoma" pitchFamily="34" charset="0"/>
+              </a:rPr>
+              <a:t>=3</a:t>
+            </a:r>
+            <a:r>
+              <a:rPr lang="en-US" sz="2000" dirty="0">
+                <a:solidFill>
+                  <a:srgbClr val="545472"/>
+                </a:solidFill>
+                <a:sym typeface="Tahoma" pitchFamily="34" charset="0"/>
+              </a:rPr>
+              <a:t>;    </a:t>
+            </a:r>
+            <a:r>
+              <a:rPr lang="en-US" sz="2000" dirty="0" err="1">
+                <a:solidFill>
+                  <a:srgbClr val="545472"/>
+                </a:solidFill>
+                <a:sym typeface="Tahoma" pitchFamily="34" charset="0"/>
+              </a:rPr>
+              <a:t>arg.c</a:t>
+            </a:r>
+            <a:r>
+              <a:rPr lang="en-US" sz="2000" dirty="0">
+                <a:solidFill>
+                  <a:srgbClr val="545472"/>
+                </a:solidFill>
+                <a:sym typeface="Tahoma" pitchFamily="34" charset="0"/>
+              </a:rPr>
+              <a:t>=</a:t>
+            </a:r>
+            <a:r>
+              <a:rPr lang="en-US" sz="2000" dirty="0" err="1">
+                <a:solidFill>
+                  <a:srgbClr val="545472"/>
+                </a:solidFill>
+                <a:sym typeface="Tahoma" pitchFamily="34" charset="0"/>
+              </a:rPr>
+              <a:t>arg.a+arg.b</a:t>
+            </a:r>
+            <a:r>
+              <a:rPr lang="en-US" sz="2000" dirty="0" smtClean="0">
+                <a:solidFill>
+                  <a:srgbClr val="545472"/>
+                </a:solidFill>
+                <a:sym typeface="Tahoma" pitchFamily="34" charset="0"/>
+              </a:rPr>
+              <a:t>;</a:t>
+            </a:r>
+            <a:r>
+              <a:rPr lang="en-US" sz="2000" dirty="0" smtClean="0">
                 <a:solidFill>
                   <a:srgbClr val="FF0000"/>
                 </a:solidFill>
                 <a:sym typeface="Tahoma" pitchFamily="34" charset="0"/>
               </a:rPr>
-              <a:t>    func(&amp;arg);</a:t>
-            </a:r>
-            <a:r>
-              <a:rPr lang="en-US" sz="2000">
+              <a:t>    </a:t>
+            </a:r>
+            <a:r>
+              <a:rPr lang="en-US" sz="2000" dirty="0" err="1">
+                <a:solidFill>
+                  <a:srgbClr val="FF0000"/>
+                </a:solidFill>
+                <a:sym typeface="Tahoma" pitchFamily="34" charset="0"/>
+              </a:rPr>
+              <a:t>func</a:t>
+            </a:r>
+            <a:r>
+              <a:rPr lang="en-US" sz="2000" dirty="0">
+                <a:solidFill>
+                  <a:srgbClr val="FF0000"/>
+                </a:solidFill>
+                <a:sym typeface="Tahoma" pitchFamily="34" charset="0"/>
+              </a:rPr>
+              <a:t>(&amp;</a:t>
+            </a:r>
+            <a:r>
+              <a:rPr lang="en-US" sz="2000" dirty="0" err="1">
+                <a:solidFill>
+                  <a:srgbClr val="FF0000"/>
+                </a:solidFill>
+                <a:sym typeface="Tahoma" pitchFamily="34" charset="0"/>
+              </a:rPr>
+              <a:t>arg</a:t>
+            </a:r>
+            <a:r>
+              <a:rPr lang="en-US" sz="2000" dirty="0">
+                <a:solidFill>
+                  <a:srgbClr val="FF0000"/>
+                </a:solidFill>
+                <a:sym typeface="Tahoma" pitchFamily="34" charset="0"/>
+              </a:rPr>
+              <a:t>);</a:t>
+            </a:r>
+            <a:r>
+              <a:rPr lang="en-US" sz="2000" dirty="0">
+                <a:solidFill>
+                  <a:srgbClr val="545472"/>
+                </a:solidFill>
+                <a:sym typeface="Tahoma" pitchFamily="34" charset="0"/>
+              </a:rPr>
+              <a:t> </a:t>
+            </a:r>
+            <a:r>
+              <a:rPr lang="en-US" sz="2000" dirty="0" smtClean="0">
                 <a:solidFill>
                   <a:srgbClr val="545472"/>
                 </a:solidFill>
@@ -28536,27 +28775,219 @@
               </a:rPr>
               <a:t> }</a:t>
             </a:r>
+            <a:endParaRPr lang="en-US" sz="2000" dirty="0">
+              <a:solidFill>
+                <a:srgbClr val="545472"/>
+              </a:solidFill>
+              <a:sym typeface="Tahoma" pitchFamily="34" charset="0"/>
+            </a:endParaRPr>
           </a:p>
           <a:p>
             <a:pPr algn="l"/>
             <a:r>
-              <a:rPr lang="en-US" sz="2000">
+              <a:rPr lang="en-US" sz="2000" dirty="0">
                 <a:solidFill>
                   <a:srgbClr val="FF0000"/>
                 </a:solidFill>
                 <a:sym typeface="Tahoma" pitchFamily="34" charset="0"/>
               </a:rPr>
-              <a:t>void func(struct data  *parm)</a:t>
-            </a:r>
-            <a:r>
-              <a:rPr lang="en-US" sz="2000">
-                <a:solidFill>
-                  <a:srgbClr val="545472"/>
-                </a:solidFill>
-                <a:sym typeface="Tahoma" pitchFamily="34" charset="0"/>
-              </a:rPr>
-              <a:t>  {parm-&gt;a=18;     parm-&gt;b=5;    parm-&gt;c=parm-&gt;a*parm-&gt;b; }</a:t>
-            </a:r>
+              <a:t>void </a:t>
+            </a:r>
+            <a:r>
+              <a:rPr lang="en-US" sz="2000" dirty="0" err="1">
+                <a:solidFill>
+                  <a:srgbClr val="FF0000"/>
+                </a:solidFill>
+                <a:sym typeface="Tahoma" pitchFamily="34" charset="0"/>
+              </a:rPr>
+              <a:t>func</a:t>
+            </a:r>
+            <a:r>
+              <a:rPr lang="en-US" sz="2000" dirty="0">
+                <a:solidFill>
+                  <a:srgbClr val="FF0000"/>
+                </a:solidFill>
+                <a:sym typeface="Tahoma" pitchFamily="34" charset="0"/>
+              </a:rPr>
+              <a:t>(</a:t>
+            </a:r>
+            <a:r>
+              <a:rPr lang="en-US" sz="2000" dirty="0" err="1">
+                <a:solidFill>
+                  <a:srgbClr val="FF0000"/>
+                </a:solidFill>
+                <a:sym typeface="Tahoma" pitchFamily="34" charset="0"/>
+              </a:rPr>
+              <a:t>struct</a:t>
+            </a:r>
+            <a:r>
+              <a:rPr lang="en-US" sz="2000" dirty="0">
+                <a:solidFill>
+                  <a:srgbClr val="FF0000"/>
+                </a:solidFill>
+                <a:sym typeface="Tahoma" pitchFamily="34" charset="0"/>
+              </a:rPr>
+              <a:t> data  *</a:t>
+            </a:r>
+            <a:r>
+              <a:rPr lang="en-US" sz="2000" dirty="0" err="1">
+                <a:solidFill>
+                  <a:srgbClr val="FF0000"/>
+                </a:solidFill>
+                <a:sym typeface="Tahoma" pitchFamily="34" charset="0"/>
+              </a:rPr>
+              <a:t>parm</a:t>
+            </a:r>
+            <a:r>
+              <a:rPr lang="en-US" sz="2000" dirty="0">
+                <a:solidFill>
+                  <a:srgbClr val="FF0000"/>
+                </a:solidFill>
+                <a:sym typeface="Tahoma" pitchFamily="34" charset="0"/>
+              </a:rPr>
+              <a:t>)</a:t>
+            </a:r>
+            <a:r>
+              <a:rPr lang="en-US" sz="2000" dirty="0">
+                <a:solidFill>
+                  <a:srgbClr val="545472"/>
+                </a:solidFill>
+                <a:sym typeface="Tahoma" pitchFamily="34" charset="0"/>
+              </a:rPr>
+              <a:t>  </a:t>
+            </a:r>
+            <a:endParaRPr lang="en-US" sz="2000" dirty="0" smtClean="0">
+              <a:solidFill>
+                <a:srgbClr val="545472"/>
+              </a:solidFill>
+              <a:sym typeface="Tahoma" pitchFamily="34" charset="0"/>
+            </a:endParaRPr>
+          </a:p>
+          <a:p>
+            <a:pPr algn="l"/>
+            <a:r>
+              <a:rPr lang="en-US" sz="2000" dirty="0" smtClean="0">
+                <a:solidFill>
+                  <a:srgbClr val="545472"/>
+                </a:solidFill>
+                <a:sym typeface="Tahoma" pitchFamily="34" charset="0"/>
+              </a:rPr>
+              <a:t>{   </a:t>
+            </a:r>
+            <a:r>
+              <a:rPr lang="en-US" sz="2000" dirty="0" err="1" smtClean="0">
+                <a:solidFill>
+                  <a:srgbClr val="545472"/>
+                </a:solidFill>
+                <a:sym typeface="Tahoma" pitchFamily="34" charset="0"/>
+              </a:rPr>
+              <a:t>parm</a:t>
+            </a:r>
+            <a:r>
+              <a:rPr lang="en-US" sz="2000" dirty="0" smtClean="0">
+                <a:solidFill>
+                  <a:srgbClr val="545472"/>
+                </a:solidFill>
+                <a:sym typeface="Tahoma" pitchFamily="34" charset="0"/>
+              </a:rPr>
+              <a:t>-</a:t>
+            </a:r>
+            <a:r>
+              <a:rPr lang="en-US" sz="2000" dirty="0">
+                <a:solidFill>
+                  <a:srgbClr val="545472"/>
+                </a:solidFill>
+                <a:sym typeface="Tahoma" pitchFamily="34" charset="0"/>
+              </a:rPr>
+              <a:t>&gt;a=18;     </a:t>
+            </a:r>
+            <a:r>
+              <a:rPr lang="en-US" sz="2000" dirty="0" err="1">
+                <a:solidFill>
+                  <a:srgbClr val="545472"/>
+                </a:solidFill>
+                <a:sym typeface="Tahoma" pitchFamily="34" charset="0"/>
+              </a:rPr>
+              <a:t>parm</a:t>
+            </a:r>
+            <a:r>
+              <a:rPr lang="en-US" sz="2000" dirty="0">
+                <a:solidFill>
+                  <a:srgbClr val="545472"/>
+                </a:solidFill>
+                <a:sym typeface="Tahoma" pitchFamily="34" charset="0"/>
+              </a:rPr>
+              <a:t>-&gt;b=5;    </a:t>
+            </a:r>
+            <a:r>
+              <a:rPr lang="en-US" sz="2000" dirty="0" err="1">
+                <a:solidFill>
+                  <a:srgbClr val="545472"/>
+                </a:solidFill>
+                <a:sym typeface="Tahoma" pitchFamily="34" charset="0"/>
+              </a:rPr>
+              <a:t>parm</a:t>
+            </a:r>
+            <a:r>
+              <a:rPr lang="en-US" sz="2000" dirty="0">
+                <a:solidFill>
+                  <a:srgbClr val="545472"/>
+                </a:solidFill>
+                <a:sym typeface="Tahoma" pitchFamily="34" charset="0"/>
+              </a:rPr>
+              <a:t>-&gt;c=</a:t>
+            </a:r>
+            <a:r>
+              <a:rPr lang="en-US" sz="2000" dirty="0" err="1">
+                <a:solidFill>
+                  <a:srgbClr val="545472"/>
+                </a:solidFill>
+                <a:sym typeface="Tahoma" pitchFamily="34" charset="0"/>
+              </a:rPr>
+              <a:t>parm</a:t>
+            </a:r>
+            <a:r>
+              <a:rPr lang="en-US" sz="2000" dirty="0">
+                <a:solidFill>
+                  <a:srgbClr val="545472"/>
+                </a:solidFill>
+                <a:sym typeface="Tahoma" pitchFamily="34" charset="0"/>
+              </a:rPr>
+              <a:t>-&gt;a*</a:t>
+            </a:r>
+            <a:r>
+              <a:rPr lang="en-US" sz="2000" dirty="0" err="1">
+                <a:solidFill>
+                  <a:srgbClr val="545472"/>
+                </a:solidFill>
+                <a:sym typeface="Tahoma" pitchFamily="34" charset="0"/>
+              </a:rPr>
+              <a:t>parm</a:t>
+            </a:r>
+            <a:r>
+              <a:rPr lang="en-US" sz="2000" dirty="0">
+                <a:solidFill>
+                  <a:srgbClr val="545472"/>
+                </a:solidFill>
+                <a:sym typeface="Tahoma" pitchFamily="34" charset="0"/>
+              </a:rPr>
+              <a:t>-&gt;b; </a:t>
+            </a:r>
+            <a:r>
+              <a:rPr lang="en-US" sz="2000" dirty="0" smtClean="0">
+                <a:solidFill>
+                  <a:srgbClr val="545472"/>
+                </a:solidFill>
+                <a:sym typeface="Tahoma" pitchFamily="34" charset="0"/>
+              </a:rPr>
+              <a:t>  }</a:t>
+            </a:r>
+            <a:endParaRPr lang="en-US" sz="2000" dirty="0">
+              <a:solidFill>
+                <a:srgbClr val="545472"/>
+              </a:solidFill>
+              <a:sym typeface="Tahoma" pitchFamily="34" charset="0"/>
+            </a:endParaRPr>
           </a:p>
         </p:txBody>
       </p:sp>
@@ -29996,31 +30427,15 @@
                   <a:srgbClr val="FF0000"/>
                 </a:solidFill>
               </a:rPr>
-              <a:t> </a:t>
-            </a:r>
-            <a:r>
-              <a:rPr lang="en-US" altLang="zh-CN" sz="2000" dirty="0" smtClean="0">
+              <a:t>     </a:t>
+            </a:r>
+            <a:r>
+              <a:rPr lang="zh-CN" altLang="en-US" sz="2000" dirty="0" smtClean="0">
                 <a:solidFill>
                   <a:srgbClr val="FF0000"/>
                 </a:solidFill>
               </a:rPr>
-              <a:t>    </a:t>
-            </a:r>
-            <a:r>
-              <a:rPr lang="zh-CN" altLang="en-US" sz="2000" dirty="0" smtClean="0">
-                <a:solidFill>
-                  <a:srgbClr val="FF0000"/>
-                </a:solidFill>
-              </a:rPr>
-              <a:t>参数</a:t>
-            </a:r>
-            <a:r>
-              <a:rPr lang="zh-CN" altLang="en-US" sz="2000" dirty="0" smtClean="0">
-                <a:solidFill>
-                  <a:srgbClr val="FF0000"/>
-                </a:solidFill>
-              </a:rPr>
-              <a:t>：</a:t>
+              <a:t>参数：</a:t>
             </a:r>
             <a:r>
               <a:rPr lang="en-US" altLang="zh-CN" sz="2000" dirty="0" smtClean="0">
@@ -30535,7 +30950,7 @@
         <p:spPr>
           <a:xfrm>
             <a:off x="393519" y="127321"/>
-            <a:ext cx="4930815" cy="461665"/>
+            <a:ext cx="8387624" cy="461665"/>
           </a:xfrm>
           <a:prstGeom prst="rect">
             <a:avLst/>
@@ -30563,11 +30978,43 @@
                   <a:srgbClr val="020BC4"/>
                 </a:solidFill>
               </a:rPr>
-              <a:t>值</a:t>
+              <a:t>值  </a:t>
+            </a:r>
+            <a:r>
+              <a:rPr lang="en-US" altLang="zh-CN" b="1" dirty="0" smtClean="0">
+                <a:solidFill>
+                  <a:srgbClr val="FF0000"/>
+                </a:solidFill>
+              </a:rPr>
+              <a:t>p211, </a:t>
+            </a:r>
+            <a:r>
+              <a:rPr lang="zh-CN" altLang="en-US" b="1" dirty="0" smtClean="0">
+                <a:solidFill>
+                  <a:srgbClr val="FF0000"/>
+                </a:solidFill>
+              </a:rPr>
+              <a:t>例</a:t>
+            </a:r>
+            <a:r>
+              <a:rPr lang="en-US" altLang="zh-CN" b="1" dirty="0" smtClean="0">
+                <a:solidFill>
+                  <a:srgbClr val="FF0000"/>
+                </a:solidFill>
+              </a:rPr>
+              <a:t>9.9 </a:t>
+            </a:r>
+            <a:r>
+              <a:rPr lang="zh-CN" altLang="en-US" b="1" dirty="0" smtClean="0">
+                <a:solidFill>
+                  <a:srgbClr val="FF0000"/>
+                </a:solidFill>
+              </a:rPr>
+              <a:t>模拟时间更新程序</a:t>
             </a:r>
             <a:endParaRPr lang="zh-CN" altLang="en-US" b="1" dirty="0">
               <a:solidFill>
-                <a:srgbClr val="020BC4"/>
+                <a:srgbClr val="FF0000"/>
               </a:solidFill>
             </a:endParaRPr>
           </a:p>
@@ -34318,18 +34765,7 @@
                 <a:ea typeface="隶书" pitchFamily="49" charset="-122"/>
                 <a:sym typeface="隶书" pitchFamily="49" charset="-122"/>
               </a:rPr>
-              <a:t>定义共</a:t>
-            </a:r>
-            <a:r>
-              <a:rPr lang="zh-CN" altLang="en-US" sz="2000" dirty="0">
-                <a:solidFill>
-                  <a:srgbClr val="545472"/>
-                </a:solidFill>
-                <a:latin typeface="隶书" pitchFamily="49" charset="-122"/>
-                <a:ea typeface="隶书" pitchFamily="49" charset="-122"/>
-                <a:sym typeface="隶书" pitchFamily="49" charset="-122"/>
-              </a:rPr>
-              <a:t>用体</a:t>
+              <a:t>定义共用体</a:t>
             </a:r>
             <a:r>
               <a:rPr lang="zh-CN" altLang="en-US" sz="2000" dirty="0" smtClean="0">
@@ -45839,7 +46275,7 @@
               </a:spcBef>
             </a:pPr>
             <a:r>
-              <a:rPr lang="zh-CN" altLang="en-US" sz="2800" b="1">
+              <a:rPr lang="zh-CN" altLang="en-US" sz="2800" b="1" dirty="0">
                 <a:solidFill>
                   <a:srgbClr val="9900FF"/>
                 </a:solidFill>
@@ -45866,14 +46302,47 @@
               <a:t>        </a:t>
             </a:r>
             <a:r>
-              <a:rPr lang="en-US" sz="2800" b="1">
-                <a:solidFill>
-                  <a:srgbClr val="545472"/>
-                </a:solidFill>
-                <a:sym typeface="Tahoma" pitchFamily="34" charset="0"/>
-              </a:rPr>
-              <a:t>1~6 </a:t>
-            </a:r>
+              <a:rPr lang="en-US" sz="2800" b="1" smtClean="0">
+                <a:solidFill>
+                  <a:srgbClr val="545472"/>
+                </a:solidFill>
+                <a:sym typeface="Tahoma" pitchFamily="34" charset="0"/>
+              </a:rPr>
+              <a:t>1</a:t>
+            </a:r>
+            <a:r>
+              <a:rPr lang="en-US" sz="2800" b="1" dirty="0">
+                <a:solidFill>
+                  <a:srgbClr val="545472"/>
+                </a:solidFill>
+                <a:sym typeface="Tahoma" pitchFamily="34" charset="0"/>
+              </a:rPr>
+              <a:t>,</a:t>
+            </a:r>
+            <a:r>
+              <a:rPr lang="en-US" altLang="zh-CN" sz="2800" b="1" smtClean="0">
+                <a:solidFill>
+                  <a:srgbClr val="545472"/>
+                </a:solidFill>
+                <a:sym typeface="Tahoma" pitchFamily="34" charset="0"/>
+              </a:rPr>
+              <a:t>3,4</a:t>
+            </a:r>
+            <a:r>
+              <a:rPr lang="en-US" sz="2800" b="1" smtClean="0">
+                <a:solidFill>
+                  <a:srgbClr val="545472"/>
+                </a:solidFill>
+                <a:sym typeface="Tahoma" pitchFamily="34" charset="0"/>
+              </a:rPr>
+              <a:t> </a:t>
+            </a:r>
+            <a:endParaRPr lang="en-US" sz="2800" b="1">
+              <a:solidFill>
+                <a:srgbClr val="545472"/>
+              </a:solidFill>
+              <a:sym typeface="Tahoma" pitchFamily="34" charset="0"/>
+            </a:endParaRPr>
           </a:p>
         </p:txBody>
       </p:sp>
@@ -47754,16 +48223,7 @@
                 </a:solidFill>
                 <a:sym typeface="Tahoma" pitchFamily="34" charset="0"/>
               </a:rPr>
-              <a:t>仅使用</a:t>
-            </a:r>
-            <a:r>
-              <a:rPr lang="zh-CN" altLang="en-US" sz="2000" b="1" dirty="0" smtClean="0">
-                <a:solidFill>
-                  <a:schemeClr val="tx2"/>
-                </a:solidFill>
-                <a:sym typeface="Tahoma" pitchFamily="34" charset="0"/>
-              </a:rPr>
-              <a:t>一</a:t>
+              <a:t>仅使用一</a:t>
             </a:r>
             <a:r>
               <a:rPr lang="zh-CN" altLang="en-US" sz="2000" b="1" dirty="0">
